--- a/ServerLecture/PT/5강 비동기 소켓 프로그래밍.pptx
+++ b/ServerLecture/PT/5강 비동기 소켓 프로그래밍.pptx
@@ -5,11 +5,42 @@
     <p:sldMasterId id="2147483648" r:id="rId1"/>
   </p:sldMasterIdLst>
   <p:notesMasterIdLst>
-    <p:notesMasterId r:id="rId4"/>
+    <p:notesMasterId r:id="rId35"/>
   </p:notesMasterIdLst>
   <p:sldIdLst>
     <p:sldId id="257" r:id="rId2"/>
-    <p:sldId id="305" r:id="rId3"/>
+    <p:sldId id="307" r:id="rId3"/>
+    <p:sldId id="306" r:id="rId4"/>
+    <p:sldId id="308" r:id="rId5"/>
+    <p:sldId id="313" r:id="rId6"/>
+    <p:sldId id="312" r:id="rId7"/>
+    <p:sldId id="309" r:id="rId8"/>
+    <p:sldId id="311" r:id="rId9"/>
+    <p:sldId id="314" r:id="rId10"/>
+    <p:sldId id="315" r:id="rId11"/>
+    <p:sldId id="316" r:id="rId12"/>
+    <p:sldId id="317" r:id="rId13"/>
+    <p:sldId id="318" r:id="rId14"/>
+    <p:sldId id="319" r:id="rId15"/>
+    <p:sldId id="320" r:id="rId16"/>
+    <p:sldId id="321" r:id="rId17"/>
+    <p:sldId id="322" r:id="rId18"/>
+    <p:sldId id="323" r:id="rId19"/>
+    <p:sldId id="324" r:id="rId20"/>
+    <p:sldId id="325" r:id="rId21"/>
+    <p:sldId id="326" r:id="rId22"/>
+    <p:sldId id="327" r:id="rId23"/>
+    <p:sldId id="328" r:id="rId24"/>
+    <p:sldId id="329" r:id="rId25"/>
+    <p:sldId id="330" r:id="rId26"/>
+    <p:sldId id="331" r:id="rId27"/>
+    <p:sldId id="332" r:id="rId28"/>
+    <p:sldId id="333" r:id="rId29"/>
+    <p:sldId id="334" r:id="rId30"/>
+    <p:sldId id="335" r:id="rId31"/>
+    <p:sldId id="336" r:id="rId32"/>
+    <p:sldId id="337" r:id="rId33"/>
+    <p:sldId id="305" r:id="rId34"/>
   </p:sldIdLst>
   <p:sldSz cx="12192000" cy="6858000"/>
   <p:notesSz cx="6858000" cy="9144000"/>
@@ -108,6 +139,11 @@
       </a:defRPr>
     </a:lvl9pPr>
   </p:defaultTextStyle>
+  <p:extLst>
+    <p:ext uri="{EFAFB233-063F-42B5-8137-9DF3F51BA10A}">
+      <p15:sldGuideLst xmlns:p15="http://schemas.microsoft.com/office/powerpoint/2012/main"/>
+    </p:ext>
+  </p:extLst>
 </p:presentation>
 </file>
 
@@ -193,7 +229,7 @@
           <a:p>
             <a:fld id="{C59D1008-A497-4655-820B-B486E3042A4D}" type="datetimeFigureOut">
               <a:rPr lang="ko-KR" altLang="en-US" smtClean="0"/>
-              <a:t>2023-09-02</a:t>
+              <a:t>2023-09-03</a:t>
             </a:fld>
             <a:endParaRPr lang="ko-KR" altLang="en-US"/>
           </a:p>
@@ -525,7 +561,1687 @@
           <a:p>
             <a:fld id="{D8DCC404-E41A-4BC0-921C-BBFB3AB1AB4E}" type="slidenum">
               <a:rPr lang="ko-KR" altLang="en-US" smtClean="0"/>
-              <a:t>2</a:t>
+              <a:t>3</a:t>
+            </a:fld>
+            <a:endParaRPr lang="ko-KR" altLang="en-US"/>
+          </a:p>
+        </p:txBody>
+      </p:sp>
+    </p:spTree>
+    <p:extLst>
+      <p:ext uri="{BB962C8B-B14F-4D97-AF65-F5344CB8AC3E}">
+        <p14:creationId xmlns:p14="http://schemas.microsoft.com/office/powerpoint/2010/main" val="1502202043"/>
+      </p:ext>
+    </p:extLst>
+  </p:cSld>
+  <p:clrMapOvr>
+    <a:masterClrMapping/>
+  </p:clrMapOvr>
+</p:notes>
+</file>
+
+<file path=ppt/notesSlides/notesSlide10.xml><?xml version="1.0" encoding="utf-8"?>
+<p:notes xmlns:a="http://schemas.openxmlformats.org/drawingml/2006/main" xmlns:r="http://schemas.openxmlformats.org/officeDocument/2006/relationships" xmlns:p="http://schemas.openxmlformats.org/presentationml/2006/main">
+  <p:cSld>
+    <p:spTree>
+      <p:nvGrpSpPr>
+        <p:cNvPr id="1" name=""/>
+        <p:cNvGrpSpPr/>
+        <p:nvPr/>
+      </p:nvGrpSpPr>
+      <p:grpSpPr>
+        <a:xfrm>
+          <a:off x="0" y="0"/>
+          <a:ext cx="0" cy="0"/>
+          <a:chOff x="0" y="0"/>
+          <a:chExt cx="0" cy="0"/>
+        </a:xfrm>
+      </p:grpSpPr>
+      <p:sp>
+        <p:nvSpPr>
+          <p:cNvPr id="2" name="슬라이드 이미지 개체 틀 1"/>
+          <p:cNvSpPr>
+            <a:spLocks noGrp="1" noRot="1" noChangeAspect="1"/>
+          </p:cNvSpPr>
+          <p:nvPr>
+            <p:ph type="sldImg"/>
+          </p:nvPr>
+        </p:nvSpPr>
+        <p:spPr/>
+      </p:sp>
+      <p:sp>
+        <p:nvSpPr>
+          <p:cNvPr id="3" name="슬라이드 노트 개체 틀 2"/>
+          <p:cNvSpPr>
+            <a:spLocks noGrp="1"/>
+          </p:cNvSpPr>
+          <p:nvPr>
+            <p:ph type="body" idx="1"/>
+          </p:nvPr>
+        </p:nvSpPr>
+        <p:spPr/>
+        <p:txBody>
+          <a:bodyPr/>
+          <a:lstStyle/>
+          <a:p>
+            <a:endParaRPr lang="ko-KR" altLang="en-US" dirty="0"/>
+          </a:p>
+        </p:txBody>
+      </p:sp>
+      <p:sp>
+        <p:nvSpPr>
+          <p:cNvPr id="4" name="슬라이드 번호 개체 틀 3"/>
+          <p:cNvSpPr>
+            <a:spLocks noGrp="1"/>
+          </p:cNvSpPr>
+          <p:nvPr>
+            <p:ph type="sldNum" sz="quarter" idx="5"/>
+          </p:nvPr>
+        </p:nvSpPr>
+        <p:spPr/>
+        <p:txBody>
+          <a:bodyPr/>
+          <a:lstStyle/>
+          <a:p>
+            <a:fld id="{D8DCC404-E41A-4BC0-921C-BBFB3AB1AB4E}" type="slidenum">
+              <a:rPr lang="ko-KR" altLang="en-US" smtClean="0"/>
+              <a:t>13</a:t>
+            </a:fld>
+            <a:endParaRPr lang="ko-KR" altLang="en-US"/>
+          </a:p>
+        </p:txBody>
+      </p:sp>
+    </p:spTree>
+    <p:extLst>
+      <p:ext uri="{BB962C8B-B14F-4D97-AF65-F5344CB8AC3E}">
+        <p14:creationId xmlns:p14="http://schemas.microsoft.com/office/powerpoint/2010/main" val="2006734274"/>
+      </p:ext>
+    </p:extLst>
+  </p:cSld>
+  <p:clrMapOvr>
+    <a:masterClrMapping/>
+  </p:clrMapOvr>
+</p:notes>
+</file>
+
+<file path=ppt/notesSlides/notesSlide11.xml><?xml version="1.0" encoding="utf-8"?>
+<p:notes xmlns:a="http://schemas.openxmlformats.org/drawingml/2006/main" xmlns:r="http://schemas.openxmlformats.org/officeDocument/2006/relationships" xmlns:p="http://schemas.openxmlformats.org/presentationml/2006/main">
+  <p:cSld>
+    <p:spTree>
+      <p:nvGrpSpPr>
+        <p:cNvPr id="1" name=""/>
+        <p:cNvGrpSpPr/>
+        <p:nvPr/>
+      </p:nvGrpSpPr>
+      <p:grpSpPr>
+        <a:xfrm>
+          <a:off x="0" y="0"/>
+          <a:ext cx="0" cy="0"/>
+          <a:chOff x="0" y="0"/>
+          <a:chExt cx="0" cy="0"/>
+        </a:xfrm>
+      </p:grpSpPr>
+      <p:sp>
+        <p:nvSpPr>
+          <p:cNvPr id="2" name="슬라이드 이미지 개체 틀 1"/>
+          <p:cNvSpPr>
+            <a:spLocks noGrp="1" noRot="1" noChangeAspect="1"/>
+          </p:cNvSpPr>
+          <p:nvPr>
+            <p:ph type="sldImg"/>
+          </p:nvPr>
+        </p:nvSpPr>
+        <p:spPr/>
+      </p:sp>
+      <p:sp>
+        <p:nvSpPr>
+          <p:cNvPr id="3" name="슬라이드 노트 개체 틀 2"/>
+          <p:cNvSpPr>
+            <a:spLocks noGrp="1"/>
+          </p:cNvSpPr>
+          <p:nvPr>
+            <p:ph type="body" idx="1"/>
+          </p:nvPr>
+        </p:nvSpPr>
+        <p:spPr/>
+        <p:txBody>
+          <a:bodyPr/>
+          <a:lstStyle/>
+          <a:p>
+            <a:endParaRPr lang="ko-KR" altLang="en-US" dirty="0"/>
+          </a:p>
+        </p:txBody>
+      </p:sp>
+      <p:sp>
+        <p:nvSpPr>
+          <p:cNvPr id="4" name="슬라이드 번호 개체 틀 3"/>
+          <p:cNvSpPr>
+            <a:spLocks noGrp="1"/>
+          </p:cNvSpPr>
+          <p:nvPr>
+            <p:ph type="sldNum" sz="quarter" idx="5"/>
+          </p:nvPr>
+        </p:nvSpPr>
+        <p:spPr/>
+        <p:txBody>
+          <a:bodyPr/>
+          <a:lstStyle/>
+          <a:p>
+            <a:fld id="{D8DCC404-E41A-4BC0-921C-BBFB3AB1AB4E}" type="slidenum">
+              <a:rPr lang="ko-KR" altLang="en-US" smtClean="0"/>
+              <a:t>15</a:t>
+            </a:fld>
+            <a:endParaRPr lang="ko-KR" altLang="en-US"/>
+          </a:p>
+        </p:txBody>
+      </p:sp>
+    </p:spTree>
+    <p:extLst>
+      <p:ext uri="{BB962C8B-B14F-4D97-AF65-F5344CB8AC3E}">
+        <p14:creationId xmlns:p14="http://schemas.microsoft.com/office/powerpoint/2010/main" val="2843978341"/>
+      </p:ext>
+    </p:extLst>
+  </p:cSld>
+  <p:clrMapOvr>
+    <a:masterClrMapping/>
+  </p:clrMapOvr>
+</p:notes>
+</file>
+
+<file path=ppt/notesSlides/notesSlide12.xml><?xml version="1.0" encoding="utf-8"?>
+<p:notes xmlns:a="http://schemas.openxmlformats.org/drawingml/2006/main" xmlns:r="http://schemas.openxmlformats.org/officeDocument/2006/relationships" xmlns:p="http://schemas.openxmlformats.org/presentationml/2006/main">
+  <p:cSld>
+    <p:spTree>
+      <p:nvGrpSpPr>
+        <p:cNvPr id="1" name=""/>
+        <p:cNvGrpSpPr/>
+        <p:nvPr/>
+      </p:nvGrpSpPr>
+      <p:grpSpPr>
+        <a:xfrm>
+          <a:off x="0" y="0"/>
+          <a:ext cx="0" cy="0"/>
+          <a:chOff x="0" y="0"/>
+          <a:chExt cx="0" cy="0"/>
+        </a:xfrm>
+      </p:grpSpPr>
+      <p:sp>
+        <p:nvSpPr>
+          <p:cNvPr id="2" name="슬라이드 이미지 개체 틀 1"/>
+          <p:cNvSpPr>
+            <a:spLocks noGrp="1" noRot="1" noChangeAspect="1"/>
+          </p:cNvSpPr>
+          <p:nvPr>
+            <p:ph type="sldImg"/>
+          </p:nvPr>
+        </p:nvSpPr>
+        <p:spPr/>
+      </p:sp>
+      <p:sp>
+        <p:nvSpPr>
+          <p:cNvPr id="3" name="슬라이드 노트 개체 틀 2"/>
+          <p:cNvSpPr>
+            <a:spLocks noGrp="1"/>
+          </p:cNvSpPr>
+          <p:nvPr>
+            <p:ph type="body" idx="1"/>
+          </p:nvPr>
+        </p:nvSpPr>
+        <p:spPr/>
+        <p:txBody>
+          <a:bodyPr/>
+          <a:lstStyle/>
+          <a:p>
+            <a:endParaRPr lang="ko-KR" altLang="en-US" dirty="0"/>
+          </a:p>
+        </p:txBody>
+      </p:sp>
+      <p:sp>
+        <p:nvSpPr>
+          <p:cNvPr id="4" name="슬라이드 번호 개체 틀 3"/>
+          <p:cNvSpPr>
+            <a:spLocks noGrp="1"/>
+          </p:cNvSpPr>
+          <p:nvPr>
+            <p:ph type="sldNum" sz="quarter" idx="5"/>
+          </p:nvPr>
+        </p:nvSpPr>
+        <p:spPr/>
+        <p:txBody>
+          <a:bodyPr/>
+          <a:lstStyle/>
+          <a:p>
+            <a:fld id="{D8DCC404-E41A-4BC0-921C-BBFB3AB1AB4E}" type="slidenum">
+              <a:rPr lang="ko-KR" altLang="en-US" smtClean="0"/>
+              <a:t>16</a:t>
+            </a:fld>
+            <a:endParaRPr lang="ko-KR" altLang="en-US"/>
+          </a:p>
+        </p:txBody>
+      </p:sp>
+    </p:spTree>
+    <p:extLst>
+      <p:ext uri="{BB962C8B-B14F-4D97-AF65-F5344CB8AC3E}">
+        <p14:creationId xmlns:p14="http://schemas.microsoft.com/office/powerpoint/2010/main" val="3307601014"/>
+      </p:ext>
+    </p:extLst>
+  </p:cSld>
+  <p:clrMapOvr>
+    <a:masterClrMapping/>
+  </p:clrMapOvr>
+</p:notes>
+</file>
+
+<file path=ppt/notesSlides/notesSlide13.xml><?xml version="1.0" encoding="utf-8"?>
+<p:notes xmlns:a="http://schemas.openxmlformats.org/drawingml/2006/main" xmlns:r="http://schemas.openxmlformats.org/officeDocument/2006/relationships" xmlns:p="http://schemas.openxmlformats.org/presentationml/2006/main">
+  <p:cSld>
+    <p:spTree>
+      <p:nvGrpSpPr>
+        <p:cNvPr id="1" name=""/>
+        <p:cNvGrpSpPr/>
+        <p:nvPr/>
+      </p:nvGrpSpPr>
+      <p:grpSpPr>
+        <a:xfrm>
+          <a:off x="0" y="0"/>
+          <a:ext cx="0" cy="0"/>
+          <a:chOff x="0" y="0"/>
+          <a:chExt cx="0" cy="0"/>
+        </a:xfrm>
+      </p:grpSpPr>
+      <p:sp>
+        <p:nvSpPr>
+          <p:cNvPr id="2" name="슬라이드 이미지 개체 틀 1"/>
+          <p:cNvSpPr>
+            <a:spLocks noGrp="1" noRot="1" noChangeAspect="1"/>
+          </p:cNvSpPr>
+          <p:nvPr>
+            <p:ph type="sldImg"/>
+          </p:nvPr>
+        </p:nvSpPr>
+        <p:spPr/>
+      </p:sp>
+      <p:sp>
+        <p:nvSpPr>
+          <p:cNvPr id="3" name="슬라이드 노트 개체 틀 2"/>
+          <p:cNvSpPr>
+            <a:spLocks noGrp="1"/>
+          </p:cNvSpPr>
+          <p:nvPr>
+            <p:ph type="body" idx="1"/>
+          </p:nvPr>
+        </p:nvSpPr>
+        <p:spPr/>
+        <p:txBody>
+          <a:bodyPr/>
+          <a:lstStyle/>
+          <a:p>
+            <a:endParaRPr lang="ko-KR" altLang="en-US" dirty="0"/>
+          </a:p>
+        </p:txBody>
+      </p:sp>
+      <p:sp>
+        <p:nvSpPr>
+          <p:cNvPr id="4" name="슬라이드 번호 개체 틀 3"/>
+          <p:cNvSpPr>
+            <a:spLocks noGrp="1"/>
+          </p:cNvSpPr>
+          <p:nvPr>
+            <p:ph type="sldNum" sz="quarter" idx="5"/>
+          </p:nvPr>
+        </p:nvSpPr>
+        <p:spPr/>
+        <p:txBody>
+          <a:bodyPr/>
+          <a:lstStyle/>
+          <a:p>
+            <a:fld id="{D8DCC404-E41A-4BC0-921C-BBFB3AB1AB4E}" type="slidenum">
+              <a:rPr lang="ko-KR" altLang="en-US" smtClean="0"/>
+              <a:t>17</a:t>
+            </a:fld>
+            <a:endParaRPr lang="ko-KR" altLang="en-US"/>
+          </a:p>
+        </p:txBody>
+      </p:sp>
+    </p:spTree>
+    <p:extLst>
+      <p:ext uri="{BB962C8B-B14F-4D97-AF65-F5344CB8AC3E}">
+        <p14:creationId xmlns:p14="http://schemas.microsoft.com/office/powerpoint/2010/main" val="77762205"/>
+      </p:ext>
+    </p:extLst>
+  </p:cSld>
+  <p:clrMapOvr>
+    <a:masterClrMapping/>
+  </p:clrMapOvr>
+</p:notes>
+</file>
+
+<file path=ppt/notesSlides/notesSlide14.xml><?xml version="1.0" encoding="utf-8"?>
+<p:notes xmlns:a="http://schemas.openxmlformats.org/drawingml/2006/main" xmlns:r="http://schemas.openxmlformats.org/officeDocument/2006/relationships" xmlns:p="http://schemas.openxmlformats.org/presentationml/2006/main">
+  <p:cSld>
+    <p:spTree>
+      <p:nvGrpSpPr>
+        <p:cNvPr id="1" name=""/>
+        <p:cNvGrpSpPr/>
+        <p:nvPr/>
+      </p:nvGrpSpPr>
+      <p:grpSpPr>
+        <a:xfrm>
+          <a:off x="0" y="0"/>
+          <a:ext cx="0" cy="0"/>
+          <a:chOff x="0" y="0"/>
+          <a:chExt cx="0" cy="0"/>
+        </a:xfrm>
+      </p:grpSpPr>
+      <p:sp>
+        <p:nvSpPr>
+          <p:cNvPr id="2" name="슬라이드 이미지 개체 틀 1"/>
+          <p:cNvSpPr>
+            <a:spLocks noGrp="1" noRot="1" noChangeAspect="1"/>
+          </p:cNvSpPr>
+          <p:nvPr>
+            <p:ph type="sldImg"/>
+          </p:nvPr>
+        </p:nvSpPr>
+        <p:spPr/>
+      </p:sp>
+      <p:sp>
+        <p:nvSpPr>
+          <p:cNvPr id="3" name="슬라이드 노트 개체 틀 2"/>
+          <p:cNvSpPr>
+            <a:spLocks noGrp="1"/>
+          </p:cNvSpPr>
+          <p:nvPr>
+            <p:ph type="body" idx="1"/>
+          </p:nvPr>
+        </p:nvSpPr>
+        <p:spPr/>
+        <p:txBody>
+          <a:bodyPr/>
+          <a:lstStyle/>
+          <a:p>
+            <a:endParaRPr lang="ko-KR" altLang="en-US" dirty="0"/>
+          </a:p>
+        </p:txBody>
+      </p:sp>
+      <p:sp>
+        <p:nvSpPr>
+          <p:cNvPr id="4" name="슬라이드 번호 개체 틀 3"/>
+          <p:cNvSpPr>
+            <a:spLocks noGrp="1"/>
+          </p:cNvSpPr>
+          <p:nvPr>
+            <p:ph type="sldNum" sz="quarter" idx="5"/>
+          </p:nvPr>
+        </p:nvSpPr>
+        <p:spPr/>
+        <p:txBody>
+          <a:bodyPr/>
+          <a:lstStyle/>
+          <a:p>
+            <a:fld id="{D8DCC404-E41A-4BC0-921C-BBFB3AB1AB4E}" type="slidenum">
+              <a:rPr lang="ko-KR" altLang="en-US" smtClean="0"/>
+              <a:t>18</a:t>
+            </a:fld>
+            <a:endParaRPr lang="ko-KR" altLang="en-US"/>
+          </a:p>
+        </p:txBody>
+      </p:sp>
+    </p:spTree>
+    <p:extLst>
+      <p:ext uri="{BB962C8B-B14F-4D97-AF65-F5344CB8AC3E}">
+        <p14:creationId xmlns:p14="http://schemas.microsoft.com/office/powerpoint/2010/main" val="4185400679"/>
+      </p:ext>
+    </p:extLst>
+  </p:cSld>
+  <p:clrMapOvr>
+    <a:masterClrMapping/>
+  </p:clrMapOvr>
+</p:notes>
+</file>
+
+<file path=ppt/notesSlides/notesSlide15.xml><?xml version="1.0" encoding="utf-8"?>
+<p:notes xmlns:a="http://schemas.openxmlformats.org/drawingml/2006/main" xmlns:r="http://schemas.openxmlformats.org/officeDocument/2006/relationships" xmlns:p="http://schemas.openxmlformats.org/presentationml/2006/main">
+  <p:cSld>
+    <p:spTree>
+      <p:nvGrpSpPr>
+        <p:cNvPr id="1" name=""/>
+        <p:cNvGrpSpPr/>
+        <p:nvPr/>
+      </p:nvGrpSpPr>
+      <p:grpSpPr>
+        <a:xfrm>
+          <a:off x="0" y="0"/>
+          <a:ext cx="0" cy="0"/>
+          <a:chOff x="0" y="0"/>
+          <a:chExt cx="0" cy="0"/>
+        </a:xfrm>
+      </p:grpSpPr>
+      <p:sp>
+        <p:nvSpPr>
+          <p:cNvPr id="2" name="슬라이드 이미지 개체 틀 1"/>
+          <p:cNvSpPr>
+            <a:spLocks noGrp="1" noRot="1" noChangeAspect="1"/>
+          </p:cNvSpPr>
+          <p:nvPr>
+            <p:ph type="sldImg"/>
+          </p:nvPr>
+        </p:nvSpPr>
+        <p:spPr/>
+      </p:sp>
+      <p:sp>
+        <p:nvSpPr>
+          <p:cNvPr id="3" name="슬라이드 노트 개체 틀 2"/>
+          <p:cNvSpPr>
+            <a:spLocks noGrp="1"/>
+          </p:cNvSpPr>
+          <p:nvPr>
+            <p:ph type="body" idx="1"/>
+          </p:nvPr>
+        </p:nvSpPr>
+        <p:spPr/>
+        <p:txBody>
+          <a:bodyPr/>
+          <a:lstStyle/>
+          <a:p>
+            <a:endParaRPr lang="ko-KR" altLang="en-US" dirty="0"/>
+          </a:p>
+        </p:txBody>
+      </p:sp>
+      <p:sp>
+        <p:nvSpPr>
+          <p:cNvPr id="4" name="슬라이드 번호 개체 틀 3"/>
+          <p:cNvSpPr>
+            <a:spLocks noGrp="1"/>
+          </p:cNvSpPr>
+          <p:nvPr>
+            <p:ph type="sldNum" sz="quarter" idx="5"/>
+          </p:nvPr>
+        </p:nvSpPr>
+        <p:spPr/>
+        <p:txBody>
+          <a:bodyPr/>
+          <a:lstStyle/>
+          <a:p>
+            <a:fld id="{D8DCC404-E41A-4BC0-921C-BBFB3AB1AB4E}" type="slidenum">
+              <a:rPr lang="ko-KR" altLang="en-US" smtClean="0"/>
+              <a:t>19</a:t>
+            </a:fld>
+            <a:endParaRPr lang="ko-KR" altLang="en-US"/>
+          </a:p>
+        </p:txBody>
+      </p:sp>
+    </p:spTree>
+    <p:extLst>
+      <p:ext uri="{BB962C8B-B14F-4D97-AF65-F5344CB8AC3E}">
+        <p14:creationId xmlns:p14="http://schemas.microsoft.com/office/powerpoint/2010/main" val="1739449650"/>
+      </p:ext>
+    </p:extLst>
+  </p:cSld>
+  <p:clrMapOvr>
+    <a:masterClrMapping/>
+  </p:clrMapOvr>
+</p:notes>
+</file>
+
+<file path=ppt/notesSlides/notesSlide16.xml><?xml version="1.0" encoding="utf-8"?>
+<p:notes xmlns:a="http://schemas.openxmlformats.org/drawingml/2006/main" xmlns:r="http://schemas.openxmlformats.org/officeDocument/2006/relationships" xmlns:p="http://schemas.openxmlformats.org/presentationml/2006/main">
+  <p:cSld>
+    <p:spTree>
+      <p:nvGrpSpPr>
+        <p:cNvPr id="1" name=""/>
+        <p:cNvGrpSpPr/>
+        <p:nvPr/>
+      </p:nvGrpSpPr>
+      <p:grpSpPr>
+        <a:xfrm>
+          <a:off x="0" y="0"/>
+          <a:ext cx="0" cy="0"/>
+          <a:chOff x="0" y="0"/>
+          <a:chExt cx="0" cy="0"/>
+        </a:xfrm>
+      </p:grpSpPr>
+      <p:sp>
+        <p:nvSpPr>
+          <p:cNvPr id="2" name="슬라이드 이미지 개체 틀 1"/>
+          <p:cNvSpPr>
+            <a:spLocks noGrp="1" noRot="1" noChangeAspect="1"/>
+          </p:cNvSpPr>
+          <p:nvPr>
+            <p:ph type="sldImg"/>
+          </p:nvPr>
+        </p:nvSpPr>
+        <p:spPr/>
+      </p:sp>
+      <p:sp>
+        <p:nvSpPr>
+          <p:cNvPr id="3" name="슬라이드 노트 개체 틀 2"/>
+          <p:cNvSpPr>
+            <a:spLocks noGrp="1"/>
+          </p:cNvSpPr>
+          <p:nvPr>
+            <p:ph type="body" idx="1"/>
+          </p:nvPr>
+        </p:nvSpPr>
+        <p:spPr/>
+        <p:txBody>
+          <a:bodyPr/>
+          <a:lstStyle/>
+          <a:p>
+            <a:endParaRPr lang="ko-KR" altLang="en-US" dirty="0"/>
+          </a:p>
+        </p:txBody>
+      </p:sp>
+      <p:sp>
+        <p:nvSpPr>
+          <p:cNvPr id="4" name="슬라이드 번호 개체 틀 3"/>
+          <p:cNvSpPr>
+            <a:spLocks noGrp="1"/>
+          </p:cNvSpPr>
+          <p:nvPr>
+            <p:ph type="sldNum" sz="quarter" idx="5"/>
+          </p:nvPr>
+        </p:nvSpPr>
+        <p:spPr/>
+        <p:txBody>
+          <a:bodyPr/>
+          <a:lstStyle/>
+          <a:p>
+            <a:fld id="{D8DCC404-E41A-4BC0-921C-BBFB3AB1AB4E}" type="slidenum">
+              <a:rPr lang="ko-KR" altLang="en-US" smtClean="0"/>
+              <a:t>20</a:t>
+            </a:fld>
+            <a:endParaRPr lang="ko-KR" altLang="en-US"/>
+          </a:p>
+        </p:txBody>
+      </p:sp>
+    </p:spTree>
+    <p:extLst>
+      <p:ext uri="{BB962C8B-B14F-4D97-AF65-F5344CB8AC3E}">
+        <p14:creationId xmlns:p14="http://schemas.microsoft.com/office/powerpoint/2010/main" val="2196682306"/>
+      </p:ext>
+    </p:extLst>
+  </p:cSld>
+  <p:clrMapOvr>
+    <a:masterClrMapping/>
+  </p:clrMapOvr>
+</p:notes>
+</file>
+
+<file path=ppt/notesSlides/notesSlide17.xml><?xml version="1.0" encoding="utf-8"?>
+<p:notes xmlns:a="http://schemas.openxmlformats.org/drawingml/2006/main" xmlns:r="http://schemas.openxmlformats.org/officeDocument/2006/relationships" xmlns:p="http://schemas.openxmlformats.org/presentationml/2006/main">
+  <p:cSld>
+    <p:spTree>
+      <p:nvGrpSpPr>
+        <p:cNvPr id="1" name=""/>
+        <p:cNvGrpSpPr/>
+        <p:nvPr/>
+      </p:nvGrpSpPr>
+      <p:grpSpPr>
+        <a:xfrm>
+          <a:off x="0" y="0"/>
+          <a:ext cx="0" cy="0"/>
+          <a:chOff x="0" y="0"/>
+          <a:chExt cx="0" cy="0"/>
+        </a:xfrm>
+      </p:grpSpPr>
+      <p:sp>
+        <p:nvSpPr>
+          <p:cNvPr id="2" name="슬라이드 이미지 개체 틀 1"/>
+          <p:cNvSpPr>
+            <a:spLocks noGrp="1" noRot="1" noChangeAspect="1"/>
+          </p:cNvSpPr>
+          <p:nvPr>
+            <p:ph type="sldImg"/>
+          </p:nvPr>
+        </p:nvSpPr>
+        <p:spPr/>
+      </p:sp>
+      <p:sp>
+        <p:nvSpPr>
+          <p:cNvPr id="3" name="슬라이드 노트 개체 틀 2"/>
+          <p:cNvSpPr>
+            <a:spLocks noGrp="1"/>
+          </p:cNvSpPr>
+          <p:nvPr>
+            <p:ph type="body" idx="1"/>
+          </p:nvPr>
+        </p:nvSpPr>
+        <p:spPr/>
+        <p:txBody>
+          <a:bodyPr/>
+          <a:lstStyle/>
+          <a:p>
+            <a:endParaRPr lang="ko-KR" altLang="en-US" dirty="0"/>
+          </a:p>
+        </p:txBody>
+      </p:sp>
+      <p:sp>
+        <p:nvSpPr>
+          <p:cNvPr id="4" name="슬라이드 번호 개체 틀 3"/>
+          <p:cNvSpPr>
+            <a:spLocks noGrp="1"/>
+          </p:cNvSpPr>
+          <p:nvPr>
+            <p:ph type="sldNum" sz="quarter" idx="5"/>
+          </p:nvPr>
+        </p:nvSpPr>
+        <p:spPr/>
+        <p:txBody>
+          <a:bodyPr/>
+          <a:lstStyle/>
+          <a:p>
+            <a:fld id="{D8DCC404-E41A-4BC0-921C-BBFB3AB1AB4E}" type="slidenum">
+              <a:rPr lang="ko-KR" altLang="en-US" smtClean="0"/>
+              <a:t>21</a:t>
+            </a:fld>
+            <a:endParaRPr lang="ko-KR" altLang="en-US"/>
+          </a:p>
+        </p:txBody>
+      </p:sp>
+    </p:spTree>
+    <p:extLst>
+      <p:ext uri="{BB962C8B-B14F-4D97-AF65-F5344CB8AC3E}">
+        <p14:creationId xmlns:p14="http://schemas.microsoft.com/office/powerpoint/2010/main" val="95529424"/>
+      </p:ext>
+    </p:extLst>
+  </p:cSld>
+  <p:clrMapOvr>
+    <a:masterClrMapping/>
+  </p:clrMapOvr>
+</p:notes>
+</file>
+
+<file path=ppt/notesSlides/notesSlide18.xml><?xml version="1.0" encoding="utf-8"?>
+<p:notes xmlns:a="http://schemas.openxmlformats.org/drawingml/2006/main" xmlns:r="http://schemas.openxmlformats.org/officeDocument/2006/relationships" xmlns:p="http://schemas.openxmlformats.org/presentationml/2006/main">
+  <p:cSld>
+    <p:spTree>
+      <p:nvGrpSpPr>
+        <p:cNvPr id="1" name=""/>
+        <p:cNvGrpSpPr/>
+        <p:nvPr/>
+      </p:nvGrpSpPr>
+      <p:grpSpPr>
+        <a:xfrm>
+          <a:off x="0" y="0"/>
+          <a:ext cx="0" cy="0"/>
+          <a:chOff x="0" y="0"/>
+          <a:chExt cx="0" cy="0"/>
+        </a:xfrm>
+      </p:grpSpPr>
+      <p:sp>
+        <p:nvSpPr>
+          <p:cNvPr id="2" name="슬라이드 이미지 개체 틀 1"/>
+          <p:cNvSpPr>
+            <a:spLocks noGrp="1" noRot="1" noChangeAspect="1"/>
+          </p:cNvSpPr>
+          <p:nvPr>
+            <p:ph type="sldImg"/>
+          </p:nvPr>
+        </p:nvSpPr>
+        <p:spPr/>
+      </p:sp>
+      <p:sp>
+        <p:nvSpPr>
+          <p:cNvPr id="3" name="슬라이드 노트 개체 틀 2"/>
+          <p:cNvSpPr>
+            <a:spLocks noGrp="1"/>
+          </p:cNvSpPr>
+          <p:nvPr>
+            <p:ph type="body" idx="1"/>
+          </p:nvPr>
+        </p:nvSpPr>
+        <p:spPr/>
+        <p:txBody>
+          <a:bodyPr/>
+          <a:lstStyle/>
+          <a:p>
+            <a:endParaRPr lang="ko-KR" altLang="en-US" dirty="0"/>
+          </a:p>
+        </p:txBody>
+      </p:sp>
+      <p:sp>
+        <p:nvSpPr>
+          <p:cNvPr id="4" name="슬라이드 번호 개체 틀 3"/>
+          <p:cNvSpPr>
+            <a:spLocks noGrp="1"/>
+          </p:cNvSpPr>
+          <p:nvPr>
+            <p:ph type="sldNum" sz="quarter" idx="5"/>
+          </p:nvPr>
+        </p:nvSpPr>
+        <p:spPr/>
+        <p:txBody>
+          <a:bodyPr/>
+          <a:lstStyle/>
+          <a:p>
+            <a:fld id="{D8DCC404-E41A-4BC0-921C-BBFB3AB1AB4E}" type="slidenum">
+              <a:rPr lang="ko-KR" altLang="en-US" smtClean="0"/>
+              <a:t>22</a:t>
+            </a:fld>
+            <a:endParaRPr lang="ko-KR" altLang="en-US"/>
+          </a:p>
+        </p:txBody>
+      </p:sp>
+    </p:spTree>
+    <p:extLst>
+      <p:ext uri="{BB962C8B-B14F-4D97-AF65-F5344CB8AC3E}">
+        <p14:creationId xmlns:p14="http://schemas.microsoft.com/office/powerpoint/2010/main" val="1939258347"/>
+      </p:ext>
+    </p:extLst>
+  </p:cSld>
+  <p:clrMapOvr>
+    <a:masterClrMapping/>
+  </p:clrMapOvr>
+</p:notes>
+</file>
+
+<file path=ppt/notesSlides/notesSlide19.xml><?xml version="1.0" encoding="utf-8"?>
+<p:notes xmlns:a="http://schemas.openxmlformats.org/drawingml/2006/main" xmlns:r="http://schemas.openxmlformats.org/officeDocument/2006/relationships" xmlns:p="http://schemas.openxmlformats.org/presentationml/2006/main">
+  <p:cSld>
+    <p:spTree>
+      <p:nvGrpSpPr>
+        <p:cNvPr id="1" name=""/>
+        <p:cNvGrpSpPr/>
+        <p:nvPr/>
+      </p:nvGrpSpPr>
+      <p:grpSpPr>
+        <a:xfrm>
+          <a:off x="0" y="0"/>
+          <a:ext cx="0" cy="0"/>
+          <a:chOff x="0" y="0"/>
+          <a:chExt cx="0" cy="0"/>
+        </a:xfrm>
+      </p:grpSpPr>
+      <p:sp>
+        <p:nvSpPr>
+          <p:cNvPr id="2" name="슬라이드 이미지 개체 틀 1"/>
+          <p:cNvSpPr>
+            <a:spLocks noGrp="1" noRot="1" noChangeAspect="1"/>
+          </p:cNvSpPr>
+          <p:nvPr>
+            <p:ph type="sldImg"/>
+          </p:nvPr>
+        </p:nvSpPr>
+        <p:spPr/>
+      </p:sp>
+      <p:sp>
+        <p:nvSpPr>
+          <p:cNvPr id="3" name="슬라이드 노트 개체 틀 2"/>
+          <p:cNvSpPr>
+            <a:spLocks noGrp="1"/>
+          </p:cNvSpPr>
+          <p:nvPr>
+            <p:ph type="body" idx="1"/>
+          </p:nvPr>
+        </p:nvSpPr>
+        <p:spPr/>
+        <p:txBody>
+          <a:bodyPr/>
+          <a:lstStyle/>
+          <a:p>
+            <a:endParaRPr lang="ko-KR" altLang="en-US" dirty="0"/>
+          </a:p>
+        </p:txBody>
+      </p:sp>
+      <p:sp>
+        <p:nvSpPr>
+          <p:cNvPr id="4" name="슬라이드 번호 개체 틀 3"/>
+          <p:cNvSpPr>
+            <a:spLocks noGrp="1"/>
+          </p:cNvSpPr>
+          <p:nvPr>
+            <p:ph type="sldNum" sz="quarter" idx="5"/>
+          </p:nvPr>
+        </p:nvSpPr>
+        <p:spPr/>
+        <p:txBody>
+          <a:bodyPr/>
+          <a:lstStyle/>
+          <a:p>
+            <a:fld id="{D8DCC404-E41A-4BC0-921C-BBFB3AB1AB4E}" type="slidenum">
+              <a:rPr lang="ko-KR" altLang="en-US" smtClean="0"/>
+              <a:t>23</a:t>
+            </a:fld>
+            <a:endParaRPr lang="ko-KR" altLang="en-US"/>
+          </a:p>
+        </p:txBody>
+      </p:sp>
+    </p:spTree>
+    <p:extLst>
+      <p:ext uri="{BB962C8B-B14F-4D97-AF65-F5344CB8AC3E}">
+        <p14:creationId xmlns:p14="http://schemas.microsoft.com/office/powerpoint/2010/main" val="3022285165"/>
+      </p:ext>
+    </p:extLst>
+  </p:cSld>
+  <p:clrMapOvr>
+    <a:masterClrMapping/>
+  </p:clrMapOvr>
+</p:notes>
+</file>
+
+<file path=ppt/notesSlides/notesSlide2.xml><?xml version="1.0" encoding="utf-8"?>
+<p:notes xmlns:a="http://schemas.openxmlformats.org/drawingml/2006/main" xmlns:r="http://schemas.openxmlformats.org/officeDocument/2006/relationships" xmlns:p="http://schemas.openxmlformats.org/presentationml/2006/main">
+  <p:cSld>
+    <p:spTree>
+      <p:nvGrpSpPr>
+        <p:cNvPr id="1" name=""/>
+        <p:cNvGrpSpPr/>
+        <p:nvPr/>
+      </p:nvGrpSpPr>
+      <p:grpSpPr>
+        <a:xfrm>
+          <a:off x="0" y="0"/>
+          <a:ext cx="0" cy="0"/>
+          <a:chOff x="0" y="0"/>
+          <a:chExt cx="0" cy="0"/>
+        </a:xfrm>
+      </p:grpSpPr>
+      <p:sp>
+        <p:nvSpPr>
+          <p:cNvPr id="2" name="슬라이드 이미지 개체 틀 1"/>
+          <p:cNvSpPr>
+            <a:spLocks noGrp="1" noRot="1" noChangeAspect="1"/>
+          </p:cNvSpPr>
+          <p:nvPr>
+            <p:ph type="sldImg"/>
+          </p:nvPr>
+        </p:nvSpPr>
+        <p:spPr/>
+      </p:sp>
+      <p:sp>
+        <p:nvSpPr>
+          <p:cNvPr id="3" name="슬라이드 노트 개체 틀 2"/>
+          <p:cNvSpPr>
+            <a:spLocks noGrp="1"/>
+          </p:cNvSpPr>
+          <p:nvPr>
+            <p:ph type="body" idx="1"/>
+          </p:nvPr>
+        </p:nvSpPr>
+        <p:spPr/>
+        <p:txBody>
+          <a:bodyPr/>
+          <a:lstStyle/>
+          <a:p>
+            <a:endParaRPr lang="ko-KR" altLang="en-US" dirty="0"/>
+          </a:p>
+        </p:txBody>
+      </p:sp>
+      <p:sp>
+        <p:nvSpPr>
+          <p:cNvPr id="4" name="슬라이드 번호 개체 틀 3"/>
+          <p:cNvSpPr>
+            <a:spLocks noGrp="1"/>
+          </p:cNvSpPr>
+          <p:nvPr>
+            <p:ph type="sldNum" sz="quarter" idx="5"/>
+          </p:nvPr>
+        </p:nvSpPr>
+        <p:spPr/>
+        <p:txBody>
+          <a:bodyPr/>
+          <a:lstStyle/>
+          <a:p>
+            <a:fld id="{D8DCC404-E41A-4BC0-921C-BBFB3AB1AB4E}" type="slidenum">
+              <a:rPr lang="ko-KR" altLang="en-US" smtClean="0"/>
+              <a:t>4</a:t>
+            </a:fld>
+            <a:endParaRPr lang="ko-KR" altLang="en-US"/>
+          </a:p>
+        </p:txBody>
+      </p:sp>
+    </p:spTree>
+    <p:extLst>
+      <p:ext uri="{BB962C8B-B14F-4D97-AF65-F5344CB8AC3E}">
+        <p14:creationId xmlns:p14="http://schemas.microsoft.com/office/powerpoint/2010/main" val="223374727"/>
+      </p:ext>
+    </p:extLst>
+  </p:cSld>
+  <p:clrMapOvr>
+    <a:masterClrMapping/>
+  </p:clrMapOvr>
+</p:notes>
+</file>
+
+<file path=ppt/notesSlides/notesSlide20.xml><?xml version="1.0" encoding="utf-8"?>
+<p:notes xmlns:a="http://schemas.openxmlformats.org/drawingml/2006/main" xmlns:r="http://schemas.openxmlformats.org/officeDocument/2006/relationships" xmlns:p="http://schemas.openxmlformats.org/presentationml/2006/main">
+  <p:cSld>
+    <p:spTree>
+      <p:nvGrpSpPr>
+        <p:cNvPr id="1" name=""/>
+        <p:cNvGrpSpPr/>
+        <p:nvPr/>
+      </p:nvGrpSpPr>
+      <p:grpSpPr>
+        <a:xfrm>
+          <a:off x="0" y="0"/>
+          <a:ext cx="0" cy="0"/>
+          <a:chOff x="0" y="0"/>
+          <a:chExt cx="0" cy="0"/>
+        </a:xfrm>
+      </p:grpSpPr>
+      <p:sp>
+        <p:nvSpPr>
+          <p:cNvPr id="2" name="슬라이드 이미지 개체 틀 1"/>
+          <p:cNvSpPr>
+            <a:spLocks noGrp="1" noRot="1" noChangeAspect="1"/>
+          </p:cNvSpPr>
+          <p:nvPr>
+            <p:ph type="sldImg"/>
+          </p:nvPr>
+        </p:nvSpPr>
+        <p:spPr/>
+      </p:sp>
+      <p:sp>
+        <p:nvSpPr>
+          <p:cNvPr id="3" name="슬라이드 노트 개체 틀 2"/>
+          <p:cNvSpPr>
+            <a:spLocks noGrp="1"/>
+          </p:cNvSpPr>
+          <p:nvPr>
+            <p:ph type="body" idx="1"/>
+          </p:nvPr>
+        </p:nvSpPr>
+        <p:spPr/>
+        <p:txBody>
+          <a:bodyPr/>
+          <a:lstStyle/>
+          <a:p>
+            <a:endParaRPr lang="ko-KR" altLang="en-US" dirty="0"/>
+          </a:p>
+        </p:txBody>
+      </p:sp>
+      <p:sp>
+        <p:nvSpPr>
+          <p:cNvPr id="4" name="슬라이드 번호 개체 틀 3"/>
+          <p:cNvSpPr>
+            <a:spLocks noGrp="1"/>
+          </p:cNvSpPr>
+          <p:nvPr>
+            <p:ph type="sldNum" sz="quarter" idx="5"/>
+          </p:nvPr>
+        </p:nvSpPr>
+        <p:spPr/>
+        <p:txBody>
+          <a:bodyPr/>
+          <a:lstStyle/>
+          <a:p>
+            <a:fld id="{D8DCC404-E41A-4BC0-921C-BBFB3AB1AB4E}" type="slidenum">
+              <a:rPr lang="ko-KR" altLang="en-US" smtClean="0"/>
+              <a:t>25</a:t>
+            </a:fld>
+            <a:endParaRPr lang="ko-KR" altLang="en-US"/>
+          </a:p>
+        </p:txBody>
+      </p:sp>
+    </p:spTree>
+    <p:extLst>
+      <p:ext uri="{BB962C8B-B14F-4D97-AF65-F5344CB8AC3E}">
+        <p14:creationId xmlns:p14="http://schemas.microsoft.com/office/powerpoint/2010/main" val="2163555530"/>
+      </p:ext>
+    </p:extLst>
+  </p:cSld>
+  <p:clrMapOvr>
+    <a:masterClrMapping/>
+  </p:clrMapOvr>
+</p:notes>
+</file>
+
+<file path=ppt/notesSlides/notesSlide21.xml><?xml version="1.0" encoding="utf-8"?>
+<p:notes xmlns:a="http://schemas.openxmlformats.org/drawingml/2006/main" xmlns:r="http://schemas.openxmlformats.org/officeDocument/2006/relationships" xmlns:p="http://schemas.openxmlformats.org/presentationml/2006/main">
+  <p:cSld>
+    <p:spTree>
+      <p:nvGrpSpPr>
+        <p:cNvPr id="1" name=""/>
+        <p:cNvGrpSpPr/>
+        <p:nvPr/>
+      </p:nvGrpSpPr>
+      <p:grpSpPr>
+        <a:xfrm>
+          <a:off x="0" y="0"/>
+          <a:ext cx="0" cy="0"/>
+          <a:chOff x="0" y="0"/>
+          <a:chExt cx="0" cy="0"/>
+        </a:xfrm>
+      </p:grpSpPr>
+      <p:sp>
+        <p:nvSpPr>
+          <p:cNvPr id="2" name="슬라이드 이미지 개체 틀 1"/>
+          <p:cNvSpPr>
+            <a:spLocks noGrp="1" noRot="1" noChangeAspect="1"/>
+          </p:cNvSpPr>
+          <p:nvPr>
+            <p:ph type="sldImg"/>
+          </p:nvPr>
+        </p:nvSpPr>
+        <p:spPr/>
+      </p:sp>
+      <p:sp>
+        <p:nvSpPr>
+          <p:cNvPr id="3" name="슬라이드 노트 개체 틀 2"/>
+          <p:cNvSpPr>
+            <a:spLocks noGrp="1"/>
+          </p:cNvSpPr>
+          <p:nvPr>
+            <p:ph type="body" idx="1"/>
+          </p:nvPr>
+        </p:nvSpPr>
+        <p:spPr/>
+        <p:txBody>
+          <a:bodyPr/>
+          <a:lstStyle/>
+          <a:p>
+            <a:endParaRPr lang="ko-KR" altLang="en-US" dirty="0"/>
+          </a:p>
+        </p:txBody>
+      </p:sp>
+      <p:sp>
+        <p:nvSpPr>
+          <p:cNvPr id="4" name="슬라이드 번호 개체 틀 3"/>
+          <p:cNvSpPr>
+            <a:spLocks noGrp="1"/>
+          </p:cNvSpPr>
+          <p:nvPr>
+            <p:ph type="sldNum" sz="quarter" idx="5"/>
+          </p:nvPr>
+        </p:nvSpPr>
+        <p:spPr/>
+        <p:txBody>
+          <a:bodyPr/>
+          <a:lstStyle/>
+          <a:p>
+            <a:fld id="{D8DCC404-E41A-4BC0-921C-BBFB3AB1AB4E}" type="slidenum">
+              <a:rPr lang="ko-KR" altLang="en-US" smtClean="0"/>
+              <a:t>26</a:t>
+            </a:fld>
+            <a:endParaRPr lang="ko-KR" altLang="en-US"/>
+          </a:p>
+        </p:txBody>
+      </p:sp>
+    </p:spTree>
+    <p:extLst>
+      <p:ext uri="{BB962C8B-B14F-4D97-AF65-F5344CB8AC3E}">
+        <p14:creationId xmlns:p14="http://schemas.microsoft.com/office/powerpoint/2010/main" val="3255245261"/>
+      </p:ext>
+    </p:extLst>
+  </p:cSld>
+  <p:clrMapOvr>
+    <a:masterClrMapping/>
+  </p:clrMapOvr>
+</p:notes>
+</file>
+
+<file path=ppt/notesSlides/notesSlide22.xml><?xml version="1.0" encoding="utf-8"?>
+<p:notes xmlns:a="http://schemas.openxmlformats.org/drawingml/2006/main" xmlns:r="http://schemas.openxmlformats.org/officeDocument/2006/relationships" xmlns:p="http://schemas.openxmlformats.org/presentationml/2006/main">
+  <p:cSld>
+    <p:spTree>
+      <p:nvGrpSpPr>
+        <p:cNvPr id="1" name=""/>
+        <p:cNvGrpSpPr/>
+        <p:nvPr/>
+      </p:nvGrpSpPr>
+      <p:grpSpPr>
+        <a:xfrm>
+          <a:off x="0" y="0"/>
+          <a:ext cx="0" cy="0"/>
+          <a:chOff x="0" y="0"/>
+          <a:chExt cx="0" cy="0"/>
+        </a:xfrm>
+      </p:grpSpPr>
+      <p:sp>
+        <p:nvSpPr>
+          <p:cNvPr id="2" name="슬라이드 이미지 개체 틀 1"/>
+          <p:cNvSpPr>
+            <a:spLocks noGrp="1" noRot="1" noChangeAspect="1"/>
+          </p:cNvSpPr>
+          <p:nvPr>
+            <p:ph type="sldImg"/>
+          </p:nvPr>
+        </p:nvSpPr>
+        <p:spPr/>
+      </p:sp>
+      <p:sp>
+        <p:nvSpPr>
+          <p:cNvPr id="3" name="슬라이드 노트 개체 틀 2"/>
+          <p:cNvSpPr>
+            <a:spLocks noGrp="1"/>
+          </p:cNvSpPr>
+          <p:nvPr>
+            <p:ph type="body" idx="1"/>
+          </p:nvPr>
+        </p:nvSpPr>
+        <p:spPr/>
+        <p:txBody>
+          <a:bodyPr/>
+          <a:lstStyle/>
+          <a:p>
+            <a:endParaRPr lang="ko-KR" altLang="en-US" dirty="0"/>
+          </a:p>
+        </p:txBody>
+      </p:sp>
+      <p:sp>
+        <p:nvSpPr>
+          <p:cNvPr id="4" name="슬라이드 번호 개체 틀 3"/>
+          <p:cNvSpPr>
+            <a:spLocks noGrp="1"/>
+          </p:cNvSpPr>
+          <p:nvPr>
+            <p:ph type="sldNum" sz="quarter" idx="5"/>
+          </p:nvPr>
+        </p:nvSpPr>
+        <p:spPr/>
+        <p:txBody>
+          <a:bodyPr/>
+          <a:lstStyle/>
+          <a:p>
+            <a:fld id="{D8DCC404-E41A-4BC0-921C-BBFB3AB1AB4E}" type="slidenum">
+              <a:rPr lang="ko-KR" altLang="en-US" smtClean="0"/>
+              <a:t>27</a:t>
+            </a:fld>
+            <a:endParaRPr lang="ko-KR" altLang="en-US"/>
+          </a:p>
+        </p:txBody>
+      </p:sp>
+    </p:spTree>
+    <p:extLst>
+      <p:ext uri="{BB962C8B-B14F-4D97-AF65-F5344CB8AC3E}">
+        <p14:creationId xmlns:p14="http://schemas.microsoft.com/office/powerpoint/2010/main" val="1213512197"/>
+      </p:ext>
+    </p:extLst>
+  </p:cSld>
+  <p:clrMapOvr>
+    <a:masterClrMapping/>
+  </p:clrMapOvr>
+</p:notes>
+</file>
+
+<file path=ppt/notesSlides/notesSlide23.xml><?xml version="1.0" encoding="utf-8"?>
+<p:notes xmlns:a="http://schemas.openxmlformats.org/drawingml/2006/main" xmlns:r="http://schemas.openxmlformats.org/officeDocument/2006/relationships" xmlns:p="http://schemas.openxmlformats.org/presentationml/2006/main">
+  <p:cSld>
+    <p:spTree>
+      <p:nvGrpSpPr>
+        <p:cNvPr id="1" name=""/>
+        <p:cNvGrpSpPr/>
+        <p:nvPr/>
+      </p:nvGrpSpPr>
+      <p:grpSpPr>
+        <a:xfrm>
+          <a:off x="0" y="0"/>
+          <a:ext cx="0" cy="0"/>
+          <a:chOff x="0" y="0"/>
+          <a:chExt cx="0" cy="0"/>
+        </a:xfrm>
+      </p:grpSpPr>
+      <p:sp>
+        <p:nvSpPr>
+          <p:cNvPr id="2" name="슬라이드 이미지 개체 틀 1"/>
+          <p:cNvSpPr>
+            <a:spLocks noGrp="1" noRot="1" noChangeAspect="1"/>
+          </p:cNvSpPr>
+          <p:nvPr>
+            <p:ph type="sldImg"/>
+          </p:nvPr>
+        </p:nvSpPr>
+        <p:spPr/>
+      </p:sp>
+      <p:sp>
+        <p:nvSpPr>
+          <p:cNvPr id="3" name="슬라이드 노트 개체 틀 2"/>
+          <p:cNvSpPr>
+            <a:spLocks noGrp="1"/>
+          </p:cNvSpPr>
+          <p:nvPr>
+            <p:ph type="body" idx="1"/>
+          </p:nvPr>
+        </p:nvSpPr>
+        <p:spPr/>
+        <p:txBody>
+          <a:bodyPr/>
+          <a:lstStyle/>
+          <a:p>
+            <a:endParaRPr lang="ko-KR" altLang="en-US" dirty="0"/>
+          </a:p>
+        </p:txBody>
+      </p:sp>
+      <p:sp>
+        <p:nvSpPr>
+          <p:cNvPr id="4" name="슬라이드 번호 개체 틀 3"/>
+          <p:cNvSpPr>
+            <a:spLocks noGrp="1"/>
+          </p:cNvSpPr>
+          <p:nvPr>
+            <p:ph type="sldNum" sz="quarter" idx="5"/>
+          </p:nvPr>
+        </p:nvSpPr>
+        <p:spPr/>
+        <p:txBody>
+          <a:bodyPr/>
+          <a:lstStyle/>
+          <a:p>
+            <a:fld id="{D8DCC404-E41A-4BC0-921C-BBFB3AB1AB4E}" type="slidenum">
+              <a:rPr lang="ko-KR" altLang="en-US" smtClean="0"/>
+              <a:t>28</a:t>
+            </a:fld>
+            <a:endParaRPr lang="ko-KR" altLang="en-US"/>
+          </a:p>
+        </p:txBody>
+      </p:sp>
+    </p:spTree>
+    <p:extLst>
+      <p:ext uri="{BB962C8B-B14F-4D97-AF65-F5344CB8AC3E}">
+        <p14:creationId xmlns:p14="http://schemas.microsoft.com/office/powerpoint/2010/main" val="2067675679"/>
+      </p:ext>
+    </p:extLst>
+  </p:cSld>
+  <p:clrMapOvr>
+    <a:masterClrMapping/>
+  </p:clrMapOvr>
+</p:notes>
+</file>
+
+<file path=ppt/notesSlides/notesSlide24.xml><?xml version="1.0" encoding="utf-8"?>
+<p:notes xmlns:a="http://schemas.openxmlformats.org/drawingml/2006/main" xmlns:r="http://schemas.openxmlformats.org/officeDocument/2006/relationships" xmlns:p="http://schemas.openxmlformats.org/presentationml/2006/main">
+  <p:cSld>
+    <p:spTree>
+      <p:nvGrpSpPr>
+        <p:cNvPr id="1" name=""/>
+        <p:cNvGrpSpPr/>
+        <p:nvPr/>
+      </p:nvGrpSpPr>
+      <p:grpSpPr>
+        <a:xfrm>
+          <a:off x="0" y="0"/>
+          <a:ext cx="0" cy="0"/>
+          <a:chOff x="0" y="0"/>
+          <a:chExt cx="0" cy="0"/>
+        </a:xfrm>
+      </p:grpSpPr>
+      <p:sp>
+        <p:nvSpPr>
+          <p:cNvPr id="2" name="슬라이드 이미지 개체 틀 1"/>
+          <p:cNvSpPr>
+            <a:spLocks noGrp="1" noRot="1" noChangeAspect="1"/>
+          </p:cNvSpPr>
+          <p:nvPr>
+            <p:ph type="sldImg"/>
+          </p:nvPr>
+        </p:nvSpPr>
+        <p:spPr/>
+      </p:sp>
+      <p:sp>
+        <p:nvSpPr>
+          <p:cNvPr id="3" name="슬라이드 노트 개체 틀 2"/>
+          <p:cNvSpPr>
+            <a:spLocks noGrp="1"/>
+          </p:cNvSpPr>
+          <p:nvPr>
+            <p:ph type="body" idx="1"/>
+          </p:nvPr>
+        </p:nvSpPr>
+        <p:spPr/>
+        <p:txBody>
+          <a:bodyPr/>
+          <a:lstStyle/>
+          <a:p>
+            <a:endParaRPr lang="ko-KR" altLang="en-US" dirty="0"/>
+          </a:p>
+        </p:txBody>
+      </p:sp>
+      <p:sp>
+        <p:nvSpPr>
+          <p:cNvPr id="4" name="슬라이드 번호 개체 틀 3"/>
+          <p:cNvSpPr>
+            <a:spLocks noGrp="1"/>
+          </p:cNvSpPr>
+          <p:nvPr>
+            <p:ph type="sldNum" sz="quarter" idx="5"/>
+          </p:nvPr>
+        </p:nvSpPr>
+        <p:spPr/>
+        <p:txBody>
+          <a:bodyPr/>
+          <a:lstStyle/>
+          <a:p>
+            <a:fld id="{D8DCC404-E41A-4BC0-921C-BBFB3AB1AB4E}" type="slidenum">
+              <a:rPr lang="ko-KR" altLang="en-US" smtClean="0"/>
+              <a:t>29</a:t>
+            </a:fld>
+            <a:endParaRPr lang="ko-KR" altLang="en-US"/>
+          </a:p>
+        </p:txBody>
+      </p:sp>
+    </p:spTree>
+    <p:extLst>
+      <p:ext uri="{BB962C8B-B14F-4D97-AF65-F5344CB8AC3E}">
+        <p14:creationId xmlns:p14="http://schemas.microsoft.com/office/powerpoint/2010/main" val="2373874942"/>
+      </p:ext>
+    </p:extLst>
+  </p:cSld>
+  <p:clrMapOvr>
+    <a:masterClrMapping/>
+  </p:clrMapOvr>
+</p:notes>
+</file>
+
+<file path=ppt/notesSlides/notesSlide25.xml><?xml version="1.0" encoding="utf-8"?>
+<p:notes xmlns:a="http://schemas.openxmlformats.org/drawingml/2006/main" xmlns:r="http://schemas.openxmlformats.org/officeDocument/2006/relationships" xmlns:p="http://schemas.openxmlformats.org/presentationml/2006/main">
+  <p:cSld>
+    <p:spTree>
+      <p:nvGrpSpPr>
+        <p:cNvPr id="1" name=""/>
+        <p:cNvGrpSpPr/>
+        <p:nvPr/>
+      </p:nvGrpSpPr>
+      <p:grpSpPr>
+        <a:xfrm>
+          <a:off x="0" y="0"/>
+          <a:ext cx="0" cy="0"/>
+          <a:chOff x="0" y="0"/>
+          <a:chExt cx="0" cy="0"/>
+        </a:xfrm>
+      </p:grpSpPr>
+      <p:sp>
+        <p:nvSpPr>
+          <p:cNvPr id="2" name="슬라이드 이미지 개체 틀 1"/>
+          <p:cNvSpPr>
+            <a:spLocks noGrp="1" noRot="1" noChangeAspect="1"/>
+          </p:cNvSpPr>
+          <p:nvPr>
+            <p:ph type="sldImg"/>
+          </p:nvPr>
+        </p:nvSpPr>
+        <p:spPr/>
+      </p:sp>
+      <p:sp>
+        <p:nvSpPr>
+          <p:cNvPr id="3" name="슬라이드 노트 개체 틀 2"/>
+          <p:cNvSpPr>
+            <a:spLocks noGrp="1"/>
+          </p:cNvSpPr>
+          <p:nvPr>
+            <p:ph type="body" idx="1"/>
+          </p:nvPr>
+        </p:nvSpPr>
+        <p:spPr/>
+        <p:txBody>
+          <a:bodyPr/>
+          <a:lstStyle/>
+          <a:p>
+            <a:endParaRPr lang="ko-KR" altLang="en-US" dirty="0"/>
+          </a:p>
+        </p:txBody>
+      </p:sp>
+      <p:sp>
+        <p:nvSpPr>
+          <p:cNvPr id="4" name="슬라이드 번호 개체 틀 3"/>
+          <p:cNvSpPr>
+            <a:spLocks noGrp="1"/>
+          </p:cNvSpPr>
+          <p:nvPr>
+            <p:ph type="sldNum" sz="quarter" idx="5"/>
+          </p:nvPr>
+        </p:nvSpPr>
+        <p:spPr/>
+        <p:txBody>
+          <a:bodyPr/>
+          <a:lstStyle/>
+          <a:p>
+            <a:fld id="{D8DCC404-E41A-4BC0-921C-BBFB3AB1AB4E}" type="slidenum">
+              <a:rPr lang="ko-KR" altLang="en-US" smtClean="0"/>
+              <a:t>30</a:t>
+            </a:fld>
+            <a:endParaRPr lang="ko-KR" altLang="en-US"/>
+          </a:p>
+        </p:txBody>
+      </p:sp>
+    </p:spTree>
+    <p:extLst>
+      <p:ext uri="{BB962C8B-B14F-4D97-AF65-F5344CB8AC3E}">
+        <p14:creationId xmlns:p14="http://schemas.microsoft.com/office/powerpoint/2010/main" val="4050413793"/>
+      </p:ext>
+    </p:extLst>
+  </p:cSld>
+  <p:clrMapOvr>
+    <a:masterClrMapping/>
+  </p:clrMapOvr>
+</p:notes>
+</file>
+
+<file path=ppt/notesSlides/notesSlide26.xml><?xml version="1.0" encoding="utf-8"?>
+<p:notes xmlns:a="http://schemas.openxmlformats.org/drawingml/2006/main" xmlns:r="http://schemas.openxmlformats.org/officeDocument/2006/relationships" xmlns:p="http://schemas.openxmlformats.org/presentationml/2006/main">
+  <p:cSld>
+    <p:spTree>
+      <p:nvGrpSpPr>
+        <p:cNvPr id="1" name=""/>
+        <p:cNvGrpSpPr/>
+        <p:nvPr/>
+      </p:nvGrpSpPr>
+      <p:grpSpPr>
+        <a:xfrm>
+          <a:off x="0" y="0"/>
+          <a:ext cx="0" cy="0"/>
+          <a:chOff x="0" y="0"/>
+          <a:chExt cx="0" cy="0"/>
+        </a:xfrm>
+      </p:grpSpPr>
+      <p:sp>
+        <p:nvSpPr>
+          <p:cNvPr id="2" name="슬라이드 이미지 개체 틀 1"/>
+          <p:cNvSpPr>
+            <a:spLocks noGrp="1" noRot="1" noChangeAspect="1"/>
+          </p:cNvSpPr>
+          <p:nvPr>
+            <p:ph type="sldImg"/>
+          </p:nvPr>
+        </p:nvSpPr>
+        <p:spPr/>
+      </p:sp>
+      <p:sp>
+        <p:nvSpPr>
+          <p:cNvPr id="3" name="슬라이드 노트 개체 틀 2"/>
+          <p:cNvSpPr>
+            <a:spLocks noGrp="1"/>
+          </p:cNvSpPr>
+          <p:nvPr>
+            <p:ph type="body" idx="1"/>
+          </p:nvPr>
+        </p:nvSpPr>
+        <p:spPr/>
+        <p:txBody>
+          <a:bodyPr/>
+          <a:lstStyle/>
+          <a:p>
+            <a:endParaRPr lang="ko-KR" altLang="en-US" dirty="0"/>
+          </a:p>
+        </p:txBody>
+      </p:sp>
+      <p:sp>
+        <p:nvSpPr>
+          <p:cNvPr id="4" name="슬라이드 번호 개체 틀 3"/>
+          <p:cNvSpPr>
+            <a:spLocks noGrp="1"/>
+          </p:cNvSpPr>
+          <p:nvPr>
+            <p:ph type="sldNum" sz="quarter" idx="5"/>
+          </p:nvPr>
+        </p:nvSpPr>
+        <p:spPr/>
+        <p:txBody>
+          <a:bodyPr/>
+          <a:lstStyle/>
+          <a:p>
+            <a:fld id="{D8DCC404-E41A-4BC0-921C-BBFB3AB1AB4E}" type="slidenum">
+              <a:rPr lang="ko-KR" altLang="en-US" smtClean="0"/>
+              <a:t>31</a:t>
+            </a:fld>
+            <a:endParaRPr lang="ko-KR" altLang="en-US"/>
+          </a:p>
+        </p:txBody>
+      </p:sp>
+    </p:spTree>
+    <p:extLst>
+      <p:ext uri="{BB962C8B-B14F-4D97-AF65-F5344CB8AC3E}">
+        <p14:creationId xmlns:p14="http://schemas.microsoft.com/office/powerpoint/2010/main" val="2289335088"/>
+      </p:ext>
+    </p:extLst>
+  </p:cSld>
+  <p:clrMapOvr>
+    <a:masterClrMapping/>
+  </p:clrMapOvr>
+</p:notes>
+</file>
+
+<file path=ppt/notesSlides/notesSlide27.xml><?xml version="1.0" encoding="utf-8"?>
+<p:notes xmlns:a="http://schemas.openxmlformats.org/drawingml/2006/main" xmlns:r="http://schemas.openxmlformats.org/officeDocument/2006/relationships" xmlns:p="http://schemas.openxmlformats.org/presentationml/2006/main">
+  <p:cSld>
+    <p:spTree>
+      <p:nvGrpSpPr>
+        <p:cNvPr id="1" name=""/>
+        <p:cNvGrpSpPr/>
+        <p:nvPr/>
+      </p:nvGrpSpPr>
+      <p:grpSpPr>
+        <a:xfrm>
+          <a:off x="0" y="0"/>
+          <a:ext cx="0" cy="0"/>
+          <a:chOff x="0" y="0"/>
+          <a:chExt cx="0" cy="0"/>
+        </a:xfrm>
+      </p:grpSpPr>
+      <p:sp>
+        <p:nvSpPr>
+          <p:cNvPr id="2" name="슬라이드 이미지 개체 틀 1"/>
+          <p:cNvSpPr>
+            <a:spLocks noGrp="1" noRot="1" noChangeAspect="1"/>
+          </p:cNvSpPr>
+          <p:nvPr>
+            <p:ph type="sldImg"/>
+          </p:nvPr>
+        </p:nvSpPr>
+        <p:spPr/>
+      </p:sp>
+      <p:sp>
+        <p:nvSpPr>
+          <p:cNvPr id="3" name="슬라이드 노트 개체 틀 2"/>
+          <p:cNvSpPr>
+            <a:spLocks noGrp="1"/>
+          </p:cNvSpPr>
+          <p:nvPr>
+            <p:ph type="body" idx="1"/>
+          </p:nvPr>
+        </p:nvSpPr>
+        <p:spPr/>
+        <p:txBody>
+          <a:bodyPr/>
+          <a:lstStyle/>
+          <a:p>
+            <a:endParaRPr lang="ko-KR" altLang="en-US" dirty="0"/>
+          </a:p>
+        </p:txBody>
+      </p:sp>
+      <p:sp>
+        <p:nvSpPr>
+          <p:cNvPr id="4" name="슬라이드 번호 개체 틀 3"/>
+          <p:cNvSpPr>
+            <a:spLocks noGrp="1"/>
+          </p:cNvSpPr>
+          <p:nvPr>
+            <p:ph type="sldNum" sz="quarter" idx="5"/>
+          </p:nvPr>
+        </p:nvSpPr>
+        <p:spPr/>
+        <p:txBody>
+          <a:bodyPr/>
+          <a:lstStyle/>
+          <a:p>
+            <a:fld id="{D8DCC404-E41A-4BC0-921C-BBFB3AB1AB4E}" type="slidenum">
+              <a:rPr lang="ko-KR" altLang="en-US" smtClean="0"/>
+              <a:t>32</a:t>
+            </a:fld>
+            <a:endParaRPr lang="ko-KR" altLang="en-US"/>
+          </a:p>
+        </p:txBody>
+      </p:sp>
+    </p:spTree>
+    <p:extLst>
+      <p:ext uri="{BB962C8B-B14F-4D97-AF65-F5344CB8AC3E}">
+        <p14:creationId xmlns:p14="http://schemas.microsoft.com/office/powerpoint/2010/main" val="1300993731"/>
+      </p:ext>
+    </p:extLst>
+  </p:cSld>
+  <p:clrMapOvr>
+    <a:masterClrMapping/>
+  </p:clrMapOvr>
+</p:notes>
+</file>
+
+<file path=ppt/notesSlides/notesSlide28.xml><?xml version="1.0" encoding="utf-8"?>
+<p:notes xmlns:a="http://schemas.openxmlformats.org/drawingml/2006/main" xmlns:r="http://schemas.openxmlformats.org/officeDocument/2006/relationships" xmlns:p="http://schemas.openxmlformats.org/presentationml/2006/main">
+  <p:cSld>
+    <p:spTree>
+      <p:nvGrpSpPr>
+        <p:cNvPr id="1" name=""/>
+        <p:cNvGrpSpPr/>
+        <p:nvPr/>
+      </p:nvGrpSpPr>
+      <p:grpSpPr>
+        <a:xfrm>
+          <a:off x="0" y="0"/>
+          <a:ext cx="0" cy="0"/>
+          <a:chOff x="0" y="0"/>
+          <a:chExt cx="0" cy="0"/>
+        </a:xfrm>
+      </p:grpSpPr>
+      <p:sp>
+        <p:nvSpPr>
+          <p:cNvPr id="2" name="슬라이드 이미지 개체 틀 1"/>
+          <p:cNvSpPr>
+            <a:spLocks noGrp="1" noRot="1" noChangeAspect="1"/>
+          </p:cNvSpPr>
+          <p:nvPr>
+            <p:ph type="sldImg"/>
+          </p:nvPr>
+        </p:nvSpPr>
+        <p:spPr/>
+      </p:sp>
+      <p:sp>
+        <p:nvSpPr>
+          <p:cNvPr id="3" name="슬라이드 노트 개체 틀 2"/>
+          <p:cNvSpPr>
+            <a:spLocks noGrp="1"/>
+          </p:cNvSpPr>
+          <p:nvPr>
+            <p:ph type="body" idx="1"/>
+          </p:nvPr>
+        </p:nvSpPr>
+        <p:spPr/>
+        <p:txBody>
+          <a:bodyPr/>
+          <a:lstStyle/>
+          <a:p>
+            <a:endParaRPr lang="ko-KR" altLang="en-US" dirty="0"/>
+          </a:p>
+        </p:txBody>
+      </p:sp>
+      <p:sp>
+        <p:nvSpPr>
+          <p:cNvPr id="4" name="슬라이드 번호 개체 틀 3"/>
+          <p:cNvSpPr>
+            <a:spLocks noGrp="1"/>
+          </p:cNvSpPr>
+          <p:nvPr>
+            <p:ph type="sldNum" sz="quarter" idx="5"/>
+          </p:nvPr>
+        </p:nvSpPr>
+        <p:spPr/>
+        <p:txBody>
+          <a:bodyPr/>
+          <a:lstStyle/>
+          <a:p>
+            <a:fld id="{D8DCC404-E41A-4BC0-921C-BBFB3AB1AB4E}" type="slidenum">
+              <a:rPr lang="ko-KR" altLang="en-US" smtClean="0"/>
+              <a:t>33</a:t>
             </a:fld>
             <a:endParaRPr lang="ko-KR" altLang="en-US"/>
           </a:p>
@@ -535,6 +2251,594 @@
     <p:extLst>
       <p:ext uri="{BB962C8B-B14F-4D97-AF65-F5344CB8AC3E}">
         <p14:creationId xmlns:p14="http://schemas.microsoft.com/office/powerpoint/2010/main" val="260172559"/>
+      </p:ext>
+    </p:extLst>
+  </p:cSld>
+  <p:clrMapOvr>
+    <a:masterClrMapping/>
+  </p:clrMapOvr>
+</p:notes>
+</file>
+
+<file path=ppt/notesSlides/notesSlide3.xml><?xml version="1.0" encoding="utf-8"?>
+<p:notes xmlns:a="http://schemas.openxmlformats.org/drawingml/2006/main" xmlns:r="http://schemas.openxmlformats.org/officeDocument/2006/relationships" xmlns:p="http://schemas.openxmlformats.org/presentationml/2006/main">
+  <p:cSld>
+    <p:spTree>
+      <p:nvGrpSpPr>
+        <p:cNvPr id="1" name=""/>
+        <p:cNvGrpSpPr/>
+        <p:nvPr/>
+      </p:nvGrpSpPr>
+      <p:grpSpPr>
+        <a:xfrm>
+          <a:off x="0" y="0"/>
+          <a:ext cx="0" cy="0"/>
+          <a:chOff x="0" y="0"/>
+          <a:chExt cx="0" cy="0"/>
+        </a:xfrm>
+      </p:grpSpPr>
+      <p:sp>
+        <p:nvSpPr>
+          <p:cNvPr id="2" name="슬라이드 이미지 개체 틀 1"/>
+          <p:cNvSpPr>
+            <a:spLocks noGrp="1" noRot="1" noChangeAspect="1"/>
+          </p:cNvSpPr>
+          <p:nvPr>
+            <p:ph type="sldImg"/>
+          </p:nvPr>
+        </p:nvSpPr>
+        <p:spPr/>
+      </p:sp>
+      <p:sp>
+        <p:nvSpPr>
+          <p:cNvPr id="3" name="슬라이드 노트 개체 틀 2"/>
+          <p:cNvSpPr>
+            <a:spLocks noGrp="1"/>
+          </p:cNvSpPr>
+          <p:nvPr>
+            <p:ph type="body" idx="1"/>
+          </p:nvPr>
+        </p:nvSpPr>
+        <p:spPr/>
+        <p:txBody>
+          <a:bodyPr/>
+          <a:lstStyle/>
+          <a:p>
+            <a:endParaRPr lang="ko-KR" altLang="en-US" dirty="0"/>
+          </a:p>
+        </p:txBody>
+      </p:sp>
+      <p:sp>
+        <p:nvSpPr>
+          <p:cNvPr id="4" name="슬라이드 번호 개체 틀 3"/>
+          <p:cNvSpPr>
+            <a:spLocks noGrp="1"/>
+          </p:cNvSpPr>
+          <p:nvPr>
+            <p:ph type="sldNum" sz="quarter" idx="5"/>
+          </p:nvPr>
+        </p:nvSpPr>
+        <p:spPr/>
+        <p:txBody>
+          <a:bodyPr/>
+          <a:lstStyle/>
+          <a:p>
+            <a:fld id="{D8DCC404-E41A-4BC0-921C-BBFB3AB1AB4E}" type="slidenum">
+              <a:rPr lang="ko-KR" altLang="en-US" smtClean="0"/>
+              <a:t>5</a:t>
+            </a:fld>
+            <a:endParaRPr lang="ko-KR" altLang="en-US"/>
+          </a:p>
+        </p:txBody>
+      </p:sp>
+    </p:spTree>
+    <p:extLst>
+      <p:ext uri="{BB962C8B-B14F-4D97-AF65-F5344CB8AC3E}">
+        <p14:creationId xmlns:p14="http://schemas.microsoft.com/office/powerpoint/2010/main" val="1904724087"/>
+      </p:ext>
+    </p:extLst>
+  </p:cSld>
+  <p:clrMapOvr>
+    <a:masterClrMapping/>
+  </p:clrMapOvr>
+</p:notes>
+</file>
+
+<file path=ppt/notesSlides/notesSlide4.xml><?xml version="1.0" encoding="utf-8"?>
+<p:notes xmlns:a="http://schemas.openxmlformats.org/drawingml/2006/main" xmlns:r="http://schemas.openxmlformats.org/officeDocument/2006/relationships" xmlns:p="http://schemas.openxmlformats.org/presentationml/2006/main">
+  <p:cSld>
+    <p:spTree>
+      <p:nvGrpSpPr>
+        <p:cNvPr id="1" name=""/>
+        <p:cNvGrpSpPr/>
+        <p:nvPr/>
+      </p:nvGrpSpPr>
+      <p:grpSpPr>
+        <a:xfrm>
+          <a:off x="0" y="0"/>
+          <a:ext cx="0" cy="0"/>
+          <a:chOff x="0" y="0"/>
+          <a:chExt cx="0" cy="0"/>
+        </a:xfrm>
+      </p:grpSpPr>
+      <p:sp>
+        <p:nvSpPr>
+          <p:cNvPr id="2" name="슬라이드 이미지 개체 틀 1"/>
+          <p:cNvSpPr>
+            <a:spLocks noGrp="1" noRot="1" noChangeAspect="1"/>
+          </p:cNvSpPr>
+          <p:nvPr>
+            <p:ph type="sldImg"/>
+          </p:nvPr>
+        </p:nvSpPr>
+        <p:spPr/>
+      </p:sp>
+      <p:sp>
+        <p:nvSpPr>
+          <p:cNvPr id="3" name="슬라이드 노트 개체 틀 2"/>
+          <p:cNvSpPr>
+            <a:spLocks noGrp="1"/>
+          </p:cNvSpPr>
+          <p:nvPr>
+            <p:ph type="body" idx="1"/>
+          </p:nvPr>
+        </p:nvSpPr>
+        <p:spPr/>
+        <p:txBody>
+          <a:bodyPr/>
+          <a:lstStyle/>
+          <a:p>
+            <a:endParaRPr lang="ko-KR" altLang="en-US" dirty="0"/>
+          </a:p>
+        </p:txBody>
+      </p:sp>
+      <p:sp>
+        <p:nvSpPr>
+          <p:cNvPr id="4" name="슬라이드 번호 개체 틀 3"/>
+          <p:cNvSpPr>
+            <a:spLocks noGrp="1"/>
+          </p:cNvSpPr>
+          <p:nvPr>
+            <p:ph type="sldNum" sz="quarter" idx="5"/>
+          </p:nvPr>
+        </p:nvSpPr>
+        <p:spPr/>
+        <p:txBody>
+          <a:bodyPr/>
+          <a:lstStyle/>
+          <a:p>
+            <a:fld id="{D8DCC404-E41A-4BC0-921C-BBFB3AB1AB4E}" type="slidenum">
+              <a:rPr lang="ko-KR" altLang="en-US" smtClean="0"/>
+              <a:t>6</a:t>
+            </a:fld>
+            <a:endParaRPr lang="ko-KR" altLang="en-US"/>
+          </a:p>
+        </p:txBody>
+      </p:sp>
+    </p:spTree>
+    <p:extLst>
+      <p:ext uri="{BB962C8B-B14F-4D97-AF65-F5344CB8AC3E}">
+        <p14:creationId xmlns:p14="http://schemas.microsoft.com/office/powerpoint/2010/main" val="3661562495"/>
+      </p:ext>
+    </p:extLst>
+  </p:cSld>
+  <p:clrMapOvr>
+    <a:masterClrMapping/>
+  </p:clrMapOvr>
+</p:notes>
+</file>
+
+<file path=ppt/notesSlides/notesSlide5.xml><?xml version="1.0" encoding="utf-8"?>
+<p:notes xmlns:a="http://schemas.openxmlformats.org/drawingml/2006/main" xmlns:r="http://schemas.openxmlformats.org/officeDocument/2006/relationships" xmlns:p="http://schemas.openxmlformats.org/presentationml/2006/main">
+  <p:cSld>
+    <p:spTree>
+      <p:nvGrpSpPr>
+        <p:cNvPr id="1" name=""/>
+        <p:cNvGrpSpPr/>
+        <p:nvPr/>
+      </p:nvGrpSpPr>
+      <p:grpSpPr>
+        <a:xfrm>
+          <a:off x="0" y="0"/>
+          <a:ext cx="0" cy="0"/>
+          <a:chOff x="0" y="0"/>
+          <a:chExt cx="0" cy="0"/>
+        </a:xfrm>
+      </p:grpSpPr>
+      <p:sp>
+        <p:nvSpPr>
+          <p:cNvPr id="2" name="슬라이드 이미지 개체 틀 1"/>
+          <p:cNvSpPr>
+            <a:spLocks noGrp="1" noRot="1" noChangeAspect="1"/>
+          </p:cNvSpPr>
+          <p:nvPr>
+            <p:ph type="sldImg"/>
+          </p:nvPr>
+        </p:nvSpPr>
+        <p:spPr/>
+      </p:sp>
+      <p:sp>
+        <p:nvSpPr>
+          <p:cNvPr id="3" name="슬라이드 노트 개체 틀 2"/>
+          <p:cNvSpPr>
+            <a:spLocks noGrp="1"/>
+          </p:cNvSpPr>
+          <p:nvPr>
+            <p:ph type="body" idx="1"/>
+          </p:nvPr>
+        </p:nvSpPr>
+        <p:spPr/>
+        <p:txBody>
+          <a:bodyPr/>
+          <a:lstStyle/>
+          <a:p>
+            <a:endParaRPr lang="ko-KR" altLang="en-US" dirty="0"/>
+          </a:p>
+        </p:txBody>
+      </p:sp>
+      <p:sp>
+        <p:nvSpPr>
+          <p:cNvPr id="4" name="슬라이드 번호 개체 틀 3"/>
+          <p:cNvSpPr>
+            <a:spLocks noGrp="1"/>
+          </p:cNvSpPr>
+          <p:nvPr>
+            <p:ph type="sldNum" sz="quarter" idx="5"/>
+          </p:nvPr>
+        </p:nvSpPr>
+        <p:spPr/>
+        <p:txBody>
+          <a:bodyPr/>
+          <a:lstStyle/>
+          <a:p>
+            <a:fld id="{D8DCC404-E41A-4BC0-921C-BBFB3AB1AB4E}" type="slidenum">
+              <a:rPr lang="ko-KR" altLang="en-US" smtClean="0"/>
+              <a:t>7</a:t>
+            </a:fld>
+            <a:endParaRPr lang="ko-KR" altLang="en-US"/>
+          </a:p>
+        </p:txBody>
+      </p:sp>
+    </p:spTree>
+    <p:extLst>
+      <p:ext uri="{BB962C8B-B14F-4D97-AF65-F5344CB8AC3E}">
+        <p14:creationId xmlns:p14="http://schemas.microsoft.com/office/powerpoint/2010/main" val="156116521"/>
+      </p:ext>
+    </p:extLst>
+  </p:cSld>
+  <p:clrMapOvr>
+    <a:masterClrMapping/>
+  </p:clrMapOvr>
+</p:notes>
+</file>
+
+<file path=ppt/notesSlides/notesSlide6.xml><?xml version="1.0" encoding="utf-8"?>
+<p:notes xmlns:a="http://schemas.openxmlformats.org/drawingml/2006/main" xmlns:r="http://schemas.openxmlformats.org/officeDocument/2006/relationships" xmlns:p="http://schemas.openxmlformats.org/presentationml/2006/main">
+  <p:cSld>
+    <p:spTree>
+      <p:nvGrpSpPr>
+        <p:cNvPr id="1" name=""/>
+        <p:cNvGrpSpPr/>
+        <p:nvPr/>
+      </p:nvGrpSpPr>
+      <p:grpSpPr>
+        <a:xfrm>
+          <a:off x="0" y="0"/>
+          <a:ext cx="0" cy="0"/>
+          <a:chOff x="0" y="0"/>
+          <a:chExt cx="0" cy="0"/>
+        </a:xfrm>
+      </p:grpSpPr>
+      <p:sp>
+        <p:nvSpPr>
+          <p:cNvPr id="2" name="슬라이드 이미지 개체 틀 1"/>
+          <p:cNvSpPr>
+            <a:spLocks noGrp="1" noRot="1" noChangeAspect="1"/>
+          </p:cNvSpPr>
+          <p:nvPr>
+            <p:ph type="sldImg"/>
+          </p:nvPr>
+        </p:nvSpPr>
+        <p:spPr/>
+      </p:sp>
+      <p:sp>
+        <p:nvSpPr>
+          <p:cNvPr id="3" name="슬라이드 노트 개체 틀 2"/>
+          <p:cNvSpPr>
+            <a:spLocks noGrp="1"/>
+          </p:cNvSpPr>
+          <p:nvPr>
+            <p:ph type="body" idx="1"/>
+          </p:nvPr>
+        </p:nvSpPr>
+        <p:spPr/>
+        <p:txBody>
+          <a:bodyPr/>
+          <a:lstStyle/>
+          <a:p>
+            <a:endParaRPr lang="ko-KR" altLang="en-US" dirty="0"/>
+          </a:p>
+        </p:txBody>
+      </p:sp>
+      <p:sp>
+        <p:nvSpPr>
+          <p:cNvPr id="4" name="슬라이드 번호 개체 틀 3"/>
+          <p:cNvSpPr>
+            <a:spLocks noGrp="1"/>
+          </p:cNvSpPr>
+          <p:nvPr>
+            <p:ph type="sldNum" sz="quarter" idx="5"/>
+          </p:nvPr>
+        </p:nvSpPr>
+        <p:spPr/>
+        <p:txBody>
+          <a:bodyPr/>
+          <a:lstStyle/>
+          <a:p>
+            <a:fld id="{D8DCC404-E41A-4BC0-921C-BBFB3AB1AB4E}" type="slidenum">
+              <a:rPr lang="ko-KR" altLang="en-US" smtClean="0"/>
+              <a:t>8</a:t>
+            </a:fld>
+            <a:endParaRPr lang="ko-KR" altLang="en-US"/>
+          </a:p>
+        </p:txBody>
+      </p:sp>
+    </p:spTree>
+    <p:extLst>
+      <p:ext uri="{BB962C8B-B14F-4D97-AF65-F5344CB8AC3E}">
+        <p14:creationId xmlns:p14="http://schemas.microsoft.com/office/powerpoint/2010/main" val="3326796977"/>
+      </p:ext>
+    </p:extLst>
+  </p:cSld>
+  <p:clrMapOvr>
+    <a:masterClrMapping/>
+  </p:clrMapOvr>
+</p:notes>
+</file>
+
+<file path=ppt/notesSlides/notesSlide7.xml><?xml version="1.0" encoding="utf-8"?>
+<p:notes xmlns:a="http://schemas.openxmlformats.org/drawingml/2006/main" xmlns:r="http://schemas.openxmlformats.org/officeDocument/2006/relationships" xmlns:p="http://schemas.openxmlformats.org/presentationml/2006/main">
+  <p:cSld>
+    <p:spTree>
+      <p:nvGrpSpPr>
+        <p:cNvPr id="1" name=""/>
+        <p:cNvGrpSpPr/>
+        <p:nvPr/>
+      </p:nvGrpSpPr>
+      <p:grpSpPr>
+        <a:xfrm>
+          <a:off x="0" y="0"/>
+          <a:ext cx="0" cy="0"/>
+          <a:chOff x="0" y="0"/>
+          <a:chExt cx="0" cy="0"/>
+        </a:xfrm>
+      </p:grpSpPr>
+      <p:sp>
+        <p:nvSpPr>
+          <p:cNvPr id="2" name="슬라이드 이미지 개체 틀 1"/>
+          <p:cNvSpPr>
+            <a:spLocks noGrp="1" noRot="1" noChangeAspect="1"/>
+          </p:cNvSpPr>
+          <p:nvPr>
+            <p:ph type="sldImg"/>
+          </p:nvPr>
+        </p:nvSpPr>
+        <p:spPr/>
+      </p:sp>
+      <p:sp>
+        <p:nvSpPr>
+          <p:cNvPr id="3" name="슬라이드 노트 개체 틀 2"/>
+          <p:cNvSpPr>
+            <a:spLocks noGrp="1"/>
+          </p:cNvSpPr>
+          <p:nvPr>
+            <p:ph type="body" idx="1"/>
+          </p:nvPr>
+        </p:nvSpPr>
+        <p:spPr/>
+        <p:txBody>
+          <a:bodyPr/>
+          <a:lstStyle/>
+          <a:p>
+            <a:endParaRPr lang="ko-KR" altLang="en-US" dirty="0"/>
+          </a:p>
+        </p:txBody>
+      </p:sp>
+      <p:sp>
+        <p:nvSpPr>
+          <p:cNvPr id="4" name="슬라이드 번호 개체 틀 3"/>
+          <p:cNvSpPr>
+            <a:spLocks noGrp="1"/>
+          </p:cNvSpPr>
+          <p:nvPr>
+            <p:ph type="sldNum" sz="quarter" idx="5"/>
+          </p:nvPr>
+        </p:nvSpPr>
+        <p:spPr/>
+        <p:txBody>
+          <a:bodyPr/>
+          <a:lstStyle/>
+          <a:p>
+            <a:fld id="{D8DCC404-E41A-4BC0-921C-BBFB3AB1AB4E}" type="slidenum">
+              <a:rPr lang="ko-KR" altLang="en-US" smtClean="0"/>
+              <a:t>9</a:t>
+            </a:fld>
+            <a:endParaRPr lang="ko-KR" altLang="en-US"/>
+          </a:p>
+        </p:txBody>
+      </p:sp>
+    </p:spTree>
+    <p:extLst>
+      <p:ext uri="{BB962C8B-B14F-4D97-AF65-F5344CB8AC3E}">
+        <p14:creationId xmlns:p14="http://schemas.microsoft.com/office/powerpoint/2010/main" val="3511602026"/>
+      </p:ext>
+    </p:extLst>
+  </p:cSld>
+  <p:clrMapOvr>
+    <a:masterClrMapping/>
+  </p:clrMapOvr>
+</p:notes>
+</file>
+
+<file path=ppt/notesSlides/notesSlide8.xml><?xml version="1.0" encoding="utf-8"?>
+<p:notes xmlns:a="http://schemas.openxmlformats.org/drawingml/2006/main" xmlns:r="http://schemas.openxmlformats.org/officeDocument/2006/relationships" xmlns:p="http://schemas.openxmlformats.org/presentationml/2006/main">
+  <p:cSld>
+    <p:spTree>
+      <p:nvGrpSpPr>
+        <p:cNvPr id="1" name=""/>
+        <p:cNvGrpSpPr/>
+        <p:nvPr/>
+      </p:nvGrpSpPr>
+      <p:grpSpPr>
+        <a:xfrm>
+          <a:off x="0" y="0"/>
+          <a:ext cx="0" cy="0"/>
+          <a:chOff x="0" y="0"/>
+          <a:chExt cx="0" cy="0"/>
+        </a:xfrm>
+      </p:grpSpPr>
+      <p:sp>
+        <p:nvSpPr>
+          <p:cNvPr id="2" name="슬라이드 이미지 개체 틀 1"/>
+          <p:cNvSpPr>
+            <a:spLocks noGrp="1" noRot="1" noChangeAspect="1"/>
+          </p:cNvSpPr>
+          <p:nvPr>
+            <p:ph type="sldImg"/>
+          </p:nvPr>
+        </p:nvSpPr>
+        <p:spPr/>
+      </p:sp>
+      <p:sp>
+        <p:nvSpPr>
+          <p:cNvPr id="3" name="슬라이드 노트 개체 틀 2"/>
+          <p:cNvSpPr>
+            <a:spLocks noGrp="1"/>
+          </p:cNvSpPr>
+          <p:nvPr>
+            <p:ph type="body" idx="1"/>
+          </p:nvPr>
+        </p:nvSpPr>
+        <p:spPr/>
+        <p:txBody>
+          <a:bodyPr/>
+          <a:lstStyle/>
+          <a:p>
+            <a:endParaRPr lang="ko-KR" altLang="en-US" dirty="0"/>
+          </a:p>
+        </p:txBody>
+      </p:sp>
+      <p:sp>
+        <p:nvSpPr>
+          <p:cNvPr id="4" name="슬라이드 번호 개체 틀 3"/>
+          <p:cNvSpPr>
+            <a:spLocks noGrp="1"/>
+          </p:cNvSpPr>
+          <p:nvPr>
+            <p:ph type="sldNum" sz="quarter" idx="5"/>
+          </p:nvPr>
+        </p:nvSpPr>
+        <p:spPr/>
+        <p:txBody>
+          <a:bodyPr/>
+          <a:lstStyle/>
+          <a:p>
+            <a:fld id="{D8DCC404-E41A-4BC0-921C-BBFB3AB1AB4E}" type="slidenum">
+              <a:rPr lang="ko-KR" altLang="en-US" smtClean="0"/>
+              <a:t>10</a:t>
+            </a:fld>
+            <a:endParaRPr lang="ko-KR" altLang="en-US"/>
+          </a:p>
+        </p:txBody>
+      </p:sp>
+    </p:spTree>
+    <p:extLst>
+      <p:ext uri="{BB962C8B-B14F-4D97-AF65-F5344CB8AC3E}">
+        <p14:creationId xmlns:p14="http://schemas.microsoft.com/office/powerpoint/2010/main" val="4247028257"/>
+      </p:ext>
+    </p:extLst>
+  </p:cSld>
+  <p:clrMapOvr>
+    <a:masterClrMapping/>
+  </p:clrMapOvr>
+</p:notes>
+</file>
+
+<file path=ppt/notesSlides/notesSlide9.xml><?xml version="1.0" encoding="utf-8"?>
+<p:notes xmlns:a="http://schemas.openxmlformats.org/drawingml/2006/main" xmlns:r="http://schemas.openxmlformats.org/officeDocument/2006/relationships" xmlns:p="http://schemas.openxmlformats.org/presentationml/2006/main">
+  <p:cSld>
+    <p:spTree>
+      <p:nvGrpSpPr>
+        <p:cNvPr id="1" name=""/>
+        <p:cNvGrpSpPr/>
+        <p:nvPr/>
+      </p:nvGrpSpPr>
+      <p:grpSpPr>
+        <a:xfrm>
+          <a:off x="0" y="0"/>
+          <a:ext cx="0" cy="0"/>
+          <a:chOff x="0" y="0"/>
+          <a:chExt cx="0" cy="0"/>
+        </a:xfrm>
+      </p:grpSpPr>
+      <p:sp>
+        <p:nvSpPr>
+          <p:cNvPr id="2" name="슬라이드 이미지 개체 틀 1"/>
+          <p:cNvSpPr>
+            <a:spLocks noGrp="1" noRot="1" noChangeAspect="1"/>
+          </p:cNvSpPr>
+          <p:nvPr>
+            <p:ph type="sldImg"/>
+          </p:nvPr>
+        </p:nvSpPr>
+        <p:spPr/>
+      </p:sp>
+      <p:sp>
+        <p:nvSpPr>
+          <p:cNvPr id="3" name="슬라이드 노트 개체 틀 2"/>
+          <p:cNvSpPr>
+            <a:spLocks noGrp="1"/>
+          </p:cNvSpPr>
+          <p:nvPr>
+            <p:ph type="body" idx="1"/>
+          </p:nvPr>
+        </p:nvSpPr>
+        <p:spPr/>
+        <p:txBody>
+          <a:bodyPr/>
+          <a:lstStyle/>
+          <a:p>
+            <a:endParaRPr lang="ko-KR" altLang="en-US" dirty="0"/>
+          </a:p>
+        </p:txBody>
+      </p:sp>
+      <p:sp>
+        <p:nvSpPr>
+          <p:cNvPr id="4" name="슬라이드 번호 개체 틀 3"/>
+          <p:cNvSpPr>
+            <a:spLocks noGrp="1"/>
+          </p:cNvSpPr>
+          <p:nvPr>
+            <p:ph type="sldNum" sz="quarter" idx="5"/>
+          </p:nvPr>
+        </p:nvSpPr>
+        <p:spPr/>
+        <p:txBody>
+          <a:bodyPr/>
+          <a:lstStyle/>
+          <a:p>
+            <a:fld id="{D8DCC404-E41A-4BC0-921C-BBFB3AB1AB4E}" type="slidenum">
+              <a:rPr lang="ko-KR" altLang="en-US" smtClean="0"/>
+              <a:t>11</a:t>
+            </a:fld>
+            <a:endParaRPr lang="ko-KR" altLang="en-US"/>
+          </a:p>
+        </p:txBody>
+      </p:sp>
+    </p:spTree>
+    <p:extLst>
+      <p:ext uri="{BB962C8B-B14F-4D97-AF65-F5344CB8AC3E}">
+        <p14:creationId xmlns:p14="http://schemas.microsoft.com/office/powerpoint/2010/main" val="1410822619"/>
       </p:ext>
     </p:extLst>
   </p:cSld>
@@ -691,7 +2995,7 @@
           <a:p>
             <a:fld id="{6CA98622-3661-4256-8D13-E3531EC52D61}" type="datetimeFigureOut">
               <a:rPr lang="ko-KR" altLang="en-US" smtClean="0"/>
-              <a:t>2023-09-02</a:t>
+              <a:t>2023-09-03</a:t>
             </a:fld>
             <a:endParaRPr lang="ko-KR" altLang="en-US"/>
           </a:p>
@@ -889,7 +3193,7 @@
           <a:p>
             <a:fld id="{6CA98622-3661-4256-8D13-E3531EC52D61}" type="datetimeFigureOut">
               <a:rPr lang="ko-KR" altLang="en-US" smtClean="0"/>
-              <a:t>2023-09-02</a:t>
+              <a:t>2023-09-03</a:t>
             </a:fld>
             <a:endParaRPr lang="ko-KR" altLang="en-US"/>
           </a:p>
@@ -1097,7 +3401,7 @@
           <a:p>
             <a:fld id="{6CA98622-3661-4256-8D13-E3531EC52D61}" type="datetimeFigureOut">
               <a:rPr lang="ko-KR" altLang="en-US" smtClean="0"/>
-              <a:t>2023-09-02</a:t>
+              <a:t>2023-09-03</a:t>
             </a:fld>
             <a:endParaRPr lang="ko-KR" altLang="en-US"/>
           </a:p>
@@ -1295,7 +3599,7 @@
           <a:p>
             <a:fld id="{6CA98622-3661-4256-8D13-E3531EC52D61}" type="datetimeFigureOut">
               <a:rPr lang="ko-KR" altLang="en-US" smtClean="0"/>
-              <a:t>2023-09-02</a:t>
+              <a:t>2023-09-03</a:t>
             </a:fld>
             <a:endParaRPr lang="ko-KR" altLang="en-US"/>
           </a:p>
@@ -1570,7 +3874,7 @@
           <a:p>
             <a:fld id="{6CA98622-3661-4256-8D13-E3531EC52D61}" type="datetimeFigureOut">
               <a:rPr lang="ko-KR" altLang="en-US" smtClean="0"/>
-              <a:t>2023-09-02</a:t>
+              <a:t>2023-09-03</a:t>
             </a:fld>
             <a:endParaRPr lang="ko-KR" altLang="en-US"/>
           </a:p>
@@ -1835,7 +4139,7 @@
           <a:p>
             <a:fld id="{6CA98622-3661-4256-8D13-E3531EC52D61}" type="datetimeFigureOut">
               <a:rPr lang="ko-KR" altLang="en-US" smtClean="0"/>
-              <a:t>2023-09-02</a:t>
+              <a:t>2023-09-03</a:t>
             </a:fld>
             <a:endParaRPr lang="ko-KR" altLang="en-US"/>
           </a:p>
@@ -2247,7 +4551,7 @@
           <a:p>
             <a:fld id="{6CA98622-3661-4256-8D13-E3531EC52D61}" type="datetimeFigureOut">
               <a:rPr lang="ko-KR" altLang="en-US" smtClean="0"/>
-              <a:t>2023-09-02</a:t>
+              <a:t>2023-09-03</a:t>
             </a:fld>
             <a:endParaRPr lang="ko-KR" altLang="en-US"/>
           </a:p>
@@ -2388,7 +4692,7 @@
           <a:p>
             <a:fld id="{6CA98622-3661-4256-8D13-E3531EC52D61}" type="datetimeFigureOut">
               <a:rPr lang="ko-KR" altLang="en-US" smtClean="0"/>
-              <a:t>2023-09-02</a:t>
+              <a:t>2023-09-03</a:t>
             </a:fld>
             <a:endParaRPr lang="ko-KR" altLang="en-US"/>
           </a:p>
@@ -2501,7 +4805,7 @@
           <a:p>
             <a:fld id="{6CA98622-3661-4256-8D13-E3531EC52D61}" type="datetimeFigureOut">
               <a:rPr lang="ko-KR" altLang="en-US" smtClean="0"/>
-              <a:t>2023-09-02</a:t>
+              <a:t>2023-09-03</a:t>
             </a:fld>
             <a:endParaRPr lang="ko-KR" altLang="en-US"/>
           </a:p>
@@ -2812,7 +5116,7 @@
           <a:p>
             <a:fld id="{6CA98622-3661-4256-8D13-E3531EC52D61}" type="datetimeFigureOut">
               <a:rPr lang="ko-KR" altLang="en-US" smtClean="0"/>
-              <a:t>2023-09-02</a:t>
+              <a:t>2023-09-03</a:t>
             </a:fld>
             <a:endParaRPr lang="ko-KR" altLang="en-US"/>
           </a:p>
@@ -3100,7 +5404,7 @@
           <a:p>
             <a:fld id="{6CA98622-3661-4256-8D13-E3531EC52D61}" type="datetimeFigureOut">
               <a:rPr lang="ko-KR" altLang="en-US" smtClean="0"/>
-              <a:t>2023-09-02</a:t>
+              <a:t>2023-09-03</a:t>
             </a:fld>
             <a:endParaRPr lang="ko-KR" altLang="en-US"/>
           </a:p>
@@ -3341,7 +5645,7 @@
           <a:p>
             <a:fld id="{6CA98622-3661-4256-8D13-E3531EC52D61}" type="datetimeFigureOut">
               <a:rPr lang="ko-KR" altLang="en-US" smtClean="0"/>
-              <a:t>2023-09-02</a:t>
+              <a:t>2023-09-03</a:t>
             </a:fld>
             <a:endParaRPr lang="ko-KR" altLang="en-US"/>
           </a:p>
@@ -3873,7 +6177,7 @@
 </p:sld>
 </file>
 
-<file path=ppt/slides/slide2.xml><?xml version="1.0" encoding="utf-8"?>
+<file path=ppt/slides/slide10.xml><?xml version="1.0" encoding="utf-8"?>
 <p:sld xmlns:a="http://schemas.openxmlformats.org/drawingml/2006/main" xmlns:r="http://schemas.openxmlformats.org/officeDocument/2006/relationships" xmlns:p="http://schemas.openxmlformats.org/presentationml/2006/main">
   <p:cSld>
     <p:spTree>
@@ -3892,10 +6196,10 @@
       </p:grpSpPr>
       <p:sp>
         <p:nvSpPr>
-          <p:cNvPr id="16" name="직사각형 15">
-            <a:extLst>
-              <a:ext uri="{FF2B5EF4-FFF2-40B4-BE49-F238E27FC236}">
-                <a16:creationId xmlns:a16="http://schemas.microsoft.com/office/drawing/2014/main" id="{B89DD7D4-9ED1-4D39-BC0C-EA5A5B8B6EF9}"/>
+          <p:cNvPr id="5" name="직사각형 4">
+            <a:extLst>
+              <a:ext uri="{FF2B5EF4-FFF2-40B4-BE49-F238E27FC236}">
+                <a16:creationId xmlns:a16="http://schemas.microsoft.com/office/drawing/2014/main" id="{B3A33D42-AC91-4E0F-9DAD-49A774EF43D5}"/>
               </a:ext>
             </a:extLst>
           </p:cNvPr>
@@ -3904,7 +6208,99 @@
         </p:nvSpPr>
         <p:spPr>
           <a:xfrm>
-            <a:off x="188540" y="197967"/>
+            <a:off x="664980" y="2679271"/>
+            <a:ext cx="7759625" cy="923330"/>
+          </a:xfrm>
+          <a:prstGeom prst="rect">
+            <a:avLst/>
+          </a:prstGeom>
+        </p:spPr>
+        <p:txBody>
+          <a:bodyPr wrap="none">
+            <a:spAutoFit/>
+          </a:bodyPr>
+          <a:lstStyle/>
+          <a:p>
+            <a:r>
+              <a:rPr lang="en-US" altLang="ko-KR" sz="5400" dirty="0">
+                <a:latin typeface="배달의민족 주아" panose="02020603020101020101" pitchFamily="18" charset="-127"/>
+                <a:ea typeface="배달의민족 주아" panose="02020603020101020101" pitchFamily="18" charset="-127"/>
+              </a:rPr>
+              <a:t>“</a:t>
+            </a:r>
+            <a:r>
+              <a:rPr lang="en-US" altLang="ko-KR" sz="5400" dirty="0" err="1">
+                <a:latin typeface="배달의민족 주아" panose="02020603020101020101" pitchFamily="18" charset="-127"/>
+                <a:ea typeface="배달의민족 주아" panose="02020603020101020101" pitchFamily="18" charset="-127"/>
+              </a:rPr>
+              <a:t>SocketAsyncEventArgs</a:t>
+            </a:r>
+            <a:r>
+              <a:rPr lang="en-US" altLang="ko-KR" sz="5400" dirty="0">
+                <a:latin typeface="배달의민족 주아" panose="02020603020101020101" pitchFamily="18" charset="-127"/>
+                <a:ea typeface="배달의민족 주아" panose="02020603020101020101" pitchFamily="18" charset="-127"/>
+              </a:rPr>
+              <a:t>”</a:t>
+            </a:r>
+            <a:endParaRPr lang="ko-KR" altLang="en-US" sz="5400" dirty="0">
+              <a:latin typeface="배달의민족 주아" panose="02020603020101020101" pitchFamily="18" charset="-127"/>
+              <a:ea typeface="배달의민족 주아" panose="02020603020101020101" pitchFamily="18" charset="-127"/>
+            </a:endParaRPr>
+          </a:p>
+        </p:txBody>
+      </p:sp>
+      <p:sp>
+        <p:nvSpPr>
+          <p:cNvPr id="9" name="직사각형 8">
+            <a:extLst>
+              <a:ext uri="{FF2B5EF4-FFF2-40B4-BE49-F238E27FC236}">
+                <a16:creationId xmlns:a16="http://schemas.microsoft.com/office/drawing/2014/main" id="{CC7A51EA-3811-4DF2-9CC2-04C40C76DEC8}"/>
+              </a:ext>
+            </a:extLst>
+          </p:cNvPr>
+          <p:cNvSpPr/>
+          <p:nvPr/>
+        </p:nvSpPr>
+        <p:spPr>
+          <a:xfrm>
+            <a:off x="8041064" y="3429000"/>
+            <a:ext cx="3485956" cy="3154710"/>
+          </a:xfrm>
+          <a:prstGeom prst="rect">
+            <a:avLst/>
+          </a:prstGeom>
+        </p:spPr>
+        <p:txBody>
+          <a:bodyPr wrap="square">
+            <a:spAutoFit/>
+          </a:bodyPr>
+          <a:lstStyle/>
+          <a:p>
+            <a:r>
+              <a:rPr lang="ko-KR" altLang="en-US" sz="19900" dirty="0">
+                <a:latin typeface="+mj-lt"/>
+                <a:ea typeface="배달의민족 주아" panose="02020603020101020101" pitchFamily="18" charset="-127"/>
+              </a:rPr>
+              <a:t>🤔</a:t>
+            </a:r>
+          </a:p>
+        </p:txBody>
+      </p:sp>
+      <p:sp>
+        <p:nvSpPr>
+          <p:cNvPr id="6" name="직사각형 5">
+            <a:extLst>
+              <a:ext uri="{FF2B5EF4-FFF2-40B4-BE49-F238E27FC236}">
+                <a16:creationId xmlns:a16="http://schemas.microsoft.com/office/drawing/2014/main" id="{A1ECCE50-C2D6-42ED-8D74-F150E528A869}"/>
+              </a:ext>
+            </a:extLst>
+          </p:cNvPr>
+          <p:cNvSpPr/>
+          <p:nvPr/>
+        </p:nvSpPr>
+        <p:spPr>
+          <a:xfrm>
+            <a:off x="0" y="0"/>
             <a:ext cx="12192000" cy="6858000"/>
           </a:xfrm>
           <a:prstGeom prst="rect">
@@ -3948,10 +6344,10 @@
       </p:sp>
       <p:sp>
         <p:nvSpPr>
-          <p:cNvPr id="4" name="직사각형 3">
-            <a:extLst>
-              <a:ext uri="{FF2B5EF4-FFF2-40B4-BE49-F238E27FC236}">
-                <a16:creationId xmlns:a16="http://schemas.microsoft.com/office/drawing/2014/main" id="{CA35C8A5-4B03-43E5-B493-90F4E795A7AE}"/>
+          <p:cNvPr id="8" name="직사각형 7">
+            <a:extLst>
+              <a:ext uri="{FF2B5EF4-FFF2-40B4-BE49-F238E27FC236}">
+                <a16:creationId xmlns:a16="http://schemas.microsoft.com/office/drawing/2014/main" id="{DFBEAA6E-A32F-42F3-A86F-FB0C5B8608AB}"/>
               </a:ext>
             </a:extLst>
           </p:cNvPr>
@@ -3997,16 +6393,27 @@
           <a:p>
             <a:pPr algn="ctr"/>
             <a:r>
-              <a:rPr lang="en-US" altLang="ko-KR" sz="4400" dirty="0">
-                <a:solidFill>
-                  <a:schemeClr val="bg1"/>
-                </a:solidFill>
-                <a:latin typeface="태나다체 " panose="02000000000000000000" pitchFamily="2" charset="-127"/>
-                <a:ea typeface="태나다체 " panose="02000000000000000000" pitchFamily="2" charset="-127"/>
+              <a:rPr lang="en-US" altLang="ko-KR" sz="3600" dirty="0" err="1">
+                <a:latin typeface="배달의민족 주아" panose="02020603020101020101" pitchFamily="18" charset="-127"/>
+                <a:ea typeface="배달의민족 주아" panose="02020603020101020101" pitchFamily="18" charset="-127"/>
               </a:rPr>
-              <a:t>title</a:t>
-            </a:r>
-            <a:endParaRPr lang="ko-KR" altLang="en-US" sz="4400" dirty="0">
+              <a:t>SocketAsync</a:t>
+            </a:r>
+            <a:endParaRPr lang="en-US" altLang="ko-KR" sz="3600" dirty="0">
+              <a:latin typeface="배달의민족 주아" panose="02020603020101020101" pitchFamily="18" charset="-127"/>
+              <a:ea typeface="배달의민족 주아" panose="02020603020101020101" pitchFamily="18" charset="-127"/>
+            </a:endParaRPr>
+          </a:p>
+          <a:p>
+            <a:pPr algn="ctr"/>
+            <a:r>
+              <a:rPr lang="en-US" altLang="ko-KR" sz="3600" dirty="0" err="1">
+                <a:latin typeface="배달의민족 주아" panose="02020603020101020101" pitchFamily="18" charset="-127"/>
+                <a:ea typeface="배달의민족 주아" panose="02020603020101020101" pitchFamily="18" charset="-127"/>
+              </a:rPr>
+              <a:t>EventArgs</a:t>
+            </a:r>
+            <a:endParaRPr lang="ko-KR" altLang="en-US" sz="3600" dirty="0">
               <a:solidFill>
                 <a:schemeClr val="bg1"/>
               </a:solidFill>
@@ -4018,10 +6425,379 @@
       </p:sp>
       <p:sp>
         <p:nvSpPr>
-          <p:cNvPr id="11" name="직사각형 10">
-            <a:extLst>
-              <a:ext uri="{FF2B5EF4-FFF2-40B4-BE49-F238E27FC236}">
-                <a16:creationId xmlns:a16="http://schemas.microsoft.com/office/drawing/2014/main" id="{6C22D0AA-FCE8-49A4-888D-F1CCB0BBB1BD}"/>
+          <p:cNvPr id="7" name="직사각형 6">
+            <a:extLst>
+              <a:ext uri="{FF2B5EF4-FFF2-40B4-BE49-F238E27FC236}">
+                <a16:creationId xmlns:a16="http://schemas.microsoft.com/office/drawing/2014/main" id="{08778659-DCBB-4F40-B3B5-91B76E1A9C6C}"/>
+              </a:ext>
+            </a:extLst>
+          </p:cNvPr>
+          <p:cNvSpPr/>
+          <p:nvPr/>
+        </p:nvSpPr>
+        <p:spPr>
+          <a:xfrm>
+            <a:off x="664980" y="3231577"/>
+            <a:ext cx="11085086" cy="923330"/>
+          </a:xfrm>
+          <a:prstGeom prst="rect">
+            <a:avLst/>
+          </a:prstGeom>
+        </p:spPr>
+        <p:txBody>
+          <a:bodyPr wrap="none">
+            <a:spAutoFit/>
+          </a:bodyPr>
+          <a:lstStyle/>
+          <a:p>
+            <a:r>
+              <a:rPr lang="ko-KR" altLang="en-US" sz="5400" dirty="0">
+                <a:solidFill>
+                  <a:schemeClr val="bg1"/>
+                </a:solidFill>
+                <a:latin typeface="배달의민족 주아" panose="02020603020101020101" pitchFamily="18" charset="-127"/>
+                <a:ea typeface="배달의민족 주아" panose="02020603020101020101" pitchFamily="18" charset="-127"/>
+              </a:rPr>
+              <a:t>비동기 통신에서 데이터 처리를 위한 클래스</a:t>
+            </a:r>
+          </a:p>
+        </p:txBody>
+      </p:sp>
+    </p:spTree>
+    <p:extLst>
+      <p:ext uri="{BB962C8B-B14F-4D97-AF65-F5344CB8AC3E}">
+        <p14:creationId xmlns:p14="http://schemas.microsoft.com/office/powerpoint/2010/main" val="870137659"/>
+      </p:ext>
+    </p:extLst>
+  </p:cSld>
+  <p:clrMapOvr>
+    <a:masterClrMapping/>
+  </p:clrMapOvr>
+</p:sld>
+</file>
+
+<file path=ppt/slides/slide11.xml><?xml version="1.0" encoding="utf-8"?>
+<p:sld xmlns:a="http://schemas.openxmlformats.org/drawingml/2006/main" xmlns:r="http://schemas.openxmlformats.org/officeDocument/2006/relationships" xmlns:p="http://schemas.openxmlformats.org/presentationml/2006/main">
+  <p:cSld>
+    <p:spTree>
+      <p:nvGrpSpPr>
+        <p:cNvPr id="1" name=""/>
+        <p:cNvGrpSpPr/>
+        <p:nvPr/>
+      </p:nvGrpSpPr>
+      <p:grpSpPr>
+        <a:xfrm>
+          <a:off x="0" y="0"/>
+          <a:ext cx="0" cy="0"/>
+          <a:chOff x="0" y="0"/>
+          <a:chExt cx="0" cy="0"/>
+        </a:xfrm>
+      </p:grpSpPr>
+      <p:sp>
+        <p:nvSpPr>
+          <p:cNvPr id="5" name="직사각형 4">
+            <a:extLst>
+              <a:ext uri="{FF2B5EF4-FFF2-40B4-BE49-F238E27FC236}">
+                <a16:creationId xmlns:a16="http://schemas.microsoft.com/office/drawing/2014/main" id="{B3A33D42-AC91-4E0F-9DAD-49A774EF43D5}"/>
+              </a:ext>
+            </a:extLst>
+          </p:cNvPr>
+          <p:cNvSpPr/>
+          <p:nvPr/>
+        </p:nvSpPr>
+        <p:spPr>
+          <a:xfrm>
+            <a:off x="664980" y="2679271"/>
+            <a:ext cx="7759625" cy="923330"/>
+          </a:xfrm>
+          <a:prstGeom prst="rect">
+            <a:avLst/>
+          </a:prstGeom>
+        </p:spPr>
+        <p:txBody>
+          <a:bodyPr wrap="none">
+            <a:spAutoFit/>
+          </a:bodyPr>
+          <a:lstStyle/>
+          <a:p>
+            <a:r>
+              <a:rPr lang="en-US" altLang="ko-KR" sz="5400" dirty="0">
+                <a:latin typeface="배달의민족 주아" panose="02020603020101020101" pitchFamily="18" charset="-127"/>
+                <a:ea typeface="배달의민족 주아" panose="02020603020101020101" pitchFamily="18" charset="-127"/>
+              </a:rPr>
+              <a:t>“</a:t>
+            </a:r>
+            <a:r>
+              <a:rPr lang="en-US" altLang="ko-KR" sz="5400" dirty="0" err="1">
+                <a:latin typeface="배달의민족 주아" panose="02020603020101020101" pitchFamily="18" charset="-127"/>
+                <a:ea typeface="배달의민족 주아" panose="02020603020101020101" pitchFamily="18" charset="-127"/>
+              </a:rPr>
+              <a:t>SocketAsyncEventArgs</a:t>
+            </a:r>
+            <a:r>
+              <a:rPr lang="en-US" altLang="ko-KR" sz="5400" dirty="0">
+                <a:latin typeface="배달의민족 주아" panose="02020603020101020101" pitchFamily="18" charset="-127"/>
+                <a:ea typeface="배달의민족 주아" panose="02020603020101020101" pitchFamily="18" charset="-127"/>
+              </a:rPr>
+              <a:t>”</a:t>
+            </a:r>
+            <a:endParaRPr lang="ko-KR" altLang="en-US" sz="5400" dirty="0">
+              <a:latin typeface="배달의민족 주아" panose="02020603020101020101" pitchFamily="18" charset="-127"/>
+              <a:ea typeface="배달의민족 주아" panose="02020603020101020101" pitchFamily="18" charset="-127"/>
+            </a:endParaRPr>
+          </a:p>
+        </p:txBody>
+      </p:sp>
+      <p:sp>
+        <p:nvSpPr>
+          <p:cNvPr id="9" name="직사각형 8">
+            <a:extLst>
+              <a:ext uri="{FF2B5EF4-FFF2-40B4-BE49-F238E27FC236}">
+                <a16:creationId xmlns:a16="http://schemas.microsoft.com/office/drawing/2014/main" id="{CC7A51EA-3811-4DF2-9CC2-04C40C76DEC8}"/>
+              </a:ext>
+            </a:extLst>
+          </p:cNvPr>
+          <p:cNvSpPr/>
+          <p:nvPr/>
+        </p:nvSpPr>
+        <p:spPr>
+          <a:xfrm>
+            <a:off x="8041064" y="3429000"/>
+            <a:ext cx="3485956" cy="3154710"/>
+          </a:xfrm>
+          <a:prstGeom prst="rect">
+            <a:avLst/>
+          </a:prstGeom>
+        </p:spPr>
+        <p:txBody>
+          <a:bodyPr wrap="square">
+            <a:spAutoFit/>
+          </a:bodyPr>
+          <a:lstStyle/>
+          <a:p>
+            <a:r>
+              <a:rPr lang="ko-KR" altLang="en-US" sz="19900" dirty="0">
+                <a:latin typeface="+mj-lt"/>
+                <a:ea typeface="배달의민족 주아" panose="02020603020101020101" pitchFamily="18" charset="-127"/>
+              </a:rPr>
+              <a:t>🤔</a:t>
+            </a:r>
+          </a:p>
+        </p:txBody>
+      </p:sp>
+      <p:sp>
+        <p:nvSpPr>
+          <p:cNvPr id="6" name="직사각형 5">
+            <a:extLst>
+              <a:ext uri="{FF2B5EF4-FFF2-40B4-BE49-F238E27FC236}">
+                <a16:creationId xmlns:a16="http://schemas.microsoft.com/office/drawing/2014/main" id="{A1ECCE50-C2D6-42ED-8D74-F150E528A869}"/>
+              </a:ext>
+            </a:extLst>
+          </p:cNvPr>
+          <p:cNvSpPr/>
+          <p:nvPr/>
+        </p:nvSpPr>
+        <p:spPr>
+          <a:xfrm>
+            <a:off x="0" y="0"/>
+            <a:ext cx="12192000" cy="6858000"/>
+          </a:xfrm>
+          <a:prstGeom prst="rect">
+            <a:avLst/>
+          </a:prstGeom>
+          <a:solidFill>
+            <a:schemeClr val="tx1">
+              <a:alpha val="65000"/>
+            </a:schemeClr>
+          </a:solidFill>
+          <a:ln>
+            <a:solidFill>
+              <a:schemeClr val="tx1"/>
+            </a:solidFill>
+          </a:ln>
+        </p:spPr>
+        <p:style>
+          <a:lnRef idx="2">
+            <a:schemeClr val="accent1">
+              <a:shade val="50000"/>
+            </a:schemeClr>
+          </a:lnRef>
+          <a:fillRef idx="1">
+            <a:schemeClr val="accent1"/>
+          </a:fillRef>
+          <a:effectRef idx="0">
+            <a:schemeClr val="accent1"/>
+          </a:effectRef>
+          <a:fontRef idx="minor">
+            <a:schemeClr val="lt1"/>
+          </a:fontRef>
+        </p:style>
+        <p:txBody>
+          <a:bodyPr rtlCol="0" anchor="ctr"/>
+          <a:lstStyle/>
+          <a:p>
+            <a:pPr algn="ctr"/>
+            <a:endParaRPr lang="ko-KR" altLang="en-US" sz="1600" dirty="0"/>
+          </a:p>
+        </p:txBody>
+      </p:sp>
+      <p:sp>
+        <p:nvSpPr>
+          <p:cNvPr id="8" name="직사각형 7">
+            <a:extLst>
+              <a:ext uri="{FF2B5EF4-FFF2-40B4-BE49-F238E27FC236}">
+                <a16:creationId xmlns:a16="http://schemas.microsoft.com/office/drawing/2014/main" id="{DFBEAA6E-A32F-42F3-A86F-FB0C5B8608AB}"/>
+              </a:ext>
+            </a:extLst>
+          </p:cNvPr>
+          <p:cNvSpPr/>
+          <p:nvPr/>
+        </p:nvSpPr>
+        <p:spPr>
+          <a:xfrm>
+            <a:off x="0" y="339365"/>
+            <a:ext cx="3619893" cy="1221117"/>
+          </a:xfrm>
+          <a:prstGeom prst="rect">
+            <a:avLst/>
+          </a:prstGeom>
+          <a:solidFill>
+            <a:schemeClr val="tx1"/>
+          </a:solidFill>
+          <a:ln>
+            <a:solidFill>
+              <a:schemeClr val="tx1"/>
+            </a:solidFill>
+          </a:ln>
+        </p:spPr>
+        <p:style>
+          <a:lnRef idx="2">
+            <a:schemeClr val="accent1">
+              <a:shade val="50000"/>
+            </a:schemeClr>
+          </a:lnRef>
+          <a:fillRef idx="1">
+            <a:schemeClr val="accent1"/>
+          </a:fillRef>
+          <a:effectRef idx="0">
+            <a:schemeClr val="accent1"/>
+          </a:effectRef>
+          <a:fontRef idx="minor">
+            <a:schemeClr val="lt1"/>
+          </a:fontRef>
+        </p:style>
+        <p:txBody>
+          <a:bodyPr rtlCol="0" anchor="ctr"/>
+          <a:lstStyle/>
+          <a:p>
+            <a:pPr algn="ctr"/>
+            <a:r>
+              <a:rPr lang="en-US" altLang="ko-KR" sz="3600" dirty="0" err="1">
+                <a:latin typeface="배달의민족 주아" panose="02020603020101020101" pitchFamily="18" charset="-127"/>
+                <a:ea typeface="배달의민족 주아" panose="02020603020101020101" pitchFamily="18" charset="-127"/>
+              </a:rPr>
+              <a:t>SocketAsync</a:t>
+            </a:r>
+            <a:endParaRPr lang="en-US" altLang="ko-KR" sz="3600" dirty="0">
+              <a:latin typeface="배달의민족 주아" panose="02020603020101020101" pitchFamily="18" charset="-127"/>
+              <a:ea typeface="배달의민족 주아" panose="02020603020101020101" pitchFamily="18" charset="-127"/>
+            </a:endParaRPr>
+          </a:p>
+          <a:p>
+            <a:pPr algn="ctr"/>
+            <a:r>
+              <a:rPr lang="en-US" altLang="ko-KR" sz="3600" dirty="0" err="1">
+                <a:latin typeface="배달의민족 주아" panose="02020603020101020101" pitchFamily="18" charset="-127"/>
+                <a:ea typeface="배달의민족 주아" panose="02020603020101020101" pitchFamily="18" charset="-127"/>
+              </a:rPr>
+              <a:t>EventArgs</a:t>
+            </a:r>
+            <a:endParaRPr lang="ko-KR" altLang="en-US" sz="3600" dirty="0">
+              <a:solidFill>
+                <a:schemeClr val="bg1"/>
+              </a:solidFill>
+              <a:latin typeface="태나다체 " panose="02000000000000000000" pitchFamily="2" charset="-127"/>
+              <a:ea typeface="태나다체 " panose="02000000000000000000" pitchFamily="2" charset="-127"/>
+            </a:endParaRPr>
+          </a:p>
+        </p:txBody>
+      </p:sp>
+      <p:sp>
+        <p:nvSpPr>
+          <p:cNvPr id="7" name="직사각형 6">
+            <a:extLst>
+              <a:ext uri="{FF2B5EF4-FFF2-40B4-BE49-F238E27FC236}">
+                <a16:creationId xmlns:a16="http://schemas.microsoft.com/office/drawing/2014/main" id="{08778659-DCBB-4F40-B3B5-91B76E1A9C6C}"/>
+              </a:ext>
+            </a:extLst>
+          </p:cNvPr>
+          <p:cNvSpPr/>
+          <p:nvPr/>
+        </p:nvSpPr>
+        <p:spPr>
+          <a:xfrm>
+            <a:off x="3892512" y="3235204"/>
+            <a:ext cx="4406976" cy="923330"/>
+          </a:xfrm>
+          <a:prstGeom prst="rect">
+            <a:avLst/>
+          </a:prstGeom>
+        </p:spPr>
+        <p:txBody>
+          <a:bodyPr wrap="none">
+            <a:spAutoFit/>
+          </a:bodyPr>
+          <a:lstStyle/>
+          <a:p>
+            <a:r>
+              <a:rPr lang="ko-KR" altLang="en-US" sz="5400" dirty="0">
+                <a:solidFill>
+                  <a:schemeClr val="bg1"/>
+                </a:solidFill>
+                <a:latin typeface="배달의민족 주아" panose="02020603020101020101" pitchFamily="18" charset="-127"/>
+                <a:ea typeface="배달의민족 주아" panose="02020603020101020101" pitchFamily="18" charset="-127"/>
+              </a:rPr>
+              <a:t>그냥 데이터 셔틀</a:t>
+            </a:r>
+          </a:p>
+        </p:txBody>
+      </p:sp>
+    </p:spTree>
+    <p:extLst>
+      <p:ext uri="{BB962C8B-B14F-4D97-AF65-F5344CB8AC3E}">
+        <p14:creationId xmlns:p14="http://schemas.microsoft.com/office/powerpoint/2010/main" val="3667243014"/>
+      </p:ext>
+    </p:extLst>
+  </p:cSld>
+  <p:clrMapOvr>
+    <a:masterClrMapping/>
+  </p:clrMapOvr>
+</p:sld>
+</file>
+
+<file path=ppt/slides/slide12.xml><?xml version="1.0" encoding="utf-8"?>
+<p:sld xmlns:a="http://schemas.openxmlformats.org/drawingml/2006/main" xmlns:r="http://schemas.openxmlformats.org/officeDocument/2006/relationships" xmlns:p="http://schemas.openxmlformats.org/presentationml/2006/main">
+  <p:cSld>
+    <p:spTree>
+      <p:nvGrpSpPr>
+        <p:cNvPr id="1" name=""/>
+        <p:cNvGrpSpPr/>
+        <p:nvPr/>
+      </p:nvGrpSpPr>
+      <p:grpSpPr>
+        <a:xfrm>
+          <a:off x="0" y="0"/>
+          <a:ext cx="0" cy="0"/>
+          <a:chOff x="0" y="0"/>
+          <a:chExt cx="0" cy="0"/>
+        </a:xfrm>
+      </p:grpSpPr>
+      <p:sp>
+        <p:nvSpPr>
+          <p:cNvPr id="6" name="직사각형 5">
+            <a:extLst>
+              <a:ext uri="{FF2B5EF4-FFF2-40B4-BE49-F238E27FC236}">
+                <a16:creationId xmlns:a16="http://schemas.microsoft.com/office/drawing/2014/main" id="{DA006071-3E30-4389-93E9-B833A281A5E5}"/>
               </a:ext>
             </a:extLst>
           </p:cNvPr>
@@ -4161,6 +6937,3387 @@
           <a:p>
             <a:pPr algn="ctr"/>
             <a:r>
+              <a:rPr lang="ko-KR" altLang="en-US" sz="4800" dirty="0">
+                <a:solidFill>
+                  <a:schemeClr val="bg1"/>
+                </a:solidFill>
+                <a:latin typeface="태나다체 " panose="02000000000000000000" pitchFamily="2" charset="-127"/>
+                <a:ea typeface="태나다체 " panose="02000000000000000000" pitchFamily="2" charset="-127"/>
+              </a:rPr>
+              <a:t>프로젝트 생성</a:t>
+            </a:r>
+          </a:p>
+        </p:txBody>
+      </p:sp>
+    </p:spTree>
+    <p:extLst>
+      <p:ext uri="{BB962C8B-B14F-4D97-AF65-F5344CB8AC3E}">
+        <p14:creationId xmlns:p14="http://schemas.microsoft.com/office/powerpoint/2010/main" val="1903222263"/>
+      </p:ext>
+    </p:extLst>
+  </p:cSld>
+  <p:clrMapOvr>
+    <a:masterClrMapping/>
+  </p:clrMapOvr>
+</p:sld>
+</file>
+
+<file path=ppt/slides/slide13.xml><?xml version="1.0" encoding="utf-8"?>
+<p:sld xmlns:a="http://schemas.openxmlformats.org/drawingml/2006/main" xmlns:r="http://schemas.openxmlformats.org/officeDocument/2006/relationships" xmlns:p="http://schemas.openxmlformats.org/presentationml/2006/main">
+  <p:cSld>
+    <p:spTree>
+      <p:nvGrpSpPr>
+        <p:cNvPr id="1" name=""/>
+        <p:cNvGrpSpPr/>
+        <p:nvPr/>
+      </p:nvGrpSpPr>
+      <p:grpSpPr>
+        <a:xfrm>
+          <a:off x="0" y="0"/>
+          <a:ext cx="0" cy="0"/>
+          <a:chOff x="0" y="0"/>
+          <a:chExt cx="0" cy="0"/>
+        </a:xfrm>
+      </p:grpSpPr>
+      <p:sp>
+        <p:nvSpPr>
+          <p:cNvPr id="8" name="직사각형 7">
+            <a:extLst>
+              <a:ext uri="{FF2B5EF4-FFF2-40B4-BE49-F238E27FC236}">
+                <a16:creationId xmlns:a16="http://schemas.microsoft.com/office/drawing/2014/main" id="{DFBEAA6E-A32F-42F3-A86F-FB0C5B8608AB}"/>
+              </a:ext>
+            </a:extLst>
+          </p:cNvPr>
+          <p:cNvSpPr/>
+          <p:nvPr/>
+        </p:nvSpPr>
+        <p:spPr>
+          <a:xfrm>
+            <a:off x="0" y="339365"/>
+            <a:ext cx="3619893" cy="1221117"/>
+          </a:xfrm>
+          <a:prstGeom prst="rect">
+            <a:avLst/>
+          </a:prstGeom>
+          <a:solidFill>
+            <a:schemeClr val="tx1"/>
+          </a:solidFill>
+          <a:ln>
+            <a:solidFill>
+              <a:schemeClr val="tx1"/>
+            </a:solidFill>
+          </a:ln>
+        </p:spPr>
+        <p:style>
+          <a:lnRef idx="2">
+            <a:schemeClr val="accent1">
+              <a:shade val="50000"/>
+            </a:schemeClr>
+          </a:lnRef>
+          <a:fillRef idx="1">
+            <a:schemeClr val="accent1"/>
+          </a:fillRef>
+          <a:effectRef idx="0">
+            <a:schemeClr val="accent1"/>
+          </a:effectRef>
+          <a:fontRef idx="minor">
+            <a:schemeClr val="lt1"/>
+          </a:fontRef>
+        </p:style>
+        <p:txBody>
+          <a:bodyPr rtlCol="0" anchor="ctr"/>
+          <a:lstStyle/>
+          <a:p>
+            <a:pPr algn="ctr"/>
+            <a:r>
+              <a:rPr lang="ko-KR" altLang="en-US" sz="3600" dirty="0">
+                <a:solidFill>
+                  <a:schemeClr val="bg1"/>
+                </a:solidFill>
+                <a:latin typeface="태나다체 " panose="02000000000000000000" pitchFamily="2" charset="-127"/>
+                <a:ea typeface="태나다체 " panose="02000000000000000000" pitchFamily="2" charset="-127"/>
+              </a:rPr>
+              <a:t>프로젝트 생성</a:t>
+            </a:r>
+          </a:p>
+        </p:txBody>
+      </p:sp>
+      <p:pic>
+        <p:nvPicPr>
+          <p:cNvPr id="3" name="그림 2">
+            <a:extLst>
+              <a:ext uri="{FF2B5EF4-FFF2-40B4-BE49-F238E27FC236}">
+                <a16:creationId xmlns:a16="http://schemas.microsoft.com/office/drawing/2014/main" id="{DDED5988-05CC-487C-8807-3C3B80D7BBE9}"/>
+              </a:ext>
+            </a:extLst>
+          </p:cNvPr>
+          <p:cNvPicPr>
+            <a:picLocks noChangeAspect="1"/>
+          </p:cNvPicPr>
+          <p:nvPr/>
+        </p:nvPicPr>
+        <p:blipFill>
+          <a:blip r:embed="rId3">
+            <a:extLst>
+              <a:ext uri="{28A0092B-C50C-407E-A947-70E740481C1C}">
+                <a14:useLocalDpi xmlns:a14="http://schemas.microsoft.com/office/drawing/2010/main" val="0"/>
+              </a:ext>
+            </a:extLst>
+          </a:blip>
+          <a:stretch>
+            <a:fillRect/>
+          </a:stretch>
+        </p:blipFill>
+        <p:spPr>
+          <a:xfrm>
+            <a:off x="4330591" y="836674"/>
+            <a:ext cx="7358646" cy="5184651"/>
+          </a:xfrm>
+          <a:prstGeom prst="rect">
+            <a:avLst/>
+          </a:prstGeom>
+        </p:spPr>
+      </p:pic>
+    </p:spTree>
+    <p:extLst>
+      <p:ext uri="{BB962C8B-B14F-4D97-AF65-F5344CB8AC3E}">
+        <p14:creationId xmlns:p14="http://schemas.microsoft.com/office/powerpoint/2010/main" val="575880316"/>
+      </p:ext>
+    </p:extLst>
+  </p:cSld>
+  <p:clrMapOvr>
+    <a:masterClrMapping/>
+  </p:clrMapOvr>
+</p:sld>
+</file>
+
+<file path=ppt/slides/slide14.xml><?xml version="1.0" encoding="utf-8"?>
+<p:sld xmlns:a="http://schemas.openxmlformats.org/drawingml/2006/main" xmlns:r="http://schemas.openxmlformats.org/officeDocument/2006/relationships" xmlns:p="http://schemas.openxmlformats.org/presentationml/2006/main">
+  <p:cSld>
+    <p:spTree>
+      <p:nvGrpSpPr>
+        <p:cNvPr id="1" name=""/>
+        <p:cNvGrpSpPr/>
+        <p:nvPr/>
+      </p:nvGrpSpPr>
+      <p:grpSpPr>
+        <a:xfrm>
+          <a:off x="0" y="0"/>
+          <a:ext cx="0" cy="0"/>
+          <a:chOff x="0" y="0"/>
+          <a:chExt cx="0" cy="0"/>
+        </a:xfrm>
+      </p:grpSpPr>
+      <p:sp>
+        <p:nvSpPr>
+          <p:cNvPr id="6" name="직사각형 5">
+            <a:extLst>
+              <a:ext uri="{FF2B5EF4-FFF2-40B4-BE49-F238E27FC236}">
+                <a16:creationId xmlns:a16="http://schemas.microsoft.com/office/drawing/2014/main" id="{DA006071-3E30-4389-93E9-B833A281A5E5}"/>
+              </a:ext>
+            </a:extLst>
+          </p:cNvPr>
+          <p:cNvSpPr/>
+          <p:nvPr/>
+        </p:nvSpPr>
+        <p:spPr>
+          <a:xfrm>
+            <a:off x="0" y="2582771"/>
+            <a:ext cx="12192000" cy="1692458"/>
+          </a:xfrm>
+          <a:prstGeom prst="rect">
+            <a:avLst/>
+          </a:prstGeom>
+          <a:solidFill>
+            <a:schemeClr val="tx1"/>
+          </a:solidFill>
+          <a:ln>
+            <a:solidFill>
+              <a:schemeClr val="tx1"/>
+            </a:solidFill>
+          </a:ln>
+        </p:spPr>
+        <p:style>
+          <a:lnRef idx="2">
+            <a:schemeClr val="accent1">
+              <a:shade val="50000"/>
+            </a:schemeClr>
+          </a:lnRef>
+          <a:fillRef idx="1">
+            <a:schemeClr val="accent1"/>
+          </a:fillRef>
+          <a:effectRef idx="0">
+            <a:schemeClr val="accent1"/>
+          </a:effectRef>
+          <a:fontRef idx="minor">
+            <a:schemeClr val="lt1"/>
+          </a:fontRef>
+        </p:style>
+        <p:txBody>
+          <a:bodyPr rtlCol="0" anchor="ctr"/>
+          <a:lstStyle>
+            <a:defPPr>
+              <a:defRPr lang="ko-KR"/>
+            </a:defPPr>
+            <a:lvl1pPr marL="0" algn="l" defTabSz="914400" rtl="0" eaLnBrk="1" latinLnBrk="1" hangingPunct="1">
+              <a:defRPr sz="1800" kern="1200">
+                <a:solidFill>
+                  <a:schemeClr val="lt1"/>
+                </a:solidFill>
+                <a:latin typeface="+mn-lt"/>
+                <a:ea typeface="+mn-ea"/>
+                <a:cs typeface="+mn-cs"/>
+              </a:defRPr>
+            </a:lvl1pPr>
+            <a:lvl2pPr marL="457200" algn="l" defTabSz="914400" rtl="0" eaLnBrk="1" latinLnBrk="1" hangingPunct="1">
+              <a:defRPr sz="1800" kern="1200">
+                <a:solidFill>
+                  <a:schemeClr val="lt1"/>
+                </a:solidFill>
+                <a:latin typeface="+mn-lt"/>
+                <a:ea typeface="+mn-ea"/>
+                <a:cs typeface="+mn-cs"/>
+              </a:defRPr>
+            </a:lvl2pPr>
+            <a:lvl3pPr marL="914400" algn="l" defTabSz="914400" rtl="0" eaLnBrk="1" latinLnBrk="1" hangingPunct="1">
+              <a:defRPr sz="1800" kern="1200">
+                <a:solidFill>
+                  <a:schemeClr val="lt1"/>
+                </a:solidFill>
+                <a:latin typeface="+mn-lt"/>
+                <a:ea typeface="+mn-ea"/>
+                <a:cs typeface="+mn-cs"/>
+              </a:defRPr>
+            </a:lvl3pPr>
+            <a:lvl4pPr marL="1371600" algn="l" defTabSz="914400" rtl="0" eaLnBrk="1" latinLnBrk="1" hangingPunct="1">
+              <a:defRPr sz="1800" kern="1200">
+                <a:solidFill>
+                  <a:schemeClr val="lt1"/>
+                </a:solidFill>
+                <a:latin typeface="+mn-lt"/>
+                <a:ea typeface="+mn-ea"/>
+                <a:cs typeface="+mn-cs"/>
+              </a:defRPr>
+            </a:lvl4pPr>
+            <a:lvl5pPr marL="1828800" algn="l" defTabSz="914400" rtl="0" eaLnBrk="1" latinLnBrk="1" hangingPunct="1">
+              <a:defRPr sz="1800" kern="1200">
+                <a:solidFill>
+                  <a:schemeClr val="lt1"/>
+                </a:solidFill>
+                <a:latin typeface="+mn-lt"/>
+                <a:ea typeface="+mn-ea"/>
+                <a:cs typeface="+mn-cs"/>
+              </a:defRPr>
+            </a:lvl5pPr>
+            <a:lvl6pPr marL="2286000" algn="l" defTabSz="914400" rtl="0" eaLnBrk="1" latinLnBrk="1" hangingPunct="1">
+              <a:defRPr sz="1800" kern="1200">
+                <a:solidFill>
+                  <a:schemeClr val="lt1"/>
+                </a:solidFill>
+                <a:latin typeface="+mn-lt"/>
+                <a:ea typeface="+mn-ea"/>
+                <a:cs typeface="+mn-cs"/>
+              </a:defRPr>
+            </a:lvl6pPr>
+            <a:lvl7pPr marL="2743200" algn="l" defTabSz="914400" rtl="0" eaLnBrk="1" latinLnBrk="1" hangingPunct="1">
+              <a:defRPr sz="1800" kern="1200">
+                <a:solidFill>
+                  <a:schemeClr val="lt1"/>
+                </a:solidFill>
+                <a:latin typeface="+mn-lt"/>
+                <a:ea typeface="+mn-ea"/>
+                <a:cs typeface="+mn-cs"/>
+              </a:defRPr>
+            </a:lvl7pPr>
+            <a:lvl8pPr marL="3200400" algn="l" defTabSz="914400" rtl="0" eaLnBrk="1" latinLnBrk="1" hangingPunct="1">
+              <a:defRPr sz="1800" kern="1200">
+                <a:solidFill>
+                  <a:schemeClr val="lt1"/>
+                </a:solidFill>
+                <a:latin typeface="+mn-lt"/>
+                <a:ea typeface="+mn-ea"/>
+                <a:cs typeface="+mn-cs"/>
+              </a:defRPr>
+            </a:lvl8pPr>
+            <a:lvl9pPr marL="3657600" algn="l" defTabSz="914400" rtl="0" eaLnBrk="1" latinLnBrk="1" hangingPunct="1">
+              <a:defRPr sz="1800" kern="1200">
+                <a:solidFill>
+                  <a:schemeClr val="lt1"/>
+                </a:solidFill>
+                <a:latin typeface="+mn-lt"/>
+                <a:ea typeface="+mn-ea"/>
+                <a:cs typeface="+mn-cs"/>
+              </a:defRPr>
+            </a:lvl9pPr>
+          </a:lstStyle>
+          <a:p>
+            <a:pPr algn="ctr"/>
+            <a:r>
+              <a:rPr lang="ko-KR" altLang="en-US" sz="4800" dirty="0">
+                <a:solidFill>
+                  <a:schemeClr val="bg1"/>
+                </a:solidFill>
+                <a:latin typeface="태나다체 " panose="02000000000000000000" pitchFamily="2" charset="-127"/>
+                <a:ea typeface="태나다체 " panose="02000000000000000000" pitchFamily="2" charset="-127"/>
+              </a:rPr>
+              <a:t>서버</a:t>
+            </a:r>
+          </a:p>
+        </p:txBody>
+      </p:sp>
+    </p:spTree>
+    <p:extLst>
+      <p:ext uri="{BB962C8B-B14F-4D97-AF65-F5344CB8AC3E}">
+        <p14:creationId xmlns:p14="http://schemas.microsoft.com/office/powerpoint/2010/main" val="299742476"/>
+      </p:ext>
+    </p:extLst>
+  </p:cSld>
+  <p:clrMapOvr>
+    <a:masterClrMapping/>
+  </p:clrMapOvr>
+</p:sld>
+</file>
+
+<file path=ppt/slides/slide15.xml><?xml version="1.0" encoding="utf-8"?>
+<p:sld xmlns:a="http://schemas.openxmlformats.org/drawingml/2006/main" xmlns:r="http://schemas.openxmlformats.org/officeDocument/2006/relationships" xmlns:p="http://schemas.openxmlformats.org/presentationml/2006/main">
+  <p:cSld>
+    <p:spTree>
+      <p:nvGrpSpPr>
+        <p:cNvPr id="1" name=""/>
+        <p:cNvGrpSpPr/>
+        <p:nvPr/>
+      </p:nvGrpSpPr>
+      <p:grpSpPr>
+        <a:xfrm>
+          <a:off x="0" y="0"/>
+          <a:ext cx="0" cy="0"/>
+          <a:chOff x="0" y="0"/>
+          <a:chExt cx="0" cy="0"/>
+        </a:xfrm>
+      </p:grpSpPr>
+      <p:sp>
+        <p:nvSpPr>
+          <p:cNvPr id="8" name="직사각형 7">
+            <a:extLst>
+              <a:ext uri="{FF2B5EF4-FFF2-40B4-BE49-F238E27FC236}">
+                <a16:creationId xmlns:a16="http://schemas.microsoft.com/office/drawing/2014/main" id="{DFBEAA6E-A32F-42F3-A86F-FB0C5B8608AB}"/>
+              </a:ext>
+            </a:extLst>
+          </p:cNvPr>
+          <p:cNvSpPr/>
+          <p:nvPr/>
+        </p:nvSpPr>
+        <p:spPr>
+          <a:xfrm>
+            <a:off x="0" y="339365"/>
+            <a:ext cx="3619893" cy="1221117"/>
+          </a:xfrm>
+          <a:prstGeom prst="rect">
+            <a:avLst/>
+          </a:prstGeom>
+          <a:solidFill>
+            <a:schemeClr val="tx1"/>
+          </a:solidFill>
+          <a:ln>
+            <a:solidFill>
+              <a:schemeClr val="tx1"/>
+            </a:solidFill>
+          </a:ln>
+        </p:spPr>
+        <p:style>
+          <a:lnRef idx="2">
+            <a:schemeClr val="accent1">
+              <a:shade val="50000"/>
+            </a:schemeClr>
+          </a:lnRef>
+          <a:fillRef idx="1">
+            <a:schemeClr val="accent1"/>
+          </a:fillRef>
+          <a:effectRef idx="0">
+            <a:schemeClr val="accent1"/>
+          </a:effectRef>
+          <a:fontRef idx="minor">
+            <a:schemeClr val="lt1"/>
+          </a:fontRef>
+        </p:style>
+        <p:txBody>
+          <a:bodyPr rtlCol="0" anchor="ctr"/>
+          <a:lstStyle/>
+          <a:p>
+            <a:pPr algn="ctr"/>
+            <a:r>
+              <a:rPr lang="en-US" altLang="ko-KR" sz="3600" dirty="0">
+                <a:solidFill>
+                  <a:schemeClr val="bg1"/>
+                </a:solidFill>
+                <a:latin typeface="태나다체 " panose="02000000000000000000" pitchFamily="2" charset="-127"/>
+                <a:ea typeface="태나다체 " panose="02000000000000000000" pitchFamily="2" charset="-127"/>
+              </a:rPr>
+              <a:t>Listener</a:t>
+            </a:r>
+            <a:endParaRPr lang="ko-KR" altLang="en-US" sz="3600" dirty="0">
+              <a:solidFill>
+                <a:schemeClr val="bg1"/>
+              </a:solidFill>
+              <a:latin typeface="태나다체 " panose="02000000000000000000" pitchFamily="2" charset="-127"/>
+              <a:ea typeface="태나다체 " panose="02000000000000000000" pitchFamily="2" charset="-127"/>
+            </a:endParaRPr>
+          </a:p>
+        </p:txBody>
+      </p:sp>
+      <p:pic>
+        <p:nvPicPr>
+          <p:cNvPr id="4" name="그림 3">
+            <a:extLst>
+              <a:ext uri="{FF2B5EF4-FFF2-40B4-BE49-F238E27FC236}">
+                <a16:creationId xmlns:a16="http://schemas.microsoft.com/office/drawing/2014/main" id="{E87A9862-78BD-4938-8033-C521F3109B5E}"/>
+              </a:ext>
+            </a:extLst>
+          </p:cNvPr>
+          <p:cNvPicPr>
+            <a:picLocks noChangeAspect="1"/>
+          </p:cNvPicPr>
+          <p:nvPr/>
+        </p:nvPicPr>
+        <p:blipFill>
+          <a:blip r:embed="rId3">
+            <a:extLst>
+              <a:ext uri="{28A0092B-C50C-407E-A947-70E740481C1C}">
+                <a14:useLocalDpi xmlns:a14="http://schemas.microsoft.com/office/drawing/2010/main" val="0"/>
+              </a:ext>
+            </a:extLst>
+          </a:blip>
+          <a:stretch>
+            <a:fillRect/>
+          </a:stretch>
+        </p:blipFill>
+        <p:spPr>
+          <a:xfrm>
+            <a:off x="812276" y="2227739"/>
+            <a:ext cx="10567447" cy="3886051"/>
+          </a:xfrm>
+          <a:prstGeom prst="rect">
+            <a:avLst/>
+          </a:prstGeom>
+        </p:spPr>
+      </p:pic>
+    </p:spTree>
+    <p:extLst>
+      <p:ext uri="{BB962C8B-B14F-4D97-AF65-F5344CB8AC3E}">
+        <p14:creationId xmlns:p14="http://schemas.microsoft.com/office/powerpoint/2010/main" val="4019243680"/>
+      </p:ext>
+    </p:extLst>
+  </p:cSld>
+  <p:clrMapOvr>
+    <a:masterClrMapping/>
+  </p:clrMapOvr>
+</p:sld>
+</file>
+
+<file path=ppt/slides/slide16.xml><?xml version="1.0" encoding="utf-8"?>
+<p:sld xmlns:a="http://schemas.openxmlformats.org/drawingml/2006/main" xmlns:r="http://schemas.openxmlformats.org/officeDocument/2006/relationships" xmlns:p="http://schemas.openxmlformats.org/presentationml/2006/main">
+  <p:cSld>
+    <p:spTree>
+      <p:nvGrpSpPr>
+        <p:cNvPr id="1" name=""/>
+        <p:cNvGrpSpPr/>
+        <p:nvPr/>
+      </p:nvGrpSpPr>
+      <p:grpSpPr>
+        <a:xfrm>
+          <a:off x="0" y="0"/>
+          <a:ext cx="0" cy="0"/>
+          <a:chOff x="0" y="0"/>
+          <a:chExt cx="0" cy="0"/>
+        </a:xfrm>
+      </p:grpSpPr>
+      <p:sp>
+        <p:nvSpPr>
+          <p:cNvPr id="8" name="직사각형 7">
+            <a:extLst>
+              <a:ext uri="{FF2B5EF4-FFF2-40B4-BE49-F238E27FC236}">
+                <a16:creationId xmlns:a16="http://schemas.microsoft.com/office/drawing/2014/main" id="{DFBEAA6E-A32F-42F3-A86F-FB0C5B8608AB}"/>
+              </a:ext>
+            </a:extLst>
+          </p:cNvPr>
+          <p:cNvSpPr/>
+          <p:nvPr/>
+        </p:nvSpPr>
+        <p:spPr>
+          <a:xfrm>
+            <a:off x="0" y="339365"/>
+            <a:ext cx="3619893" cy="1221117"/>
+          </a:xfrm>
+          <a:prstGeom prst="rect">
+            <a:avLst/>
+          </a:prstGeom>
+          <a:solidFill>
+            <a:schemeClr val="tx1"/>
+          </a:solidFill>
+          <a:ln>
+            <a:solidFill>
+              <a:schemeClr val="tx1"/>
+            </a:solidFill>
+          </a:ln>
+        </p:spPr>
+        <p:style>
+          <a:lnRef idx="2">
+            <a:schemeClr val="accent1">
+              <a:shade val="50000"/>
+            </a:schemeClr>
+          </a:lnRef>
+          <a:fillRef idx="1">
+            <a:schemeClr val="accent1"/>
+          </a:fillRef>
+          <a:effectRef idx="0">
+            <a:schemeClr val="accent1"/>
+          </a:effectRef>
+          <a:fontRef idx="minor">
+            <a:schemeClr val="lt1"/>
+          </a:fontRef>
+        </p:style>
+        <p:txBody>
+          <a:bodyPr rtlCol="0" anchor="ctr"/>
+          <a:lstStyle/>
+          <a:p>
+            <a:pPr algn="ctr"/>
+            <a:r>
+              <a:rPr lang="en-US" altLang="ko-KR" sz="3600" dirty="0">
+                <a:solidFill>
+                  <a:schemeClr val="bg1"/>
+                </a:solidFill>
+                <a:latin typeface="태나다체 " panose="02000000000000000000" pitchFamily="2" charset="-127"/>
+                <a:ea typeface="태나다체 " panose="02000000000000000000" pitchFamily="2" charset="-127"/>
+              </a:rPr>
+              <a:t>Accept</a:t>
+            </a:r>
+            <a:endParaRPr lang="ko-KR" altLang="en-US" sz="3600" dirty="0">
+              <a:solidFill>
+                <a:schemeClr val="bg1"/>
+              </a:solidFill>
+              <a:latin typeface="태나다체 " panose="02000000000000000000" pitchFamily="2" charset="-127"/>
+              <a:ea typeface="태나다체 " panose="02000000000000000000" pitchFamily="2" charset="-127"/>
+            </a:endParaRPr>
+          </a:p>
+        </p:txBody>
+      </p:sp>
+      <p:pic>
+        <p:nvPicPr>
+          <p:cNvPr id="5" name="그림 4">
+            <a:extLst>
+              <a:ext uri="{FF2B5EF4-FFF2-40B4-BE49-F238E27FC236}">
+                <a16:creationId xmlns:a16="http://schemas.microsoft.com/office/drawing/2014/main" id="{1B240BF1-50C4-437D-9E43-30963FCAFA92}"/>
+              </a:ext>
+            </a:extLst>
+          </p:cNvPr>
+          <p:cNvPicPr>
+            <a:picLocks noChangeAspect="1"/>
+          </p:cNvPicPr>
+          <p:nvPr/>
+        </p:nvPicPr>
+        <p:blipFill>
+          <a:blip r:embed="rId3">
+            <a:extLst>
+              <a:ext uri="{28A0092B-C50C-407E-A947-70E740481C1C}">
+                <a14:useLocalDpi xmlns:a14="http://schemas.microsoft.com/office/drawing/2010/main" val="0"/>
+              </a:ext>
+            </a:extLst>
+          </a:blip>
+          <a:stretch>
+            <a:fillRect/>
+          </a:stretch>
+        </p:blipFill>
+        <p:spPr>
+          <a:xfrm>
+            <a:off x="4653219" y="339365"/>
+            <a:ext cx="6507150" cy="6179270"/>
+          </a:xfrm>
+          <a:prstGeom prst="rect">
+            <a:avLst/>
+          </a:prstGeom>
+        </p:spPr>
+      </p:pic>
+    </p:spTree>
+    <p:extLst>
+      <p:ext uri="{BB962C8B-B14F-4D97-AF65-F5344CB8AC3E}">
+        <p14:creationId xmlns:p14="http://schemas.microsoft.com/office/powerpoint/2010/main" val="336767519"/>
+      </p:ext>
+    </p:extLst>
+  </p:cSld>
+  <p:clrMapOvr>
+    <a:masterClrMapping/>
+  </p:clrMapOvr>
+</p:sld>
+</file>
+
+<file path=ppt/slides/slide17.xml><?xml version="1.0" encoding="utf-8"?>
+<p:sld xmlns:a="http://schemas.openxmlformats.org/drawingml/2006/main" xmlns:r="http://schemas.openxmlformats.org/officeDocument/2006/relationships" xmlns:p="http://schemas.openxmlformats.org/presentationml/2006/main">
+  <p:cSld>
+    <p:spTree>
+      <p:nvGrpSpPr>
+        <p:cNvPr id="1" name=""/>
+        <p:cNvGrpSpPr/>
+        <p:nvPr/>
+      </p:nvGrpSpPr>
+      <p:grpSpPr>
+        <a:xfrm>
+          <a:off x="0" y="0"/>
+          <a:ext cx="0" cy="0"/>
+          <a:chOff x="0" y="0"/>
+          <a:chExt cx="0" cy="0"/>
+        </a:xfrm>
+      </p:grpSpPr>
+      <p:sp>
+        <p:nvSpPr>
+          <p:cNvPr id="8" name="직사각형 7">
+            <a:extLst>
+              <a:ext uri="{FF2B5EF4-FFF2-40B4-BE49-F238E27FC236}">
+                <a16:creationId xmlns:a16="http://schemas.microsoft.com/office/drawing/2014/main" id="{DFBEAA6E-A32F-42F3-A86F-FB0C5B8608AB}"/>
+              </a:ext>
+            </a:extLst>
+          </p:cNvPr>
+          <p:cNvSpPr/>
+          <p:nvPr/>
+        </p:nvSpPr>
+        <p:spPr>
+          <a:xfrm>
+            <a:off x="0" y="339365"/>
+            <a:ext cx="3619893" cy="1221117"/>
+          </a:xfrm>
+          <a:prstGeom prst="rect">
+            <a:avLst/>
+          </a:prstGeom>
+          <a:solidFill>
+            <a:schemeClr val="tx1"/>
+          </a:solidFill>
+          <a:ln>
+            <a:solidFill>
+              <a:schemeClr val="tx1"/>
+            </a:solidFill>
+          </a:ln>
+        </p:spPr>
+        <p:style>
+          <a:lnRef idx="2">
+            <a:schemeClr val="accent1">
+              <a:shade val="50000"/>
+            </a:schemeClr>
+          </a:lnRef>
+          <a:fillRef idx="1">
+            <a:schemeClr val="accent1"/>
+          </a:fillRef>
+          <a:effectRef idx="0">
+            <a:schemeClr val="accent1"/>
+          </a:effectRef>
+          <a:fontRef idx="minor">
+            <a:schemeClr val="lt1"/>
+          </a:fontRef>
+        </p:style>
+        <p:txBody>
+          <a:bodyPr rtlCol="0" anchor="ctr"/>
+          <a:lstStyle/>
+          <a:p>
+            <a:pPr algn="ctr"/>
+            <a:r>
+              <a:rPr lang="en-US" altLang="ko-KR" sz="3600" dirty="0">
+                <a:solidFill>
+                  <a:schemeClr val="bg1"/>
+                </a:solidFill>
+                <a:latin typeface="태나다체 " panose="02000000000000000000" pitchFamily="2" charset="-127"/>
+                <a:ea typeface="태나다체 " panose="02000000000000000000" pitchFamily="2" charset="-127"/>
+              </a:rPr>
+              <a:t>Receive</a:t>
+            </a:r>
+            <a:endParaRPr lang="ko-KR" altLang="en-US" sz="3600" dirty="0">
+              <a:solidFill>
+                <a:schemeClr val="bg1"/>
+              </a:solidFill>
+              <a:latin typeface="태나다체 " panose="02000000000000000000" pitchFamily="2" charset="-127"/>
+              <a:ea typeface="태나다체 " panose="02000000000000000000" pitchFamily="2" charset="-127"/>
+            </a:endParaRPr>
+          </a:p>
+        </p:txBody>
+      </p:sp>
+      <p:pic>
+        <p:nvPicPr>
+          <p:cNvPr id="3" name="그림 2">
+            <a:extLst>
+              <a:ext uri="{FF2B5EF4-FFF2-40B4-BE49-F238E27FC236}">
+                <a16:creationId xmlns:a16="http://schemas.microsoft.com/office/drawing/2014/main" id="{7637BAF1-E82F-433E-9FE9-DA2CC0197B53}"/>
+              </a:ext>
+            </a:extLst>
+          </p:cNvPr>
+          <p:cNvPicPr>
+            <a:picLocks noChangeAspect="1"/>
+          </p:cNvPicPr>
+          <p:nvPr/>
+        </p:nvPicPr>
+        <p:blipFill>
+          <a:blip r:embed="rId3">
+            <a:extLst>
+              <a:ext uri="{28A0092B-C50C-407E-A947-70E740481C1C}">
+                <a14:useLocalDpi xmlns:a14="http://schemas.microsoft.com/office/drawing/2010/main" val="0"/>
+              </a:ext>
+            </a:extLst>
+          </a:blip>
+          <a:stretch>
+            <a:fillRect/>
+          </a:stretch>
+        </p:blipFill>
+        <p:spPr>
+          <a:xfrm>
+            <a:off x="4183326" y="323560"/>
+            <a:ext cx="7289095" cy="6210880"/>
+          </a:xfrm>
+          <a:prstGeom prst="rect">
+            <a:avLst/>
+          </a:prstGeom>
+        </p:spPr>
+      </p:pic>
+    </p:spTree>
+    <p:extLst>
+      <p:ext uri="{BB962C8B-B14F-4D97-AF65-F5344CB8AC3E}">
+        <p14:creationId xmlns:p14="http://schemas.microsoft.com/office/powerpoint/2010/main" val="1602413687"/>
+      </p:ext>
+    </p:extLst>
+  </p:cSld>
+  <p:clrMapOvr>
+    <a:masterClrMapping/>
+  </p:clrMapOvr>
+</p:sld>
+</file>
+
+<file path=ppt/slides/slide18.xml><?xml version="1.0" encoding="utf-8"?>
+<p:sld xmlns:a="http://schemas.openxmlformats.org/drawingml/2006/main" xmlns:r="http://schemas.openxmlformats.org/officeDocument/2006/relationships" xmlns:p="http://schemas.openxmlformats.org/presentationml/2006/main">
+  <p:cSld>
+    <p:spTree>
+      <p:nvGrpSpPr>
+        <p:cNvPr id="1" name=""/>
+        <p:cNvGrpSpPr/>
+        <p:nvPr/>
+      </p:nvGrpSpPr>
+      <p:grpSpPr>
+        <a:xfrm>
+          <a:off x="0" y="0"/>
+          <a:ext cx="0" cy="0"/>
+          <a:chOff x="0" y="0"/>
+          <a:chExt cx="0" cy="0"/>
+        </a:xfrm>
+      </p:grpSpPr>
+      <p:sp>
+        <p:nvSpPr>
+          <p:cNvPr id="8" name="직사각형 7">
+            <a:extLst>
+              <a:ext uri="{FF2B5EF4-FFF2-40B4-BE49-F238E27FC236}">
+                <a16:creationId xmlns:a16="http://schemas.microsoft.com/office/drawing/2014/main" id="{DFBEAA6E-A32F-42F3-A86F-FB0C5B8608AB}"/>
+              </a:ext>
+            </a:extLst>
+          </p:cNvPr>
+          <p:cNvSpPr/>
+          <p:nvPr/>
+        </p:nvSpPr>
+        <p:spPr>
+          <a:xfrm>
+            <a:off x="0" y="339365"/>
+            <a:ext cx="3619893" cy="1221117"/>
+          </a:xfrm>
+          <a:prstGeom prst="rect">
+            <a:avLst/>
+          </a:prstGeom>
+          <a:solidFill>
+            <a:schemeClr val="tx1"/>
+          </a:solidFill>
+          <a:ln>
+            <a:solidFill>
+              <a:schemeClr val="tx1"/>
+            </a:solidFill>
+          </a:ln>
+        </p:spPr>
+        <p:style>
+          <a:lnRef idx="2">
+            <a:schemeClr val="accent1">
+              <a:shade val="50000"/>
+            </a:schemeClr>
+          </a:lnRef>
+          <a:fillRef idx="1">
+            <a:schemeClr val="accent1"/>
+          </a:fillRef>
+          <a:effectRef idx="0">
+            <a:schemeClr val="accent1"/>
+          </a:effectRef>
+          <a:fontRef idx="minor">
+            <a:schemeClr val="lt1"/>
+          </a:fontRef>
+        </p:style>
+        <p:txBody>
+          <a:bodyPr rtlCol="0" anchor="ctr"/>
+          <a:lstStyle/>
+          <a:p>
+            <a:pPr algn="ctr"/>
+            <a:r>
+              <a:rPr lang="en-US" altLang="ko-KR" sz="3600" dirty="0">
+                <a:solidFill>
+                  <a:schemeClr val="bg1"/>
+                </a:solidFill>
+                <a:latin typeface="태나다체 " panose="02000000000000000000" pitchFamily="2" charset="-127"/>
+                <a:ea typeface="태나다체 " panose="02000000000000000000" pitchFamily="2" charset="-127"/>
+              </a:rPr>
+              <a:t>Kick</a:t>
+            </a:r>
+          </a:p>
+        </p:txBody>
+      </p:sp>
+      <p:pic>
+        <p:nvPicPr>
+          <p:cNvPr id="4" name="그림 3">
+            <a:extLst>
+              <a:ext uri="{FF2B5EF4-FFF2-40B4-BE49-F238E27FC236}">
+                <a16:creationId xmlns:a16="http://schemas.microsoft.com/office/drawing/2014/main" id="{18FC15DB-4060-4939-A87B-727D7C98FD59}"/>
+              </a:ext>
+            </a:extLst>
+          </p:cNvPr>
+          <p:cNvPicPr>
+            <a:picLocks noChangeAspect="1"/>
+          </p:cNvPicPr>
+          <p:nvPr/>
+        </p:nvPicPr>
+        <p:blipFill>
+          <a:blip r:embed="rId3">
+            <a:extLst>
+              <a:ext uri="{28A0092B-C50C-407E-A947-70E740481C1C}">
+                <a14:useLocalDpi xmlns:a14="http://schemas.microsoft.com/office/drawing/2010/main" val="0"/>
+              </a:ext>
+            </a:extLst>
+          </a:blip>
+          <a:stretch>
+            <a:fillRect/>
+          </a:stretch>
+        </p:blipFill>
+        <p:spPr>
+          <a:xfrm>
+            <a:off x="978030" y="1871230"/>
+            <a:ext cx="10235939" cy="4722820"/>
+          </a:xfrm>
+          <a:prstGeom prst="rect">
+            <a:avLst/>
+          </a:prstGeom>
+        </p:spPr>
+      </p:pic>
+    </p:spTree>
+    <p:extLst>
+      <p:ext uri="{BB962C8B-B14F-4D97-AF65-F5344CB8AC3E}">
+        <p14:creationId xmlns:p14="http://schemas.microsoft.com/office/powerpoint/2010/main" val="3801376098"/>
+      </p:ext>
+    </p:extLst>
+  </p:cSld>
+  <p:clrMapOvr>
+    <a:masterClrMapping/>
+  </p:clrMapOvr>
+</p:sld>
+</file>
+
+<file path=ppt/slides/slide19.xml><?xml version="1.0" encoding="utf-8"?>
+<p:sld xmlns:a="http://schemas.openxmlformats.org/drawingml/2006/main" xmlns:r="http://schemas.openxmlformats.org/officeDocument/2006/relationships" xmlns:p="http://schemas.openxmlformats.org/presentationml/2006/main">
+  <p:cSld>
+    <p:spTree>
+      <p:nvGrpSpPr>
+        <p:cNvPr id="1" name=""/>
+        <p:cNvGrpSpPr/>
+        <p:nvPr/>
+      </p:nvGrpSpPr>
+      <p:grpSpPr>
+        <a:xfrm>
+          <a:off x="0" y="0"/>
+          <a:ext cx="0" cy="0"/>
+          <a:chOff x="0" y="0"/>
+          <a:chExt cx="0" cy="0"/>
+        </a:xfrm>
+      </p:grpSpPr>
+      <p:sp>
+        <p:nvSpPr>
+          <p:cNvPr id="8" name="직사각형 7">
+            <a:extLst>
+              <a:ext uri="{FF2B5EF4-FFF2-40B4-BE49-F238E27FC236}">
+                <a16:creationId xmlns:a16="http://schemas.microsoft.com/office/drawing/2014/main" id="{DFBEAA6E-A32F-42F3-A86F-FB0C5B8608AB}"/>
+              </a:ext>
+            </a:extLst>
+          </p:cNvPr>
+          <p:cNvSpPr/>
+          <p:nvPr/>
+        </p:nvSpPr>
+        <p:spPr>
+          <a:xfrm>
+            <a:off x="0" y="339365"/>
+            <a:ext cx="3619893" cy="1221117"/>
+          </a:xfrm>
+          <a:prstGeom prst="rect">
+            <a:avLst/>
+          </a:prstGeom>
+          <a:solidFill>
+            <a:schemeClr val="tx1"/>
+          </a:solidFill>
+          <a:ln>
+            <a:solidFill>
+              <a:schemeClr val="tx1"/>
+            </a:solidFill>
+          </a:ln>
+        </p:spPr>
+        <p:style>
+          <a:lnRef idx="2">
+            <a:schemeClr val="accent1">
+              <a:shade val="50000"/>
+            </a:schemeClr>
+          </a:lnRef>
+          <a:fillRef idx="1">
+            <a:schemeClr val="accent1"/>
+          </a:fillRef>
+          <a:effectRef idx="0">
+            <a:schemeClr val="accent1"/>
+          </a:effectRef>
+          <a:fontRef idx="minor">
+            <a:schemeClr val="lt1"/>
+          </a:fontRef>
+        </p:style>
+        <p:txBody>
+          <a:bodyPr rtlCol="0" anchor="ctr"/>
+          <a:lstStyle/>
+          <a:p>
+            <a:pPr algn="ctr"/>
+            <a:r>
+              <a:rPr lang="en-US" altLang="ko-KR" sz="3600" dirty="0">
+                <a:solidFill>
+                  <a:schemeClr val="bg1"/>
+                </a:solidFill>
+                <a:latin typeface="태나다체 " panose="02000000000000000000" pitchFamily="2" charset="-127"/>
+                <a:ea typeface="태나다체 " panose="02000000000000000000" pitchFamily="2" charset="-127"/>
+              </a:rPr>
+              <a:t>Listener</a:t>
+            </a:r>
+          </a:p>
+        </p:txBody>
+      </p:sp>
+      <p:pic>
+        <p:nvPicPr>
+          <p:cNvPr id="9" name="그림 8">
+            <a:extLst>
+              <a:ext uri="{FF2B5EF4-FFF2-40B4-BE49-F238E27FC236}">
+                <a16:creationId xmlns:a16="http://schemas.microsoft.com/office/drawing/2014/main" id="{283EB9EC-9BD2-4CF9-833D-C0627D76B7D7}"/>
+              </a:ext>
+            </a:extLst>
+          </p:cNvPr>
+          <p:cNvPicPr>
+            <a:picLocks noChangeAspect="1"/>
+          </p:cNvPicPr>
+          <p:nvPr/>
+        </p:nvPicPr>
+        <p:blipFill>
+          <a:blip r:embed="rId3">
+            <a:extLst>
+              <a:ext uri="{28A0092B-C50C-407E-A947-70E740481C1C}">
+                <a14:useLocalDpi xmlns:a14="http://schemas.microsoft.com/office/drawing/2010/main" val="0"/>
+              </a:ext>
+            </a:extLst>
+          </a:blip>
+          <a:stretch>
+            <a:fillRect/>
+          </a:stretch>
+        </p:blipFill>
+        <p:spPr>
+          <a:xfrm>
+            <a:off x="1038519" y="1811808"/>
+            <a:ext cx="10114961" cy="4853105"/>
+          </a:xfrm>
+          <a:prstGeom prst="rect">
+            <a:avLst/>
+          </a:prstGeom>
+        </p:spPr>
+      </p:pic>
+    </p:spTree>
+    <p:extLst>
+      <p:ext uri="{BB962C8B-B14F-4D97-AF65-F5344CB8AC3E}">
+        <p14:creationId xmlns:p14="http://schemas.microsoft.com/office/powerpoint/2010/main" val="770651352"/>
+      </p:ext>
+    </p:extLst>
+  </p:cSld>
+  <p:clrMapOvr>
+    <a:masterClrMapping/>
+  </p:clrMapOvr>
+</p:sld>
+</file>
+
+<file path=ppt/slides/slide2.xml><?xml version="1.0" encoding="utf-8"?>
+<p:sld xmlns:a="http://schemas.openxmlformats.org/drawingml/2006/main" xmlns:r="http://schemas.openxmlformats.org/officeDocument/2006/relationships" xmlns:p="http://schemas.openxmlformats.org/presentationml/2006/main">
+  <p:cSld>
+    <p:spTree>
+      <p:nvGrpSpPr>
+        <p:cNvPr id="1" name=""/>
+        <p:cNvGrpSpPr/>
+        <p:nvPr/>
+      </p:nvGrpSpPr>
+      <p:grpSpPr>
+        <a:xfrm>
+          <a:off x="0" y="0"/>
+          <a:ext cx="0" cy="0"/>
+          <a:chOff x="0" y="0"/>
+          <a:chExt cx="0" cy="0"/>
+        </a:xfrm>
+      </p:grpSpPr>
+      <p:sp>
+        <p:nvSpPr>
+          <p:cNvPr id="6" name="직사각형 5">
+            <a:extLst>
+              <a:ext uri="{FF2B5EF4-FFF2-40B4-BE49-F238E27FC236}">
+                <a16:creationId xmlns:a16="http://schemas.microsoft.com/office/drawing/2014/main" id="{DA006071-3E30-4389-93E9-B833A281A5E5}"/>
+              </a:ext>
+            </a:extLst>
+          </p:cNvPr>
+          <p:cNvSpPr/>
+          <p:nvPr/>
+        </p:nvSpPr>
+        <p:spPr>
+          <a:xfrm>
+            <a:off x="0" y="2582771"/>
+            <a:ext cx="12192000" cy="1692458"/>
+          </a:xfrm>
+          <a:prstGeom prst="rect">
+            <a:avLst/>
+          </a:prstGeom>
+          <a:solidFill>
+            <a:schemeClr val="tx1"/>
+          </a:solidFill>
+          <a:ln>
+            <a:solidFill>
+              <a:schemeClr val="tx1"/>
+            </a:solidFill>
+          </a:ln>
+        </p:spPr>
+        <p:style>
+          <a:lnRef idx="2">
+            <a:schemeClr val="accent1">
+              <a:shade val="50000"/>
+            </a:schemeClr>
+          </a:lnRef>
+          <a:fillRef idx="1">
+            <a:schemeClr val="accent1"/>
+          </a:fillRef>
+          <a:effectRef idx="0">
+            <a:schemeClr val="accent1"/>
+          </a:effectRef>
+          <a:fontRef idx="minor">
+            <a:schemeClr val="lt1"/>
+          </a:fontRef>
+        </p:style>
+        <p:txBody>
+          <a:bodyPr rtlCol="0" anchor="ctr"/>
+          <a:lstStyle>
+            <a:defPPr>
+              <a:defRPr lang="ko-KR"/>
+            </a:defPPr>
+            <a:lvl1pPr marL="0" algn="l" defTabSz="914400" rtl="0" eaLnBrk="1" latinLnBrk="1" hangingPunct="1">
+              <a:defRPr sz="1800" kern="1200">
+                <a:solidFill>
+                  <a:schemeClr val="lt1"/>
+                </a:solidFill>
+                <a:latin typeface="+mn-lt"/>
+                <a:ea typeface="+mn-ea"/>
+                <a:cs typeface="+mn-cs"/>
+              </a:defRPr>
+            </a:lvl1pPr>
+            <a:lvl2pPr marL="457200" algn="l" defTabSz="914400" rtl="0" eaLnBrk="1" latinLnBrk="1" hangingPunct="1">
+              <a:defRPr sz="1800" kern="1200">
+                <a:solidFill>
+                  <a:schemeClr val="lt1"/>
+                </a:solidFill>
+                <a:latin typeface="+mn-lt"/>
+                <a:ea typeface="+mn-ea"/>
+                <a:cs typeface="+mn-cs"/>
+              </a:defRPr>
+            </a:lvl2pPr>
+            <a:lvl3pPr marL="914400" algn="l" defTabSz="914400" rtl="0" eaLnBrk="1" latinLnBrk="1" hangingPunct="1">
+              <a:defRPr sz="1800" kern="1200">
+                <a:solidFill>
+                  <a:schemeClr val="lt1"/>
+                </a:solidFill>
+                <a:latin typeface="+mn-lt"/>
+                <a:ea typeface="+mn-ea"/>
+                <a:cs typeface="+mn-cs"/>
+              </a:defRPr>
+            </a:lvl3pPr>
+            <a:lvl4pPr marL="1371600" algn="l" defTabSz="914400" rtl="0" eaLnBrk="1" latinLnBrk="1" hangingPunct="1">
+              <a:defRPr sz="1800" kern="1200">
+                <a:solidFill>
+                  <a:schemeClr val="lt1"/>
+                </a:solidFill>
+                <a:latin typeface="+mn-lt"/>
+                <a:ea typeface="+mn-ea"/>
+                <a:cs typeface="+mn-cs"/>
+              </a:defRPr>
+            </a:lvl4pPr>
+            <a:lvl5pPr marL="1828800" algn="l" defTabSz="914400" rtl="0" eaLnBrk="1" latinLnBrk="1" hangingPunct="1">
+              <a:defRPr sz="1800" kern="1200">
+                <a:solidFill>
+                  <a:schemeClr val="lt1"/>
+                </a:solidFill>
+                <a:latin typeface="+mn-lt"/>
+                <a:ea typeface="+mn-ea"/>
+                <a:cs typeface="+mn-cs"/>
+              </a:defRPr>
+            </a:lvl5pPr>
+            <a:lvl6pPr marL="2286000" algn="l" defTabSz="914400" rtl="0" eaLnBrk="1" latinLnBrk="1" hangingPunct="1">
+              <a:defRPr sz="1800" kern="1200">
+                <a:solidFill>
+                  <a:schemeClr val="lt1"/>
+                </a:solidFill>
+                <a:latin typeface="+mn-lt"/>
+                <a:ea typeface="+mn-ea"/>
+                <a:cs typeface="+mn-cs"/>
+              </a:defRPr>
+            </a:lvl6pPr>
+            <a:lvl7pPr marL="2743200" algn="l" defTabSz="914400" rtl="0" eaLnBrk="1" latinLnBrk="1" hangingPunct="1">
+              <a:defRPr sz="1800" kern="1200">
+                <a:solidFill>
+                  <a:schemeClr val="lt1"/>
+                </a:solidFill>
+                <a:latin typeface="+mn-lt"/>
+                <a:ea typeface="+mn-ea"/>
+                <a:cs typeface="+mn-cs"/>
+              </a:defRPr>
+            </a:lvl7pPr>
+            <a:lvl8pPr marL="3200400" algn="l" defTabSz="914400" rtl="0" eaLnBrk="1" latinLnBrk="1" hangingPunct="1">
+              <a:defRPr sz="1800" kern="1200">
+                <a:solidFill>
+                  <a:schemeClr val="lt1"/>
+                </a:solidFill>
+                <a:latin typeface="+mn-lt"/>
+                <a:ea typeface="+mn-ea"/>
+                <a:cs typeface="+mn-cs"/>
+              </a:defRPr>
+            </a:lvl8pPr>
+            <a:lvl9pPr marL="3657600" algn="l" defTabSz="914400" rtl="0" eaLnBrk="1" latinLnBrk="1" hangingPunct="1">
+              <a:defRPr sz="1800" kern="1200">
+                <a:solidFill>
+                  <a:schemeClr val="lt1"/>
+                </a:solidFill>
+                <a:latin typeface="+mn-lt"/>
+                <a:ea typeface="+mn-ea"/>
+                <a:cs typeface="+mn-cs"/>
+              </a:defRPr>
+            </a:lvl9pPr>
+          </a:lstStyle>
+          <a:p>
+            <a:pPr algn="ctr"/>
+            <a:r>
+              <a:rPr lang="ko-KR" altLang="en-US" sz="4800" dirty="0">
+                <a:solidFill>
+                  <a:schemeClr val="bg1"/>
+                </a:solidFill>
+                <a:latin typeface="태나다체 " panose="02000000000000000000" pitchFamily="2" charset="-127"/>
+                <a:ea typeface="태나다체 " panose="02000000000000000000" pitchFamily="2" charset="-127"/>
+              </a:rPr>
+              <a:t>해결 방법</a:t>
+            </a:r>
+          </a:p>
+        </p:txBody>
+      </p:sp>
+    </p:spTree>
+    <p:extLst>
+      <p:ext uri="{BB962C8B-B14F-4D97-AF65-F5344CB8AC3E}">
+        <p14:creationId xmlns:p14="http://schemas.microsoft.com/office/powerpoint/2010/main" val="186974534"/>
+      </p:ext>
+    </p:extLst>
+  </p:cSld>
+  <p:clrMapOvr>
+    <a:masterClrMapping/>
+  </p:clrMapOvr>
+</p:sld>
+</file>
+
+<file path=ppt/slides/slide20.xml><?xml version="1.0" encoding="utf-8"?>
+<p:sld xmlns:a="http://schemas.openxmlformats.org/drawingml/2006/main" xmlns:r="http://schemas.openxmlformats.org/officeDocument/2006/relationships" xmlns:p="http://schemas.openxmlformats.org/presentationml/2006/main">
+  <p:cSld>
+    <p:spTree>
+      <p:nvGrpSpPr>
+        <p:cNvPr id="1" name=""/>
+        <p:cNvGrpSpPr/>
+        <p:nvPr/>
+      </p:nvGrpSpPr>
+      <p:grpSpPr>
+        <a:xfrm>
+          <a:off x="0" y="0"/>
+          <a:ext cx="0" cy="0"/>
+          <a:chOff x="0" y="0"/>
+          <a:chExt cx="0" cy="0"/>
+        </a:xfrm>
+      </p:grpSpPr>
+      <p:sp>
+        <p:nvSpPr>
+          <p:cNvPr id="8" name="직사각형 7">
+            <a:extLst>
+              <a:ext uri="{FF2B5EF4-FFF2-40B4-BE49-F238E27FC236}">
+                <a16:creationId xmlns:a16="http://schemas.microsoft.com/office/drawing/2014/main" id="{DFBEAA6E-A32F-42F3-A86F-FB0C5B8608AB}"/>
+              </a:ext>
+            </a:extLst>
+          </p:cNvPr>
+          <p:cNvSpPr/>
+          <p:nvPr/>
+        </p:nvSpPr>
+        <p:spPr>
+          <a:xfrm>
+            <a:off x="0" y="339365"/>
+            <a:ext cx="3619893" cy="1221117"/>
+          </a:xfrm>
+          <a:prstGeom prst="rect">
+            <a:avLst/>
+          </a:prstGeom>
+          <a:solidFill>
+            <a:schemeClr val="tx1"/>
+          </a:solidFill>
+          <a:ln>
+            <a:solidFill>
+              <a:schemeClr val="tx1"/>
+            </a:solidFill>
+          </a:ln>
+        </p:spPr>
+        <p:style>
+          <a:lnRef idx="2">
+            <a:schemeClr val="accent1">
+              <a:shade val="50000"/>
+            </a:schemeClr>
+          </a:lnRef>
+          <a:fillRef idx="1">
+            <a:schemeClr val="accent1"/>
+          </a:fillRef>
+          <a:effectRef idx="0">
+            <a:schemeClr val="accent1"/>
+          </a:effectRef>
+          <a:fontRef idx="minor">
+            <a:schemeClr val="lt1"/>
+          </a:fontRef>
+        </p:style>
+        <p:txBody>
+          <a:bodyPr rtlCol="0" anchor="ctr"/>
+          <a:lstStyle/>
+          <a:p>
+            <a:pPr algn="ctr"/>
+            <a:r>
+              <a:rPr lang="en-US" altLang="ko-KR" sz="3600" dirty="0">
+                <a:solidFill>
+                  <a:schemeClr val="bg1"/>
+                </a:solidFill>
+                <a:latin typeface="태나다체 " panose="02000000000000000000" pitchFamily="2" charset="-127"/>
+                <a:ea typeface="태나다체 " panose="02000000000000000000" pitchFamily="2" charset="-127"/>
+              </a:rPr>
+              <a:t>Broadcast</a:t>
+            </a:r>
+          </a:p>
+        </p:txBody>
+      </p:sp>
+      <p:pic>
+        <p:nvPicPr>
+          <p:cNvPr id="4" name="그림 3">
+            <a:extLst>
+              <a:ext uri="{FF2B5EF4-FFF2-40B4-BE49-F238E27FC236}">
+                <a16:creationId xmlns:a16="http://schemas.microsoft.com/office/drawing/2014/main" id="{D0B225E8-6CE3-43FC-B5D7-94013333B2E1}"/>
+              </a:ext>
+            </a:extLst>
+          </p:cNvPr>
+          <p:cNvPicPr>
+            <a:picLocks noChangeAspect="1"/>
+          </p:cNvPicPr>
+          <p:nvPr/>
+        </p:nvPicPr>
+        <p:blipFill>
+          <a:blip r:embed="rId3">
+            <a:extLst>
+              <a:ext uri="{28A0092B-C50C-407E-A947-70E740481C1C}">
+                <a14:useLocalDpi xmlns:a14="http://schemas.microsoft.com/office/drawing/2010/main" val="0"/>
+              </a:ext>
+            </a:extLst>
+          </a:blip>
+          <a:stretch>
+            <a:fillRect/>
+          </a:stretch>
+        </p:blipFill>
+        <p:spPr>
+          <a:xfrm>
+            <a:off x="647307" y="2191743"/>
+            <a:ext cx="10897386" cy="4006259"/>
+          </a:xfrm>
+          <a:prstGeom prst="rect">
+            <a:avLst/>
+          </a:prstGeom>
+        </p:spPr>
+      </p:pic>
+    </p:spTree>
+    <p:extLst>
+      <p:ext uri="{BB962C8B-B14F-4D97-AF65-F5344CB8AC3E}">
+        <p14:creationId xmlns:p14="http://schemas.microsoft.com/office/powerpoint/2010/main" val="2855754546"/>
+      </p:ext>
+    </p:extLst>
+  </p:cSld>
+  <p:clrMapOvr>
+    <a:masterClrMapping/>
+  </p:clrMapOvr>
+</p:sld>
+</file>
+
+<file path=ppt/slides/slide21.xml><?xml version="1.0" encoding="utf-8"?>
+<p:sld xmlns:a="http://schemas.openxmlformats.org/drawingml/2006/main" xmlns:r="http://schemas.openxmlformats.org/officeDocument/2006/relationships" xmlns:p="http://schemas.openxmlformats.org/presentationml/2006/main">
+  <p:cSld>
+    <p:spTree>
+      <p:nvGrpSpPr>
+        <p:cNvPr id="1" name=""/>
+        <p:cNvGrpSpPr/>
+        <p:nvPr/>
+      </p:nvGrpSpPr>
+      <p:grpSpPr>
+        <a:xfrm>
+          <a:off x="0" y="0"/>
+          <a:ext cx="0" cy="0"/>
+          <a:chOff x="0" y="0"/>
+          <a:chExt cx="0" cy="0"/>
+        </a:xfrm>
+      </p:grpSpPr>
+      <p:sp>
+        <p:nvSpPr>
+          <p:cNvPr id="8" name="직사각형 7">
+            <a:extLst>
+              <a:ext uri="{FF2B5EF4-FFF2-40B4-BE49-F238E27FC236}">
+                <a16:creationId xmlns:a16="http://schemas.microsoft.com/office/drawing/2014/main" id="{DFBEAA6E-A32F-42F3-A86F-FB0C5B8608AB}"/>
+              </a:ext>
+            </a:extLst>
+          </p:cNvPr>
+          <p:cNvSpPr/>
+          <p:nvPr/>
+        </p:nvSpPr>
+        <p:spPr>
+          <a:xfrm>
+            <a:off x="0" y="339365"/>
+            <a:ext cx="3619893" cy="1221117"/>
+          </a:xfrm>
+          <a:prstGeom prst="rect">
+            <a:avLst/>
+          </a:prstGeom>
+          <a:solidFill>
+            <a:schemeClr val="tx1"/>
+          </a:solidFill>
+          <a:ln>
+            <a:solidFill>
+              <a:schemeClr val="tx1"/>
+            </a:solidFill>
+          </a:ln>
+        </p:spPr>
+        <p:style>
+          <a:lnRef idx="2">
+            <a:schemeClr val="accent1">
+              <a:shade val="50000"/>
+            </a:schemeClr>
+          </a:lnRef>
+          <a:fillRef idx="1">
+            <a:schemeClr val="accent1"/>
+          </a:fillRef>
+          <a:effectRef idx="0">
+            <a:schemeClr val="accent1"/>
+          </a:effectRef>
+          <a:fontRef idx="minor">
+            <a:schemeClr val="lt1"/>
+          </a:fontRef>
+        </p:style>
+        <p:txBody>
+          <a:bodyPr rtlCol="0" anchor="ctr"/>
+          <a:lstStyle/>
+          <a:p>
+            <a:pPr algn="ctr"/>
+            <a:r>
+              <a:rPr lang="en-US" altLang="ko-KR" sz="3600" dirty="0">
+                <a:solidFill>
+                  <a:schemeClr val="bg1"/>
+                </a:solidFill>
+                <a:latin typeface="태나다체 " panose="02000000000000000000" pitchFamily="2" charset="-127"/>
+                <a:ea typeface="태나다체 " panose="02000000000000000000" pitchFamily="2" charset="-127"/>
+              </a:rPr>
+              <a:t>Listener</a:t>
+            </a:r>
+          </a:p>
+        </p:txBody>
+      </p:sp>
+      <p:pic>
+        <p:nvPicPr>
+          <p:cNvPr id="3" name="그림 2">
+            <a:extLst>
+              <a:ext uri="{FF2B5EF4-FFF2-40B4-BE49-F238E27FC236}">
+                <a16:creationId xmlns:a16="http://schemas.microsoft.com/office/drawing/2014/main" id="{CC5F1B46-3925-4E70-B0F4-3F30F8D80F26}"/>
+              </a:ext>
+            </a:extLst>
+          </p:cNvPr>
+          <p:cNvPicPr>
+            <a:picLocks noChangeAspect="1"/>
+          </p:cNvPicPr>
+          <p:nvPr/>
+        </p:nvPicPr>
+        <p:blipFill>
+          <a:blip r:embed="rId3">
+            <a:extLst>
+              <a:ext uri="{28A0092B-C50C-407E-A947-70E740481C1C}">
+                <a14:useLocalDpi xmlns:a14="http://schemas.microsoft.com/office/drawing/2010/main" val="0"/>
+              </a:ext>
+            </a:extLst>
+          </a:blip>
+          <a:stretch>
+            <a:fillRect/>
+          </a:stretch>
+        </p:blipFill>
+        <p:spPr>
+          <a:xfrm>
+            <a:off x="1491006" y="1782064"/>
+            <a:ext cx="9209988" cy="4871008"/>
+          </a:xfrm>
+          <a:prstGeom prst="rect">
+            <a:avLst/>
+          </a:prstGeom>
+        </p:spPr>
+      </p:pic>
+    </p:spTree>
+    <p:extLst>
+      <p:ext uri="{BB962C8B-B14F-4D97-AF65-F5344CB8AC3E}">
+        <p14:creationId xmlns:p14="http://schemas.microsoft.com/office/powerpoint/2010/main" val="4254667471"/>
+      </p:ext>
+    </p:extLst>
+  </p:cSld>
+  <p:clrMapOvr>
+    <a:masterClrMapping/>
+  </p:clrMapOvr>
+</p:sld>
+</file>
+
+<file path=ppt/slides/slide22.xml><?xml version="1.0" encoding="utf-8"?>
+<p:sld xmlns:a="http://schemas.openxmlformats.org/drawingml/2006/main" xmlns:r="http://schemas.openxmlformats.org/officeDocument/2006/relationships" xmlns:p="http://schemas.openxmlformats.org/presentationml/2006/main">
+  <p:cSld>
+    <p:spTree>
+      <p:nvGrpSpPr>
+        <p:cNvPr id="1" name=""/>
+        <p:cNvGrpSpPr/>
+        <p:nvPr/>
+      </p:nvGrpSpPr>
+      <p:grpSpPr>
+        <a:xfrm>
+          <a:off x="0" y="0"/>
+          <a:ext cx="0" cy="0"/>
+          <a:chOff x="0" y="0"/>
+          <a:chExt cx="0" cy="0"/>
+        </a:xfrm>
+      </p:grpSpPr>
+      <p:sp>
+        <p:nvSpPr>
+          <p:cNvPr id="8" name="직사각형 7">
+            <a:extLst>
+              <a:ext uri="{FF2B5EF4-FFF2-40B4-BE49-F238E27FC236}">
+                <a16:creationId xmlns:a16="http://schemas.microsoft.com/office/drawing/2014/main" id="{DFBEAA6E-A32F-42F3-A86F-FB0C5B8608AB}"/>
+              </a:ext>
+            </a:extLst>
+          </p:cNvPr>
+          <p:cNvSpPr/>
+          <p:nvPr/>
+        </p:nvSpPr>
+        <p:spPr>
+          <a:xfrm>
+            <a:off x="0" y="339365"/>
+            <a:ext cx="3619893" cy="1221117"/>
+          </a:xfrm>
+          <a:prstGeom prst="rect">
+            <a:avLst/>
+          </a:prstGeom>
+          <a:solidFill>
+            <a:schemeClr val="tx1"/>
+          </a:solidFill>
+          <a:ln>
+            <a:solidFill>
+              <a:schemeClr val="tx1"/>
+            </a:solidFill>
+          </a:ln>
+        </p:spPr>
+        <p:style>
+          <a:lnRef idx="2">
+            <a:schemeClr val="accent1">
+              <a:shade val="50000"/>
+            </a:schemeClr>
+          </a:lnRef>
+          <a:fillRef idx="1">
+            <a:schemeClr val="accent1"/>
+          </a:fillRef>
+          <a:effectRef idx="0">
+            <a:schemeClr val="accent1"/>
+          </a:effectRef>
+          <a:fontRef idx="minor">
+            <a:schemeClr val="lt1"/>
+          </a:fontRef>
+        </p:style>
+        <p:txBody>
+          <a:bodyPr rtlCol="0" anchor="ctr"/>
+          <a:lstStyle/>
+          <a:p>
+            <a:pPr algn="ctr"/>
+            <a:r>
+              <a:rPr lang="en-US" altLang="ko-KR" sz="3600" dirty="0">
+                <a:solidFill>
+                  <a:schemeClr val="bg1"/>
+                </a:solidFill>
+                <a:latin typeface="태나다체 " panose="02000000000000000000" pitchFamily="2" charset="-127"/>
+                <a:ea typeface="태나다체 " panose="02000000000000000000" pitchFamily="2" charset="-127"/>
+              </a:rPr>
+              <a:t>Main</a:t>
+            </a:r>
+          </a:p>
+        </p:txBody>
+      </p:sp>
+      <p:pic>
+        <p:nvPicPr>
+          <p:cNvPr id="4" name="그림 3">
+            <a:extLst>
+              <a:ext uri="{FF2B5EF4-FFF2-40B4-BE49-F238E27FC236}">
+                <a16:creationId xmlns:a16="http://schemas.microsoft.com/office/drawing/2014/main" id="{B8667558-E9F2-45F4-AB22-41A1FDF73212}"/>
+              </a:ext>
+            </a:extLst>
+          </p:cNvPr>
+          <p:cNvPicPr>
+            <a:picLocks noChangeAspect="1"/>
+          </p:cNvPicPr>
+          <p:nvPr/>
+        </p:nvPicPr>
+        <p:blipFill>
+          <a:blip r:embed="rId3">
+            <a:extLst>
+              <a:ext uri="{28A0092B-C50C-407E-A947-70E740481C1C}">
+                <a14:useLocalDpi xmlns:a14="http://schemas.microsoft.com/office/drawing/2010/main" val="0"/>
+              </a:ext>
+            </a:extLst>
+          </a:blip>
+          <a:stretch>
+            <a:fillRect/>
+          </a:stretch>
+        </p:blipFill>
+        <p:spPr>
+          <a:xfrm>
+            <a:off x="4242551" y="593451"/>
+            <a:ext cx="7399552" cy="5671097"/>
+          </a:xfrm>
+          <a:prstGeom prst="rect">
+            <a:avLst/>
+          </a:prstGeom>
+        </p:spPr>
+      </p:pic>
+    </p:spTree>
+    <p:extLst>
+      <p:ext uri="{BB962C8B-B14F-4D97-AF65-F5344CB8AC3E}">
+        <p14:creationId xmlns:p14="http://schemas.microsoft.com/office/powerpoint/2010/main" val="3889440717"/>
+      </p:ext>
+    </p:extLst>
+  </p:cSld>
+  <p:clrMapOvr>
+    <a:masterClrMapping/>
+  </p:clrMapOvr>
+</p:sld>
+</file>
+
+<file path=ppt/slides/slide23.xml><?xml version="1.0" encoding="utf-8"?>
+<p:sld xmlns:a="http://schemas.openxmlformats.org/drawingml/2006/main" xmlns:r="http://schemas.openxmlformats.org/officeDocument/2006/relationships" xmlns:p="http://schemas.openxmlformats.org/presentationml/2006/main">
+  <p:cSld>
+    <p:spTree>
+      <p:nvGrpSpPr>
+        <p:cNvPr id="1" name=""/>
+        <p:cNvGrpSpPr/>
+        <p:nvPr/>
+      </p:nvGrpSpPr>
+      <p:grpSpPr>
+        <a:xfrm>
+          <a:off x="0" y="0"/>
+          <a:ext cx="0" cy="0"/>
+          <a:chOff x="0" y="0"/>
+          <a:chExt cx="0" cy="0"/>
+        </a:xfrm>
+      </p:grpSpPr>
+      <p:sp>
+        <p:nvSpPr>
+          <p:cNvPr id="8" name="직사각형 7">
+            <a:extLst>
+              <a:ext uri="{FF2B5EF4-FFF2-40B4-BE49-F238E27FC236}">
+                <a16:creationId xmlns:a16="http://schemas.microsoft.com/office/drawing/2014/main" id="{DFBEAA6E-A32F-42F3-A86F-FB0C5B8608AB}"/>
+              </a:ext>
+            </a:extLst>
+          </p:cNvPr>
+          <p:cNvSpPr/>
+          <p:nvPr/>
+        </p:nvSpPr>
+        <p:spPr>
+          <a:xfrm>
+            <a:off x="0" y="339365"/>
+            <a:ext cx="3619893" cy="1221117"/>
+          </a:xfrm>
+          <a:prstGeom prst="rect">
+            <a:avLst/>
+          </a:prstGeom>
+          <a:solidFill>
+            <a:schemeClr val="tx1"/>
+          </a:solidFill>
+          <a:ln>
+            <a:solidFill>
+              <a:schemeClr val="tx1"/>
+            </a:solidFill>
+          </a:ln>
+        </p:spPr>
+        <p:style>
+          <a:lnRef idx="2">
+            <a:schemeClr val="accent1">
+              <a:shade val="50000"/>
+            </a:schemeClr>
+          </a:lnRef>
+          <a:fillRef idx="1">
+            <a:schemeClr val="accent1"/>
+          </a:fillRef>
+          <a:effectRef idx="0">
+            <a:schemeClr val="accent1"/>
+          </a:effectRef>
+          <a:fontRef idx="minor">
+            <a:schemeClr val="lt1"/>
+          </a:fontRef>
+        </p:style>
+        <p:txBody>
+          <a:bodyPr rtlCol="0" anchor="ctr"/>
+          <a:lstStyle/>
+          <a:p>
+            <a:pPr algn="ctr"/>
+            <a:r>
+              <a:rPr lang="en-US" altLang="ko-KR" sz="2400" dirty="0" err="1">
+                <a:solidFill>
+                  <a:schemeClr val="bg1"/>
+                </a:solidFill>
+                <a:latin typeface="태나다체 " panose="02000000000000000000" pitchFamily="2" charset="-127"/>
+                <a:ea typeface="태나다체 " panose="02000000000000000000" pitchFamily="2" charset="-127"/>
+              </a:rPr>
+              <a:t>OnMessageReceived</a:t>
+            </a:r>
+            <a:endParaRPr lang="en-US" altLang="ko-KR" sz="2400" dirty="0">
+              <a:solidFill>
+                <a:schemeClr val="bg1"/>
+              </a:solidFill>
+              <a:latin typeface="태나다체 " panose="02000000000000000000" pitchFamily="2" charset="-127"/>
+              <a:ea typeface="태나다체 " panose="02000000000000000000" pitchFamily="2" charset="-127"/>
+            </a:endParaRPr>
+          </a:p>
+        </p:txBody>
+      </p:sp>
+      <p:pic>
+        <p:nvPicPr>
+          <p:cNvPr id="3" name="그림 2">
+            <a:extLst>
+              <a:ext uri="{FF2B5EF4-FFF2-40B4-BE49-F238E27FC236}">
+                <a16:creationId xmlns:a16="http://schemas.microsoft.com/office/drawing/2014/main" id="{DE1C2BF9-E90D-4ECE-82BF-92EE63388B2B}"/>
+              </a:ext>
+            </a:extLst>
+          </p:cNvPr>
+          <p:cNvPicPr>
+            <a:picLocks noChangeAspect="1"/>
+          </p:cNvPicPr>
+          <p:nvPr/>
+        </p:nvPicPr>
+        <p:blipFill>
+          <a:blip r:embed="rId3">
+            <a:extLst>
+              <a:ext uri="{28A0092B-C50C-407E-A947-70E740481C1C}">
+                <a14:useLocalDpi xmlns:a14="http://schemas.microsoft.com/office/drawing/2010/main" val="0"/>
+              </a:ext>
+            </a:extLst>
+          </a:blip>
+          <a:stretch>
+            <a:fillRect/>
+          </a:stretch>
+        </p:blipFill>
+        <p:spPr>
+          <a:xfrm>
+            <a:off x="854697" y="1847585"/>
+            <a:ext cx="10482606" cy="4671050"/>
+          </a:xfrm>
+          <a:prstGeom prst="rect">
+            <a:avLst/>
+          </a:prstGeom>
+        </p:spPr>
+      </p:pic>
+    </p:spTree>
+    <p:extLst>
+      <p:ext uri="{BB962C8B-B14F-4D97-AF65-F5344CB8AC3E}">
+        <p14:creationId xmlns:p14="http://schemas.microsoft.com/office/powerpoint/2010/main" val="327038867"/>
+      </p:ext>
+    </p:extLst>
+  </p:cSld>
+  <p:clrMapOvr>
+    <a:masterClrMapping/>
+  </p:clrMapOvr>
+</p:sld>
+</file>
+
+<file path=ppt/slides/slide24.xml><?xml version="1.0" encoding="utf-8"?>
+<p:sld xmlns:a="http://schemas.openxmlformats.org/drawingml/2006/main" xmlns:r="http://schemas.openxmlformats.org/officeDocument/2006/relationships" xmlns:p="http://schemas.openxmlformats.org/presentationml/2006/main">
+  <p:cSld>
+    <p:spTree>
+      <p:nvGrpSpPr>
+        <p:cNvPr id="1" name=""/>
+        <p:cNvGrpSpPr/>
+        <p:nvPr/>
+      </p:nvGrpSpPr>
+      <p:grpSpPr>
+        <a:xfrm>
+          <a:off x="0" y="0"/>
+          <a:ext cx="0" cy="0"/>
+          <a:chOff x="0" y="0"/>
+          <a:chExt cx="0" cy="0"/>
+        </a:xfrm>
+      </p:grpSpPr>
+      <p:sp>
+        <p:nvSpPr>
+          <p:cNvPr id="6" name="직사각형 5">
+            <a:extLst>
+              <a:ext uri="{FF2B5EF4-FFF2-40B4-BE49-F238E27FC236}">
+                <a16:creationId xmlns:a16="http://schemas.microsoft.com/office/drawing/2014/main" id="{DA006071-3E30-4389-93E9-B833A281A5E5}"/>
+              </a:ext>
+            </a:extLst>
+          </p:cNvPr>
+          <p:cNvSpPr/>
+          <p:nvPr/>
+        </p:nvSpPr>
+        <p:spPr>
+          <a:xfrm>
+            <a:off x="0" y="2582771"/>
+            <a:ext cx="12192000" cy="1692458"/>
+          </a:xfrm>
+          <a:prstGeom prst="rect">
+            <a:avLst/>
+          </a:prstGeom>
+          <a:solidFill>
+            <a:schemeClr val="tx1"/>
+          </a:solidFill>
+          <a:ln>
+            <a:solidFill>
+              <a:schemeClr val="tx1"/>
+            </a:solidFill>
+          </a:ln>
+        </p:spPr>
+        <p:style>
+          <a:lnRef idx="2">
+            <a:schemeClr val="accent1">
+              <a:shade val="50000"/>
+            </a:schemeClr>
+          </a:lnRef>
+          <a:fillRef idx="1">
+            <a:schemeClr val="accent1"/>
+          </a:fillRef>
+          <a:effectRef idx="0">
+            <a:schemeClr val="accent1"/>
+          </a:effectRef>
+          <a:fontRef idx="minor">
+            <a:schemeClr val="lt1"/>
+          </a:fontRef>
+        </p:style>
+        <p:txBody>
+          <a:bodyPr rtlCol="0" anchor="ctr"/>
+          <a:lstStyle>
+            <a:defPPr>
+              <a:defRPr lang="ko-KR"/>
+            </a:defPPr>
+            <a:lvl1pPr marL="0" algn="l" defTabSz="914400" rtl="0" eaLnBrk="1" latinLnBrk="1" hangingPunct="1">
+              <a:defRPr sz="1800" kern="1200">
+                <a:solidFill>
+                  <a:schemeClr val="lt1"/>
+                </a:solidFill>
+                <a:latin typeface="+mn-lt"/>
+                <a:ea typeface="+mn-ea"/>
+                <a:cs typeface="+mn-cs"/>
+              </a:defRPr>
+            </a:lvl1pPr>
+            <a:lvl2pPr marL="457200" algn="l" defTabSz="914400" rtl="0" eaLnBrk="1" latinLnBrk="1" hangingPunct="1">
+              <a:defRPr sz="1800" kern="1200">
+                <a:solidFill>
+                  <a:schemeClr val="lt1"/>
+                </a:solidFill>
+                <a:latin typeface="+mn-lt"/>
+                <a:ea typeface="+mn-ea"/>
+                <a:cs typeface="+mn-cs"/>
+              </a:defRPr>
+            </a:lvl2pPr>
+            <a:lvl3pPr marL="914400" algn="l" defTabSz="914400" rtl="0" eaLnBrk="1" latinLnBrk="1" hangingPunct="1">
+              <a:defRPr sz="1800" kern="1200">
+                <a:solidFill>
+                  <a:schemeClr val="lt1"/>
+                </a:solidFill>
+                <a:latin typeface="+mn-lt"/>
+                <a:ea typeface="+mn-ea"/>
+                <a:cs typeface="+mn-cs"/>
+              </a:defRPr>
+            </a:lvl3pPr>
+            <a:lvl4pPr marL="1371600" algn="l" defTabSz="914400" rtl="0" eaLnBrk="1" latinLnBrk="1" hangingPunct="1">
+              <a:defRPr sz="1800" kern="1200">
+                <a:solidFill>
+                  <a:schemeClr val="lt1"/>
+                </a:solidFill>
+                <a:latin typeface="+mn-lt"/>
+                <a:ea typeface="+mn-ea"/>
+                <a:cs typeface="+mn-cs"/>
+              </a:defRPr>
+            </a:lvl4pPr>
+            <a:lvl5pPr marL="1828800" algn="l" defTabSz="914400" rtl="0" eaLnBrk="1" latinLnBrk="1" hangingPunct="1">
+              <a:defRPr sz="1800" kern="1200">
+                <a:solidFill>
+                  <a:schemeClr val="lt1"/>
+                </a:solidFill>
+                <a:latin typeface="+mn-lt"/>
+                <a:ea typeface="+mn-ea"/>
+                <a:cs typeface="+mn-cs"/>
+              </a:defRPr>
+            </a:lvl5pPr>
+            <a:lvl6pPr marL="2286000" algn="l" defTabSz="914400" rtl="0" eaLnBrk="1" latinLnBrk="1" hangingPunct="1">
+              <a:defRPr sz="1800" kern="1200">
+                <a:solidFill>
+                  <a:schemeClr val="lt1"/>
+                </a:solidFill>
+                <a:latin typeface="+mn-lt"/>
+                <a:ea typeface="+mn-ea"/>
+                <a:cs typeface="+mn-cs"/>
+              </a:defRPr>
+            </a:lvl6pPr>
+            <a:lvl7pPr marL="2743200" algn="l" defTabSz="914400" rtl="0" eaLnBrk="1" latinLnBrk="1" hangingPunct="1">
+              <a:defRPr sz="1800" kern="1200">
+                <a:solidFill>
+                  <a:schemeClr val="lt1"/>
+                </a:solidFill>
+                <a:latin typeface="+mn-lt"/>
+                <a:ea typeface="+mn-ea"/>
+                <a:cs typeface="+mn-cs"/>
+              </a:defRPr>
+            </a:lvl7pPr>
+            <a:lvl8pPr marL="3200400" algn="l" defTabSz="914400" rtl="0" eaLnBrk="1" latinLnBrk="1" hangingPunct="1">
+              <a:defRPr sz="1800" kern="1200">
+                <a:solidFill>
+                  <a:schemeClr val="lt1"/>
+                </a:solidFill>
+                <a:latin typeface="+mn-lt"/>
+                <a:ea typeface="+mn-ea"/>
+                <a:cs typeface="+mn-cs"/>
+              </a:defRPr>
+            </a:lvl8pPr>
+            <a:lvl9pPr marL="3657600" algn="l" defTabSz="914400" rtl="0" eaLnBrk="1" latinLnBrk="1" hangingPunct="1">
+              <a:defRPr sz="1800" kern="1200">
+                <a:solidFill>
+                  <a:schemeClr val="lt1"/>
+                </a:solidFill>
+                <a:latin typeface="+mn-lt"/>
+                <a:ea typeface="+mn-ea"/>
+                <a:cs typeface="+mn-cs"/>
+              </a:defRPr>
+            </a:lvl9pPr>
+          </a:lstStyle>
+          <a:p>
+            <a:pPr algn="ctr"/>
+            <a:r>
+              <a:rPr lang="ko-KR" altLang="en-US" sz="4800" dirty="0">
+                <a:solidFill>
+                  <a:schemeClr val="bg1"/>
+                </a:solidFill>
+                <a:latin typeface="태나다체 " panose="02000000000000000000" pitchFamily="2" charset="-127"/>
+                <a:ea typeface="태나다체 " panose="02000000000000000000" pitchFamily="2" charset="-127"/>
+              </a:rPr>
+              <a:t>클라이언트</a:t>
+            </a:r>
+          </a:p>
+        </p:txBody>
+      </p:sp>
+    </p:spTree>
+    <p:extLst>
+      <p:ext uri="{BB962C8B-B14F-4D97-AF65-F5344CB8AC3E}">
+        <p14:creationId xmlns:p14="http://schemas.microsoft.com/office/powerpoint/2010/main" val="665183978"/>
+      </p:ext>
+    </p:extLst>
+  </p:cSld>
+  <p:clrMapOvr>
+    <a:masterClrMapping/>
+  </p:clrMapOvr>
+</p:sld>
+</file>
+
+<file path=ppt/slides/slide25.xml><?xml version="1.0" encoding="utf-8"?>
+<p:sld xmlns:a="http://schemas.openxmlformats.org/drawingml/2006/main" xmlns:r="http://schemas.openxmlformats.org/officeDocument/2006/relationships" xmlns:p="http://schemas.openxmlformats.org/presentationml/2006/main">
+  <p:cSld>
+    <p:spTree>
+      <p:nvGrpSpPr>
+        <p:cNvPr id="1" name=""/>
+        <p:cNvGrpSpPr/>
+        <p:nvPr/>
+      </p:nvGrpSpPr>
+      <p:grpSpPr>
+        <a:xfrm>
+          <a:off x="0" y="0"/>
+          <a:ext cx="0" cy="0"/>
+          <a:chOff x="0" y="0"/>
+          <a:chExt cx="0" cy="0"/>
+        </a:xfrm>
+      </p:grpSpPr>
+      <p:sp>
+        <p:nvSpPr>
+          <p:cNvPr id="8" name="직사각형 7">
+            <a:extLst>
+              <a:ext uri="{FF2B5EF4-FFF2-40B4-BE49-F238E27FC236}">
+                <a16:creationId xmlns:a16="http://schemas.microsoft.com/office/drawing/2014/main" id="{DFBEAA6E-A32F-42F3-A86F-FB0C5B8608AB}"/>
+              </a:ext>
+            </a:extLst>
+          </p:cNvPr>
+          <p:cNvSpPr/>
+          <p:nvPr/>
+        </p:nvSpPr>
+        <p:spPr>
+          <a:xfrm>
+            <a:off x="0" y="339365"/>
+            <a:ext cx="3619893" cy="1221117"/>
+          </a:xfrm>
+          <a:prstGeom prst="rect">
+            <a:avLst/>
+          </a:prstGeom>
+          <a:solidFill>
+            <a:schemeClr val="tx1"/>
+          </a:solidFill>
+          <a:ln>
+            <a:solidFill>
+              <a:schemeClr val="tx1"/>
+            </a:solidFill>
+          </a:ln>
+        </p:spPr>
+        <p:style>
+          <a:lnRef idx="2">
+            <a:schemeClr val="accent1">
+              <a:shade val="50000"/>
+            </a:schemeClr>
+          </a:lnRef>
+          <a:fillRef idx="1">
+            <a:schemeClr val="accent1"/>
+          </a:fillRef>
+          <a:effectRef idx="0">
+            <a:schemeClr val="accent1"/>
+          </a:effectRef>
+          <a:fontRef idx="minor">
+            <a:schemeClr val="lt1"/>
+          </a:fontRef>
+        </p:style>
+        <p:txBody>
+          <a:bodyPr rtlCol="0" anchor="ctr"/>
+          <a:lstStyle/>
+          <a:p>
+            <a:pPr algn="ctr"/>
+            <a:r>
+              <a:rPr lang="ko-KR" altLang="en-US" sz="3600" dirty="0">
+                <a:solidFill>
+                  <a:schemeClr val="bg1"/>
+                </a:solidFill>
+                <a:latin typeface="태나다체 " panose="02000000000000000000" pitchFamily="2" charset="-127"/>
+                <a:ea typeface="태나다체 " panose="02000000000000000000" pitchFamily="2" charset="-127"/>
+              </a:rPr>
+              <a:t>프로젝트 생성</a:t>
+            </a:r>
+            <a:endParaRPr lang="en-US" altLang="ko-KR" sz="3600" dirty="0">
+              <a:solidFill>
+                <a:schemeClr val="bg1"/>
+              </a:solidFill>
+              <a:latin typeface="태나다체 " panose="02000000000000000000" pitchFamily="2" charset="-127"/>
+              <a:ea typeface="태나다체 " panose="02000000000000000000" pitchFamily="2" charset="-127"/>
+            </a:endParaRPr>
+          </a:p>
+        </p:txBody>
+      </p:sp>
+      <p:pic>
+        <p:nvPicPr>
+          <p:cNvPr id="3" name="그림 2">
+            <a:extLst>
+              <a:ext uri="{FF2B5EF4-FFF2-40B4-BE49-F238E27FC236}">
+                <a16:creationId xmlns:a16="http://schemas.microsoft.com/office/drawing/2014/main" id="{5C047085-D194-481E-AEE9-7EC3BB310120}"/>
+              </a:ext>
+            </a:extLst>
+          </p:cNvPr>
+          <p:cNvPicPr>
+            <a:picLocks noChangeAspect="1"/>
+          </p:cNvPicPr>
+          <p:nvPr/>
+        </p:nvPicPr>
+        <p:blipFill>
+          <a:blip r:embed="rId3">
+            <a:extLst>
+              <a:ext uri="{28A0092B-C50C-407E-A947-70E740481C1C}">
+                <a14:useLocalDpi xmlns:a14="http://schemas.microsoft.com/office/drawing/2010/main" val="0"/>
+              </a:ext>
+            </a:extLst>
+          </a:blip>
+          <a:stretch>
+            <a:fillRect/>
+          </a:stretch>
+        </p:blipFill>
+        <p:spPr>
+          <a:xfrm>
+            <a:off x="3988384" y="754145"/>
+            <a:ext cx="7818029" cy="5483870"/>
+          </a:xfrm>
+          <a:prstGeom prst="rect">
+            <a:avLst/>
+          </a:prstGeom>
+        </p:spPr>
+      </p:pic>
+    </p:spTree>
+    <p:extLst>
+      <p:ext uri="{BB962C8B-B14F-4D97-AF65-F5344CB8AC3E}">
+        <p14:creationId xmlns:p14="http://schemas.microsoft.com/office/powerpoint/2010/main" val="3042404188"/>
+      </p:ext>
+    </p:extLst>
+  </p:cSld>
+  <p:clrMapOvr>
+    <a:masterClrMapping/>
+  </p:clrMapOvr>
+</p:sld>
+</file>
+
+<file path=ppt/slides/slide26.xml><?xml version="1.0" encoding="utf-8"?>
+<p:sld xmlns:a="http://schemas.openxmlformats.org/drawingml/2006/main" xmlns:r="http://schemas.openxmlformats.org/officeDocument/2006/relationships" xmlns:p="http://schemas.openxmlformats.org/presentationml/2006/main">
+  <p:cSld>
+    <p:spTree>
+      <p:nvGrpSpPr>
+        <p:cNvPr id="1" name=""/>
+        <p:cNvGrpSpPr/>
+        <p:nvPr/>
+      </p:nvGrpSpPr>
+      <p:grpSpPr>
+        <a:xfrm>
+          <a:off x="0" y="0"/>
+          <a:ext cx="0" cy="0"/>
+          <a:chOff x="0" y="0"/>
+          <a:chExt cx="0" cy="0"/>
+        </a:xfrm>
+      </p:grpSpPr>
+      <p:sp>
+        <p:nvSpPr>
+          <p:cNvPr id="8" name="직사각형 7">
+            <a:extLst>
+              <a:ext uri="{FF2B5EF4-FFF2-40B4-BE49-F238E27FC236}">
+                <a16:creationId xmlns:a16="http://schemas.microsoft.com/office/drawing/2014/main" id="{DFBEAA6E-A32F-42F3-A86F-FB0C5B8608AB}"/>
+              </a:ext>
+            </a:extLst>
+          </p:cNvPr>
+          <p:cNvSpPr/>
+          <p:nvPr/>
+        </p:nvSpPr>
+        <p:spPr>
+          <a:xfrm>
+            <a:off x="0" y="339365"/>
+            <a:ext cx="3619893" cy="1221117"/>
+          </a:xfrm>
+          <a:prstGeom prst="rect">
+            <a:avLst/>
+          </a:prstGeom>
+          <a:solidFill>
+            <a:schemeClr val="tx1"/>
+          </a:solidFill>
+          <a:ln>
+            <a:solidFill>
+              <a:schemeClr val="tx1"/>
+            </a:solidFill>
+          </a:ln>
+        </p:spPr>
+        <p:style>
+          <a:lnRef idx="2">
+            <a:schemeClr val="accent1">
+              <a:shade val="50000"/>
+            </a:schemeClr>
+          </a:lnRef>
+          <a:fillRef idx="1">
+            <a:schemeClr val="accent1"/>
+          </a:fillRef>
+          <a:effectRef idx="0">
+            <a:schemeClr val="accent1"/>
+          </a:effectRef>
+          <a:fontRef idx="minor">
+            <a:schemeClr val="lt1"/>
+          </a:fontRef>
+        </p:style>
+        <p:txBody>
+          <a:bodyPr rtlCol="0" anchor="ctr"/>
+          <a:lstStyle/>
+          <a:p>
+            <a:pPr algn="ctr"/>
+            <a:r>
+              <a:rPr lang="en-US" altLang="ko-KR" sz="3600" dirty="0">
+                <a:solidFill>
+                  <a:schemeClr val="bg1"/>
+                </a:solidFill>
+                <a:latin typeface="태나다체 " panose="02000000000000000000" pitchFamily="2" charset="-127"/>
+                <a:ea typeface="태나다체 " panose="02000000000000000000" pitchFamily="2" charset="-127"/>
+              </a:rPr>
+              <a:t>Connector</a:t>
+            </a:r>
+          </a:p>
+        </p:txBody>
+      </p:sp>
+      <p:pic>
+        <p:nvPicPr>
+          <p:cNvPr id="5" name="그림 4">
+            <a:extLst>
+              <a:ext uri="{FF2B5EF4-FFF2-40B4-BE49-F238E27FC236}">
+                <a16:creationId xmlns:a16="http://schemas.microsoft.com/office/drawing/2014/main" id="{2FC02F4D-CB6D-49D4-A556-2D3ECCAD7162}"/>
+              </a:ext>
+            </a:extLst>
+          </p:cNvPr>
+          <p:cNvPicPr>
+            <a:picLocks noChangeAspect="1"/>
+          </p:cNvPicPr>
+          <p:nvPr/>
+        </p:nvPicPr>
+        <p:blipFill>
+          <a:blip r:embed="rId3">
+            <a:extLst>
+              <a:ext uri="{28A0092B-C50C-407E-A947-70E740481C1C}">
+                <a14:useLocalDpi xmlns:a14="http://schemas.microsoft.com/office/drawing/2010/main" val="0"/>
+              </a:ext>
+            </a:extLst>
+          </a:blip>
+          <a:stretch>
+            <a:fillRect/>
+          </a:stretch>
+        </p:blipFill>
+        <p:spPr>
+          <a:xfrm>
+            <a:off x="699154" y="2574410"/>
+            <a:ext cx="10793691" cy="3241470"/>
+          </a:xfrm>
+          <a:prstGeom prst="rect">
+            <a:avLst/>
+          </a:prstGeom>
+        </p:spPr>
+      </p:pic>
+    </p:spTree>
+    <p:extLst>
+      <p:ext uri="{BB962C8B-B14F-4D97-AF65-F5344CB8AC3E}">
+        <p14:creationId xmlns:p14="http://schemas.microsoft.com/office/powerpoint/2010/main" val="2199518871"/>
+      </p:ext>
+    </p:extLst>
+  </p:cSld>
+  <p:clrMapOvr>
+    <a:masterClrMapping/>
+  </p:clrMapOvr>
+</p:sld>
+</file>
+
+<file path=ppt/slides/slide27.xml><?xml version="1.0" encoding="utf-8"?>
+<p:sld xmlns:a="http://schemas.openxmlformats.org/drawingml/2006/main" xmlns:r="http://schemas.openxmlformats.org/officeDocument/2006/relationships" xmlns:p="http://schemas.openxmlformats.org/presentationml/2006/main">
+  <p:cSld>
+    <p:spTree>
+      <p:nvGrpSpPr>
+        <p:cNvPr id="1" name=""/>
+        <p:cNvGrpSpPr/>
+        <p:nvPr/>
+      </p:nvGrpSpPr>
+      <p:grpSpPr>
+        <a:xfrm>
+          <a:off x="0" y="0"/>
+          <a:ext cx="0" cy="0"/>
+          <a:chOff x="0" y="0"/>
+          <a:chExt cx="0" cy="0"/>
+        </a:xfrm>
+      </p:grpSpPr>
+      <p:sp>
+        <p:nvSpPr>
+          <p:cNvPr id="8" name="직사각형 7">
+            <a:extLst>
+              <a:ext uri="{FF2B5EF4-FFF2-40B4-BE49-F238E27FC236}">
+                <a16:creationId xmlns:a16="http://schemas.microsoft.com/office/drawing/2014/main" id="{DFBEAA6E-A32F-42F3-A86F-FB0C5B8608AB}"/>
+              </a:ext>
+            </a:extLst>
+          </p:cNvPr>
+          <p:cNvSpPr/>
+          <p:nvPr/>
+        </p:nvSpPr>
+        <p:spPr>
+          <a:xfrm>
+            <a:off x="0" y="339365"/>
+            <a:ext cx="3619893" cy="1221117"/>
+          </a:xfrm>
+          <a:prstGeom prst="rect">
+            <a:avLst/>
+          </a:prstGeom>
+          <a:solidFill>
+            <a:schemeClr val="tx1"/>
+          </a:solidFill>
+          <a:ln>
+            <a:solidFill>
+              <a:schemeClr val="tx1"/>
+            </a:solidFill>
+          </a:ln>
+        </p:spPr>
+        <p:style>
+          <a:lnRef idx="2">
+            <a:schemeClr val="accent1">
+              <a:shade val="50000"/>
+            </a:schemeClr>
+          </a:lnRef>
+          <a:fillRef idx="1">
+            <a:schemeClr val="accent1"/>
+          </a:fillRef>
+          <a:effectRef idx="0">
+            <a:schemeClr val="accent1"/>
+          </a:effectRef>
+          <a:fontRef idx="minor">
+            <a:schemeClr val="lt1"/>
+          </a:fontRef>
+        </p:style>
+        <p:txBody>
+          <a:bodyPr rtlCol="0" anchor="ctr"/>
+          <a:lstStyle/>
+          <a:p>
+            <a:pPr algn="ctr"/>
+            <a:r>
+              <a:rPr lang="en-US" altLang="ko-KR" sz="3200" dirty="0">
+                <a:solidFill>
+                  <a:schemeClr val="bg1"/>
+                </a:solidFill>
+                <a:latin typeface="태나다체 " panose="02000000000000000000" pitchFamily="2" charset="-127"/>
+                <a:ea typeface="태나다체 " panose="02000000000000000000" pitchFamily="2" charset="-127"/>
+              </a:rPr>
+              <a:t>Connect</a:t>
+            </a:r>
+          </a:p>
+          <a:p>
+            <a:pPr algn="ctr"/>
+            <a:r>
+              <a:rPr lang="en-US" altLang="ko-KR" sz="3200" dirty="0">
+                <a:solidFill>
+                  <a:schemeClr val="bg1"/>
+                </a:solidFill>
+                <a:latin typeface="태나다체 " panose="02000000000000000000" pitchFamily="2" charset="-127"/>
+                <a:ea typeface="태나다체 " panose="02000000000000000000" pitchFamily="2" charset="-127"/>
+              </a:rPr>
+              <a:t>Disconnect</a:t>
+            </a:r>
+          </a:p>
+        </p:txBody>
+      </p:sp>
+      <p:pic>
+        <p:nvPicPr>
+          <p:cNvPr id="6" name="그림 5">
+            <a:extLst>
+              <a:ext uri="{FF2B5EF4-FFF2-40B4-BE49-F238E27FC236}">
+                <a16:creationId xmlns:a16="http://schemas.microsoft.com/office/drawing/2014/main" id="{1C1588EA-65C3-4891-9AA8-9C25043E6E6B}"/>
+              </a:ext>
+            </a:extLst>
+          </p:cNvPr>
+          <p:cNvPicPr>
+            <a:picLocks noChangeAspect="1"/>
+          </p:cNvPicPr>
+          <p:nvPr/>
+        </p:nvPicPr>
+        <p:blipFill>
+          <a:blip r:embed="rId3">
+            <a:extLst>
+              <a:ext uri="{28A0092B-C50C-407E-A947-70E740481C1C}">
+                <a14:useLocalDpi xmlns:a14="http://schemas.microsoft.com/office/drawing/2010/main" val="0"/>
+              </a:ext>
+            </a:extLst>
+          </a:blip>
+          <a:stretch>
+            <a:fillRect/>
+          </a:stretch>
+        </p:blipFill>
+        <p:spPr>
+          <a:xfrm>
+            <a:off x="4389968" y="780241"/>
+            <a:ext cx="6859128" cy="5297518"/>
+          </a:xfrm>
+          <a:prstGeom prst="rect">
+            <a:avLst/>
+          </a:prstGeom>
+        </p:spPr>
+      </p:pic>
+    </p:spTree>
+    <p:extLst>
+      <p:ext uri="{BB962C8B-B14F-4D97-AF65-F5344CB8AC3E}">
+        <p14:creationId xmlns:p14="http://schemas.microsoft.com/office/powerpoint/2010/main" val="2773105442"/>
+      </p:ext>
+    </p:extLst>
+  </p:cSld>
+  <p:clrMapOvr>
+    <a:masterClrMapping/>
+  </p:clrMapOvr>
+</p:sld>
+</file>
+
+<file path=ppt/slides/slide28.xml><?xml version="1.0" encoding="utf-8"?>
+<p:sld xmlns:a="http://schemas.openxmlformats.org/drawingml/2006/main" xmlns:r="http://schemas.openxmlformats.org/officeDocument/2006/relationships" xmlns:p="http://schemas.openxmlformats.org/presentationml/2006/main">
+  <p:cSld>
+    <p:spTree>
+      <p:nvGrpSpPr>
+        <p:cNvPr id="1" name=""/>
+        <p:cNvGrpSpPr/>
+        <p:nvPr/>
+      </p:nvGrpSpPr>
+      <p:grpSpPr>
+        <a:xfrm>
+          <a:off x="0" y="0"/>
+          <a:ext cx="0" cy="0"/>
+          <a:chOff x="0" y="0"/>
+          <a:chExt cx="0" cy="0"/>
+        </a:xfrm>
+      </p:grpSpPr>
+      <p:sp>
+        <p:nvSpPr>
+          <p:cNvPr id="8" name="직사각형 7">
+            <a:extLst>
+              <a:ext uri="{FF2B5EF4-FFF2-40B4-BE49-F238E27FC236}">
+                <a16:creationId xmlns:a16="http://schemas.microsoft.com/office/drawing/2014/main" id="{DFBEAA6E-A32F-42F3-A86F-FB0C5B8608AB}"/>
+              </a:ext>
+            </a:extLst>
+          </p:cNvPr>
+          <p:cNvSpPr/>
+          <p:nvPr/>
+        </p:nvSpPr>
+        <p:spPr>
+          <a:xfrm>
+            <a:off x="0" y="339365"/>
+            <a:ext cx="3619893" cy="1221117"/>
+          </a:xfrm>
+          <a:prstGeom prst="rect">
+            <a:avLst/>
+          </a:prstGeom>
+          <a:solidFill>
+            <a:schemeClr val="tx1"/>
+          </a:solidFill>
+          <a:ln>
+            <a:solidFill>
+              <a:schemeClr val="tx1"/>
+            </a:solidFill>
+          </a:ln>
+        </p:spPr>
+        <p:style>
+          <a:lnRef idx="2">
+            <a:schemeClr val="accent1">
+              <a:shade val="50000"/>
+            </a:schemeClr>
+          </a:lnRef>
+          <a:fillRef idx="1">
+            <a:schemeClr val="accent1"/>
+          </a:fillRef>
+          <a:effectRef idx="0">
+            <a:schemeClr val="accent1"/>
+          </a:effectRef>
+          <a:fontRef idx="minor">
+            <a:schemeClr val="lt1"/>
+          </a:fontRef>
+        </p:style>
+        <p:txBody>
+          <a:bodyPr rtlCol="0" anchor="ctr"/>
+          <a:lstStyle/>
+          <a:p>
+            <a:pPr algn="ctr"/>
+            <a:r>
+              <a:rPr lang="en-US" altLang="ko-KR" sz="3200" dirty="0">
+                <a:solidFill>
+                  <a:schemeClr val="bg1"/>
+                </a:solidFill>
+                <a:latin typeface="태나다체 " panose="02000000000000000000" pitchFamily="2" charset="-127"/>
+                <a:ea typeface="태나다체 " panose="02000000000000000000" pitchFamily="2" charset="-127"/>
+              </a:rPr>
+              <a:t>Receive</a:t>
+            </a:r>
+          </a:p>
+        </p:txBody>
+      </p:sp>
+      <p:pic>
+        <p:nvPicPr>
+          <p:cNvPr id="3" name="그림 2">
+            <a:extLst>
+              <a:ext uri="{FF2B5EF4-FFF2-40B4-BE49-F238E27FC236}">
+                <a16:creationId xmlns:a16="http://schemas.microsoft.com/office/drawing/2014/main" id="{ECE4F9D5-F9C5-4F42-A92D-749C294FD2AE}"/>
+              </a:ext>
+            </a:extLst>
+          </p:cNvPr>
+          <p:cNvPicPr>
+            <a:picLocks noChangeAspect="1"/>
+          </p:cNvPicPr>
+          <p:nvPr/>
+        </p:nvPicPr>
+        <p:blipFill>
+          <a:blip r:embed="rId3">
+            <a:extLst>
+              <a:ext uri="{28A0092B-C50C-407E-A947-70E740481C1C}">
+                <a14:useLocalDpi xmlns:a14="http://schemas.microsoft.com/office/drawing/2010/main" val="0"/>
+              </a:ext>
+            </a:extLst>
+          </a:blip>
+          <a:stretch>
+            <a:fillRect/>
+          </a:stretch>
+        </p:blipFill>
+        <p:spPr>
+          <a:xfrm>
+            <a:off x="4081807" y="892327"/>
+            <a:ext cx="7651669" cy="5073346"/>
+          </a:xfrm>
+          <a:prstGeom prst="rect">
+            <a:avLst/>
+          </a:prstGeom>
+        </p:spPr>
+      </p:pic>
+    </p:spTree>
+    <p:extLst>
+      <p:ext uri="{BB962C8B-B14F-4D97-AF65-F5344CB8AC3E}">
+        <p14:creationId xmlns:p14="http://schemas.microsoft.com/office/powerpoint/2010/main" val="957042276"/>
+      </p:ext>
+    </p:extLst>
+  </p:cSld>
+  <p:clrMapOvr>
+    <a:masterClrMapping/>
+  </p:clrMapOvr>
+</p:sld>
+</file>
+
+<file path=ppt/slides/slide29.xml><?xml version="1.0" encoding="utf-8"?>
+<p:sld xmlns:a="http://schemas.openxmlformats.org/drawingml/2006/main" xmlns:r="http://schemas.openxmlformats.org/officeDocument/2006/relationships" xmlns:p="http://schemas.openxmlformats.org/presentationml/2006/main">
+  <p:cSld>
+    <p:spTree>
+      <p:nvGrpSpPr>
+        <p:cNvPr id="1" name=""/>
+        <p:cNvGrpSpPr/>
+        <p:nvPr/>
+      </p:nvGrpSpPr>
+      <p:grpSpPr>
+        <a:xfrm>
+          <a:off x="0" y="0"/>
+          <a:ext cx="0" cy="0"/>
+          <a:chOff x="0" y="0"/>
+          <a:chExt cx="0" cy="0"/>
+        </a:xfrm>
+      </p:grpSpPr>
+      <p:sp>
+        <p:nvSpPr>
+          <p:cNvPr id="8" name="직사각형 7">
+            <a:extLst>
+              <a:ext uri="{FF2B5EF4-FFF2-40B4-BE49-F238E27FC236}">
+                <a16:creationId xmlns:a16="http://schemas.microsoft.com/office/drawing/2014/main" id="{DFBEAA6E-A32F-42F3-A86F-FB0C5B8608AB}"/>
+              </a:ext>
+            </a:extLst>
+          </p:cNvPr>
+          <p:cNvSpPr/>
+          <p:nvPr/>
+        </p:nvSpPr>
+        <p:spPr>
+          <a:xfrm>
+            <a:off x="0" y="339365"/>
+            <a:ext cx="3619893" cy="1221117"/>
+          </a:xfrm>
+          <a:prstGeom prst="rect">
+            <a:avLst/>
+          </a:prstGeom>
+          <a:solidFill>
+            <a:schemeClr val="tx1"/>
+          </a:solidFill>
+          <a:ln>
+            <a:solidFill>
+              <a:schemeClr val="tx1"/>
+            </a:solidFill>
+          </a:ln>
+        </p:spPr>
+        <p:style>
+          <a:lnRef idx="2">
+            <a:schemeClr val="accent1">
+              <a:shade val="50000"/>
+            </a:schemeClr>
+          </a:lnRef>
+          <a:fillRef idx="1">
+            <a:schemeClr val="accent1"/>
+          </a:fillRef>
+          <a:effectRef idx="0">
+            <a:schemeClr val="accent1"/>
+          </a:effectRef>
+          <a:fontRef idx="minor">
+            <a:schemeClr val="lt1"/>
+          </a:fontRef>
+        </p:style>
+        <p:txBody>
+          <a:bodyPr rtlCol="0" anchor="ctr"/>
+          <a:lstStyle/>
+          <a:p>
+            <a:pPr algn="ctr"/>
+            <a:r>
+              <a:rPr lang="en-US" altLang="ko-KR" sz="3200" dirty="0">
+                <a:solidFill>
+                  <a:schemeClr val="bg1"/>
+                </a:solidFill>
+                <a:latin typeface="태나다체 " panose="02000000000000000000" pitchFamily="2" charset="-127"/>
+                <a:ea typeface="태나다체 " panose="02000000000000000000" pitchFamily="2" charset="-127"/>
+              </a:rPr>
+              <a:t>Connector</a:t>
+            </a:r>
+          </a:p>
+        </p:txBody>
+      </p:sp>
+      <p:pic>
+        <p:nvPicPr>
+          <p:cNvPr id="4" name="그림 3">
+            <a:extLst>
+              <a:ext uri="{FF2B5EF4-FFF2-40B4-BE49-F238E27FC236}">
+                <a16:creationId xmlns:a16="http://schemas.microsoft.com/office/drawing/2014/main" id="{E33C22C3-43CD-424A-89E2-C51E9921AEC9}"/>
+              </a:ext>
+            </a:extLst>
+          </p:cNvPr>
+          <p:cNvPicPr>
+            <a:picLocks noChangeAspect="1"/>
+          </p:cNvPicPr>
+          <p:nvPr/>
+        </p:nvPicPr>
+        <p:blipFill>
+          <a:blip r:embed="rId3">
+            <a:extLst>
+              <a:ext uri="{28A0092B-C50C-407E-A947-70E740481C1C}">
+                <a14:useLocalDpi xmlns:a14="http://schemas.microsoft.com/office/drawing/2010/main" val="0"/>
+              </a:ext>
+            </a:extLst>
+          </a:blip>
+          <a:stretch>
+            <a:fillRect/>
+          </a:stretch>
+        </p:blipFill>
+        <p:spPr>
+          <a:xfrm>
+            <a:off x="491765" y="2599856"/>
+            <a:ext cx="11208470" cy="3223161"/>
+          </a:xfrm>
+          <a:prstGeom prst="rect">
+            <a:avLst/>
+          </a:prstGeom>
+        </p:spPr>
+      </p:pic>
+    </p:spTree>
+    <p:extLst>
+      <p:ext uri="{BB962C8B-B14F-4D97-AF65-F5344CB8AC3E}">
+        <p14:creationId xmlns:p14="http://schemas.microsoft.com/office/powerpoint/2010/main" val="2153526519"/>
+      </p:ext>
+    </p:extLst>
+  </p:cSld>
+  <p:clrMapOvr>
+    <a:masterClrMapping/>
+  </p:clrMapOvr>
+</p:sld>
+</file>
+
+<file path=ppt/slides/slide3.xml><?xml version="1.0" encoding="utf-8"?>
+<p:sld xmlns:a="http://schemas.openxmlformats.org/drawingml/2006/main" xmlns:r="http://schemas.openxmlformats.org/officeDocument/2006/relationships" xmlns:p="http://schemas.openxmlformats.org/presentationml/2006/main">
+  <p:cSld>
+    <p:spTree>
+      <p:nvGrpSpPr>
+        <p:cNvPr id="1" name=""/>
+        <p:cNvGrpSpPr/>
+        <p:nvPr/>
+      </p:nvGrpSpPr>
+      <p:grpSpPr>
+        <a:xfrm>
+          <a:off x="0" y="0"/>
+          <a:ext cx="0" cy="0"/>
+          <a:chOff x="0" y="0"/>
+          <a:chExt cx="0" cy="0"/>
+        </a:xfrm>
+      </p:grpSpPr>
+      <p:pic>
+        <p:nvPicPr>
+          <p:cNvPr id="3" name="그림 2">
+            <a:extLst>
+              <a:ext uri="{FF2B5EF4-FFF2-40B4-BE49-F238E27FC236}">
+                <a16:creationId xmlns:a16="http://schemas.microsoft.com/office/drawing/2014/main" id="{6CB4292C-E04F-4884-8ED1-0C96A0D7DB36}"/>
+              </a:ext>
+            </a:extLst>
+          </p:cNvPr>
+          <p:cNvPicPr>
+            <a:picLocks noChangeAspect="1"/>
+          </p:cNvPicPr>
+          <p:nvPr/>
+        </p:nvPicPr>
+        <p:blipFill>
+          <a:blip r:embed="rId3">
+            <a:extLst>
+              <a:ext uri="{28A0092B-C50C-407E-A947-70E740481C1C}">
+                <a14:useLocalDpi xmlns:a14="http://schemas.microsoft.com/office/drawing/2010/main" val="0"/>
+              </a:ext>
+            </a:extLst>
+          </a:blip>
+          <a:stretch>
+            <a:fillRect/>
+          </a:stretch>
+        </p:blipFill>
+        <p:spPr>
+          <a:xfrm>
+            <a:off x="3619893" y="1931167"/>
+            <a:ext cx="8155498" cy="4587468"/>
+          </a:xfrm>
+          <a:prstGeom prst="rect">
+            <a:avLst/>
+          </a:prstGeom>
+          <a:ln>
+            <a:solidFill>
+              <a:schemeClr val="tx1"/>
+            </a:solidFill>
+          </a:ln>
+        </p:spPr>
+      </p:pic>
+      <p:sp>
+        <p:nvSpPr>
+          <p:cNvPr id="8" name="직사각형 7">
+            <a:extLst>
+              <a:ext uri="{FF2B5EF4-FFF2-40B4-BE49-F238E27FC236}">
+                <a16:creationId xmlns:a16="http://schemas.microsoft.com/office/drawing/2014/main" id="{DFBEAA6E-A32F-42F3-A86F-FB0C5B8608AB}"/>
+              </a:ext>
+            </a:extLst>
+          </p:cNvPr>
+          <p:cNvSpPr/>
+          <p:nvPr/>
+        </p:nvSpPr>
+        <p:spPr>
+          <a:xfrm>
+            <a:off x="0" y="339365"/>
+            <a:ext cx="3619893" cy="1221117"/>
+          </a:xfrm>
+          <a:prstGeom prst="rect">
+            <a:avLst/>
+          </a:prstGeom>
+          <a:solidFill>
+            <a:schemeClr val="tx1"/>
+          </a:solidFill>
+          <a:ln>
+            <a:solidFill>
+              <a:schemeClr val="tx1"/>
+            </a:solidFill>
+          </a:ln>
+        </p:spPr>
+        <p:style>
+          <a:lnRef idx="2">
+            <a:schemeClr val="accent1">
+              <a:shade val="50000"/>
+            </a:schemeClr>
+          </a:lnRef>
+          <a:fillRef idx="1">
+            <a:schemeClr val="accent1"/>
+          </a:fillRef>
+          <a:effectRef idx="0">
+            <a:schemeClr val="accent1"/>
+          </a:effectRef>
+          <a:fontRef idx="minor">
+            <a:schemeClr val="lt1"/>
+          </a:fontRef>
+        </p:style>
+        <p:txBody>
+          <a:bodyPr rtlCol="0" anchor="ctr"/>
+          <a:lstStyle/>
+          <a:p>
+            <a:pPr algn="ctr"/>
+            <a:r>
+              <a:rPr lang="ko-KR" altLang="en-US" sz="4800" dirty="0">
+                <a:solidFill>
+                  <a:schemeClr val="bg1"/>
+                </a:solidFill>
+                <a:latin typeface="태나다체 " panose="02000000000000000000" pitchFamily="2" charset="-127"/>
+                <a:ea typeface="태나다체 " panose="02000000000000000000" pitchFamily="2" charset="-127"/>
+              </a:rPr>
+              <a:t>뭘 했더라</a:t>
+            </a:r>
+          </a:p>
+        </p:txBody>
+      </p:sp>
+    </p:spTree>
+    <p:extLst>
+      <p:ext uri="{BB962C8B-B14F-4D97-AF65-F5344CB8AC3E}">
+        <p14:creationId xmlns:p14="http://schemas.microsoft.com/office/powerpoint/2010/main" val="923285379"/>
+      </p:ext>
+    </p:extLst>
+  </p:cSld>
+  <p:clrMapOvr>
+    <a:masterClrMapping/>
+  </p:clrMapOvr>
+</p:sld>
+</file>
+
+<file path=ppt/slides/slide30.xml><?xml version="1.0" encoding="utf-8"?>
+<p:sld xmlns:a="http://schemas.openxmlformats.org/drawingml/2006/main" xmlns:r="http://schemas.openxmlformats.org/officeDocument/2006/relationships" xmlns:p="http://schemas.openxmlformats.org/presentationml/2006/main">
+  <p:cSld>
+    <p:spTree>
+      <p:nvGrpSpPr>
+        <p:cNvPr id="1" name=""/>
+        <p:cNvGrpSpPr/>
+        <p:nvPr/>
+      </p:nvGrpSpPr>
+      <p:grpSpPr>
+        <a:xfrm>
+          <a:off x="0" y="0"/>
+          <a:ext cx="0" cy="0"/>
+          <a:chOff x="0" y="0"/>
+          <a:chExt cx="0" cy="0"/>
+        </a:xfrm>
+      </p:grpSpPr>
+      <p:sp>
+        <p:nvSpPr>
+          <p:cNvPr id="8" name="직사각형 7">
+            <a:extLst>
+              <a:ext uri="{FF2B5EF4-FFF2-40B4-BE49-F238E27FC236}">
+                <a16:creationId xmlns:a16="http://schemas.microsoft.com/office/drawing/2014/main" id="{DFBEAA6E-A32F-42F3-A86F-FB0C5B8608AB}"/>
+              </a:ext>
+            </a:extLst>
+          </p:cNvPr>
+          <p:cNvSpPr/>
+          <p:nvPr/>
+        </p:nvSpPr>
+        <p:spPr>
+          <a:xfrm>
+            <a:off x="0" y="339365"/>
+            <a:ext cx="3619893" cy="1221117"/>
+          </a:xfrm>
+          <a:prstGeom prst="rect">
+            <a:avLst/>
+          </a:prstGeom>
+          <a:solidFill>
+            <a:schemeClr val="tx1"/>
+          </a:solidFill>
+          <a:ln>
+            <a:solidFill>
+              <a:schemeClr val="tx1"/>
+            </a:solidFill>
+          </a:ln>
+        </p:spPr>
+        <p:style>
+          <a:lnRef idx="2">
+            <a:schemeClr val="accent1">
+              <a:shade val="50000"/>
+            </a:schemeClr>
+          </a:lnRef>
+          <a:fillRef idx="1">
+            <a:schemeClr val="accent1"/>
+          </a:fillRef>
+          <a:effectRef idx="0">
+            <a:schemeClr val="accent1"/>
+          </a:effectRef>
+          <a:fontRef idx="minor">
+            <a:schemeClr val="lt1"/>
+          </a:fontRef>
+        </p:style>
+        <p:txBody>
+          <a:bodyPr rtlCol="0" anchor="ctr"/>
+          <a:lstStyle/>
+          <a:p>
+            <a:pPr algn="ctr"/>
+            <a:r>
+              <a:rPr lang="en-US" altLang="ko-KR" sz="3200" dirty="0">
+                <a:solidFill>
+                  <a:schemeClr val="bg1"/>
+                </a:solidFill>
+                <a:latin typeface="태나다체 " panose="02000000000000000000" pitchFamily="2" charset="-127"/>
+                <a:ea typeface="태나다체 " panose="02000000000000000000" pitchFamily="2" charset="-127"/>
+              </a:rPr>
+              <a:t>Send</a:t>
+            </a:r>
+          </a:p>
+        </p:txBody>
+      </p:sp>
+      <p:pic>
+        <p:nvPicPr>
+          <p:cNvPr id="3" name="그림 2">
+            <a:extLst>
+              <a:ext uri="{FF2B5EF4-FFF2-40B4-BE49-F238E27FC236}">
+                <a16:creationId xmlns:a16="http://schemas.microsoft.com/office/drawing/2014/main" id="{CB80580E-837F-4268-A381-906E22B9662F}"/>
+              </a:ext>
+            </a:extLst>
+          </p:cNvPr>
+          <p:cNvPicPr>
+            <a:picLocks noChangeAspect="1"/>
+          </p:cNvPicPr>
+          <p:nvPr/>
+        </p:nvPicPr>
+        <p:blipFill>
+          <a:blip r:embed="rId3">
+            <a:extLst>
+              <a:ext uri="{28A0092B-C50C-407E-A947-70E740481C1C}">
+                <a14:useLocalDpi xmlns:a14="http://schemas.microsoft.com/office/drawing/2010/main" val="0"/>
+              </a:ext>
+            </a:extLst>
+          </a:blip>
+          <a:stretch>
+            <a:fillRect/>
+          </a:stretch>
+        </p:blipFill>
+        <p:spPr>
+          <a:xfrm>
+            <a:off x="670874" y="1956956"/>
+            <a:ext cx="10850252" cy="4456746"/>
+          </a:xfrm>
+          <a:prstGeom prst="rect">
+            <a:avLst/>
+          </a:prstGeom>
+        </p:spPr>
+      </p:pic>
+    </p:spTree>
+    <p:extLst>
+      <p:ext uri="{BB962C8B-B14F-4D97-AF65-F5344CB8AC3E}">
+        <p14:creationId xmlns:p14="http://schemas.microsoft.com/office/powerpoint/2010/main" val="118490324"/>
+      </p:ext>
+    </p:extLst>
+  </p:cSld>
+  <p:clrMapOvr>
+    <a:masterClrMapping/>
+  </p:clrMapOvr>
+</p:sld>
+</file>
+
+<file path=ppt/slides/slide31.xml><?xml version="1.0" encoding="utf-8"?>
+<p:sld xmlns:a="http://schemas.openxmlformats.org/drawingml/2006/main" xmlns:r="http://schemas.openxmlformats.org/officeDocument/2006/relationships" xmlns:p="http://schemas.openxmlformats.org/presentationml/2006/main">
+  <p:cSld>
+    <p:spTree>
+      <p:nvGrpSpPr>
+        <p:cNvPr id="1" name=""/>
+        <p:cNvGrpSpPr/>
+        <p:nvPr/>
+      </p:nvGrpSpPr>
+      <p:grpSpPr>
+        <a:xfrm>
+          <a:off x="0" y="0"/>
+          <a:ext cx="0" cy="0"/>
+          <a:chOff x="0" y="0"/>
+          <a:chExt cx="0" cy="0"/>
+        </a:xfrm>
+      </p:grpSpPr>
+      <p:sp>
+        <p:nvSpPr>
+          <p:cNvPr id="8" name="직사각형 7">
+            <a:extLst>
+              <a:ext uri="{FF2B5EF4-FFF2-40B4-BE49-F238E27FC236}">
+                <a16:creationId xmlns:a16="http://schemas.microsoft.com/office/drawing/2014/main" id="{DFBEAA6E-A32F-42F3-A86F-FB0C5B8608AB}"/>
+              </a:ext>
+            </a:extLst>
+          </p:cNvPr>
+          <p:cNvSpPr/>
+          <p:nvPr/>
+        </p:nvSpPr>
+        <p:spPr>
+          <a:xfrm>
+            <a:off x="0" y="339365"/>
+            <a:ext cx="3619893" cy="1221117"/>
+          </a:xfrm>
+          <a:prstGeom prst="rect">
+            <a:avLst/>
+          </a:prstGeom>
+          <a:solidFill>
+            <a:schemeClr val="tx1"/>
+          </a:solidFill>
+          <a:ln>
+            <a:solidFill>
+              <a:schemeClr val="tx1"/>
+            </a:solidFill>
+          </a:ln>
+        </p:spPr>
+        <p:style>
+          <a:lnRef idx="2">
+            <a:schemeClr val="accent1">
+              <a:shade val="50000"/>
+            </a:schemeClr>
+          </a:lnRef>
+          <a:fillRef idx="1">
+            <a:schemeClr val="accent1"/>
+          </a:fillRef>
+          <a:effectRef idx="0">
+            <a:schemeClr val="accent1"/>
+          </a:effectRef>
+          <a:fontRef idx="minor">
+            <a:schemeClr val="lt1"/>
+          </a:fontRef>
+        </p:style>
+        <p:txBody>
+          <a:bodyPr rtlCol="0" anchor="ctr"/>
+          <a:lstStyle/>
+          <a:p>
+            <a:pPr algn="ctr"/>
+            <a:r>
+              <a:rPr lang="en-US" altLang="ko-KR" sz="3200" dirty="0">
+                <a:solidFill>
+                  <a:schemeClr val="bg1"/>
+                </a:solidFill>
+                <a:latin typeface="태나다체 " panose="02000000000000000000" pitchFamily="2" charset="-127"/>
+                <a:ea typeface="태나다체 " panose="02000000000000000000" pitchFamily="2" charset="-127"/>
+              </a:rPr>
+              <a:t>Connector</a:t>
+            </a:r>
+          </a:p>
+        </p:txBody>
+      </p:sp>
+      <p:pic>
+        <p:nvPicPr>
+          <p:cNvPr id="3" name="그림 2">
+            <a:extLst>
+              <a:ext uri="{FF2B5EF4-FFF2-40B4-BE49-F238E27FC236}">
+                <a16:creationId xmlns:a16="http://schemas.microsoft.com/office/drawing/2014/main" id="{8B478601-F95B-496F-970E-F3485D3E05A2}"/>
+              </a:ext>
+            </a:extLst>
+          </p:cNvPr>
+          <p:cNvPicPr>
+            <a:picLocks noChangeAspect="1"/>
+          </p:cNvPicPr>
+          <p:nvPr/>
+        </p:nvPicPr>
+        <p:blipFill>
+          <a:blip r:embed="rId3">
+            <a:extLst>
+              <a:ext uri="{28A0092B-C50C-407E-A947-70E740481C1C}">
+                <a14:useLocalDpi xmlns:a14="http://schemas.microsoft.com/office/drawing/2010/main" val="0"/>
+              </a:ext>
+            </a:extLst>
+          </a:blip>
+          <a:stretch>
+            <a:fillRect/>
+          </a:stretch>
+        </p:blipFill>
+        <p:spPr>
+          <a:xfrm>
+            <a:off x="690083" y="2135261"/>
+            <a:ext cx="10811833" cy="4135978"/>
+          </a:xfrm>
+          <a:prstGeom prst="rect">
+            <a:avLst/>
+          </a:prstGeom>
+        </p:spPr>
+      </p:pic>
+    </p:spTree>
+    <p:extLst>
+      <p:ext uri="{BB962C8B-B14F-4D97-AF65-F5344CB8AC3E}">
+        <p14:creationId xmlns:p14="http://schemas.microsoft.com/office/powerpoint/2010/main" val="462859360"/>
+      </p:ext>
+    </p:extLst>
+  </p:cSld>
+  <p:clrMapOvr>
+    <a:masterClrMapping/>
+  </p:clrMapOvr>
+</p:sld>
+</file>
+
+<file path=ppt/slides/slide32.xml><?xml version="1.0" encoding="utf-8"?>
+<p:sld xmlns:a="http://schemas.openxmlformats.org/drawingml/2006/main" xmlns:r="http://schemas.openxmlformats.org/officeDocument/2006/relationships" xmlns:p="http://schemas.openxmlformats.org/presentationml/2006/main">
+  <p:cSld>
+    <p:spTree>
+      <p:nvGrpSpPr>
+        <p:cNvPr id="1" name=""/>
+        <p:cNvGrpSpPr/>
+        <p:nvPr/>
+      </p:nvGrpSpPr>
+      <p:grpSpPr>
+        <a:xfrm>
+          <a:off x="0" y="0"/>
+          <a:ext cx="0" cy="0"/>
+          <a:chOff x="0" y="0"/>
+          <a:chExt cx="0" cy="0"/>
+        </a:xfrm>
+      </p:grpSpPr>
+      <p:sp>
+        <p:nvSpPr>
+          <p:cNvPr id="8" name="직사각형 7">
+            <a:extLst>
+              <a:ext uri="{FF2B5EF4-FFF2-40B4-BE49-F238E27FC236}">
+                <a16:creationId xmlns:a16="http://schemas.microsoft.com/office/drawing/2014/main" id="{DFBEAA6E-A32F-42F3-A86F-FB0C5B8608AB}"/>
+              </a:ext>
+            </a:extLst>
+          </p:cNvPr>
+          <p:cNvSpPr/>
+          <p:nvPr/>
+        </p:nvSpPr>
+        <p:spPr>
+          <a:xfrm>
+            <a:off x="0" y="339365"/>
+            <a:ext cx="3619893" cy="1221117"/>
+          </a:xfrm>
+          <a:prstGeom prst="rect">
+            <a:avLst/>
+          </a:prstGeom>
+          <a:solidFill>
+            <a:schemeClr val="tx1"/>
+          </a:solidFill>
+          <a:ln>
+            <a:solidFill>
+              <a:schemeClr val="tx1"/>
+            </a:solidFill>
+          </a:ln>
+        </p:spPr>
+        <p:style>
+          <a:lnRef idx="2">
+            <a:schemeClr val="accent1">
+              <a:shade val="50000"/>
+            </a:schemeClr>
+          </a:lnRef>
+          <a:fillRef idx="1">
+            <a:schemeClr val="accent1"/>
+          </a:fillRef>
+          <a:effectRef idx="0">
+            <a:schemeClr val="accent1"/>
+          </a:effectRef>
+          <a:fontRef idx="minor">
+            <a:schemeClr val="lt1"/>
+          </a:fontRef>
+        </p:style>
+        <p:txBody>
+          <a:bodyPr rtlCol="0" anchor="ctr"/>
+          <a:lstStyle/>
+          <a:p>
+            <a:pPr algn="ctr"/>
+            <a:r>
+              <a:rPr lang="en-US" altLang="ko-KR" sz="3200" dirty="0">
+                <a:solidFill>
+                  <a:schemeClr val="bg1"/>
+                </a:solidFill>
+                <a:latin typeface="태나다체 " panose="02000000000000000000" pitchFamily="2" charset="-127"/>
+                <a:ea typeface="태나다체 " panose="02000000000000000000" pitchFamily="2" charset="-127"/>
+              </a:rPr>
+              <a:t>Main</a:t>
+            </a:r>
+          </a:p>
+        </p:txBody>
+      </p:sp>
+      <p:sp>
+        <p:nvSpPr>
+          <p:cNvPr id="2" name="TextBox 1">
+            <a:extLst>
+              <a:ext uri="{FF2B5EF4-FFF2-40B4-BE49-F238E27FC236}">
+                <a16:creationId xmlns:a16="http://schemas.microsoft.com/office/drawing/2014/main" id="{F198970A-C856-4B60-A960-15B3D41B0ED5}"/>
+              </a:ext>
+            </a:extLst>
+          </p:cNvPr>
+          <p:cNvSpPr txBox="1"/>
+          <p:nvPr/>
+        </p:nvSpPr>
+        <p:spPr>
+          <a:xfrm>
+            <a:off x="3459637" y="3327662"/>
+            <a:ext cx="5656083" cy="369332"/>
+          </a:xfrm>
+          <a:prstGeom prst="rect">
+            <a:avLst/>
+          </a:prstGeom>
+          <a:noFill/>
+        </p:spPr>
+        <p:txBody>
+          <a:bodyPr wrap="square" rtlCol="0">
+            <a:spAutoFit/>
+          </a:bodyPr>
+          <a:lstStyle/>
+          <a:p>
+            <a:r>
+              <a:rPr lang="en-US" altLang="ko-KR" dirty="0"/>
+              <a:t>Client Main </a:t>
+            </a:r>
+            <a:r>
+              <a:rPr lang="ko-KR" altLang="en-US" dirty="0"/>
+              <a:t>찍어라</a:t>
+            </a:r>
+          </a:p>
+        </p:txBody>
+      </p:sp>
+    </p:spTree>
+    <p:extLst>
+      <p:ext uri="{BB962C8B-B14F-4D97-AF65-F5344CB8AC3E}">
+        <p14:creationId xmlns:p14="http://schemas.microsoft.com/office/powerpoint/2010/main" val="753383700"/>
+      </p:ext>
+    </p:extLst>
+  </p:cSld>
+  <p:clrMapOvr>
+    <a:masterClrMapping/>
+  </p:clrMapOvr>
+</p:sld>
+</file>
+
+<file path=ppt/slides/slide33.xml><?xml version="1.0" encoding="utf-8"?>
+<p:sld xmlns:a="http://schemas.openxmlformats.org/drawingml/2006/main" xmlns:r="http://schemas.openxmlformats.org/officeDocument/2006/relationships" xmlns:p="http://schemas.openxmlformats.org/presentationml/2006/main">
+  <p:cSld>
+    <p:spTree>
+      <p:nvGrpSpPr>
+        <p:cNvPr id="1" name=""/>
+        <p:cNvGrpSpPr/>
+        <p:nvPr/>
+      </p:nvGrpSpPr>
+      <p:grpSpPr>
+        <a:xfrm>
+          <a:off x="0" y="0"/>
+          <a:ext cx="0" cy="0"/>
+          <a:chOff x="0" y="0"/>
+          <a:chExt cx="0" cy="0"/>
+        </a:xfrm>
+      </p:grpSpPr>
+      <p:sp>
+        <p:nvSpPr>
+          <p:cNvPr id="16" name="직사각형 15">
+            <a:extLst>
+              <a:ext uri="{FF2B5EF4-FFF2-40B4-BE49-F238E27FC236}">
+                <a16:creationId xmlns:a16="http://schemas.microsoft.com/office/drawing/2014/main" id="{B89DD7D4-9ED1-4D39-BC0C-EA5A5B8B6EF9}"/>
+              </a:ext>
+            </a:extLst>
+          </p:cNvPr>
+          <p:cNvSpPr/>
+          <p:nvPr/>
+        </p:nvSpPr>
+        <p:spPr>
+          <a:xfrm>
+            <a:off x="188540" y="197967"/>
+            <a:ext cx="12192000" cy="6858000"/>
+          </a:xfrm>
+          <a:prstGeom prst="rect">
+            <a:avLst/>
+          </a:prstGeom>
+          <a:solidFill>
+            <a:schemeClr val="tx1">
+              <a:alpha val="65000"/>
+            </a:schemeClr>
+          </a:solidFill>
+          <a:ln>
+            <a:solidFill>
+              <a:schemeClr val="tx1"/>
+            </a:solidFill>
+          </a:ln>
+        </p:spPr>
+        <p:style>
+          <a:lnRef idx="2">
+            <a:schemeClr val="accent1">
+              <a:shade val="50000"/>
+            </a:schemeClr>
+          </a:lnRef>
+          <a:fillRef idx="1">
+            <a:schemeClr val="accent1"/>
+          </a:fillRef>
+          <a:effectRef idx="0">
+            <a:schemeClr val="accent1"/>
+          </a:effectRef>
+          <a:fontRef idx="minor">
+            <a:schemeClr val="lt1"/>
+          </a:fontRef>
+        </p:style>
+        <p:txBody>
+          <a:bodyPr rtlCol="0" anchor="ctr"/>
+          <a:lstStyle/>
+          <a:p>
+            <a:pPr algn="ctr"/>
+            <a:endParaRPr lang="ko-KR" altLang="en-US" sz="1600" dirty="0"/>
+          </a:p>
+        </p:txBody>
+      </p:sp>
+      <p:sp>
+        <p:nvSpPr>
+          <p:cNvPr id="4" name="직사각형 3">
+            <a:extLst>
+              <a:ext uri="{FF2B5EF4-FFF2-40B4-BE49-F238E27FC236}">
+                <a16:creationId xmlns:a16="http://schemas.microsoft.com/office/drawing/2014/main" id="{CA35C8A5-4B03-43E5-B493-90F4E795A7AE}"/>
+              </a:ext>
+            </a:extLst>
+          </p:cNvPr>
+          <p:cNvSpPr/>
+          <p:nvPr/>
+        </p:nvSpPr>
+        <p:spPr>
+          <a:xfrm>
+            <a:off x="0" y="339365"/>
+            <a:ext cx="3619893" cy="1221117"/>
+          </a:xfrm>
+          <a:prstGeom prst="rect">
+            <a:avLst/>
+          </a:prstGeom>
+          <a:solidFill>
+            <a:schemeClr val="tx1"/>
+          </a:solidFill>
+          <a:ln>
+            <a:solidFill>
+              <a:schemeClr val="tx1"/>
+            </a:solidFill>
+          </a:ln>
+        </p:spPr>
+        <p:style>
+          <a:lnRef idx="2">
+            <a:schemeClr val="accent1">
+              <a:shade val="50000"/>
+            </a:schemeClr>
+          </a:lnRef>
+          <a:fillRef idx="1">
+            <a:schemeClr val="accent1"/>
+          </a:fillRef>
+          <a:effectRef idx="0">
+            <a:schemeClr val="accent1"/>
+          </a:effectRef>
+          <a:fontRef idx="minor">
+            <a:schemeClr val="lt1"/>
+          </a:fontRef>
+        </p:style>
+        <p:txBody>
+          <a:bodyPr rtlCol="0" anchor="ctr"/>
+          <a:lstStyle/>
+          <a:p>
+            <a:pPr algn="ctr"/>
+            <a:r>
+              <a:rPr lang="en-US" altLang="ko-KR" sz="4400" dirty="0">
+                <a:solidFill>
+                  <a:schemeClr val="bg1"/>
+                </a:solidFill>
+                <a:latin typeface="태나다체 " panose="02000000000000000000" pitchFamily="2" charset="-127"/>
+                <a:ea typeface="태나다체 " panose="02000000000000000000" pitchFamily="2" charset="-127"/>
+              </a:rPr>
+              <a:t>title</a:t>
+            </a:r>
+            <a:endParaRPr lang="ko-KR" altLang="en-US" sz="4400" dirty="0">
+              <a:solidFill>
+                <a:schemeClr val="bg1"/>
+              </a:solidFill>
+              <a:latin typeface="태나다체 " panose="02000000000000000000" pitchFamily="2" charset="-127"/>
+              <a:ea typeface="태나다체 " panose="02000000000000000000" pitchFamily="2" charset="-127"/>
+            </a:endParaRPr>
+          </a:p>
+        </p:txBody>
+      </p:sp>
+      <p:sp>
+        <p:nvSpPr>
+          <p:cNvPr id="11" name="직사각형 10">
+            <a:extLst>
+              <a:ext uri="{FF2B5EF4-FFF2-40B4-BE49-F238E27FC236}">
+                <a16:creationId xmlns:a16="http://schemas.microsoft.com/office/drawing/2014/main" id="{6C22D0AA-FCE8-49A4-888D-F1CCB0BBB1BD}"/>
+              </a:ext>
+            </a:extLst>
+          </p:cNvPr>
+          <p:cNvSpPr/>
+          <p:nvPr/>
+        </p:nvSpPr>
+        <p:spPr>
+          <a:xfrm>
+            <a:off x="0" y="2582771"/>
+            <a:ext cx="12192000" cy="1692458"/>
+          </a:xfrm>
+          <a:prstGeom prst="rect">
+            <a:avLst/>
+          </a:prstGeom>
+          <a:solidFill>
+            <a:schemeClr val="tx1"/>
+          </a:solidFill>
+          <a:ln>
+            <a:solidFill>
+              <a:schemeClr val="tx1"/>
+            </a:solidFill>
+          </a:ln>
+        </p:spPr>
+        <p:style>
+          <a:lnRef idx="2">
+            <a:schemeClr val="accent1">
+              <a:shade val="50000"/>
+            </a:schemeClr>
+          </a:lnRef>
+          <a:fillRef idx="1">
+            <a:schemeClr val="accent1"/>
+          </a:fillRef>
+          <a:effectRef idx="0">
+            <a:schemeClr val="accent1"/>
+          </a:effectRef>
+          <a:fontRef idx="minor">
+            <a:schemeClr val="lt1"/>
+          </a:fontRef>
+        </p:style>
+        <p:txBody>
+          <a:bodyPr rtlCol="0" anchor="ctr"/>
+          <a:lstStyle>
+            <a:defPPr>
+              <a:defRPr lang="ko-KR"/>
+            </a:defPPr>
+            <a:lvl1pPr marL="0" algn="l" defTabSz="914400" rtl="0" eaLnBrk="1" latinLnBrk="1" hangingPunct="1">
+              <a:defRPr sz="1800" kern="1200">
+                <a:solidFill>
+                  <a:schemeClr val="lt1"/>
+                </a:solidFill>
+                <a:latin typeface="+mn-lt"/>
+                <a:ea typeface="+mn-ea"/>
+                <a:cs typeface="+mn-cs"/>
+              </a:defRPr>
+            </a:lvl1pPr>
+            <a:lvl2pPr marL="457200" algn="l" defTabSz="914400" rtl="0" eaLnBrk="1" latinLnBrk="1" hangingPunct="1">
+              <a:defRPr sz="1800" kern="1200">
+                <a:solidFill>
+                  <a:schemeClr val="lt1"/>
+                </a:solidFill>
+                <a:latin typeface="+mn-lt"/>
+                <a:ea typeface="+mn-ea"/>
+                <a:cs typeface="+mn-cs"/>
+              </a:defRPr>
+            </a:lvl2pPr>
+            <a:lvl3pPr marL="914400" algn="l" defTabSz="914400" rtl="0" eaLnBrk="1" latinLnBrk="1" hangingPunct="1">
+              <a:defRPr sz="1800" kern="1200">
+                <a:solidFill>
+                  <a:schemeClr val="lt1"/>
+                </a:solidFill>
+                <a:latin typeface="+mn-lt"/>
+                <a:ea typeface="+mn-ea"/>
+                <a:cs typeface="+mn-cs"/>
+              </a:defRPr>
+            </a:lvl3pPr>
+            <a:lvl4pPr marL="1371600" algn="l" defTabSz="914400" rtl="0" eaLnBrk="1" latinLnBrk="1" hangingPunct="1">
+              <a:defRPr sz="1800" kern="1200">
+                <a:solidFill>
+                  <a:schemeClr val="lt1"/>
+                </a:solidFill>
+                <a:latin typeface="+mn-lt"/>
+                <a:ea typeface="+mn-ea"/>
+                <a:cs typeface="+mn-cs"/>
+              </a:defRPr>
+            </a:lvl4pPr>
+            <a:lvl5pPr marL="1828800" algn="l" defTabSz="914400" rtl="0" eaLnBrk="1" latinLnBrk="1" hangingPunct="1">
+              <a:defRPr sz="1800" kern="1200">
+                <a:solidFill>
+                  <a:schemeClr val="lt1"/>
+                </a:solidFill>
+                <a:latin typeface="+mn-lt"/>
+                <a:ea typeface="+mn-ea"/>
+                <a:cs typeface="+mn-cs"/>
+              </a:defRPr>
+            </a:lvl5pPr>
+            <a:lvl6pPr marL="2286000" algn="l" defTabSz="914400" rtl="0" eaLnBrk="1" latinLnBrk="1" hangingPunct="1">
+              <a:defRPr sz="1800" kern="1200">
+                <a:solidFill>
+                  <a:schemeClr val="lt1"/>
+                </a:solidFill>
+                <a:latin typeface="+mn-lt"/>
+                <a:ea typeface="+mn-ea"/>
+                <a:cs typeface="+mn-cs"/>
+              </a:defRPr>
+            </a:lvl6pPr>
+            <a:lvl7pPr marL="2743200" algn="l" defTabSz="914400" rtl="0" eaLnBrk="1" latinLnBrk="1" hangingPunct="1">
+              <a:defRPr sz="1800" kern="1200">
+                <a:solidFill>
+                  <a:schemeClr val="lt1"/>
+                </a:solidFill>
+                <a:latin typeface="+mn-lt"/>
+                <a:ea typeface="+mn-ea"/>
+                <a:cs typeface="+mn-cs"/>
+              </a:defRPr>
+            </a:lvl7pPr>
+            <a:lvl8pPr marL="3200400" algn="l" defTabSz="914400" rtl="0" eaLnBrk="1" latinLnBrk="1" hangingPunct="1">
+              <a:defRPr sz="1800" kern="1200">
+                <a:solidFill>
+                  <a:schemeClr val="lt1"/>
+                </a:solidFill>
+                <a:latin typeface="+mn-lt"/>
+                <a:ea typeface="+mn-ea"/>
+                <a:cs typeface="+mn-cs"/>
+              </a:defRPr>
+            </a:lvl8pPr>
+            <a:lvl9pPr marL="3657600" algn="l" defTabSz="914400" rtl="0" eaLnBrk="1" latinLnBrk="1" hangingPunct="1">
+              <a:defRPr sz="1800" kern="1200">
+                <a:solidFill>
+                  <a:schemeClr val="lt1"/>
+                </a:solidFill>
+                <a:latin typeface="+mn-lt"/>
+                <a:ea typeface="+mn-ea"/>
+                <a:cs typeface="+mn-cs"/>
+              </a:defRPr>
+            </a:lvl9pPr>
+          </a:lstStyle>
+          <a:p>
+            <a:pPr algn="ctr"/>
+            <a:r>
               <a:rPr lang="en-US" altLang="ko-KR" sz="4800" dirty="0">
                 <a:solidFill>
                   <a:schemeClr val="bg1"/>
@@ -4231,6 +10388,1148 @@
     <p:extLst>
       <p:ext uri="{BB962C8B-B14F-4D97-AF65-F5344CB8AC3E}">
         <p14:creationId xmlns:p14="http://schemas.microsoft.com/office/powerpoint/2010/main" val="1672426001"/>
+      </p:ext>
+    </p:extLst>
+  </p:cSld>
+  <p:clrMapOvr>
+    <a:masterClrMapping/>
+  </p:clrMapOvr>
+</p:sld>
+</file>
+
+<file path=ppt/slides/slide4.xml><?xml version="1.0" encoding="utf-8"?>
+<p:sld xmlns:a="http://schemas.openxmlformats.org/drawingml/2006/main" xmlns:r="http://schemas.openxmlformats.org/officeDocument/2006/relationships" xmlns:p="http://schemas.openxmlformats.org/presentationml/2006/main">
+  <p:cSld>
+    <p:spTree>
+      <p:nvGrpSpPr>
+        <p:cNvPr id="1" name=""/>
+        <p:cNvGrpSpPr/>
+        <p:nvPr/>
+      </p:nvGrpSpPr>
+      <p:grpSpPr>
+        <a:xfrm>
+          <a:off x="0" y="0"/>
+          <a:ext cx="0" cy="0"/>
+          <a:chOff x="0" y="0"/>
+          <a:chExt cx="0" cy="0"/>
+        </a:xfrm>
+      </p:grpSpPr>
+      <p:sp>
+        <p:nvSpPr>
+          <p:cNvPr id="8" name="직사각형 7">
+            <a:extLst>
+              <a:ext uri="{FF2B5EF4-FFF2-40B4-BE49-F238E27FC236}">
+                <a16:creationId xmlns:a16="http://schemas.microsoft.com/office/drawing/2014/main" id="{DFBEAA6E-A32F-42F3-A86F-FB0C5B8608AB}"/>
+              </a:ext>
+            </a:extLst>
+          </p:cNvPr>
+          <p:cNvSpPr/>
+          <p:nvPr/>
+        </p:nvSpPr>
+        <p:spPr>
+          <a:xfrm>
+            <a:off x="0" y="339365"/>
+            <a:ext cx="3619893" cy="1221117"/>
+          </a:xfrm>
+          <a:prstGeom prst="rect">
+            <a:avLst/>
+          </a:prstGeom>
+          <a:solidFill>
+            <a:schemeClr val="tx1"/>
+          </a:solidFill>
+          <a:ln>
+            <a:solidFill>
+              <a:schemeClr val="tx1"/>
+            </a:solidFill>
+          </a:ln>
+        </p:spPr>
+        <p:style>
+          <a:lnRef idx="2">
+            <a:schemeClr val="accent1">
+              <a:shade val="50000"/>
+            </a:schemeClr>
+          </a:lnRef>
+          <a:fillRef idx="1">
+            <a:schemeClr val="accent1"/>
+          </a:fillRef>
+          <a:effectRef idx="0">
+            <a:schemeClr val="accent1"/>
+          </a:effectRef>
+          <a:fontRef idx="minor">
+            <a:schemeClr val="lt1"/>
+          </a:fontRef>
+        </p:style>
+        <p:txBody>
+          <a:bodyPr rtlCol="0" anchor="ctr"/>
+          <a:lstStyle/>
+          <a:p>
+            <a:pPr algn="ctr"/>
+            <a:r>
+              <a:rPr lang="ko-KR" altLang="en-US" sz="4400" dirty="0">
+                <a:solidFill>
+                  <a:schemeClr val="bg1"/>
+                </a:solidFill>
+                <a:latin typeface="태나다체 " panose="02000000000000000000" pitchFamily="2" charset="-127"/>
+                <a:ea typeface="태나다체 " panose="02000000000000000000" pitchFamily="2" charset="-127"/>
+              </a:rPr>
+              <a:t>해결방법</a:t>
+            </a:r>
+          </a:p>
+        </p:txBody>
+      </p:sp>
+      <p:sp>
+        <p:nvSpPr>
+          <p:cNvPr id="4" name="직사각형 3">
+            <a:extLst>
+              <a:ext uri="{FF2B5EF4-FFF2-40B4-BE49-F238E27FC236}">
+                <a16:creationId xmlns:a16="http://schemas.microsoft.com/office/drawing/2014/main" id="{0608AA6E-976D-4BE9-9B8B-3AADAEF05644}"/>
+              </a:ext>
+            </a:extLst>
+          </p:cNvPr>
+          <p:cNvSpPr/>
+          <p:nvPr/>
+        </p:nvSpPr>
+        <p:spPr>
+          <a:xfrm>
+            <a:off x="2638288" y="3257555"/>
+            <a:ext cx="7406195" cy="1107996"/>
+          </a:xfrm>
+          <a:prstGeom prst="rect">
+            <a:avLst/>
+          </a:prstGeom>
+        </p:spPr>
+        <p:txBody>
+          <a:bodyPr wrap="none">
+            <a:spAutoFit/>
+          </a:bodyPr>
+          <a:lstStyle/>
+          <a:p>
+            <a:r>
+              <a:rPr lang="ko-KR" altLang="en-US" sz="6600" dirty="0">
+                <a:latin typeface="배달의민족 주아" panose="02020603020101020101" pitchFamily="18" charset="-127"/>
+                <a:ea typeface="배달의민족 주아" panose="02020603020101020101" pitchFamily="18" charset="-127"/>
+              </a:rPr>
+              <a:t>멈추는 게 문제였으니</a:t>
+            </a:r>
+            <a:r>
+              <a:rPr lang="en-US" altLang="ko-KR" sz="6600" dirty="0">
+                <a:latin typeface="배달의민족 주아" panose="02020603020101020101" pitchFamily="18" charset="-127"/>
+                <a:ea typeface="배달의민족 주아" panose="02020603020101020101" pitchFamily="18" charset="-127"/>
+              </a:rPr>
+              <a:t>…</a:t>
+            </a:r>
+            <a:endParaRPr lang="ko-KR" altLang="en-US" sz="6600" dirty="0">
+              <a:latin typeface="배달의민족 주아" panose="02020603020101020101" pitchFamily="18" charset="-127"/>
+              <a:ea typeface="배달의민족 주아" panose="02020603020101020101" pitchFamily="18" charset="-127"/>
+            </a:endParaRPr>
+          </a:p>
+        </p:txBody>
+      </p:sp>
+    </p:spTree>
+    <p:extLst>
+      <p:ext uri="{BB962C8B-B14F-4D97-AF65-F5344CB8AC3E}">
+        <p14:creationId xmlns:p14="http://schemas.microsoft.com/office/powerpoint/2010/main" val="1339350375"/>
+      </p:ext>
+    </p:extLst>
+  </p:cSld>
+  <p:clrMapOvr>
+    <a:masterClrMapping/>
+  </p:clrMapOvr>
+</p:sld>
+</file>
+
+<file path=ppt/slides/slide5.xml><?xml version="1.0" encoding="utf-8"?>
+<p:sld xmlns:a="http://schemas.openxmlformats.org/drawingml/2006/main" xmlns:r="http://schemas.openxmlformats.org/officeDocument/2006/relationships" xmlns:p="http://schemas.openxmlformats.org/presentationml/2006/main">
+  <p:cSld>
+    <p:spTree>
+      <p:nvGrpSpPr>
+        <p:cNvPr id="1" name=""/>
+        <p:cNvGrpSpPr/>
+        <p:nvPr/>
+      </p:nvGrpSpPr>
+      <p:grpSpPr>
+        <a:xfrm>
+          <a:off x="0" y="0"/>
+          <a:ext cx="0" cy="0"/>
+          <a:chOff x="0" y="0"/>
+          <a:chExt cx="0" cy="0"/>
+        </a:xfrm>
+      </p:grpSpPr>
+      <p:sp>
+        <p:nvSpPr>
+          <p:cNvPr id="8" name="직사각형 7">
+            <a:extLst>
+              <a:ext uri="{FF2B5EF4-FFF2-40B4-BE49-F238E27FC236}">
+                <a16:creationId xmlns:a16="http://schemas.microsoft.com/office/drawing/2014/main" id="{DFBEAA6E-A32F-42F3-A86F-FB0C5B8608AB}"/>
+              </a:ext>
+            </a:extLst>
+          </p:cNvPr>
+          <p:cNvSpPr/>
+          <p:nvPr/>
+        </p:nvSpPr>
+        <p:spPr>
+          <a:xfrm>
+            <a:off x="0" y="339365"/>
+            <a:ext cx="3619893" cy="1221117"/>
+          </a:xfrm>
+          <a:prstGeom prst="rect">
+            <a:avLst/>
+          </a:prstGeom>
+          <a:solidFill>
+            <a:schemeClr val="tx1"/>
+          </a:solidFill>
+          <a:ln>
+            <a:solidFill>
+              <a:schemeClr val="tx1"/>
+            </a:solidFill>
+          </a:ln>
+        </p:spPr>
+        <p:style>
+          <a:lnRef idx="2">
+            <a:schemeClr val="accent1">
+              <a:shade val="50000"/>
+            </a:schemeClr>
+          </a:lnRef>
+          <a:fillRef idx="1">
+            <a:schemeClr val="accent1"/>
+          </a:fillRef>
+          <a:effectRef idx="0">
+            <a:schemeClr val="accent1"/>
+          </a:effectRef>
+          <a:fontRef idx="minor">
+            <a:schemeClr val="lt1"/>
+          </a:fontRef>
+        </p:style>
+        <p:txBody>
+          <a:bodyPr rtlCol="0" anchor="ctr"/>
+          <a:lstStyle/>
+          <a:p>
+            <a:pPr algn="ctr"/>
+            <a:r>
+              <a:rPr lang="ko-KR" altLang="en-US" sz="4400" dirty="0">
+                <a:solidFill>
+                  <a:schemeClr val="bg1"/>
+                </a:solidFill>
+                <a:latin typeface="태나다체 " panose="02000000000000000000" pitchFamily="2" charset="-127"/>
+                <a:ea typeface="태나다체 " panose="02000000000000000000" pitchFamily="2" charset="-127"/>
+              </a:rPr>
+              <a:t>해결방법</a:t>
+            </a:r>
+          </a:p>
+        </p:txBody>
+      </p:sp>
+      <p:sp>
+        <p:nvSpPr>
+          <p:cNvPr id="4" name="직사각형 3">
+            <a:extLst>
+              <a:ext uri="{FF2B5EF4-FFF2-40B4-BE49-F238E27FC236}">
+                <a16:creationId xmlns:a16="http://schemas.microsoft.com/office/drawing/2014/main" id="{0608AA6E-976D-4BE9-9B8B-3AADAEF05644}"/>
+              </a:ext>
+            </a:extLst>
+          </p:cNvPr>
+          <p:cNvSpPr/>
+          <p:nvPr/>
+        </p:nvSpPr>
+        <p:spPr>
+          <a:xfrm>
+            <a:off x="2969182" y="3304689"/>
+            <a:ext cx="6253635" cy="1107996"/>
+          </a:xfrm>
+          <a:prstGeom prst="rect">
+            <a:avLst/>
+          </a:prstGeom>
+        </p:spPr>
+        <p:txBody>
+          <a:bodyPr wrap="none">
+            <a:spAutoFit/>
+          </a:bodyPr>
+          <a:lstStyle/>
+          <a:p>
+            <a:r>
+              <a:rPr lang="ko-KR" altLang="en-US" sz="6600" dirty="0">
+                <a:latin typeface="배달의민족 주아" panose="02020603020101020101" pitchFamily="18" charset="-127"/>
+                <a:ea typeface="배달의민족 주아" panose="02020603020101020101" pitchFamily="18" charset="-127"/>
+              </a:rPr>
+              <a:t>안 멈추게 하려면</a:t>
+            </a:r>
+            <a:r>
+              <a:rPr lang="en-US" altLang="ko-KR" sz="6600" dirty="0">
+                <a:latin typeface="배달의민족 주아" panose="02020603020101020101" pitchFamily="18" charset="-127"/>
+                <a:ea typeface="배달의민족 주아" panose="02020603020101020101" pitchFamily="18" charset="-127"/>
+              </a:rPr>
+              <a:t>….</a:t>
+            </a:r>
+            <a:endParaRPr lang="ko-KR" altLang="en-US" sz="6600" dirty="0">
+              <a:latin typeface="배달의민족 주아" panose="02020603020101020101" pitchFamily="18" charset="-127"/>
+              <a:ea typeface="배달의민족 주아" panose="02020603020101020101" pitchFamily="18" charset="-127"/>
+            </a:endParaRPr>
+          </a:p>
+        </p:txBody>
+      </p:sp>
+    </p:spTree>
+    <p:extLst>
+      <p:ext uri="{BB962C8B-B14F-4D97-AF65-F5344CB8AC3E}">
+        <p14:creationId xmlns:p14="http://schemas.microsoft.com/office/powerpoint/2010/main" val="3294900897"/>
+      </p:ext>
+    </p:extLst>
+  </p:cSld>
+  <p:clrMapOvr>
+    <a:masterClrMapping/>
+  </p:clrMapOvr>
+</p:sld>
+</file>
+
+<file path=ppt/slides/slide6.xml><?xml version="1.0" encoding="utf-8"?>
+<p:sld xmlns:a="http://schemas.openxmlformats.org/drawingml/2006/main" xmlns:r="http://schemas.openxmlformats.org/officeDocument/2006/relationships" xmlns:p="http://schemas.openxmlformats.org/presentationml/2006/main">
+  <p:cSld>
+    <p:spTree>
+      <p:nvGrpSpPr>
+        <p:cNvPr id="1" name=""/>
+        <p:cNvGrpSpPr/>
+        <p:nvPr/>
+      </p:nvGrpSpPr>
+      <p:grpSpPr>
+        <a:xfrm>
+          <a:off x="0" y="0"/>
+          <a:ext cx="0" cy="0"/>
+          <a:chOff x="0" y="0"/>
+          <a:chExt cx="0" cy="0"/>
+        </a:xfrm>
+      </p:grpSpPr>
+      <p:sp>
+        <p:nvSpPr>
+          <p:cNvPr id="8" name="직사각형 7">
+            <a:extLst>
+              <a:ext uri="{FF2B5EF4-FFF2-40B4-BE49-F238E27FC236}">
+                <a16:creationId xmlns:a16="http://schemas.microsoft.com/office/drawing/2014/main" id="{DFBEAA6E-A32F-42F3-A86F-FB0C5B8608AB}"/>
+              </a:ext>
+            </a:extLst>
+          </p:cNvPr>
+          <p:cNvSpPr/>
+          <p:nvPr/>
+        </p:nvSpPr>
+        <p:spPr>
+          <a:xfrm>
+            <a:off x="0" y="339365"/>
+            <a:ext cx="3619893" cy="1221117"/>
+          </a:xfrm>
+          <a:prstGeom prst="rect">
+            <a:avLst/>
+          </a:prstGeom>
+          <a:solidFill>
+            <a:schemeClr val="tx1"/>
+          </a:solidFill>
+          <a:ln>
+            <a:solidFill>
+              <a:schemeClr val="tx1"/>
+            </a:solidFill>
+          </a:ln>
+        </p:spPr>
+        <p:style>
+          <a:lnRef idx="2">
+            <a:schemeClr val="accent1">
+              <a:shade val="50000"/>
+            </a:schemeClr>
+          </a:lnRef>
+          <a:fillRef idx="1">
+            <a:schemeClr val="accent1"/>
+          </a:fillRef>
+          <a:effectRef idx="0">
+            <a:schemeClr val="accent1"/>
+          </a:effectRef>
+          <a:fontRef idx="minor">
+            <a:schemeClr val="lt1"/>
+          </a:fontRef>
+        </p:style>
+        <p:txBody>
+          <a:bodyPr rtlCol="0" anchor="ctr"/>
+          <a:lstStyle/>
+          <a:p>
+            <a:pPr algn="ctr"/>
+            <a:r>
+              <a:rPr lang="ko-KR" altLang="en-US" sz="4400" dirty="0">
+                <a:solidFill>
+                  <a:schemeClr val="bg1"/>
+                </a:solidFill>
+                <a:latin typeface="태나다체 " panose="02000000000000000000" pitchFamily="2" charset="-127"/>
+                <a:ea typeface="태나다체 " panose="02000000000000000000" pitchFamily="2" charset="-127"/>
+              </a:rPr>
+              <a:t>해결방법</a:t>
+            </a:r>
+          </a:p>
+        </p:txBody>
+      </p:sp>
+      <p:sp>
+        <p:nvSpPr>
+          <p:cNvPr id="4" name="직사각형 3">
+            <a:extLst>
+              <a:ext uri="{FF2B5EF4-FFF2-40B4-BE49-F238E27FC236}">
+                <a16:creationId xmlns:a16="http://schemas.microsoft.com/office/drawing/2014/main" id="{0608AA6E-976D-4BE9-9B8B-3AADAEF05644}"/>
+              </a:ext>
+            </a:extLst>
+          </p:cNvPr>
+          <p:cNvSpPr/>
+          <p:nvPr/>
+        </p:nvSpPr>
+        <p:spPr>
+          <a:xfrm>
+            <a:off x="2921092" y="3266982"/>
+            <a:ext cx="6349815" cy="1107996"/>
+          </a:xfrm>
+          <a:prstGeom prst="rect">
+            <a:avLst/>
+          </a:prstGeom>
+        </p:spPr>
+        <p:txBody>
+          <a:bodyPr wrap="none">
+            <a:spAutoFit/>
+          </a:bodyPr>
+          <a:lstStyle/>
+          <a:p>
+            <a:r>
+              <a:rPr lang="ko-KR" altLang="en-US" sz="6600" dirty="0">
+                <a:latin typeface="배달의민족 주아" panose="02020603020101020101" pitchFamily="18" charset="-127"/>
+                <a:ea typeface="배달의민족 주아" panose="02020603020101020101" pitchFamily="18" charset="-127"/>
+              </a:rPr>
+              <a:t>비동기 함수를 쓰자</a:t>
+            </a:r>
+            <a:r>
+              <a:rPr lang="en-US" altLang="ko-KR" sz="6600" dirty="0">
+                <a:latin typeface="배달의민족 주아" panose="02020603020101020101" pitchFamily="18" charset="-127"/>
+                <a:ea typeface="배달의민족 주아" panose="02020603020101020101" pitchFamily="18" charset="-127"/>
+              </a:rPr>
+              <a:t>!</a:t>
+            </a:r>
+            <a:endParaRPr lang="ko-KR" altLang="en-US" sz="6600" dirty="0">
+              <a:latin typeface="배달의민족 주아" panose="02020603020101020101" pitchFamily="18" charset="-127"/>
+              <a:ea typeface="배달의민족 주아" panose="02020603020101020101" pitchFamily="18" charset="-127"/>
+            </a:endParaRPr>
+          </a:p>
+        </p:txBody>
+      </p:sp>
+    </p:spTree>
+    <p:extLst>
+      <p:ext uri="{BB962C8B-B14F-4D97-AF65-F5344CB8AC3E}">
+        <p14:creationId xmlns:p14="http://schemas.microsoft.com/office/powerpoint/2010/main" val="739212485"/>
+      </p:ext>
+    </p:extLst>
+  </p:cSld>
+  <p:clrMapOvr>
+    <a:masterClrMapping/>
+  </p:clrMapOvr>
+</p:sld>
+</file>
+
+<file path=ppt/slides/slide7.xml><?xml version="1.0" encoding="utf-8"?>
+<p:sld xmlns:a="http://schemas.openxmlformats.org/drawingml/2006/main" xmlns:r="http://schemas.openxmlformats.org/officeDocument/2006/relationships" xmlns:p="http://schemas.openxmlformats.org/presentationml/2006/main">
+  <p:cSld>
+    <p:spTree>
+      <p:nvGrpSpPr>
+        <p:cNvPr id="1" name=""/>
+        <p:cNvGrpSpPr/>
+        <p:nvPr/>
+      </p:nvGrpSpPr>
+      <p:grpSpPr>
+        <a:xfrm>
+          <a:off x="0" y="0"/>
+          <a:ext cx="0" cy="0"/>
+          <a:chOff x="0" y="0"/>
+          <a:chExt cx="0" cy="0"/>
+        </a:xfrm>
+      </p:grpSpPr>
+      <p:sp>
+        <p:nvSpPr>
+          <p:cNvPr id="8" name="직사각형 7">
+            <a:extLst>
+              <a:ext uri="{FF2B5EF4-FFF2-40B4-BE49-F238E27FC236}">
+                <a16:creationId xmlns:a16="http://schemas.microsoft.com/office/drawing/2014/main" id="{DFBEAA6E-A32F-42F3-A86F-FB0C5B8608AB}"/>
+              </a:ext>
+            </a:extLst>
+          </p:cNvPr>
+          <p:cNvSpPr/>
+          <p:nvPr/>
+        </p:nvSpPr>
+        <p:spPr>
+          <a:xfrm>
+            <a:off x="0" y="339365"/>
+            <a:ext cx="3619893" cy="1221117"/>
+          </a:xfrm>
+          <a:prstGeom prst="rect">
+            <a:avLst/>
+          </a:prstGeom>
+          <a:solidFill>
+            <a:schemeClr val="tx1"/>
+          </a:solidFill>
+          <a:ln>
+            <a:solidFill>
+              <a:schemeClr val="tx1"/>
+            </a:solidFill>
+          </a:ln>
+        </p:spPr>
+        <p:style>
+          <a:lnRef idx="2">
+            <a:schemeClr val="accent1">
+              <a:shade val="50000"/>
+            </a:schemeClr>
+          </a:lnRef>
+          <a:fillRef idx="1">
+            <a:schemeClr val="accent1"/>
+          </a:fillRef>
+          <a:effectRef idx="0">
+            <a:schemeClr val="accent1"/>
+          </a:effectRef>
+          <a:fontRef idx="minor">
+            <a:schemeClr val="lt1"/>
+          </a:fontRef>
+        </p:style>
+        <p:txBody>
+          <a:bodyPr rtlCol="0" anchor="ctr"/>
+          <a:lstStyle/>
+          <a:p>
+            <a:pPr algn="ctr"/>
+            <a:r>
+              <a:rPr lang="ko-KR" altLang="en-US" sz="4400" dirty="0">
+                <a:solidFill>
+                  <a:schemeClr val="bg1"/>
+                </a:solidFill>
+                <a:latin typeface="태나다체 " panose="02000000000000000000" pitchFamily="2" charset="-127"/>
+                <a:ea typeface="태나다체 " panose="02000000000000000000" pitchFamily="2" charset="-127"/>
+              </a:rPr>
+              <a:t>해결방법</a:t>
+            </a:r>
+          </a:p>
+        </p:txBody>
+      </p:sp>
+      <p:sp>
+        <p:nvSpPr>
+          <p:cNvPr id="5" name="직사각형 4">
+            <a:extLst>
+              <a:ext uri="{FF2B5EF4-FFF2-40B4-BE49-F238E27FC236}">
+                <a16:creationId xmlns:a16="http://schemas.microsoft.com/office/drawing/2014/main" id="{B3A33D42-AC91-4E0F-9DAD-49A774EF43D5}"/>
+              </a:ext>
+            </a:extLst>
+          </p:cNvPr>
+          <p:cNvSpPr/>
+          <p:nvPr/>
+        </p:nvSpPr>
+        <p:spPr>
+          <a:xfrm>
+            <a:off x="3957592" y="2471880"/>
+            <a:ext cx="4276812" cy="769441"/>
+          </a:xfrm>
+          <a:prstGeom prst="rect">
+            <a:avLst/>
+          </a:prstGeom>
+        </p:spPr>
+        <p:txBody>
+          <a:bodyPr wrap="none">
+            <a:spAutoFit/>
+          </a:bodyPr>
+          <a:lstStyle/>
+          <a:p>
+            <a:r>
+              <a:rPr lang="en-US" altLang="ko-KR" sz="4400" dirty="0" err="1">
+                <a:latin typeface="배달의민족 주아" panose="02020603020101020101" pitchFamily="18" charset="-127"/>
+                <a:ea typeface="배달의민족 주아" panose="02020603020101020101" pitchFamily="18" charset="-127"/>
+              </a:rPr>
+              <a:t>Socket.Accept</a:t>
+            </a:r>
+            <a:r>
+              <a:rPr lang="en-US" altLang="ko-KR" sz="4400" dirty="0">
+                <a:latin typeface="배달의민족 주아" panose="02020603020101020101" pitchFamily="18" charset="-127"/>
+                <a:ea typeface="배달의민족 주아" panose="02020603020101020101" pitchFamily="18" charset="-127"/>
+              </a:rPr>
+              <a:t>()</a:t>
+            </a:r>
+            <a:endParaRPr lang="ko-KR" altLang="en-US" sz="4400" dirty="0">
+              <a:latin typeface="배달의민족 주아" panose="02020603020101020101" pitchFamily="18" charset="-127"/>
+              <a:ea typeface="배달의민족 주아" panose="02020603020101020101" pitchFamily="18" charset="-127"/>
+            </a:endParaRPr>
+          </a:p>
+        </p:txBody>
+      </p:sp>
+      <p:sp>
+        <p:nvSpPr>
+          <p:cNvPr id="6" name="직사각형 5">
+            <a:extLst>
+              <a:ext uri="{FF2B5EF4-FFF2-40B4-BE49-F238E27FC236}">
+                <a16:creationId xmlns:a16="http://schemas.microsoft.com/office/drawing/2014/main" id="{8D7616EC-CA93-48E8-8505-5AA4E4E637F9}"/>
+              </a:ext>
+            </a:extLst>
+          </p:cNvPr>
+          <p:cNvSpPr/>
+          <p:nvPr/>
+        </p:nvSpPr>
+        <p:spPr>
+          <a:xfrm>
+            <a:off x="3155673" y="4679222"/>
+            <a:ext cx="5880649" cy="769441"/>
+          </a:xfrm>
+          <a:prstGeom prst="rect">
+            <a:avLst/>
+          </a:prstGeom>
+        </p:spPr>
+        <p:txBody>
+          <a:bodyPr wrap="none">
+            <a:spAutoFit/>
+          </a:bodyPr>
+          <a:lstStyle/>
+          <a:p>
+            <a:r>
+              <a:rPr lang="en-US" altLang="ko-KR" sz="4400" dirty="0" err="1">
+                <a:latin typeface="배달의민족 주아" panose="02020603020101020101" pitchFamily="18" charset="-127"/>
+                <a:ea typeface="배달의민족 주아" panose="02020603020101020101" pitchFamily="18" charset="-127"/>
+              </a:rPr>
+              <a:t>Socket.Receive</a:t>
+            </a:r>
+            <a:r>
+              <a:rPr lang="en-US" altLang="ko-KR" sz="4400" dirty="0">
+                <a:latin typeface="배달의민족 주아" panose="02020603020101020101" pitchFamily="18" charset="-127"/>
+                <a:ea typeface="배달의민족 주아" panose="02020603020101020101" pitchFamily="18" charset="-127"/>
+              </a:rPr>
+              <a:t>(byte[])</a:t>
+            </a:r>
+            <a:endParaRPr lang="ko-KR" altLang="en-US" sz="4400" dirty="0">
+              <a:latin typeface="배달의민족 주아" panose="02020603020101020101" pitchFamily="18" charset="-127"/>
+              <a:ea typeface="배달의민족 주아" panose="02020603020101020101" pitchFamily="18" charset="-127"/>
+            </a:endParaRPr>
+          </a:p>
+        </p:txBody>
+      </p:sp>
+      <p:sp>
+        <p:nvSpPr>
+          <p:cNvPr id="7" name="직사각형 6">
+            <a:extLst>
+              <a:ext uri="{FF2B5EF4-FFF2-40B4-BE49-F238E27FC236}">
+                <a16:creationId xmlns:a16="http://schemas.microsoft.com/office/drawing/2014/main" id="{39DA64CA-94EC-4BAB-BB28-1170CBF74B61}"/>
+              </a:ext>
+            </a:extLst>
+          </p:cNvPr>
+          <p:cNvSpPr/>
+          <p:nvPr/>
+        </p:nvSpPr>
+        <p:spPr>
+          <a:xfrm>
+            <a:off x="2677530" y="3575551"/>
+            <a:ext cx="6836936" cy="769441"/>
+          </a:xfrm>
+          <a:prstGeom prst="rect">
+            <a:avLst/>
+          </a:prstGeom>
+        </p:spPr>
+        <p:txBody>
+          <a:bodyPr wrap="none">
+            <a:spAutoFit/>
+          </a:bodyPr>
+          <a:lstStyle/>
+          <a:p>
+            <a:r>
+              <a:rPr lang="en-US" altLang="ko-KR" sz="4400" dirty="0" err="1">
+                <a:latin typeface="배달의민족 주아" panose="02020603020101020101" pitchFamily="18" charset="-127"/>
+                <a:ea typeface="배달의민족 주아" panose="02020603020101020101" pitchFamily="18" charset="-127"/>
+              </a:rPr>
+              <a:t>Socket.SendAsync</a:t>
+            </a:r>
+            <a:r>
+              <a:rPr lang="en-US" altLang="ko-KR" sz="4400" dirty="0">
+                <a:latin typeface="배달의민족 주아" panose="02020603020101020101" pitchFamily="18" charset="-127"/>
+                <a:ea typeface="배달의민족 주아" panose="02020603020101020101" pitchFamily="18" charset="-127"/>
+              </a:rPr>
+              <a:t>(byte[] )</a:t>
+            </a:r>
+            <a:endParaRPr lang="ko-KR" altLang="en-US" sz="4400" dirty="0">
+              <a:latin typeface="배달의민족 주아" panose="02020603020101020101" pitchFamily="18" charset="-127"/>
+              <a:ea typeface="배달의민족 주아" panose="02020603020101020101" pitchFamily="18" charset="-127"/>
+            </a:endParaRPr>
+          </a:p>
+        </p:txBody>
+      </p:sp>
+    </p:spTree>
+    <p:extLst>
+      <p:ext uri="{BB962C8B-B14F-4D97-AF65-F5344CB8AC3E}">
+        <p14:creationId xmlns:p14="http://schemas.microsoft.com/office/powerpoint/2010/main" val="1835854031"/>
+      </p:ext>
+    </p:extLst>
+  </p:cSld>
+  <p:clrMapOvr>
+    <a:masterClrMapping/>
+  </p:clrMapOvr>
+</p:sld>
+</file>
+
+<file path=ppt/slides/slide8.xml><?xml version="1.0" encoding="utf-8"?>
+<p:sld xmlns:a="http://schemas.openxmlformats.org/drawingml/2006/main" xmlns:r="http://schemas.openxmlformats.org/officeDocument/2006/relationships" xmlns:p="http://schemas.openxmlformats.org/presentationml/2006/main">
+  <p:cSld>
+    <p:spTree>
+      <p:nvGrpSpPr>
+        <p:cNvPr id="1" name=""/>
+        <p:cNvGrpSpPr/>
+        <p:nvPr/>
+      </p:nvGrpSpPr>
+      <p:grpSpPr>
+        <a:xfrm>
+          <a:off x="0" y="0"/>
+          <a:ext cx="0" cy="0"/>
+          <a:chOff x="0" y="0"/>
+          <a:chExt cx="0" cy="0"/>
+        </a:xfrm>
+      </p:grpSpPr>
+      <p:sp>
+        <p:nvSpPr>
+          <p:cNvPr id="8" name="직사각형 7">
+            <a:extLst>
+              <a:ext uri="{FF2B5EF4-FFF2-40B4-BE49-F238E27FC236}">
+                <a16:creationId xmlns:a16="http://schemas.microsoft.com/office/drawing/2014/main" id="{DFBEAA6E-A32F-42F3-A86F-FB0C5B8608AB}"/>
+              </a:ext>
+            </a:extLst>
+          </p:cNvPr>
+          <p:cNvSpPr/>
+          <p:nvPr/>
+        </p:nvSpPr>
+        <p:spPr>
+          <a:xfrm>
+            <a:off x="0" y="339365"/>
+            <a:ext cx="3619893" cy="1221117"/>
+          </a:xfrm>
+          <a:prstGeom prst="rect">
+            <a:avLst/>
+          </a:prstGeom>
+          <a:solidFill>
+            <a:schemeClr val="tx1"/>
+          </a:solidFill>
+          <a:ln>
+            <a:solidFill>
+              <a:schemeClr val="tx1"/>
+            </a:solidFill>
+          </a:ln>
+        </p:spPr>
+        <p:style>
+          <a:lnRef idx="2">
+            <a:schemeClr val="accent1">
+              <a:shade val="50000"/>
+            </a:schemeClr>
+          </a:lnRef>
+          <a:fillRef idx="1">
+            <a:schemeClr val="accent1"/>
+          </a:fillRef>
+          <a:effectRef idx="0">
+            <a:schemeClr val="accent1"/>
+          </a:effectRef>
+          <a:fontRef idx="minor">
+            <a:schemeClr val="lt1"/>
+          </a:fontRef>
+        </p:style>
+        <p:txBody>
+          <a:bodyPr rtlCol="0" anchor="ctr"/>
+          <a:lstStyle/>
+          <a:p>
+            <a:pPr algn="ctr"/>
+            <a:r>
+              <a:rPr lang="ko-KR" altLang="en-US" sz="4400" dirty="0">
+                <a:solidFill>
+                  <a:schemeClr val="bg1"/>
+                </a:solidFill>
+                <a:latin typeface="태나다체 " panose="02000000000000000000" pitchFamily="2" charset="-127"/>
+                <a:ea typeface="태나다체 " panose="02000000000000000000" pitchFamily="2" charset="-127"/>
+              </a:rPr>
+              <a:t>해결방법</a:t>
+            </a:r>
+          </a:p>
+        </p:txBody>
+      </p:sp>
+      <p:sp>
+        <p:nvSpPr>
+          <p:cNvPr id="5" name="직사각형 4">
+            <a:extLst>
+              <a:ext uri="{FF2B5EF4-FFF2-40B4-BE49-F238E27FC236}">
+                <a16:creationId xmlns:a16="http://schemas.microsoft.com/office/drawing/2014/main" id="{B3A33D42-AC91-4E0F-9DAD-49A774EF43D5}"/>
+              </a:ext>
+            </a:extLst>
+          </p:cNvPr>
+          <p:cNvSpPr/>
+          <p:nvPr/>
+        </p:nvSpPr>
+        <p:spPr>
+          <a:xfrm>
+            <a:off x="362635" y="2471880"/>
+            <a:ext cx="11466729" cy="769441"/>
+          </a:xfrm>
+          <a:prstGeom prst="rect">
+            <a:avLst/>
+          </a:prstGeom>
+        </p:spPr>
+        <p:txBody>
+          <a:bodyPr wrap="none">
+            <a:spAutoFit/>
+          </a:bodyPr>
+          <a:lstStyle/>
+          <a:p>
+            <a:r>
+              <a:rPr lang="en-US" altLang="ko-KR" sz="4400" dirty="0" err="1">
+                <a:latin typeface="배달의민족 주아" panose="02020603020101020101" pitchFamily="18" charset="-127"/>
+                <a:ea typeface="배달의민족 주아" panose="02020603020101020101" pitchFamily="18" charset="-127"/>
+              </a:rPr>
+              <a:t>Socket.AcceptAsync</a:t>
+            </a:r>
+            <a:r>
+              <a:rPr lang="en-US" altLang="ko-KR" sz="4400" dirty="0">
+                <a:latin typeface="배달의민족 주아" panose="02020603020101020101" pitchFamily="18" charset="-127"/>
+                <a:ea typeface="배달의민족 주아" panose="02020603020101020101" pitchFamily="18" charset="-127"/>
+              </a:rPr>
+              <a:t>(</a:t>
+            </a:r>
+            <a:r>
+              <a:rPr lang="en-US" altLang="ko-KR" sz="4400" dirty="0" err="1">
+                <a:latin typeface="배달의민족 주아" panose="02020603020101020101" pitchFamily="18" charset="-127"/>
+                <a:ea typeface="배달의민족 주아" panose="02020603020101020101" pitchFamily="18" charset="-127"/>
+              </a:rPr>
+              <a:t>SocketAsyncEventArgs</a:t>
+            </a:r>
+            <a:r>
+              <a:rPr lang="en-US" altLang="ko-KR" sz="4400" dirty="0">
+                <a:latin typeface="배달의민족 주아" panose="02020603020101020101" pitchFamily="18" charset="-127"/>
+                <a:ea typeface="배달의민족 주아" panose="02020603020101020101" pitchFamily="18" charset="-127"/>
+              </a:rPr>
+              <a:t>)</a:t>
+            </a:r>
+            <a:endParaRPr lang="ko-KR" altLang="en-US" sz="4400" dirty="0">
+              <a:latin typeface="배달의민족 주아" panose="02020603020101020101" pitchFamily="18" charset="-127"/>
+              <a:ea typeface="배달의민족 주아" panose="02020603020101020101" pitchFamily="18" charset="-127"/>
+            </a:endParaRPr>
+          </a:p>
+        </p:txBody>
+      </p:sp>
+      <p:sp>
+        <p:nvSpPr>
+          <p:cNvPr id="6" name="직사각형 5">
+            <a:extLst>
+              <a:ext uri="{FF2B5EF4-FFF2-40B4-BE49-F238E27FC236}">
+                <a16:creationId xmlns:a16="http://schemas.microsoft.com/office/drawing/2014/main" id="{8D7616EC-CA93-48E8-8505-5AA4E4E637F9}"/>
+              </a:ext>
+            </a:extLst>
+          </p:cNvPr>
+          <p:cNvSpPr/>
+          <p:nvPr/>
+        </p:nvSpPr>
+        <p:spPr>
+          <a:xfrm>
+            <a:off x="236350" y="4679222"/>
+            <a:ext cx="11719298" cy="769441"/>
+          </a:xfrm>
+          <a:prstGeom prst="rect">
+            <a:avLst/>
+          </a:prstGeom>
+        </p:spPr>
+        <p:txBody>
+          <a:bodyPr wrap="none">
+            <a:spAutoFit/>
+          </a:bodyPr>
+          <a:lstStyle/>
+          <a:p>
+            <a:r>
+              <a:rPr lang="en-US" altLang="ko-KR" sz="4400" dirty="0" err="1">
+                <a:latin typeface="배달의민족 주아" panose="02020603020101020101" pitchFamily="18" charset="-127"/>
+                <a:ea typeface="배달의민족 주아" panose="02020603020101020101" pitchFamily="18" charset="-127"/>
+              </a:rPr>
+              <a:t>Socket.ReceiveAsync</a:t>
+            </a:r>
+            <a:r>
+              <a:rPr lang="en-US" altLang="ko-KR" sz="4400" dirty="0">
+                <a:latin typeface="배달의민족 주아" panose="02020603020101020101" pitchFamily="18" charset="-127"/>
+                <a:ea typeface="배달의민족 주아" panose="02020603020101020101" pitchFamily="18" charset="-127"/>
+              </a:rPr>
+              <a:t>(</a:t>
+            </a:r>
+            <a:r>
+              <a:rPr lang="en-US" altLang="ko-KR" sz="4400" dirty="0" err="1">
+                <a:latin typeface="배달의민족 주아" panose="02020603020101020101" pitchFamily="18" charset="-127"/>
+                <a:ea typeface="배달의민족 주아" panose="02020603020101020101" pitchFamily="18" charset="-127"/>
+              </a:rPr>
+              <a:t>SocketAsyncEventArgs</a:t>
+            </a:r>
+            <a:r>
+              <a:rPr lang="en-US" altLang="ko-KR" sz="4400" dirty="0">
+                <a:latin typeface="배달의민족 주아" panose="02020603020101020101" pitchFamily="18" charset="-127"/>
+                <a:ea typeface="배달의민족 주아" panose="02020603020101020101" pitchFamily="18" charset="-127"/>
+              </a:rPr>
+              <a:t>)</a:t>
+            </a:r>
+            <a:endParaRPr lang="ko-KR" altLang="en-US" sz="4400" dirty="0">
+              <a:latin typeface="배달의민족 주아" panose="02020603020101020101" pitchFamily="18" charset="-127"/>
+              <a:ea typeface="배달의민족 주아" panose="02020603020101020101" pitchFamily="18" charset="-127"/>
+            </a:endParaRPr>
+          </a:p>
+        </p:txBody>
+      </p:sp>
+      <p:sp>
+        <p:nvSpPr>
+          <p:cNvPr id="7" name="직사각형 6">
+            <a:extLst>
+              <a:ext uri="{FF2B5EF4-FFF2-40B4-BE49-F238E27FC236}">
+                <a16:creationId xmlns:a16="http://schemas.microsoft.com/office/drawing/2014/main" id="{39DA64CA-94EC-4BAB-BB28-1170CBF74B61}"/>
+              </a:ext>
+            </a:extLst>
+          </p:cNvPr>
+          <p:cNvSpPr/>
+          <p:nvPr/>
+        </p:nvSpPr>
+        <p:spPr>
+          <a:xfrm>
+            <a:off x="648674" y="3575551"/>
+            <a:ext cx="10894649" cy="769441"/>
+          </a:xfrm>
+          <a:prstGeom prst="rect">
+            <a:avLst/>
+          </a:prstGeom>
+        </p:spPr>
+        <p:txBody>
+          <a:bodyPr wrap="none">
+            <a:spAutoFit/>
+          </a:bodyPr>
+          <a:lstStyle/>
+          <a:p>
+            <a:r>
+              <a:rPr lang="en-US" altLang="ko-KR" sz="4400" dirty="0" err="1">
+                <a:latin typeface="배달의민족 주아" panose="02020603020101020101" pitchFamily="18" charset="-127"/>
+                <a:ea typeface="배달의민족 주아" panose="02020603020101020101" pitchFamily="18" charset="-127"/>
+              </a:rPr>
+              <a:t>Socket.SendAsync</a:t>
+            </a:r>
+            <a:r>
+              <a:rPr lang="en-US" altLang="ko-KR" sz="4400" dirty="0">
+                <a:latin typeface="배달의민족 주아" panose="02020603020101020101" pitchFamily="18" charset="-127"/>
+                <a:ea typeface="배달의민족 주아" panose="02020603020101020101" pitchFamily="18" charset="-127"/>
+              </a:rPr>
+              <a:t>(</a:t>
+            </a:r>
+            <a:r>
+              <a:rPr lang="en-US" altLang="ko-KR" sz="4400" dirty="0" err="1">
+                <a:latin typeface="배달의민족 주아" panose="02020603020101020101" pitchFamily="18" charset="-127"/>
+                <a:ea typeface="배달의민족 주아" panose="02020603020101020101" pitchFamily="18" charset="-127"/>
+              </a:rPr>
+              <a:t>SocketAsyncEventArgs</a:t>
+            </a:r>
+            <a:r>
+              <a:rPr lang="en-US" altLang="ko-KR" sz="4400" dirty="0">
+                <a:latin typeface="배달의민족 주아" panose="02020603020101020101" pitchFamily="18" charset="-127"/>
+                <a:ea typeface="배달의민족 주아" panose="02020603020101020101" pitchFamily="18" charset="-127"/>
+              </a:rPr>
+              <a:t>)</a:t>
+            </a:r>
+            <a:endParaRPr lang="ko-KR" altLang="en-US" sz="4400" dirty="0">
+              <a:latin typeface="배달의민족 주아" panose="02020603020101020101" pitchFamily="18" charset="-127"/>
+              <a:ea typeface="배달의민족 주아" panose="02020603020101020101" pitchFamily="18" charset="-127"/>
+            </a:endParaRPr>
+          </a:p>
+        </p:txBody>
+      </p:sp>
+    </p:spTree>
+    <p:extLst>
+      <p:ext uri="{BB962C8B-B14F-4D97-AF65-F5344CB8AC3E}">
+        <p14:creationId xmlns:p14="http://schemas.microsoft.com/office/powerpoint/2010/main" val="295223948"/>
+      </p:ext>
+    </p:extLst>
+  </p:cSld>
+  <p:clrMapOvr>
+    <a:masterClrMapping/>
+  </p:clrMapOvr>
+</p:sld>
+</file>
+
+<file path=ppt/slides/slide9.xml><?xml version="1.0" encoding="utf-8"?>
+<p:sld xmlns:a="http://schemas.openxmlformats.org/drawingml/2006/main" xmlns:r="http://schemas.openxmlformats.org/officeDocument/2006/relationships" xmlns:p="http://schemas.openxmlformats.org/presentationml/2006/main">
+  <p:cSld>
+    <p:spTree>
+      <p:nvGrpSpPr>
+        <p:cNvPr id="1" name=""/>
+        <p:cNvGrpSpPr/>
+        <p:nvPr/>
+      </p:nvGrpSpPr>
+      <p:grpSpPr>
+        <a:xfrm>
+          <a:off x="0" y="0"/>
+          <a:ext cx="0" cy="0"/>
+          <a:chOff x="0" y="0"/>
+          <a:chExt cx="0" cy="0"/>
+        </a:xfrm>
+      </p:grpSpPr>
+      <p:sp>
+        <p:nvSpPr>
+          <p:cNvPr id="8" name="직사각형 7">
+            <a:extLst>
+              <a:ext uri="{FF2B5EF4-FFF2-40B4-BE49-F238E27FC236}">
+                <a16:creationId xmlns:a16="http://schemas.microsoft.com/office/drawing/2014/main" id="{DFBEAA6E-A32F-42F3-A86F-FB0C5B8608AB}"/>
+              </a:ext>
+            </a:extLst>
+          </p:cNvPr>
+          <p:cNvSpPr/>
+          <p:nvPr/>
+        </p:nvSpPr>
+        <p:spPr>
+          <a:xfrm>
+            <a:off x="0" y="339365"/>
+            <a:ext cx="3619893" cy="1221117"/>
+          </a:xfrm>
+          <a:prstGeom prst="rect">
+            <a:avLst/>
+          </a:prstGeom>
+          <a:solidFill>
+            <a:schemeClr val="tx1"/>
+          </a:solidFill>
+          <a:ln>
+            <a:solidFill>
+              <a:schemeClr val="tx1"/>
+            </a:solidFill>
+          </a:ln>
+        </p:spPr>
+        <p:style>
+          <a:lnRef idx="2">
+            <a:schemeClr val="accent1">
+              <a:shade val="50000"/>
+            </a:schemeClr>
+          </a:lnRef>
+          <a:fillRef idx="1">
+            <a:schemeClr val="accent1"/>
+          </a:fillRef>
+          <a:effectRef idx="0">
+            <a:schemeClr val="accent1"/>
+          </a:effectRef>
+          <a:fontRef idx="minor">
+            <a:schemeClr val="lt1"/>
+          </a:fontRef>
+        </p:style>
+        <p:txBody>
+          <a:bodyPr rtlCol="0" anchor="ctr"/>
+          <a:lstStyle/>
+          <a:p>
+            <a:pPr algn="ctr"/>
+            <a:r>
+              <a:rPr lang="en-US" altLang="ko-KR" sz="3600" dirty="0" err="1">
+                <a:latin typeface="배달의민족 주아" panose="02020603020101020101" pitchFamily="18" charset="-127"/>
+                <a:ea typeface="배달의민족 주아" panose="02020603020101020101" pitchFamily="18" charset="-127"/>
+              </a:rPr>
+              <a:t>SocketAsync</a:t>
+            </a:r>
+            <a:endParaRPr lang="en-US" altLang="ko-KR" sz="3600" dirty="0">
+              <a:latin typeface="배달의민족 주아" panose="02020603020101020101" pitchFamily="18" charset="-127"/>
+              <a:ea typeface="배달의민족 주아" panose="02020603020101020101" pitchFamily="18" charset="-127"/>
+            </a:endParaRPr>
+          </a:p>
+          <a:p>
+            <a:pPr algn="ctr"/>
+            <a:r>
+              <a:rPr lang="en-US" altLang="ko-KR" sz="3600" dirty="0" err="1">
+                <a:latin typeface="배달의민족 주아" panose="02020603020101020101" pitchFamily="18" charset="-127"/>
+                <a:ea typeface="배달의민족 주아" panose="02020603020101020101" pitchFamily="18" charset="-127"/>
+              </a:rPr>
+              <a:t>EventArgs</a:t>
+            </a:r>
+            <a:endParaRPr lang="ko-KR" altLang="en-US" sz="3600" dirty="0">
+              <a:solidFill>
+                <a:schemeClr val="bg1"/>
+              </a:solidFill>
+              <a:latin typeface="태나다체 " panose="02000000000000000000" pitchFamily="2" charset="-127"/>
+              <a:ea typeface="태나다체 " panose="02000000000000000000" pitchFamily="2" charset="-127"/>
+            </a:endParaRPr>
+          </a:p>
+        </p:txBody>
+      </p:sp>
+      <p:sp>
+        <p:nvSpPr>
+          <p:cNvPr id="5" name="직사각형 4">
+            <a:extLst>
+              <a:ext uri="{FF2B5EF4-FFF2-40B4-BE49-F238E27FC236}">
+                <a16:creationId xmlns:a16="http://schemas.microsoft.com/office/drawing/2014/main" id="{B3A33D42-AC91-4E0F-9DAD-49A774EF43D5}"/>
+              </a:ext>
+            </a:extLst>
+          </p:cNvPr>
+          <p:cNvSpPr/>
+          <p:nvPr/>
+        </p:nvSpPr>
+        <p:spPr>
+          <a:xfrm>
+            <a:off x="664980" y="2679271"/>
+            <a:ext cx="7759625" cy="923330"/>
+          </a:xfrm>
+          <a:prstGeom prst="rect">
+            <a:avLst/>
+          </a:prstGeom>
+        </p:spPr>
+        <p:txBody>
+          <a:bodyPr wrap="none">
+            <a:spAutoFit/>
+          </a:bodyPr>
+          <a:lstStyle/>
+          <a:p>
+            <a:r>
+              <a:rPr lang="en-US" altLang="ko-KR" sz="5400" dirty="0">
+                <a:latin typeface="배달의민족 주아" panose="02020603020101020101" pitchFamily="18" charset="-127"/>
+                <a:ea typeface="배달의민족 주아" panose="02020603020101020101" pitchFamily="18" charset="-127"/>
+              </a:rPr>
+              <a:t>“</a:t>
+            </a:r>
+            <a:r>
+              <a:rPr lang="en-US" altLang="ko-KR" sz="5400" dirty="0" err="1">
+                <a:latin typeface="배달의민족 주아" panose="02020603020101020101" pitchFamily="18" charset="-127"/>
+                <a:ea typeface="배달의민족 주아" panose="02020603020101020101" pitchFamily="18" charset="-127"/>
+              </a:rPr>
+              <a:t>SocketAsyncEventArgs</a:t>
+            </a:r>
+            <a:r>
+              <a:rPr lang="en-US" altLang="ko-KR" sz="5400" dirty="0">
+                <a:latin typeface="배달의민족 주아" panose="02020603020101020101" pitchFamily="18" charset="-127"/>
+                <a:ea typeface="배달의민족 주아" panose="02020603020101020101" pitchFamily="18" charset="-127"/>
+              </a:rPr>
+              <a:t>”</a:t>
+            </a:r>
+            <a:endParaRPr lang="ko-KR" altLang="en-US" sz="5400" dirty="0">
+              <a:latin typeface="배달의민족 주아" panose="02020603020101020101" pitchFamily="18" charset="-127"/>
+              <a:ea typeface="배달의민족 주아" panose="02020603020101020101" pitchFamily="18" charset="-127"/>
+            </a:endParaRPr>
+          </a:p>
+        </p:txBody>
+      </p:sp>
+      <p:sp>
+        <p:nvSpPr>
+          <p:cNvPr id="9" name="직사각형 8">
+            <a:extLst>
+              <a:ext uri="{FF2B5EF4-FFF2-40B4-BE49-F238E27FC236}">
+                <a16:creationId xmlns:a16="http://schemas.microsoft.com/office/drawing/2014/main" id="{CC7A51EA-3811-4DF2-9CC2-04C40C76DEC8}"/>
+              </a:ext>
+            </a:extLst>
+          </p:cNvPr>
+          <p:cNvSpPr/>
+          <p:nvPr/>
+        </p:nvSpPr>
+        <p:spPr>
+          <a:xfrm>
+            <a:off x="8041064" y="3429000"/>
+            <a:ext cx="3485956" cy="3154710"/>
+          </a:xfrm>
+          <a:prstGeom prst="rect">
+            <a:avLst/>
+          </a:prstGeom>
+        </p:spPr>
+        <p:txBody>
+          <a:bodyPr wrap="square">
+            <a:spAutoFit/>
+          </a:bodyPr>
+          <a:lstStyle/>
+          <a:p>
+            <a:r>
+              <a:rPr lang="ko-KR" altLang="en-US" sz="19900" dirty="0">
+                <a:latin typeface="+mj-lt"/>
+                <a:ea typeface="배달의민족 주아" panose="02020603020101020101" pitchFamily="18" charset="-127"/>
+              </a:rPr>
+              <a:t>🤔</a:t>
+            </a:r>
+          </a:p>
+        </p:txBody>
+      </p:sp>
+    </p:spTree>
+    <p:extLst>
+      <p:ext uri="{BB962C8B-B14F-4D97-AF65-F5344CB8AC3E}">
+        <p14:creationId xmlns:p14="http://schemas.microsoft.com/office/powerpoint/2010/main" val="3730206499"/>
       </p:ext>
     </p:extLst>
   </p:cSld>

--- a/ServerLecture/PT/5강 비동기 소켓 프로그래밍.pptx
+++ b/ServerLecture/PT/5강 비동기 소켓 프로그래밍.pptx
@@ -5,7 +5,7 @@
     <p:sldMasterId id="2147483648" r:id="rId1"/>
   </p:sldMasterIdLst>
   <p:notesMasterIdLst>
-    <p:notesMasterId r:id="rId35"/>
+    <p:notesMasterId r:id="rId51"/>
   </p:notesMasterIdLst>
   <p:sldIdLst>
     <p:sldId id="257" r:id="rId2"/>
@@ -19,28 +19,44 @@
     <p:sldId id="314" r:id="rId10"/>
     <p:sldId id="315" r:id="rId11"/>
     <p:sldId id="316" r:id="rId12"/>
-    <p:sldId id="317" r:id="rId13"/>
-    <p:sldId id="318" r:id="rId14"/>
-    <p:sldId id="319" r:id="rId15"/>
-    <p:sldId id="320" r:id="rId16"/>
-    <p:sldId id="321" r:id="rId17"/>
-    <p:sldId id="322" r:id="rId18"/>
-    <p:sldId id="323" r:id="rId19"/>
-    <p:sldId id="324" r:id="rId20"/>
-    <p:sldId id="325" r:id="rId21"/>
-    <p:sldId id="326" r:id="rId22"/>
-    <p:sldId id="327" r:id="rId23"/>
-    <p:sldId id="328" r:id="rId24"/>
-    <p:sldId id="329" r:id="rId25"/>
-    <p:sldId id="330" r:id="rId26"/>
-    <p:sldId id="331" r:id="rId27"/>
-    <p:sldId id="332" r:id="rId28"/>
-    <p:sldId id="333" r:id="rId29"/>
-    <p:sldId id="334" r:id="rId30"/>
-    <p:sldId id="335" r:id="rId31"/>
-    <p:sldId id="336" r:id="rId32"/>
-    <p:sldId id="337" r:id="rId33"/>
-    <p:sldId id="305" r:id="rId34"/>
+    <p:sldId id="348" r:id="rId13"/>
+    <p:sldId id="345" r:id="rId14"/>
+    <p:sldId id="347" r:id="rId15"/>
+    <p:sldId id="346" r:id="rId16"/>
+    <p:sldId id="350" r:id="rId17"/>
+    <p:sldId id="351" r:id="rId18"/>
+    <p:sldId id="352" r:id="rId19"/>
+    <p:sldId id="353" r:id="rId20"/>
+    <p:sldId id="354" r:id="rId21"/>
+    <p:sldId id="317" r:id="rId22"/>
+    <p:sldId id="318" r:id="rId23"/>
+    <p:sldId id="319" r:id="rId24"/>
+    <p:sldId id="320" r:id="rId25"/>
+    <p:sldId id="321" r:id="rId26"/>
+    <p:sldId id="322" r:id="rId27"/>
+    <p:sldId id="323" r:id="rId28"/>
+    <p:sldId id="324" r:id="rId29"/>
+    <p:sldId id="325" r:id="rId30"/>
+    <p:sldId id="326" r:id="rId31"/>
+    <p:sldId id="327" r:id="rId32"/>
+    <p:sldId id="328" r:id="rId33"/>
+    <p:sldId id="329" r:id="rId34"/>
+    <p:sldId id="330" r:id="rId35"/>
+    <p:sldId id="331" r:id="rId36"/>
+    <p:sldId id="332" r:id="rId37"/>
+    <p:sldId id="333" r:id="rId38"/>
+    <p:sldId id="334" r:id="rId39"/>
+    <p:sldId id="335" r:id="rId40"/>
+    <p:sldId id="336" r:id="rId41"/>
+    <p:sldId id="337" r:id="rId42"/>
+    <p:sldId id="338" r:id="rId43"/>
+    <p:sldId id="339" r:id="rId44"/>
+    <p:sldId id="340" r:id="rId45"/>
+    <p:sldId id="341" r:id="rId46"/>
+    <p:sldId id="342" r:id="rId47"/>
+    <p:sldId id="343" r:id="rId48"/>
+    <p:sldId id="344" r:id="rId49"/>
+    <p:sldId id="305" r:id="rId50"/>
   </p:sldIdLst>
   <p:sldSz cx="12192000" cy="6858000"/>
   <p:notesSz cx="6858000" cy="9144000"/>
@@ -229,7 +245,7 @@
           <a:p>
             <a:fld id="{C59D1008-A497-4655-820B-B486E3042A4D}" type="datetimeFigureOut">
               <a:rPr lang="ko-KR" altLang="en-US" smtClean="0"/>
-              <a:t>2023-09-03</a:t>
+              <a:t>2023-09-05</a:t>
             </a:fld>
             <a:endParaRPr lang="ko-KR" altLang="en-US"/>
           </a:p>
@@ -654,7 +670,7 @@
     </p:spTree>
     <p:extLst>
       <p:ext uri="{BB962C8B-B14F-4D97-AF65-F5344CB8AC3E}">
-        <p14:creationId xmlns:p14="http://schemas.microsoft.com/office/powerpoint/2010/main" val="2006734274"/>
+        <p14:creationId xmlns:p14="http://schemas.microsoft.com/office/powerpoint/2010/main" val="706394452"/>
       </p:ext>
     </p:extLst>
   </p:cSld>
@@ -729,7 +745,7 @@
           <a:p>
             <a:fld id="{D8DCC404-E41A-4BC0-921C-BBFB3AB1AB4E}" type="slidenum">
               <a:rPr lang="ko-KR" altLang="en-US" smtClean="0"/>
-              <a:t>15</a:t>
+              <a:t>14</a:t>
             </a:fld>
             <a:endParaRPr lang="ko-KR" altLang="en-US"/>
           </a:p>
@@ -738,7 +754,7 @@
     </p:spTree>
     <p:extLst>
       <p:ext uri="{BB962C8B-B14F-4D97-AF65-F5344CB8AC3E}">
-        <p14:creationId xmlns:p14="http://schemas.microsoft.com/office/powerpoint/2010/main" val="2843978341"/>
+        <p14:creationId xmlns:p14="http://schemas.microsoft.com/office/powerpoint/2010/main" val="935684375"/>
       </p:ext>
     </p:extLst>
   </p:cSld>
@@ -813,7 +829,7 @@
           <a:p>
             <a:fld id="{D8DCC404-E41A-4BC0-921C-BBFB3AB1AB4E}" type="slidenum">
               <a:rPr lang="ko-KR" altLang="en-US" smtClean="0"/>
-              <a:t>16</a:t>
+              <a:t>15</a:t>
             </a:fld>
             <a:endParaRPr lang="ko-KR" altLang="en-US"/>
           </a:p>
@@ -822,7 +838,7 @@
     </p:spTree>
     <p:extLst>
       <p:ext uri="{BB962C8B-B14F-4D97-AF65-F5344CB8AC3E}">
-        <p14:creationId xmlns:p14="http://schemas.microsoft.com/office/powerpoint/2010/main" val="3307601014"/>
+        <p14:creationId xmlns:p14="http://schemas.microsoft.com/office/powerpoint/2010/main" val="4252713603"/>
       </p:ext>
     </p:extLst>
   </p:cSld>
@@ -897,7 +913,7 @@
           <a:p>
             <a:fld id="{D8DCC404-E41A-4BC0-921C-BBFB3AB1AB4E}" type="slidenum">
               <a:rPr lang="ko-KR" altLang="en-US" smtClean="0"/>
-              <a:t>17</a:t>
+              <a:t>16</a:t>
             </a:fld>
             <a:endParaRPr lang="ko-KR" altLang="en-US"/>
           </a:p>
@@ -906,7 +922,7 @@
     </p:spTree>
     <p:extLst>
       <p:ext uri="{BB962C8B-B14F-4D97-AF65-F5344CB8AC3E}">
-        <p14:creationId xmlns:p14="http://schemas.microsoft.com/office/powerpoint/2010/main" val="77762205"/>
+        <p14:creationId xmlns:p14="http://schemas.microsoft.com/office/powerpoint/2010/main" val="3235534835"/>
       </p:ext>
     </p:extLst>
   </p:cSld>
@@ -981,7 +997,7 @@
           <a:p>
             <a:fld id="{D8DCC404-E41A-4BC0-921C-BBFB3AB1AB4E}" type="slidenum">
               <a:rPr lang="ko-KR" altLang="en-US" smtClean="0"/>
-              <a:t>18</a:t>
+              <a:t>17</a:t>
             </a:fld>
             <a:endParaRPr lang="ko-KR" altLang="en-US"/>
           </a:p>
@@ -990,7 +1006,7 @@
     </p:spTree>
     <p:extLst>
       <p:ext uri="{BB962C8B-B14F-4D97-AF65-F5344CB8AC3E}">
-        <p14:creationId xmlns:p14="http://schemas.microsoft.com/office/powerpoint/2010/main" val="4185400679"/>
+        <p14:creationId xmlns:p14="http://schemas.microsoft.com/office/powerpoint/2010/main" val="2435534282"/>
       </p:ext>
     </p:extLst>
   </p:cSld>
@@ -1065,7 +1081,7 @@
           <a:p>
             <a:fld id="{D8DCC404-E41A-4BC0-921C-BBFB3AB1AB4E}" type="slidenum">
               <a:rPr lang="ko-KR" altLang="en-US" smtClean="0"/>
-              <a:t>19</a:t>
+              <a:t>18</a:t>
             </a:fld>
             <a:endParaRPr lang="ko-KR" altLang="en-US"/>
           </a:p>
@@ -1074,7 +1090,7 @@
     </p:spTree>
     <p:extLst>
       <p:ext uri="{BB962C8B-B14F-4D97-AF65-F5344CB8AC3E}">
-        <p14:creationId xmlns:p14="http://schemas.microsoft.com/office/powerpoint/2010/main" val="1739449650"/>
+        <p14:creationId xmlns:p14="http://schemas.microsoft.com/office/powerpoint/2010/main" val="1197389648"/>
       </p:ext>
     </p:extLst>
   </p:cSld>
@@ -1149,7 +1165,7 @@
           <a:p>
             <a:fld id="{D8DCC404-E41A-4BC0-921C-BBFB3AB1AB4E}" type="slidenum">
               <a:rPr lang="ko-KR" altLang="en-US" smtClean="0"/>
-              <a:t>20</a:t>
+              <a:t>19</a:t>
             </a:fld>
             <a:endParaRPr lang="ko-KR" altLang="en-US"/>
           </a:p>
@@ -1158,7 +1174,7 @@
     </p:spTree>
     <p:extLst>
       <p:ext uri="{BB962C8B-B14F-4D97-AF65-F5344CB8AC3E}">
-        <p14:creationId xmlns:p14="http://schemas.microsoft.com/office/powerpoint/2010/main" val="2196682306"/>
+        <p14:creationId xmlns:p14="http://schemas.microsoft.com/office/powerpoint/2010/main" val="2085125059"/>
       </p:ext>
     </p:extLst>
   </p:cSld>
@@ -1233,7 +1249,7 @@
           <a:p>
             <a:fld id="{D8DCC404-E41A-4BC0-921C-BBFB3AB1AB4E}" type="slidenum">
               <a:rPr lang="ko-KR" altLang="en-US" smtClean="0"/>
-              <a:t>21</a:t>
+              <a:t>20</a:t>
             </a:fld>
             <a:endParaRPr lang="ko-KR" altLang="en-US"/>
           </a:p>
@@ -1242,7 +1258,7 @@
     </p:spTree>
     <p:extLst>
       <p:ext uri="{BB962C8B-B14F-4D97-AF65-F5344CB8AC3E}">
-        <p14:creationId xmlns:p14="http://schemas.microsoft.com/office/powerpoint/2010/main" val="95529424"/>
+        <p14:creationId xmlns:p14="http://schemas.microsoft.com/office/powerpoint/2010/main" val="1814472865"/>
       </p:ext>
     </p:extLst>
   </p:cSld>
@@ -1326,7 +1342,7 @@
     </p:spTree>
     <p:extLst>
       <p:ext uri="{BB962C8B-B14F-4D97-AF65-F5344CB8AC3E}">
-        <p14:creationId xmlns:p14="http://schemas.microsoft.com/office/powerpoint/2010/main" val="1939258347"/>
+        <p14:creationId xmlns:p14="http://schemas.microsoft.com/office/powerpoint/2010/main" val="2006734274"/>
       </p:ext>
     </p:extLst>
   </p:cSld>
@@ -1401,7 +1417,7 @@
           <a:p>
             <a:fld id="{D8DCC404-E41A-4BC0-921C-BBFB3AB1AB4E}" type="slidenum">
               <a:rPr lang="ko-KR" altLang="en-US" smtClean="0"/>
-              <a:t>23</a:t>
+              <a:t>24</a:t>
             </a:fld>
             <a:endParaRPr lang="ko-KR" altLang="en-US"/>
           </a:p>
@@ -1410,7 +1426,7 @@
     </p:spTree>
     <p:extLst>
       <p:ext uri="{BB962C8B-B14F-4D97-AF65-F5344CB8AC3E}">
-        <p14:creationId xmlns:p14="http://schemas.microsoft.com/office/powerpoint/2010/main" val="3022285165"/>
+        <p14:creationId xmlns:p14="http://schemas.microsoft.com/office/powerpoint/2010/main" val="2843978341"/>
       </p:ext>
     </p:extLst>
   </p:cSld>
@@ -1578,7 +1594,7 @@
     </p:spTree>
     <p:extLst>
       <p:ext uri="{BB962C8B-B14F-4D97-AF65-F5344CB8AC3E}">
-        <p14:creationId xmlns:p14="http://schemas.microsoft.com/office/powerpoint/2010/main" val="2163555530"/>
+        <p14:creationId xmlns:p14="http://schemas.microsoft.com/office/powerpoint/2010/main" val="3307601014"/>
       </p:ext>
     </p:extLst>
   </p:cSld>
@@ -1662,7 +1678,7 @@
     </p:spTree>
     <p:extLst>
       <p:ext uri="{BB962C8B-B14F-4D97-AF65-F5344CB8AC3E}">
-        <p14:creationId xmlns:p14="http://schemas.microsoft.com/office/powerpoint/2010/main" val="3255245261"/>
+        <p14:creationId xmlns:p14="http://schemas.microsoft.com/office/powerpoint/2010/main" val="77762205"/>
       </p:ext>
     </p:extLst>
   </p:cSld>
@@ -1746,7 +1762,7 @@
     </p:spTree>
     <p:extLst>
       <p:ext uri="{BB962C8B-B14F-4D97-AF65-F5344CB8AC3E}">
-        <p14:creationId xmlns:p14="http://schemas.microsoft.com/office/powerpoint/2010/main" val="1213512197"/>
+        <p14:creationId xmlns:p14="http://schemas.microsoft.com/office/powerpoint/2010/main" val="4185400679"/>
       </p:ext>
     </p:extLst>
   </p:cSld>
@@ -1830,7 +1846,7 @@
     </p:spTree>
     <p:extLst>
       <p:ext uri="{BB962C8B-B14F-4D97-AF65-F5344CB8AC3E}">
-        <p14:creationId xmlns:p14="http://schemas.microsoft.com/office/powerpoint/2010/main" val="2067675679"/>
+        <p14:creationId xmlns:p14="http://schemas.microsoft.com/office/powerpoint/2010/main" val="1739449650"/>
       </p:ext>
     </p:extLst>
   </p:cSld>
@@ -1914,7 +1930,7 @@
     </p:spTree>
     <p:extLst>
       <p:ext uri="{BB962C8B-B14F-4D97-AF65-F5344CB8AC3E}">
-        <p14:creationId xmlns:p14="http://schemas.microsoft.com/office/powerpoint/2010/main" val="2373874942"/>
+        <p14:creationId xmlns:p14="http://schemas.microsoft.com/office/powerpoint/2010/main" val="2196682306"/>
       </p:ext>
     </p:extLst>
   </p:cSld>
@@ -1998,7 +2014,7 @@
     </p:spTree>
     <p:extLst>
       <p:ext uri="{BB962C8B-B14F-4D97-AF65-F5344CB8AC3E}">
-        <p14:creationId xmlns:p14="http://schemas.microsoft.com/office/powerpoint/2010/main" val="4050413793"/>
+        <p14:creationId xmlns:p14="http://schemas.microsoft.com/office/powerpoint/2010/main" val="95529424"/>
       </p:ext>
     </p:extLst>
   </p:cSld>
@@ -2082,7 +2098,7 @@
     </p:spTree>
     <p:extLst>
       <p:ext uri="{BB962C8B-B14F-4D97-AF65-F5344CB8AC3E}">
-        <p14:creationId xmlns:p14="http://schemas.microsoft.com/office/powerpoint/2010/main" val="2289335088"/>
+        <p14:creationId xmlns:p14="http://schemas.microsoft.com/office/powerpoint/2010/main" val="1939258347"/>
       </p:ext>
     </p:extLst>
   </p:cSld>
@@ -2166,7 +2182,7 @@
     </p:spTree>
     <p:extLst>
       <p:ext uri="{BB962C8B-B14F-4D97-AF65-F5344CB8AC3E}">
-        <p14:creationId xmlns:p14="http://schemas.microsoft.com/office/powerpoint/2010/main" val="1300993731"/>
+        <p14:creationId xmlns:p14="http://schemas.microsoft.com/office/powerpoint/2010/main" val="3022285165"/>
       </p:ext>
     </p:extLst>
   </p:cSld>
@@ -2241,7 +2257,7 @@
           <a:p>
             <a:fld id="{D8DCC404-E41A-4BC0-921C-BBFB3AB1AB4E}" type="slidenum">
               <a:rPr lang="ko-KR" altLang="en-US" smtClean="0"/>
-              <a:t>33</a:t>
+              <a:t>34</a:t>
             </a:fld>
             <a:endParaRPr lang="ko-KR" altLang="en-US"/>
           </a:p>
@@ -2250,7 +2266,91 @@
     </p:spTree>
     <p:extLst>
       <p:ext uri="{BB962C8B-B14F-4D97-AF65-F5344CB8AC3E}">
-        <p14:creationId xmlns:p14="http://schemas.microsoft.com/office/powerpoint/2010/main" val="260172559"/>
+        <p14:creationId xmlns:p14="http://schemas.microsoft.com/office/powerpoint/2010/main" val="2163555530"/>
+      </p:ext>
+    </p:extLst>
+  </p:cSld>
+  <p:clrMapOvr>
+    <a:masterClrMapping/>
+  </p:clrMapOvr>
+</p:notes>
+</file>
+
+<file path=ppt/notesSlides/notesSlide29.xml><?xml version="1.0" encoding="utf-8"?>
+<p:notes xmlns:a="http://schemas.openxmlformats.org/drawingml/2006/main" xmlns:r="http://schemas.openxmlformats.org/officeDocument/2006/relationships" xmlns:p="http://schemas.openxmlformats.org/presentationml/2006/main">
+  <p:cSld>
+    <p:spTree>
+      <p:nvGrpSpPr>
+        <p:cNvPr id="1" name=""/>
+        <p:cNvGrpSpPr/>
+        <p:nvPr/>
+      </p:nvGrpSpPr>
+      <p:grpSpPr>
+        <a:xfrm>
+          <a:off x="0" y="0"/>
+          <a:ext cx="0" cy="0"/>
+          <a:chOff x="0" y="0"/>
+          <a:chExt cx="0" cy="0"/>
+        </a:xfrm>
+      </p:grpSpPr>
+      <p:sp>
+        <p:nvSpPr>
+          <p:cNvPr id="2" name="슬라이드 이미지 개체 틀 1"/>
+          <p:cNvSpPr>
+            <a:spLocks noGrp="1" noRot="1" noChangeAspect="1"/>
+          </p:cNvSpPr>
+          <p:nvPr>
+            <p:ph type="sldImg"/>
+          </p:nvPr>
+        </p:nvSpPr>
+        <p:spPr/>
+      </p:sp>
+      <p:sp>
+        <p:nvSpPr>
+          <p:cNvPr id="3" name="슬라이드 노트 개체 틀 2"/>
+          <p:cNvSpPr>
+            <a:spLocks noGrp="1"/>
+          </p:cNvSpPr>
+          <p:nvPr>
+            <p:ph type="body" idx="1"/>
+          </p:nvPr>
+        </p:nvSpPr>
+        <p:spPr/>
+        <p:txBody>
+          <a:bodyPr/>
+          <a:lstStyle/>
+          <a:p>
+            <a:endParaRPr lang="ko-KR" altLang="en-US" dirty="0"/>
+          </a:p>
+        </p:txBody>
+      </p:sp>
+      <p:sp>
+        <p:nvSpPr>
+          <p:cNvPr id="4" name="슬라이드 번호 개체 틀 3"/>
+          <p:cNvSpPr>
+            <a:spLocks noGrp="1"/>
+          </p:cNvSpPr>
+          <p:nvPr>
+            <p:ph type="sldNum" sz="quarter" idx="5"/>
+          </p:nvPr>
+        </p:nvSpPr>
+        <p:spPr/>
+        <p:txBody>
+          <a:bodyPr/>
+          <a:lstStyle/>
+          <a:p>
+            <a:fld id="{D8DCC404-E41A-4BC0-921C-BBFB3AB1AB4E}" type="slidenum">
+              <a:rPr lang="ko-KR" altLang="en-US" smtClean="0"/>
+              <a:t>35</a:t>
+            </a:fld>
+            <a:endParaRPr lang="ko-KR" altLang="en-US"/>
+          </a:p>
+        </p:txBody>
+      </p:sp>
+    </p:spTree>
+    <p:extLst>
+      <p:ext uri="{BB962C8B-B14F-4D97-AF65-F5344CB8AC3E}">
+        <p14:creationId xmlns:p14="http://schemas.microsoft.com/office/powerpoint/2010/main" val="3255245261"/>
       </p:ext>
     </p:extLst>
   </p:cSld>
@@ -2344,6 +2444,846 @@
 </p:notes>
 </file>
 
+<file path=ppt/notesSlides/notesSlide30.xml><?xml version="1.0" encoding="utf-8"?>
+<p:notes xmlns:a="http://schemas.openxmlformats.org/drawingml/2006/main" xmlns:r="http://schemas.openxmlformats.org/officeDocument/2006/relationships" xmlns:p="http://schemas.openxmlformats.org/presentationml/2006/main">
+  <p:cSld>
+    <p:spTree>
+      <p:nvGrpSpPr>
+        <p:cNvPr id="1" name=""/>
+        <p:cNvGrpSpPr/>
+        <p:nvPr/>
+      </p:nvGrpSpPr>
+      <p:grpSpPr>
+        <a:xfrm>
+          <a:off x="0" y="0"/>
+          <a:ext cx="0" cy="0"/>
+          <a:chOff x="0" y="0"/>
+          <a:chExt cx="0" cy="0"/>
+        </a:xfrm>
+      </p:grpSpPr>
+      <p:sp>
+        <p:nvSpPr>
+          <p:cNvPr id="2" name="슬라이드 이미지 개체 틀 1"/>
+          <p:cNvSpPr>
+            <a:spLocks noGrp="1" noRot="1" noChangeAspect="1"/>
+          </p:cNvSpPr>
+          <p:nvPr>
+            <p:ph type="sldImg"/>
+          </p:nvPr>
+        </p:nvSpPr>
+        <p:spPr/>
+      </p:sp>
+      <p:sp>
+        <p:nvSpPr>
+          <p:cNvPr id="3" name="슬라이드 노트 개체 틀 2"/>
+          <p:cNvSpPr>
+            <a:spLocks noGrp="1"/>
+          </p:cNvSpPr>
+          <p:nvPr>
+            <p:ph type="body" idx="1"/>
+          </p:nvPr>
+        </p:nvSpPr>
+        <p:spPr/>
+        <p:txBody>
+          <a:bodyPr/>
+          <a:lstStyle/>
+          <a:p>
+            <a:endParaRPr lang="ko-KR" altLang="en-US" dirty="0"/>
+          </a:p>
+        </p:txBody>
+      </p:sp>
+      <p:sp>
+        <p:nvSpPr>
+          <p:cNvPr id="4" name="슬라이드 번호 개체 틀 3"/>
+          <p:cNvSpPr>
+            <a:spLocks noGrp="1"/>
+          </p:cNvSpPr>
+          <p:nvPr>
+            <p:ph type="sldNum" sz="quarter" idx="5"/>
+          </p:nvPr>
+        </p:nvSpPr>
+        <p:spPr/>
+        <p:txBody>
+          <a:bodyPr/>
+          <a:lstStyle/>
+          <a:p>
+            <a:fld id="{D8DCC404-E41A-4BC0-921C-BBFB3AB1AB4E}" type="slidenum">
+              <a:rPr lang="ko-KR" altLang="en-US" smtClean="0"/>
+              <a:t>36</a:t>
+            </a:fld>
+            <a:endParaRPr lang="ko-KR" altLang="en-US"/>
+          </a:p>
+        </p:txBody>
+      </p:sp>
+    </p:spTree>
+    <p:extLst>
+      <p:ext uri="{BB962C8B-B14F-4D97-AF65-F5344CB8AC3E}">
+        <p14:creationId xmlns:p14="http://schemas.microsoft.com/office/powerpoint/2010/main" val="1213512197"/>
+      </p:ext>
+    </p:extLst>
+  </p:cSld>
+  <p:clrMapOvr>
+    <a:masterClrMapping/>
+  </p:clrMapOvr>
+</p:notes>
+</file>
+
+<file path=ppt/notesSlides/notesSlide31.xml><?xml version="1.0" encoding="utf-8"?>
+<p:notes xmlns:a="http://schemas.openxmlformats.org/drawingml/2006/main" xmlns:r="http://schemas.openxmlformats.org/officeDocument/2006/relationships" xmlns:p="http://schemas.openxmlformats.org/presentationml/2006/main">
+  <p:cSld>
+    <p:spTree>
+      <p:nvGrpSpPr>
+        <p:cNvPr id="1" name=""/>
+        <p:cNvGrpSpPr/>
+        <p:nvPr/>
+      </p:nvGrpSpPr>
+      <p:grpSpPr>
+        <a:xfrm>
+          <a:off x="0" y="0"/>
+          <a:ext cx="0" cy="0"/>
+          <a:chOff x="0" y="0"/>
+          <a:chExt cx="0" cy="0"/>
+        </a:xfrm>
+      </p:grpSpPr>
+      <p:sp>
+        <p:nvSpPr>
+          <p:cNvPr id="2" name="슬라이드 이미지 개체 틀 1"/>
+          <p:cNvSpPr>
+            <a:spLocks noGrp="1" noRot="1" noChangeAspect="1"/>
+          </p:cNvSpPr>
+          <p:nvPr>
+            <p:ph type="sldImg"/>
+          </p:nvPr>
+        </p:nvSpPr>
+        <p:spPr/>
+      </p:sp>
+      <p:sp>
+        <p:nvSpPr>
+          <p:cNvPr id="3" name="슬라이드 노트 개체 틀 2"/>
+          <p:cNvSpPr>
+            <a:spLocks noGrp="1"/>
+          </p:cNvSpPr>
+          <p:nvPr>
+            <p:ph type="body" idx="1"/>
+          </p:nvPr>
+        </p:nvSpPr>
+        <p:spPr/>
+        <p:txBody>
+          <a:bodyPr/>
+          <a:lstStyle/>
+          <a:p>
+            <a:endParaRPr lang="ko-KR" altLang="en-US" dirty="0"/>
+          </a:p>
+        </p:txBody>
+      </p:sp>
+      <p:sp>
+        <p:nvSpPr>
+          <p:cNvPr id="4" name="슬라이드 번호 개체 틀 3"/>
+          <p:cNvSpPr>
+            <a:spLocks noGrp="1"/>
+          </p:cNvSpPr>
+          <p:nvPr>
+            <p:ph type="sldNum" sz="quarter" idx="5"/>
+          </p:nvPr>
+        </p:nvSpPr>
+        <p:spPr/>
+        <p:txBody>
+          <a:bodyPr/>
+          <a:lstStyle/>
+          <a:p>
+            <a:fld id="{D8DCC404-E41A-4BC0-921C-BBFB3AB1AB4E}" type="slidenum">
+              <a:rPr lang="ko-KR" altLang="en-US" smtClean="0"/>
+              <a:t>37</a:t>
+            </a:fld>
+            <a:endParaRPr lang="ko-KR" altLang="en-US"/>
+          </a:p>
+        </p:txBody>
+      </p:sp>
+    </p:spTree>
+    <p:extLst>
+      <p:ext uri="{BB962C8B-B14F-4D97-AF65-F5344CB8AC3E}">
+        <p14:creationId xmlns:p14="http://schemas.microsoft.com/office/powerpoint/2010/main" val="2067675679"/>
+      </p:ext>
+    </p:extLst>
+  </p:cSld>
+  <p:clrMapOvr>
+    <a:masterClrMapping/>
+  </p:clrMapOvr>
+</p:notes>
+</file>
+
+<file path=ppt/notesSlides/notesSlide32.xml><?xml version="1.0" encoding="utf-8"?>
+<p:notes xmlns:a="http://schemas.openxmlformats.org/drawingml/2006/main" xmlns:r="http://schemas.openxmlformats.org/officeDocument/2006/relationships" xmlns:p="http://schemas.openxmlformats.org/presentationml/2006/main">
+  <p:cSld>
+    <p:spTree>
+      <p:nvGrpSpPr>
+        <p:cNvPr id="1" name=""/>
+        <p:cNvGrpSpPr/>
+        <p:nvPr/>
+      </p:nvGrpSpPr>
+      <p:grpSpPr>
+        <a:xfrm>
+          <a:off x="0" y="0"/>
+          <a:ext cx="0" cy="0"/>
+          <a:chOff x="0" y="0"/>
+          <a:chExt cx="0" cy="0"/>
+        </a:xfrm>
+      </p:grpSpPr>
+      <p:sp>
+        <p:nvSpPr>
+          <p:cNvPr id="2" name="슬라이드 이미지 개체 틀 1"/>
+          <p:cNvSpPr>
+            <a:spLocks noGrp="1" noRot="1" noChangeAspect="1"/>
+          </p:cNvSpPr>
+          <p:nvPr>
+            <p:ph type="sldImg"/>
+          </p:nvPr>
+        </p:nvSpPr>
+        <p:spPr/>
+      </p:sp>
+      <p:sp>
+        <p:nvSpPr>
+          <p:cNvPr id="3" name="슬라이드 노트 개체 틀 2"/>
+          <p:cNvSpPr>
+            <a:spLocks noGrp="1"/>
+          </p:cNvSpPr>
+          <p:nvPr>
+            <p:ph type="body" idx="1"/>
+          </p:nvPr>
+        </p:nvSpPr>
+        <p:spPr/>
+        <p:txBody>
+          <a:bodyPr/>
+          <a:lstStyle/>
+          <a:p>
+            <a:endParaRPr lang="ko-KR" altLang="en-US" dirty="0"/>
+          </a:p>
+        </p:txBody>
+      </p:sp>
+      <p:sp>
+        <p:nvSpPr>
+          <p:cNvPr id="4" name="슬라이드 번호 개체 틀 3"/>
+          <p:cNvSpPr>
+            <a:spLocks noGrp="1"/>
+          </p:cNvSpPr>
+          <p:nvPr>
+            <p:ph type="sldNum" sz="quarter" idx="5"/>
+          </p:nvPr>
+        </p:nvSpPr>
+        <p:spPr/>
+        <p:txBody>
+          <a:bodyPr/>
+          <a:lstStyle/>
+          <a:p>
+            <a:fld id="{D8DCC404-E41A-4BC0-921C-BBFB3AB1AB4E}" type="slidenum">
+              <a:rPr lang="ko-KR" altLang="en-US" smtClean="0"/>
+              <a:t>38</a:t>
+            </a:fld>
+            <a:endParaRPr lang="ko-KR" altLang="en-US"/>
+          </a:p>
+        </p:txBody>
+      </p:sp>
+    </p:spTree>
+    <p:extLst>
+      <p:ext uri="{BB962C8B-B14F-4D97-AF65-F5344CB8AC3E}">
+        <p14:creationId xmlns:p14="http://schemas.microsoft.com/office/powerpoint/2010/main" val="2373874942"/>
+      </p:ext>
+    </p:extLst>
+  </p:cSld>
+  <p:clrMapOvr>
+    <a:masterClrMapping/>
+  </p:clrMapOvr>
+</p:notes>
+</file>
+
+<file path=ppt/notesSlides/notesSlide33.xml><?xml version="1.0" encoding="utf-8"?>
+<p:notes xmlns:a="http://schemas.openxmlformats.org/drawingml/2006/main" xmlns:r="http://schemas.openxmlformats.org/officeDocument/2006/relationships" xmlns:p="http://schemas.openxmlformats.org/presentationml/2006/main">
+  <p:cSld>
+    <p:spTree>
+      <p:nvGrpSpPr>
+        <p:cNvPr id="1" name=""/>
+        <p:cNvGrpSpPr/>
+        <p:nvPr/>
+      </p:nvGrpSpPr>
+      <p:grpSpPr>
+        <a:xfrm>
+          <a:off x="0" y="0"/>
+          <a:ext cx="0" cy="0"/>
+          <a:chOff x="0" y="0"/>
+          <a:chExt cx="0" cy="0"/>
+        </a:xfrm>
+      </p:grpSpPr>
+      <p:sp>
+        <p:nvSpPr>
+          <p:cNvPr id="2" name="슬라이드 이미지 개체 틀 1"/>
+          <p:cNvSpPr>
+            <a:spLocks noGrp="1" noRot="1" noChangeAspect="1"/>
+          </p:cNvSpPr>
+          <p:nvPr>
+            <p:ph type="sldImg"/>
+          </p:nvPr>
+        </p:nvSpPr>
+        <p:spPr/>
+      </p:sp>
+      <p:sp>
+        <p:nvSpPr>
+          <p:cNvPr id="3" name="슬라이드 노트 개체 틀 2"/>
+          <p:cNvSpPr>
+            <a:spLocks noGrp="1"/>
+          </p:cNvSpPr>
+          <p:nvPr>
+            <p:ph type="body" idx="1"/>
+          </p:nvPr>
+        </p:nvSpPr>
+        <p:spPr/>
+        <p:txBody>
+          <a:bodyPr/>
+          <a:lstStyle/>
+          <a:p>
+            <a:endParaRPr lang="ko-KR" altLang="en-US" dirty="0"/>
+          </a:p>
+        </p:txBody>
+      </p:sp>
+      <p:sp>
+        <p:nvSpPr>
+          <p:cNvPr id="4" name="슬라이드 번호 개체 틀 3"/>
+          <p:cNvSpPr>
+            <a:spLocks noGrp="1"/>
+          </p:cNvSpPr>
+          <p:nvPr>
+            <p:ph type="sldNum" sz="quarter" idx="5"/>
+          </p:nvPr>
+        </p:nvSpPr>
+        <p:spPr/>
+        <p:txBody>
+          <a:bodyPr/>
+          <a:lstStyle/>
+          <a:p>
+            <a:fld id="{D8DCC404-E41A-4BC0-921C-BBFB3AB1AB4E}" type="slidenum">
+              <a:rPr lang="ko-KR" altLang="en-US" smtClean="0"/>
+              <a:t>39</a:t>
+            </a:fld>
+            <a:endParaRPr lang="ko-KR" altLang="en-US"/>
+          </a:p>
+        </p:txBody>
+      </p:sp>
+    </p:spTree>
+    <p:extLst>
+      <p:ext uri="{BB962C8B-B14F-4D97-AF65-F5344CB8AC3E}">
+        <p14:creationId xmlns:p14="http://schemas.microsoft.com/office/powerpoint/2010/main" val="4050413793"/>
+      </p:ext>
+    </p:extLst>
+  </p:cSld>
+  <p:clrMapOvr>
+    <a:masterClrMapping/>
+  </p:clrMapOvr>
+</p:notes>
+</file>
+
+<file path=ppt/notesSlides/notesSlide34.xml><?xml version="1.0" encoding="utf-8"?>
+<p:notes xmlns:a="http://schemas.openxmlformats.org/drawingml/2006/main" xmlns:r="http://schemas.openxmlformats.org/officeDocument/2006/relationships" xmlns:p="http://schemas.openxmlformats.org/presentationml/2006/main">
+  <p:cSld>
+    <p:spTree>
+      <p:nvGrpSpPr>
+        <p:cNvPr id="1" name=""/>
+        <p:cNvGrpSpPr/>
+        <p:nvPr/>
+      </p:nvGrpSpPr>
+      <p:grpSpPr>
+        <a:xfrm>
+          <a:off x="0" y="0"/>
+          <a:ext cx="0" cy="0"/>
+          <a:chOff x="0" y="0"/>
+          <a:chExt cx="0" cy="0"/>
+        </a:xfrm>
+      </p:grpSpPr>
+      <p:sp>
+        <p:nvSpPr>
+          <p:cNvPr id="2" name="슬라이드 이미지 개체 틀 1"/>
+          <p:cNvSpPr>
+            <a:spLocks noGrp="1" noRot="1" noChangeAspect="1"/>
+          </p:cNvSpPr>
+          <p:nvPr>
+            <p:ph type="sldImg"/>
+          </p:nvPr>
+        </p:nvSpPr>
+        <p:spPr/>
+      </p:sp>
+      <p:sp>
+        <p:nvSpPr>
+          <p:cNvPr id="3" name="슬라이드 노트 개체 틀 2"/>
+          <p:cNvSpPr>
+            <a:spLocks noGrp="1"/>
+          </p:cNvSpPr>
+          <p:nvPr>
+            <p:ph type="body" idx="1"/>
+          </p:nvPr>
+        </p:nvSpPr>
+        <p:spPr/>
+        <p:txBody>
+          <a:bodyPr/>
+          <a:lstStyle/>
+          <a:p>
+            <a:endParaRPr lang="ko-KR" altLang="en-US" dirty="0"/>
+          </a:p>
+        </p:txBody>
+      </p:sp>
+      <p:sp>
+        <p:nvSpPr>
+          <p:cNvPr id="4" name="슬라이드 번호 개체 틀 3"/>
+          <p:cNvSpPr>
+            <a:spLocks noGrp="1"/>
+          </p:cNvSpPr>
+          <p:nvPr>
+            <p:ph type="sldNum" sz="quarter" idx="5"/>
+          </p:nvPr>
+        </p:nvSpPr>
+        <p:spPr/>
+        <p:txBody>
+          <a:bodyPr/>
+          <a:lstStyle/>
+          <a:p>
+            <a:fld id="{D8DCC404-E41A-4BC0-921C-BBFB3AB1AB4E}" type="slidenum">
+              <a:rPr lang="ko-KR" altLang="en-US" smtClean="0"/>
+              <a:t>40</a:t>
+            </a:fld>
+            <a:endParaRPr lang="ko-KR" altLang="en-US"/>
+          </a:p>
+        </p:txBody>
+      </p:sp>
+    </p:spTree>
+    <p:extLst>
+      <p:ext uri="{BB962C8B-B14F-4D97-AF65-F5344CB8AC3E}">
+        <p14:creationId xmlns:p14="http://schemas.microsoft.com/office/powerpoint/2010/main" val="2289335088"/>
+      </p:ext>
+    </p:extLst>
+  </p:cSld>
+  <p:clrMapOvr>
+    <a:masterClrMapping/>
+  </p:clrMapOvr>
+</p:notes>
+</file>
+
+<file path=ppt/notesSlides/notesSlide35.xml><?xml version="1.0" encoding="utf-8"?>
+<p:notes xmlns:a="http://schemas.openxmlformats.org/drawingml/2006/main" xmlns:r="http://schemas.openxmlformats.org/officeDocument/2006/relationships" xmlns:p="http://schemas.openxmlformats.org/presentationml/2006/main">
+  <p:cSld>
+    <p:spTree>
+      <p:nvGrpSpPr>
+        <p:cNvPr id="1" name=""/>
+        <p:cNvGrpSpPr/>
+        <p:nvPr/>
+      </p:nvGrpSpPr>
+      <p:grpSpPr>
+        <a:xfrm>
+          <a:off x="0" y="0"/>
+          <a:ext cx="0" cy="0"/>
+          <a:chOff x="0" y="0"/>
+          <a:chExt cx="0" cy="0"/>
+        </a:xfrm>
+      </p:grpSpPr>
+      <p:sp>
+        <p:nvSpPr>
+          <p:cNvPr id="2" name="슬라이드 이미지 개체 틀 1"/>
+          <p:cNvSpPr>
+            <a:spLocks noGrp="1" noRot="1" noChangeAspect="1"/>
+          </p:cNvSpPr>
+          <p:nvPr>
+            <p:ph type="sldImg"/>
+          </p:nvPr>
+        </p:nvSpPr>
+        <p:spPr/>
+      </p:sp>
+      <p:sp>
+        <p:nvSpPr>
+          <p:cNvPr id="3" name="슬라이드 노트 개체 틀 2"/>
+          <p:cNvSpPr>
+            <a:spLocks noGrp="1"/>
+          </p:cNvSpPr>
+          <p:nvPr>
+            <p:ph type="body" idx="1"/>
+          </p:nvPr>
+        </p:nvSpPr>
+        <p:spPr/>
+        <p:txBody>
+          <a:bodyPr/>
+          <a:lstStyle/>
+          <a:p>
+            <a:endParaRPr lang="ko-KR" altLang="en-US" dirty="0"/>
+          </a:p>
+        </p:txBody>
+      </p:sp>
+      <p:sp>
+        <p:nvSpPr>
+          <p:cNvPr id="4" name="슬라이드 번호 개체 틀 3"/>
+          <p:cNvSpPr>
+            <a:spLocks noGrp="1"/>
+          </p:cNvSpPr>
+          <p:nvPr>
+            <p:ph type="sldNum" sz="quarter" idx="5"/>
+          </p:nvPr>
+        </p:nvSpPr>
+        <p:spPr/>
+        <p:txBody>
+          <a:bodyPr/>
+          <a:lstStyle/>
+          <a:p>
+            <a:fld id="{D8DCC404-E41A-4BC0-921C-BBFB3AB1AB4E}" type="slidenum">
+              <a:rPr lang="ko-KR" altLang="en-US" smtClean="0"/>
+              <a:t>41</a:t>
+            </a:fld>
+            <a:endParaRPr lang="ko-KR" altLang="en-US"/>
+          </a:p>
+        </p:txBody>
+      </p:sp>
+    </p:spTree>
+    <p:extLst>
+      <p:ext uri="{BB962C8B-B14F-4D97-AF65-F5344CB8AC3E}">
+        <p14:creationId xmlns:p14="http://schemas.microsoft.com/office/powerpoint/2010/main" val="1300993731"/>
+      </p:ext>
+    </p:extLst>
+  </p:cSld>
+  <p:clrMapOvr>
+    <a:masterClrMapping/>
+  </p:clrMapOvr>
+</p:notes>
+</file>
+
+<file path=ppt/notesSlides/notesSlide36.xml><?xml version="1.0" encoding="utf-8"?>
+<p:notes xmlns:a="http://schemas.openxmlformats.org/drawingml/2006/main" xmlns:r="http://schemas.openxmlformats.org/officeDocument/2006/relationships" xmlns:p="http://schemas.openxmlformats.org/presentationml/2006/main">
+  <p:cSld>
+    <p:spTree>
+      <p:nvGrpSpPr>
+        <p:cNvPr id="1" name=""/>
+        <p:cNvGrpSpPr/>
+        <p:nvPr/>
+      </p:nvGrpSpPr>
+      <p:grpSpPr>
+        <a:xfrm>
+          <a:off x="0" y="0"/>
+          <a:ext cx="0" cy="0"/>
+          <a:chOff x="0" y="0"/>
+          <a:chExt cx="0" cy="0"/>
+        </a:xfrm>
+      </p:grpSpPr>
+      <p:sp>
+        <p:nvSpPr>
+          <p:cNvPr id="2" name="슬라이드 이미지 개체 틀 1"/>
+          <p:cNvSpPr>
+            <a:spLocks noGrp="1" noRot="1" noChangeAspect="1"/>
+          </p:cNvSpPr>
+          <p:nvPr>
+            <p:ph type="sldImg"/>
+          </p:nvPr>
+        </p:nvSpPr>
+        <p:spPr/>
+      </p:sp>
+      <p:sp>
+        <p:nvSpPr>
+          <p:cNvPr id="3" name="슬라이드 노트 개체 틀 2"/>
+          <p:cNvSpPr>
+            <a:spLocks noGrp="1"/>
+          </p:cNvSpPr>
+          <p:nvPr>
+            <p:ph type="body" idx="1"/>
+          </p:nvPr>
+        </p:nvSpPr>
+        <p:spPr/>
+        <p:txBody>
+          <a:bodyPr/>
+          <a:lstStyle/>
+          <a:p>
+            <a:endParaRPr lang="ko-KR" altLang="en-US" dirty="0"/>
+          </a:p>
+        </p:txBody>
+      </p:sp>
+      <p:sp>
+        <p:nvSpPr>
+          <p:cNvPr id="4" name="슬라이드 번호 개체 틀 3"/>
+          <p:cNvSpPr>
+            <a:spLocks noGrp="1"/>
+          </p:cNvSpPr>
+          <p:nvPr>
+            <p:ph type="sldNum" sz="quarter" idx="5"/>
+          </p:nvPr>
+        </p:nvSpPr>
+        <p:spPr/>
+        <p:txBody>
+          <a:bodyPr/>
+          <a:lstStyle/>
+          <a:p>
+            <a:fld id="{D8DCC404-E41A-4BC0-921C-BBFB3AB1AB4E}" type="slidenum">
+              <a:rPr lang="ko-KR" altLang="en-US" smtClean="0"/>
+              <a:t>42</a:t>
+            </a:fld>
+            <a:endParaRPr lang="ko-KR" altLang="en-US"/>
+          </a:p>
+        </p:txBody>
+      </p:sp>
+    </p:spTree>
+    <p:extLst>
+      <p:ext uri="{BB962C8B-B14F-4D97-AF65-F5344CB8AC3E}">
+        <p14:creationId xmlns:p14="http://schemas.microsoft.com/office/powerpoint/2010/main" val="2604126515"/>
+      </p:ext>
+    </p:extLst>
+  </p:cSld>
+  <p:clrMapOvr>
+    <a:masterClrMapping/>
+  </p:clrMapOvr>
+</p:notes>
+</file>
+
+<file path=ppt/notesSlides/notesSlide37.xml><?xml version="1.0" encoding="utf-8"?>
+<p:notes xmlns:a="http://schemas.openxmlformats.org/drawingml/2006/main" xmlns:r="http://schemas.openxmlformats.org/officeDocument/2006/relationships" xmlns:p="http://schemas.openxmlformats.org/presentationml/2006/main">
+  <p:cSld>
+    <p:spTree>
+      <p:nvGrpSpPr>
+        <p:cNvPr id="1" name=""/>
+        <p:cNvGrpSpPr/>
+        <p:nvPr/>
+      </p:nvGrpSpPr>
+      <p:grpSpPr>
+        <a:xfrm>
+          <a:off x="0" y="0"/>
+          <a:ext cx="0" cy="0"/>
+          <a:chOff x="0" y="0"/>
+          <a:chExt cx="0" cy="0"/>
+        </a:xfrm>
+      </p:grpSpPr>
+      <p:sp>
+        <p:nvSpPr>
+          <p:cNvPr id="2" name="슬라이드 이미지 개체 틀 1"/>
+          <p:cNvSpPr>
+            <a:spLocks noGrp="1" noRot="1" noChangeAspect="1"/>
+          </p:cNvSpPr>
+          <p:nvPr>
+            <p:ph type="sldImg"/>
+          </p:nvPr>
+        </p:nvSpPr>
+        <p:spPr/>
+      </p:sp>
+      <p:sp>
+        <p:nvSpPr>
+          <p:cNvPr id="3" name="슬라이드 노트 개체 틀 2"/>
+          <p:cNvSpPr>
+            <a:spLocks noGrp="1"/>
+          </p:cNvSpPr>
+          <p:nvPr>
+            <p:ph type="body" idx="1"/>
+          </p:nvPr>
+        </p:nvSpPr>
+        <p:spPr/>
+        <p:txBody>
+          <a:bodyPr/>
+          <a:lstStyle/>
+          <a:p>
+            <a:endParaRPr lang="ko-KR" altLang="en-US" dirty="0"/>
+          </a:p>
+        </p:txBody>
+      </p:sp>
+      <p:sp>
+        <p:nvSpPr>
+          <p:cNvPr id="4" name="슬라이드 번호 개체 틀 3"/>
+          <p:cNvSpPr>
+            <a:spLocks noGrp="1"/>
+          </p:cNvSpPr>
+          <p:nvPr>
+            <p:ph type="sldNum" sz="quarter" idx="5"/>
+          </p:nvPr>
+        </p:nvSpPr>
+        <p:spPr/>
+        <p:txBody>
+          <a:bodyPr/>
+          <a:lstStyle/>
+          <a:p>
+            <a:fld id="{D8DCC404-E41A-4BC0-921C-BBFB3AB1AB4E}" type="slidenum">
+              <a:rPr lang="ko-KR" altLang="en-US" smtClean="0"/>
+              <a:t>44</a:t>
+            </a:fld>
+            <a:endParaRPr lang="ko-KR" altLang="en-US"/>
+          </a:p>
+        </p:txBody>
+      </p:sp>
+    </p:spTree>
+    <p:extLst>
+      <p:ext uri="{BB962C8B-B14F-4D97-AF65-F5344CB8AC3E}">
+        <p14:creationId xmlns:p14="http://schemas.microsoft.com/office/powerpoint/2010/main" val="1642588172"/>
+      </p:ext>
+    </p:extLst>
+  </p:cSld>
+  <p:clrMapOvr>
+    <a:masterClrMapping/>
+  </p:clrMapOvr>
+</p:notes>
+</file>
+
+<file path=ppt/notesSlides/notesSlide38.xml><?xml version="1.0" encoding="utf-8"?>
+<p:notes xmlns:a="http://schemas.openxmlformats.org/drawingml/2006/main" xmlns:r="http://schemas.openxmlformats.org/officeDocument/2006/relationships" xmlns:p="http://schemas.openxmlformats.org/presentationml/2006/main">
+  <p:cSld>
+    <p:spTree>
+      <p:nvGrpSpPr>
+        <p:cNvPr id="1" name=""/>
+        <p:cNvGrpSpPr/>
+        <p:nvPr/>
+      </p:nvGrpSpPr>
+      <p:grpSpPr>
+        <a:xfrm>
+          <a:off x="0" y="0"/>
+          <a:ext cx="0" cy="0"/>
+          <a:chOff x="0" y="0"/>
+          <a:chExt cx="0" cy="0"/>
+        </a:xfrm>
+      </p:grpSpPr>
+      <p:sp>
+        <p:nvSpPr>
+          <p:cNvPr id="2" name="슬라이드 이미지 개체 틀 1"/>
+          <p:cNvSpPr>
+            <a:spLocks noGrp="1" noRot="1" noChangeAspect="1"/>
+          </p:cNvSpPr>
+          <p:nvPr>
+            <p:ph type="sldImg"/>
+          </p:nvPr>
+        </p:nvSpPr>
+        <p:spPr/>
+      </p:sp>
+      <p:sp>
+        <p:nvSpPr>
+          <p:cNvPr id="3" name="슬라이드 노트 개체 틀 2"/>
+          <p:cNvSpPr>
+            <a:spLocks noGrp="1"/>
+          </p:cNvSpPr>
+          <p:nvPr>
+            <p:ph type="body" idx="1"/>
+          </p:nvPr>
+        </p:nvSpPr>
+        <p:spPr/>
+        <p:txBody>
+          <a:bodyPr/>
+          <a:lstStyle/>
+          <a:p>
+            <a:endParaRPr lang="ko-KR" altLang="en-US" dirty="0"/>
+          </a:p>
+        </p:txBody>
+      </p:sp>
+      <p:sp>
+        <p:nvSpPr>
+          <p:cNvPr id="4" name="슬라이드 번호 개체 틀 3"/>
+          <p:cNvSpPr>
+            <a:spLocks noGrp="1"/>
+          </p:cNvSpPr>
+          <p:nvPr>
+            <p:ph type="sldNum" sz="quarter" idx="5"/>
+          </p:nvPr>
+        </p:nvSpPr>
+        <p:spPr/>
+        <p:txBody>
+          <a:bodyPr/>
+          <a:lstStyle/>
+          <a:p>
+            <a:fld id="{D8DCC404-E41A-4BC0-921C-BBFB3AB1AB4E}" type="slidenum">
+              <a:rPr lang="ko-KR" altLang="en-US" smtClean="0"/>
+              <a:t>45</a:t>
+            </a:fld>
+            <a:endParaRPr lang="ko-KR" altLang="en-US"/>
+          </a:p>
+        </p:txBody>
+      </p:sp>
+    </p:spTree>
+    <p:extLst>
+      <p:ext uri="{BB962C8B-B14F-4D97-AF65-F5344CB8AC3E}">
+        <p14:creationId xmlns:p14="http://schemas.microsoft.com/office/powerpoint/2010/main" val="1620788032"/>
+      </p:ext>
+    </p:extLst>
+  </p:cSld>
+  <p:clrMapOvr>
+    <a:masterClrMapping/>
+  </p:clrMapOvr>
+</p:notes>
+</file>
+
+<file path=ppt/notesSlides/notesSlide39.xml><?xml version="1.0" encoding="utf-8"?>
+<p:notes xmlns:a="http://schemas.openxmlformats.org/drawingml/2006/main" xmlns:r="http://schemas.openxmlformats.org/officeDocument/2006/relationships" xmlns:p="http://schemas.openxmlformats.org/presentationml/2006/main">
+  <p:cSld>
+    <p:spTree>
+      <p:nvGrpSpPr>
+        <p:cNvPr id="1" name=""/>
+        <p:cNvGrpSpPr/>
+        <p:nvPr/>
+      </p:nvGrpSpPr>
+      <p:grpSpPr>
+        <a:xfrm>
+          <a:off x="0" y="0"/>
+          <a:ext cx="0" cy="0"/>
+          <a:chOff x="0" y="0"/>
+          <a:chExt cx="0" cy="0"/>
+        </a:xfrm>
+      </p:grpSpPr>
+      <p:sp>
+        <p:nvSpPr>
+          <p:cNvPr id="2" name="슬라이드 이미지 개체 틀 1"/>
+          <p:cNvSpPr>
+            <a:spLocks noGrp="1" noRot="1" noChangeAspect="1"/>
+          </p:cNvSpPr>
+          <p:nvPr>
+            <p:ph type="sldImg"/>
+          </p:nvPr>
+        </p:nvSpPr>
+        <p:spPr/>
+      </p:sp>
+      <p:sp>
+        <p:nvSpPr>
+          <p:cNvPr id="3" name="슬라이드 노트 개체 틀 2"/>
+          <p:cNvSpPr>
+            <a:spLocks noGrp="1"/>
+          </p:cNvSpPr>
+          <p:nvPr>
+            <p:ph type="body" idx="1"/>
+          </p:nvPr>
+        </p:nvSpPr>
+        <p:spPr/>
+        <p:txBody>
+          <a:bodyPr/>
+          <a:lstStyle/>
+          <a:p>
+            <a:endParaRPr lang="ko-KR" altLang="en-US" dirty="0"/>
+          </a:p>
+        </p:txBody>
+      </p:sp>
+      <p:sp>
+        <p:nvSpPr>
+          <p:cNvPr id="4" name="슬라이드 번호 개체 틀 3"/>
+          <p:cNvSpPr>
+            <a:spLocks noGrp="1"/>
+          </p:cNvSpPr>
+          <p:nvPr>
+            <p:ph type="sldNum" sz="quarter" idx="5"/>
+          </p:nvPr>
+        </p:nvSpPr>
+        <p:spPr/>
+        <p:txBody>
+          <a:bodyPr/>
+          <a:lstStyle/>
+          <a:p>
+            <a:fld id="{D8DCC404-E41A-4BC0-921C-BBFB3AB1AB4E}" type="slidenum">
+              <a:rPr lang="ko-KR" altLang="en-US" smtClean="0"/>
+              <a:t>46</a:t>
+            </a:fld>
+            <a:endParaRPr lang="ko-KR" altLang="en-US"/>
+          </a:p>
+        </p:txBody>
+      </p:sp>
+    </p:spTree>
+    <p:extLst>
+      <p:ext uri="{BB962C8B-B14F-4D97-AF65-F5344CB8AC3E}">
+        <p14:creationId xmlns:p14="http://schemas.microsoft.com/office/powerpoint/2010/main" val="3874705770"/>
+      </p:ext>
+    </p:extLst>
+  </p:cSld>
+  <p:clrMapOvr>
+    <a:masterClrMapping/>
+  </p:clrMapOvr>
+</p:notes>
+</file>
+
 <file path=ppt/notesSlides/notesSlide4.xml><?xml version="1.0" encoding="utf-8"?>
 <p:notes xmlns:a="http://schemas.openxmlformats.org/drawingml/2006/main" xmlns:r="http://schemas.openxmlformats.org/officeDocument/2006/relationships" xmlns:p="http://schemas.openxmlformats.org/presentationml/2006/main">
   <p:cSld>
@@ -2419,6 +3359,258 @@
     <p:extLst>
       <p:ext uri="{BB962C8B-B14F-4D97-AF65-F5344CB8AC3E}">
         <p14:creationId xmlns:p14="http://schemas.microsoft.com/office/powerpoint/2010/main" val="3661562495"/>
+      </p:ext>
+    </p:extLst>
+  </p:cSld>
+  <p:clrMapOvr>
+    <a:masterClrMapping/>
+  </p:clrMapOvr>
+</p:notes>
+</file>
+
+<file path=ppt/notesSlides/notesSlide40.xml><?xml version="1.0" encoding="utf-8"?>
+<p:notes xmlns:a="http://schemas.openxmlformats.org/drawingml/2006/main" xmlns:r="http://schemas.openxmlformats.org/officeDocument/2006/relationships" xmlns:p="http://schemas.openxmlformats.org/presentationml/2006/main">
+  <p:cSld>
+    <p:spTree>
+      <p:nvGrpSpPr>
+        <p:cNvPr id="1" name=""/>
+        <p:cNvGrpSpPr/>
+        <p:nvPr/>
+      </p:nvGrpSpPr>
+      <p:grpSpPr>
+        <a:xfrm>
+          <a:off x="0" y="0"/>
+          <a:ext cx="0" cy="0"/>
+          <a:chOff x="0" y="0"/>
+          <a:chExt cx="0" cy="0"/>
+        </a:xfrm>
+      </p:grpSpPr>
+      <p:sp>
+        <p:nvSpPr>
+          <p:cNvPr id="2" name="슬라이드 이미지 개체 틀 1"/>
+          <p:cNvSpPr>
+            <a:spLocks noGrp="1" noRot="1" noChangeAspect="1"/>
+          </p:cNvSpPr>
+          <p:nvPr>
+            <p:ph type="sldImg"/>
+          </p:nvPr>
+        </p:nvSpPr>
+        <p:spPr/>
+      </p:sp>
+      <p:sp>
+        <p:nvSpPr>
+          <p:cNvPr id="3" name="슬라이드 노트 개체 틀 2"/>
+          <p:cNvSpPr>
+            <a:spLocks noGrp="1"/>
+          </p:cNvSpPr>
+          <p:nvPr>
+            <p:ph type="body" idx="1"/>
+          </p:nvPr>
+        </p:nvSpPr>
+        <p:spPr/>
+        <p:txBody>
+          <a:bodyPr/>
+          <a:lstStyle/>
+          <a:p>
+            <a:endParaRPr lang="ko-KR" altLang="en-US" dirty="0"/>
+          </a:p>
+        </p:txBody>
+      </p:sp>
+      <p:sp>
+        <p:nvSpPr>
+          <p:cNvPr id="4" name="슬라이드 번호 개체 틀 3"/>
+          <p:cNvSpPr>
+            <a:spLocks noGrp="1"/>
+          </p:cNvSpPr>
+          <p:nvPr>
+            <p:ph type="sldNum" sz="quarter" idx="5"/>
+          </p:nvPr>
+        </p:nvSpPr>
+        <p:spPr/>
+        <p:txBody>
+          <a:bodyPr/>
+          <a:lstStyle/>
+          <a:p>
+            <a:fld id="{D8DCC404-E41A-4BC0-921C-BBFB3AB1AB4E}" type="slidenum">
+              <a:rPr lang="ko-KR" altLang="en-US" smtClean="0"/>
+              <a:t>47</a:t>
+            </a:fld>
+            <a:endParaRPr lang="ko-KR" altLang="en-US"/>
+          </a:p>
+        </p:txBody>
+      </p:sp>
+    </p:spTree>
+    <p:extLst>
+      <p:ext uri="{BB962C8B-B14F-4D97-AF65-F5344CB8AC3E}">
+        <p14:creationId xmlns:p14="http://schemas.microsoft.com/office/powerpoint/2010/main" val="320266674"/>
+      </p:ext>
+    </p:extLst>
+  </p:cSld>
+  <p:clrMapOvr>
+    <a:masterClrMapping/>
+  </p:clrMapOvr>
+</p:notes>
+</file>
+
+<file path=ppt/notesSlides/notesSlide41.xml><?xml version="1.0" encoding="utf-8"?>
+<p:notes xmlns:a="http://schemas.openxmlformats.org/drawingml/2006/main" xmlns:r="http://schemas.openxmlformats.org/officeDocument/2006/relationships" xmlns:p="http://schemas.openxmlformats.org/presentationml/2006/main">
+  <p:cSld>
+    <p:spTree>
+      <p:nvGrpSpPr>
+        <p:cNvPr id="1" name=""/>
+        <p:cNvGrpSpPr/>
+        <p:nvPr/>
+      </p:nvGrpSpPr>
+      <p:grpSpPr>
+        <a:xfrm>
+          <a:off x="0" y="0"/>
+          <a:ext cx="0" cy="0"/>
+          <a:chOff x="0" y="0"/>
+          <a:chExt cx="0" cy="0"/>
+        </a:xfrm>
+      </p:grpSpPr>
+      <p:sp>
+        <p:nvSpPr>
+          <p:cNvPr id="2" name="슬라이드 이미지 개체 틀 1"/>
+          <p:cNvSpPr>
+            <a:spLocks noGrp="1" noRot="1" noChangeAspect="1"/>
+          </p:cNvSpPr>
+          <p:nvPr>
+            <p:ph type="sldImg"/>
+          </p:nvPr>
+        </p:nvSpPr>
+        <p:spPr/>
+      </p:sp>
+      <p:sp>
+        <p:nvSpPr>
+          <p:cNvPr id="3" name="슬라이드 노트 개체 틀 2"/>
+          <p:cNvSpPr>
+            <a:spLocks noGrp="1"/>
+          </p:cNvSpPr>
+          <p:nvPr>
+            <p:ph type="body" idx="1"/>
+          </p:nvPr>
+        </p:nvSpPr>
+        <p:spPr/>
+        <p:txBody>
+          <a:bodyPr/>
+          <a:lstStyle/>
+          <a:p>
+            <a:endParaRPr lang="ko-KR" altLang="en-US" dirty="0"/>
+          </a:p>
+        </p:txBody>
+      </p:sp>
+      <p:sp>
+        <p:nvSpPr>
+          <p:cNvPr id="4" name="슬라이드 번호 개체 틀 3"/>
+          <p:cNvSpPr>
+            <a:spLocks noGrp="1"/>
+          </p:cNvSpPr>
+          <p:nvPr>
+            <p:ph type="sldNum" sz="quarter" idx="5"/>
+          </p:nvPr>
+        </p:nvSpPr>
+        <p:spPr/>
+        <p:txBody>
+          <a:bodyPr/>
+          <a:lstStyle/>
+          <a:p>
+            <a:fld id="{D8DCC404-E41A-4BC0-921C-BBFB3AB1AB4E}" type="slidenum">
+              <a:rPr lang="ko-KR" altLang="en-US" smtClean="0"/>
+              <a:t>48</a:t>
+            </a:fld>
+            <a:endParaRPr lang="ko-KR" altLang="en-US"/>
+          </a:p>
+        </p:txBody>
+      </p:sp>
+    </p:spTree>
+    <p:extLst>
+      <p:ext uri="{BB962C8B-B14F-4D97-AF65-F5344CB8AC3E}">
+        <p14:creationId xmlns:p14="http://schemas.microsoft.com/office/powerpoint/2010/main" val="959400072"/>
+      </p:ext>
+    </p:extLst>
+  </p:cSld>
+  <p:clrMapOvr>
+    <a:masterClrMapping/>
+  </p:clrMapOvr>
+</p:notes>
+</file>
+
+<file path=ppt/notesSlides/notesSlide42.xml><?xml version="1.0" encoding="utf-8"?>
+<p:notes xmlns:a="http://schemas.openxmlformats.org/drawingml/2006/main" xmlns:r="http://schemas.openxmlformats.org/officeDocument/2006/relationships" xmlns:p="http://schemas.openxmlformats.org/presentationml/2006/main">
+  <p:cSld>
+    <p:spTree>
+      <p:nvGrpSpPr>
+        <p:cNvPr id="1" name=""/>
+        <p:cNvGrpSpPr/>
+        <p:nvPr/>
+      </p:nvGrpSpPr>
+      <p:grpSpPr>
+        <a:xfrm>
+          <a:off x="0" y="0"/>
+          <a:ext cx="0" cy="0"/>
+          <a:chOff x="0" y="0"/>
+          <a:chExt cx="0" cy="0"/>
+        </a:xfrm>
+      </p:grpSpPr>
+      <p:sp>
+        <p:nvSpPr>
+          <p:cNvPr id="2" name="슬라이드 이미지 개체 틀 1"/>
+          <p:cNvSpPr>
+            <a:spLocks noGrp="1" noRot="1" noChangeAspect="1"/>
+          </p:cNvSpPr>
+          <p:nvPr>
+            <p:ph type="sldImg"/>
+          </p:nvPr>
+        </p:nvSpPr>
+        <p:spPr/>
+      </p:sp>
+      <p:sp>
+        <p:nvSpPr>
+          <p:cNvPr id="3" name="슬라이드 노트 개체 틀 2"/>
+          <p:cNvSpPr>
+            <a:spLocks noGrp="1"/>
+          </p:cNvSpPr>
+          <p:nvPr>
+            <p:ph type="body" idx="1"/>
+          </p:nvPr>
+        </p:nvSpPr>
+        <p:spPr/>
+        <p:txBody>
+          <a:bodyPr/>
+          <a:lstStyle/>
+          <a:p>
+            <a:endParaRPr lang="ko-KR" altLang="en-US" dirty="0"/>
+          </a:p>
+        </p:txBody>
+      </p:sp>
+      <p:sp>
+        <p:nvSpPr>
+          <p:cNvPr id="4" name="슬라이드 번호 개체 틀 3"/>
+          <p:cNvSpPr>
+            <a:spLocks noGrp="1"/>
+          </p:cNvSpPr>
+          <p:nvPr>
+            <p:ph type="sldNum" sz="quarter" idx="5"/>
+          </p:nvPr>
+        </p:nvSpPr>
+        <p:spPr/>
+        <p:txBody>
+          <a:bodyPr/>
+          <a:lstStyle/>
+          <a:p>
+            <a:fld id="{D8DCC404-E41A-4BC0-921C-BBFB3AB1AB4E}" type="slidenum">
+              <a:rPr lang="ko-KR" altLang="en-US" smtClean="0"/>
+              <a:t>49</a:t>
+            </a:fld>
+            <a:endParaRPr lang="ko-KR" altLang="en-US"/>
+          </a:p>
+        </p:txBody>
+      </p:sp>
+    </p:spTree>
+    <p:extLst>
+      <p:ext uri="{BB962C8B-B14F-4D97-AF65-F5344CB8AC3E}">
+        <p14:creationId xmlns:p14="http://schemas.microsoft.com/office/powerpoint/2010/main" val="260172559"/>
       </p:ext>
     </p:extLst>
   </p:cSld>
@@ -2995,7 +4187,7 @@
           <a:p>
             <a:fld id="{6CA98622-3661-4256-8D13-E3531EC52D61}" type="datetimeFigureOut">
               <a:rPr lang="ko-KR" altLang="en-US" smtClean="0"/>
-              <a:t>2023-09-03</a:t>
+              <a:t>2023-09-05</a:t>
             </a:fld>
             <a:endParaRPr lang="ko-KR" altLang="en-US"/>
           </a:p>
@@ -3193,7 +4385,7 @@
           <a:p>
             <a:fld id="{6CA98622-3661-4256-8D13-E3531EC52D61}" type="datetimeFigureOut">
               <a:rPr lang="ko-KR" altLang="en-US" smtClean="0"/>
-              <a:t>2023-09-03</a:t>
+              <a:t>2023-09-05</a:t>
             </a:fld>
             <a:endParaRPr lang="ko-KR" altLang="en-US"/>
           </a:p>
@@ -3401,7 +4593,7 @@
           <a:p>
             <a:fld id="{6CA98622-3661-4256-8D13-E3531EC52D61}" type="datetimeFigureOut">
               <a:rPr lang="ko-KR" altLang="en-US" smtClean="0"/>
-              <a:t>2023-09-03</a:t>
+              <a:t>2023-09-05</a:t>
             </a:fld>
             <a:endParaRPr lang="ko-KR" altLang="en-US"/>
           </a:p>
@@ -3599,7 +4791,7 @@
           <a:p>
             <a:fld id="{6CA98622-3661-4256-8D13-E3531EC52D61}" type="datetimeFigureOut">
               <a:rPr lang="ko-KR" altLang="en-US" smtClean="0"/>
-              <a:t>2023-09-03</a:t>
+              <a:t>2023-09-05</a:t>
             </a:fld>
             <a:endParaRPr lang="ko-KR" altLang="en-US"/>
           </a:p>
@@ -3874,7 +5066,7 @@
           <a:p>
             <a:fld id="{6CA98622-3661-4256-8D13-E3531EC52D61}" type="datetimeFigureOut">
               <a:rPr lang="ko-KR" altLang="en-US" smtClean="0"/>
-              <a:t>2023-09-03</a:t>
+              <a:t>2023-09-05</a:t>
             </a:fld>
             <a:endParaRPr lang="ko-KR" altLang="en-US"/>
           </a:p>
@@ -4139,7 +5331,7 @@
           <a:p>
             <a:fld id="{6CA98622-3661-4256-8D13-E3531EC52D61}" type="datetimeFigureOut">
               <a:rPr lang="ko-KR" altLang="en-US" smtClean="0"/>
-              <a:t>2023-09-03</a:t>
+              <a:t>2023-09-05</a:t>
             </a:fld>
             <a:endParaRPr lang="ko-KR" altLang="en-US"/>
           </a:p>
@@ -4551,7 +5743,7 @@
           <a:p>
             <a:fld id="{6CA98622-3661-4256-8D13-E3531EC52D61}" type="datetimeFigureOut">
               <a:rPr lang="ko-KR" altLang="en-US" smtClean="0"/>
-              <a:t>2023-09-03</a:t>
+              <a:t>2023-09-05</a:t>
             </a:fld>
             <a:endParaRPr lang="ko-KR" altLang="en-US"/>
           </a:p>
@@ -4692,7 +5884,7 @@
           <a:p>
             <a:fld id="{6CA98622-3661-4256-8D13-E3531EC52D61}" type="datetimeFigureOut">
               <a:rPr lang="ko-KR" altLang="en-US" smtClean="0"/>
-              <a:t>2023-09-03</a:t>
+              <a:t>2023-09-05</a:t>
             </a:fld>
             <a:endParaRPr lang="ko-KR" altLang="en-US"/>
           </a:p>
@@ -4805,7 +5997,7 @@
           <a:p>
             <a:fld id="{6CA98622-3661-4256-8D13-E3531EC52D61}" type="datetimeFigureOut">
               <a:rPr lang="ko-KR" altLang="en-US" smtClean="0"/>
-              <a:t>2023-09-03</a:t>
+              <a:t>2023-09-05</a:t>
             </a:fld>
             <a:endParaRPr lang="ko-KR" altLang="en-US"/>
           </a:p>
@@ -5116,7 +6308,7 @@
           <a:p>
             <a:fld id="{6CA98622-3661-4256-8D13-E3531EC52D61}" type="datetimeFigureOut">
               <a:rPr lang="ko-KR" altLang="en-US" smtClean="0"/>
-              <a:t>2023-09-03</a:t>
+              <a:t>2023-09-05</a:t>
             </a:fld>
             <a:endParaRPr lang="ko-KR" altLang="en-US"/>
           </a:p>
@@ -5404,7 +6596,7 @@
           <a:p>
             <a:fld id="{6CA98622-3661-4256-8D13-E3531EC52D61}" type="datetimeFigureOut">
               <a:rPr lang="ko-KR" altLang="en-US" smtClean="0"/>
-              <a:t>2023-09-03</a:t>
+              <a:t>2023-09-05</a:t>
             </a:fld>
             <a:endParaRPr lang="ko-KR" altLang="en-US"/>
           </a:p>
@@ -5645,7 +6837,7 @@
           <a:p>
             <a:fld id="{6CA98622-3661-4256-8D13-E3531EC52D61}" type="datetimeFigureOut">
               <a:rPr lang="ko-KR" altLang="en-US" smtClean="0"/>
-              <a:t>2023-09-03</a:t>
+              <a:t>2023-09-05</a:t>
             </a:fld>
             <a:endParaRPr lang="ko-KR" altLang="en-US"/>
           </a:p>
@@ -6937,6 +8129,16 @@
           <a:p>
             <a:pPr algn="ctr"/>
             <a:r>
+              <a:rPr lang="ko-KR" altLang="en-US" sz="4800" dirty="0" err="1">
+                <a:solidFill>
+                  <a:schemeClr val="bg1"/>
+                </a:solidFill>
+                <a:latin typeface="태나다체 " panose="02000000000000000000" pitchFamily="2" charset="-127"/>
+                <a:ea typeface="태나다체 " panose="02000000000000000000" pitchFamily="2" charset="-127"/>
+              </a:rPr>
+              <a:t>리스너와</a:t>
+            </a:r>
+            <a:r>
               <a:rPr lang="ko-KR" altLang="en-US" sz="4800" dirty="0">
                 <a:solidFill>
                   <a:schemeClr val="bg1"/>
@@ -6944,7 +8146,7 @@
                 <a:latin typeface="태나다체 " panose="02000000000000000000" pitchFamily="2" charset="-127"/>
                 <a:ea typeface="태나다체 " panose="02000000000000000000" pitchFamily="2" charset="-127"/>
               </a:rPr>
-              <a:t>프로젝트 생성</a:t>
+              <a:t> 커넥터</a:t>
             </a:r>
           </a:p>
         </p:txBody>
@@ -6952,7 +8154,7 @@
     </p:spTree>
     <p:extLst>
       <p:ext uri="{BB962C8B-B14F-4D97-AF65-F5344CB8AC3E}">
-        <p14:creationId xmlns:p14="http://schemas.microsoft.com/office/powerpoint/2010/main" val="1903222263"/>
+        <p14:creationId xmlns:p14="http://schemas.microsoft.com/office/powerpoint/2010/main" val="1739312770"/>
       </p:ext>
     </p:extLst>
   </p:cSld>
@@ -7030,58 +8232,124 @@
           <a:p>
             <a:pPr algn="ctr"/>
             <a:r>
-              <a:rPr lang="ko-KR" altLang="en-US" sz="3600" dirty="0">
+              <a:rPr lang="ko-KR" altLang="en-US" sz="4000" dirty="0">
                 <a:solidFill>
                   <a:schemeClr val="bg1"/>
                 </a:solidFill>
-                <a:latin typeface="태나다체 " panose="02000000000000000000" pitchFamily="2" charset="-127"/>
-                <a:ea typeface="태나다체 " panose="02000000000000000000" pitchFamily="2" charset="-127"/>
-              </a:rPr>
-              <a:t>프로젝트 생성</a:t>
-            </a:r>
-          </a:p>
-        </p:txBody>
-      </p:sp>
-      <p:pic>
-        <p:nvPicPr>
-          <p:cNvPr id="3" name="그림 2">
-            <a:extLst>
-              <a:ext uri="{FF2B5EF4-FFF2-40B4-BE49-F238E27FC236}">
-                <a16:creationId xmlns:a16="http://schemas.microsoft.com/office/drawing/2014/main" id="{DDED5988-05CC-487C-8807-3C3B80D7BBE9}"/>
-              </a:ext>
-            </a:extLst>
-          </p:cNvPr>
-          <p:cNvPicPr>
-            <a:picLocks noChangeAspect="1"/>
-          </p:cNvPicPr>
+                <a:latin typeface="배달의민족 주아" panose="02020603020101020101" pitchFamily="18" charset="-127"/>
+                <a:ea typeface="배달의민족 주아" panose="02020603020101020101" pitchFamily="18" charset="-127"/>
+              </a:rPr>
+              <a:t>비동기 함수</a:t>
+            </a:r>
+            <a:r>
+              <a:rPr lang="en-US" altLang="ko-KR" sz="4000" dirty="0">
+                <a:solidFill>
+                  <a:schemeClr val="bg1"/>
+                </a:solidFill>
+                <a:latin typeface="배달의민족 주아" panose="02020603020101020101" pitchFamily="18" charset="-127"/>
+                <a:ea typeface="배달의민족 주아" panose="02020603020101020101" pitchFamily="18" charset="-127"/>
+              </a:rPr>
+              <a:t>..?</a:t>
+            </a:r>
+            <a:endParaRPr lang="ko-KR" altLang="en-US" sz="4000" dirty="0">
+              <a:solidFill>
+                <a:schemeClr val="bg1"/>
+              </a:solidFill>
+              <a:latin typeface="태나다체 " panose="02000000000000000000" pitchFamily="2" charset="-127"/>
+              <a:ea typeface="태나다체 " panose="02000000000000000000" pitchFamily="2" charset="-127"/>
+            </a:endParaRPr>
+          </a:p>
+        </p:txBody>
+      </p:sp>
+      <p:sp>
+        <p:nvSpPr>
+          <p:cNvPr id="5" name="직사각형 4">
+            <a:extLst>
+              <a:ext uri="{FF2B5EF4-FFF2-40B4-BE49-F238E27FC236}">
+                <a16:creationId xmlns:a16="http://schemas.microsoft.com/office/drawing/2014/main" id="{48FBCDDA-055B-441E-8FE9-39F59BA56A01}"/>
+              </a:ext>
+            </a:extLst>
+          </p:cNvPr>
+          <p:cNvSpPr/>
           <p:nvPr/>
-        </p:nvPicPr>
-        <p:blipFill>
-          <a:blip r:embed="rId3">
-            <a:extLst>
-              <a:ext uri="{28A0092B-C50C-407E-A947-70E740481C1C}">
-                <a14:useLocalDpi xmlns:a14="http://schemas.microsoft.com/office/drawing/2010/main" val="0"/>
-              </a:ext>
-            </a:extLst>
-          </a:blip>
-          <a:stretch>
-            <a:fillRect/>
-          </a:stretch>
-        </p:blipFill>
+        </p:nvSpPr>
         <p:spPr>
           <a:xfrm>
-            <a:off x="4330591" y="836674"/>
-            <a:ext cx="7358646" cy="5184651"/>
+            <a:off x="4679586" y="3235204"/>
+            <a:ext cx="2832827" cy="1200329"/>
           </a:xfrm>
           <a:prstGeom prst="rect">
             <a:avLst/>
           </a:prstGeom>
         </p:spPr>
-      </p:pic>
+        <p:txBody>
+          <a:bodyPr wrap="none">
+            <a:spAutoFit/>
+          </a:bodyPr>
+          <a:lstStyle/>
+          <a:p>
+            <a:r>
+              <a:rPr lang="ko-KR" altLang="en-US" sz="7200" dirty="0">
+                <a:latin typeface="배달의민족 주아" panose="02020603020101020101" pitchFamily="18" charset="-127"/>
+                <a:ea typeface="배달의민족 주아" panose="02020603020101020101" pitchFamily="18" charset="-127"/>
+              </a:rPr>
+              <a:t>잠깐</a:t>
+            </a:r>
+            <a:r>
+              <a:rPr lang="en-US" altLang="ko-KR" sz="7200" dirty="0">
+                <a:latin typeface="배달의민족 주아" panose="02020603020101020101" pitchFamily="18" charset="-127"/>
+                <a:ea typeface="배달의민족 주아" panose="02020603020101020101" pitchFamily="18" charset="-127"/>
+              </a:rPr>
+              <a:t>!!!!</a:t>
+            </a:r>
+            <a:endParaRPr lang="ko-KR" altLang="en-US" sz="7200" dirty="0">
+              <a:latin typeface="배달의민족 주아" panose="02020603020101020101" pitchFamily="18" charset="-127"/>
+              <a:ea typeface="배달의민족 주아" panose="02020603020101020101" pitchFamily="18" charset="-127"/>
+            </a:endParaRPr>
+          </a:p>
+        </p:txBody>
+      </p:sp>
+      <p:sp>
+        <p:nvSpPr>
+          <p:cNvPr id="6" name="직사각형 5">
+            <a:extLst>
+              <a:ext uri="{FF2B5EF4-FFF2-40B4-BE49-F238E27FC236}">
+                <a16:creationId xmlns:a16="http://schemas.microsoft.com/office/drawing/2014/main" id="{D7A13B39-D90D-44C1-BF07-95E884D49DD9}"/>
+              </a:ext>
+            </a:extLst>
+          </p:cNvPr>
+          <p:cNvSpPr/>
+          <p:nvPr/>
+        </p:nvSpPr>
+        <p:spPr>
+          <a:xfrm>
+            <a:off x="0" y="4681030"/>
+            <a:ext cx="2614818" cy="2215991"/>
+          </a:xfrm>
+          <a:prstGeom prst="rect">
+            <a:avLst/>
+          </a:prstGeom>
+        </p:spPr>
+        <p:txBody>
+          <a:bodyPr wrap="none">
+            <a:spAutoFit/>
+          </a:bodyPr>
+          <a:lstStyle/>
+          <a:p>
+            <a:r>
+              <a:rPr lang="ko-KR" altLang="en-US" sz="13800" dirty="0">
+                <a:latin typeface="배달의민족 주아" panose="02020603020101020101" pitchFamily="18" charset="-127"/>
+                <a:ea typeface="배달의민족 주아" panose="02020603020101020101" pitchFamily="18" charset="-127"/>
+              </a:rPr>
+              <a:t>😮</a:t>
+            </a:r>
+          </a:p>
+        </p:txBody>
+      </p:sp>
     </p:spTree>
     <p:extLst>
       <p:ext uri="{BB962C8B-B14F-4D97-AF65-F5344CB8AC3E}">
-        <p14:creationId xmlns:p14="http://schemas.microsoft.com/office/powerpoint/2010/main" val="575880316"/>
+        <p14:creationId xmlns:p14="http://schemas.microsoft.com/office/powerpoint/2010/main" val="3032169174"/>
       </p:ext>
     </p:extLst>
   </p:cSld>
@@ -7092,6 +8360,2357 @@
 </file>
 
 <file path=ppt/slides/slide14.xml><?xml version="1.0" encoding="utf-8"?>
+<p:sld xmlns:a="http://schemas.openxmlformats.org/drawingml/2006/main" xmlns:r="http://schemas.openxmlformats.org/officeDocument/2006/relationships" xmlns:p="http://schemas.openxmlformats.org/presentationml/2006/main">
+  <p:cSld>
+    <p:spTree>
+      <p:nvGrpSpPr>
+        <p:cNvPr id="1" name=""/>
+        <p:cNvGrpSpPr/>
+        <p:nvPr/>
+      </p:nvGrpSpPr>
+      <p:grpSpPr>
+        <a:xfrm>
+          <a:off x="0" y="0"/>
+          <a:ext cx="0" cy="0"/>
+          <a:chOff x="0" y="0"/>
+          <a:chExt cx="0" cy="0"/>
+        </a:xfrm>
+      </p:grpSpPr>
+      <p:sp>
+        <p:nvSpPr>
+          <p:cNvPr id="8" name="직사각형 7">
+            <a:extLst>
+              <a:ext uri="{FF2B5EF4-FFF2-40B4-BE49-F238E27FC236}">
+                <a16:creationId xmlns:a16="http://schemas.microsoft.com/office/drawing/2014/main" id="{DFBEAA6E-A32F-42F3-A86F-FB0C5B8608AB}"/>
+              </a:ext>
+            </a:extLst>
+          </p:cNvPr>
+          <p:cNvSpPr/>
+          <p:nvPr/>
+        </p:nvSpPr>
+        <p:spPr>
+          <a:xfrm>
+            <a:off x="0" y="339365"/>
+            <a:ext cx="3619893" cy="1221117"/>
+          </a:xfrm>
+          <a:prstGeom prst="rect">
+            <a:avLst/>
+          </a:prstGeom>
+          <a:solidFill>
+            <a:schemeClr val="tx1"/>
+          </a:solidFill>
+          <a:ln>
+            <a:solidFill>
+              <a:schemeClr val="tx1"/>
+            </a:solidFill>
+          </a:ln>
+        </p:spPr>
+        <p:style>
+          <a:lnRef idx="2">
+            <a:schemeClr val="accent1">
+              <a:shade val="50000"/>
+            </a:schemeClr>
+          </a:lnRef>
+          <a:fillRef idx="1">
+            <a:schemeClr val="accent1"/>
+          </a:fillRef>
+          <a:effectRef idx="0">
+            <a:schemeClr val="accent1"/>
+          </a:effectRef>
+          <a:fontRef idx="minor">
+            <a:schemeClr val="lt1"/>
+          </a:fontRef>
+        </p:style>
+        <p:txBody>
+          <a:bodyPr rtlCol="0" anchor="ctr"/>
+          <a:lstStyle/>
+          <a:p>
+            <a:pPr algn="ctr"/>
+            <a:r>
+              <a:rPr lang="ko-KR" altLang="en-US" sz="4000" dirty="0">
+                <a:solidFill>
+                  <a:schemeClr val="bg1"/>
+                </a:solidFill>
+                <a:latin typeface="배달의민족 주아" panose="02020603020101020101" pitchFamily="18" charset="-127"/>
+                <a:ea typeface="배달의민족 주아" panose="02020603020101020101" pitchFamily="18" charset="-127"/>
+              </a:rPr>
+              <a:t>비동기 함수</a:t>
+            </a:r>
+            <a:r>
+              <a:rPr lang="en-US" altLang="ko-KR" sz="4000" dirty="0">
+                <a:solidFill>
+                  <a:schemeClr val="bg1"/>
+                </a:solidFill>
+                <a:latin typeface="배달의민족 주아" panose="02020603020101020101" pitchFamily="18" charset="-127"/>
+                <a:ea typeface="배달의민족 주아" panose="02020603020101020101" pitchFamily="18" charset="-127"/>
+              </a:rPr>
+              <a:t>..?</a:t>
+            </a:r>
+            <a:endParaRPr lang="ko-KR" altLang="en-US" sz="4000" dirty="0">
+              <a:solidFill>
+                <a:schemeClr val="bg1"/>
+              </a:solidFill>
+              <a:latin typeface="태나다체 " panose="02000000000000000000" pitchFamily="2" charset="-127"/>
+              <a:ea typeface="태나다체 " panose="02000000000000000000" pitchFamily="2" charset="-127"/>
+            </a:endParaRPr>
+          </a:p>
+        </p:txBody>
+      </p:sp>
+      <p:sp>
+        <p:nvSpPr>
+          <p:cNvPr id="5" name="직사각형 4">
+            <a:extLst>
+              <a:ext uri="{FF2B5EF4-FFF2-40B4-BE49-F238E27FC236}">
+                <a16:creationId xmlns:a16="http://schemas.microsoft.com/office/drawing/2014/main" id="{48FBCDDA-055B-441E-8FE9-39F59BA56A01}"/>
+              </a:ext>
+            </a:extLst>
+          </p:cNvPr>
+          <p:cNvSpPr/>
+          <p:nvPr/>
+        </p:nvSpPr>
+        <p:spPr>
+          <a:xfrm>
+            <a:off x="2256647" y="3235204"/>
+            <a:ext cx="7678705" cy="1200329"/>
+          </a:xfrm>
+          <a:prstGeom prst="rect">
+            <a:avLst/>
+          </a:prstGeom>
+        </p:spPr>
+        <p:txBody>
+          <a:bodyPr wrap="square">
+            <a:spAutoFit/>
+          </a:bodyPr>
+          <a:lstStyle/>
+          <a:p>
+            <a:r>
+              <a:rPr lang="ko-KR" altLang="en-US" sz="7200" dirty="0">
+                <a:latin typeface="배달의민족 주아" panose="02020603020101020101" pitchFamily="18" charset="-127"/>
+                <a:ea typeface="배달의민족 주아" panose="02020603020101020101" pitchFamily="18" charset="-127"/>
+              </a:rPr>
+              <a:t>비동기 함수는 위험해</a:t>
+            </a:r>
+            <a:r>
+              <a:rPr lang="en-US" altLang="ko-KR" sz="7200" dirty="0">
+                <a:latin typeface="배달의민족 주아" panose="02020603020101020101" pitchFamily="18" charset="-127"/>
+                <a:ea typeface="배달의민족 주아" panose="02020603020101020101" pitchFamily="18" charset="-127"/>
+              </a:rPr>
+              <a:t>!</a:t>
+            </a:r>
+            <a:endParaRPr lang="ko-KR" altLang="en-US" sz="7200" dirty="0">
+              <a:latin typeface="배달의민족 주아" panose="02020603020101020101" pitchFamily="18" charset="-127"/>
+              <a:ea typeface="배달의민족 주아" panose="02020603020101020101" pitchFamily="18" charset="-127"/>
+            </a:endParaRPr>
+          </a:p>
+        </p:txBody>
+      </p:sp>
+      <p:sp>
+        <p:nvSpPr>
+          <p:cNvPr id="9" name="직사각형 8">
+            <a:extLst>
+              <a:ext uri="{FF2B5EF4-FFF2-40B4-BE49-F238E27FC236}">
+                <a16:creationId xmlns:a16="http://schemas.microsoft.com/office/drawing/2014/main" id="{AFA03244-38FC-4E5F-9C68-6282639AE89D}"/>
+              </a:ext>
+            </a:extLst>
+          </p:cNvPr>
+          <p:cNvSpPr/>
+          <p:nvPr/>
+        </p:nvSpPr>
+        <p:spPr>
+          <a:xfrm>
+            <a:off x="0" y="4681030"/>
+            <a:ext cx="2614818" cy="2215991"/>
+          </a:xfrm>
+          <a:prstGeom prst="rect">
+            <a:avLst/>
+          </a:prstGeom>
+        </p:spPr>
+        <p:txBody>
+          <a:bodyPr wrap="none">
+            <a:spAutoFit/>
+          </a:bodyPr>
+          <a:lstStyle/>
+          <a:p>
+            <a:r>
+              <a:rPr lang="ko-KR" altLang="en-US" sz="13800" dirty="0">
+                <a:latin typeface="배달의민족 주아" panose="02020603020101020101" pitchFamily="18" charset="-127"/>
+                <a:ea typeface="배달의민족 주아" panose="02020603020101020101" pitchFamily="18" charset="-127"/>
+              </a:rPr>
+              <a:t>😮</a:t>
+            </a:r>
+          </a:p>
+        </p:txBody>
+      </p:sp>
+    </p:spTree>
+    <p:extLst>
+      <p:ext uri="{BB962C8B-B14F-4D97-AF65-F5344CB8AC3E}">
+        <p14:creationId xmlns:p14="http://schemas.microsoft.com/office/powerpoint/2010/main" val="2971704472"/>
+      </p:ext>
+    </p:extLst>
+  </p:cSld>
+  <p:clrMapOvr>
+    <a:masterClrMapping/>
+  </p:clrMapOvr>
+</p:sld>
+</file>
+
+<file path=ppt/slides/slide15.xml><?xml version="1.0" encoding="utf-8"?>
+<p:sld xmlns:a="http://schemas.openxmlformats.org/drawingml/2006/main" xmlns:r="http://schemas.openxmlformats.org/officeDocument/2006/relationships" xmlns:p="http://schemas.openxmlformats.org/presentationml/2006/main">
+  <p:cSld>
+    <p:spTree>
+      <p:nvGrpSpPr>
+        <p:cNvPr id="1" name=""/>
+        <p:cNvGrpSpPr/>
+        <p:nvPr/>
+      </p:nvGrpSpPr>
+      <p:grpSpPr>
+        <a:xfrm>
+          <a:off x="0" y="0"/>
+          <a:ext cx="0" cy="0"/>
+          <a:chOff x="0" y="0"/>
+          <a:chExt cx="0" cy="0"/>
+        </a:xfrm>
+      </p:grpSpPr>
+      <p:sp>
+        <p:nvSpPr>
+          <p:cNvPr id="8" name="직사각형 7">
+            <a:extLst>
+              <a:ext uri="{FF2B5EF4-FFF2-40B4-BE49-F238E27FC236}">
+                <a16:creationId xmlns:a16="http://schemas.microsoft.com/office/drawing/2014/main" id="{DFBEAA6E-A32F-42F3-A86F-FB0C5B8608AB}"/>
+              </a:ext>
+            </a:extLst>
+          </p:cNvPr>
+          <p:cNvSpPr/>
+          <p:nvPr/>
+        </p:nvSpPr>
+        <p:spPr>
+          <a:xfrm>
+            <a:off x="0" y="339365"/>
+            <a:ext cx="3619893" cy="1221117"/>
+          </a:xfrm>
+          <a:prstGeom prst="rect">
+            <a:avLst/>
+          </a:prstGeom>
+          <a:solidFill>
+            <a:schemeClr val="tx1"/>
+          </a:solidFill>
+          <a:ln>
+            <a:solidFill>
+              <a:schemeClr val="tx1"/>
+            </a:solidFill>
+          </a:ln>
+        </p:spPr>
+        <p:style>
+          <a:lnRef idx="2">
+            <a:schemeClr val="accent1">
+              <a:shade val="50000"/>
+            </a:schemeClr>
+          </a:lnRef>
+          <a:fillRef idx="1">
+            <a:schemeClr val="accent1"/>
+          </a:fillRef>
+          <a:effectRef idx="0">
+            <a:schemeClr val="accent1"/>
+          </a:effectRef>
+          <a:fontRef idx="minor">
+            <a:schemeClr val="lt1"/>
+          </a:fontRef>
+        </p:style>
+        <p:txBody>
+          <a:bodyPr rtlCol="0" anchor="ctr"/>
+          <a:lstStyle/>
+          <a:p>
+            <a:pPr algn="ctr"/>
+            <a:r>
+              <a:rPr lang="ko-KR" altLang="en-US" sz="4000" dirty="0">
+                <a:solidFill>
+                  <a:schemeClr val="bg1"/>
+                </a:solidFill>
+                <a:latin typeface="배달의민족 주아" panose="02020603020101020101" pitchFamily="18" charset="-127"/>
+                <a:ea typeface="배달의민족 주아" panose="02020603020101020101" pitchFamily="18" charset="-127"/>
+              </a:rPr>
+              <a:t>비동기 함수</a:t>
+            </a:r>
+            <a:r>
+              <a:rPr lang="en-US" altLang="ko-KR" sz="4000" dirty="0">
+                <a:solidFill>
+                  <a:schemeClr val="bg1"/>
+                </a:solidFill>
+                <a:latin typeface="배달의민족 주아" panose="02020603020101020101" pitchFamily="18" charset="-127"/>
+                <a:ea typeface="배달의민족 주아" panose="02020603020101020101" pitchFamily="18" charset="-127"/>
+              </a:rPr>
+              <a:t>..?</a:t>
+            </a:r>
+            <a:endParaRPr lang="ko-KR" altLang="en-US" sz="4000" dirty="0">
+              <a:solidFill>
+                <a:schemeClr val="bg1"/>
+              </a:solidFill>
+              <a:latin typeface="태나다체 " panose="02000000000000000000" pitchFamily="2" charset="-127"/>
+              <a:ea typeface="태나다체 " panose="02000000000000000000" pitchFamily="2" charset="-127"/>
+            </a:endParaRPr>
+          </a:p>
+        </p:txBody>
+      </p:sp>
+      <p:sp>
+        <p:nvSpPr>
+          <p:cNvPr id="5" name="직사각형 4">
+            <a:extLst>
+              <a:ext uri="{FF2B5EF4-FFF2-40B4-BE49-F238E27FC236}">
+                <a16:creationId xmlns:a16="http://schemas.microsoft.com/office/drawing/2014/main" id="{48FBCDDA-055B-441E-8FE9-39F59BA56A01}"/>
+              </a:ext>
+            </a:extLst>
+          </p:cNvPr>
+          <p:cNvSpPr/>
+          <p:nvPr/>
+        </p:nvSpPr>
+        <p:spPr>
+          <a:xfrm>
+            <a:off x="4376619" y="3235204"/>
+            <a:ext cx="3438762" cy="1200329"/>
+          </a:xfrm>
+          <a:prstGeom prst="rect">
+            <a:avLst/>
+          </a:prstGeom>
+        </p:spPr>
+        <p:txBody>
+          <a:bodyPr wrap="none">
+            <a:spAutoFit/>
+          </a:bodyPr>
+          <a:lstStyle/>
+          <a:p>
+            <a:r>
+              <a:rPr lang="ko-KR" altLang="en-US" sz="7200" dirty="0">
+                <a:latin typeface="배달의민족 주아" panose="02020603020101020101" pitchFamily="18" charset="-127"/>
+                <a:ea typeface="배달의민족 주아" panose="02020603020101020101" pitchFamily="18" charset="-127"/>
+              </a:rPr>
+              <a:t>어쩌라고</a:t>
+            </a:r>
+            <a:r>
+              <a:rPr lang="en-US" altLang="ko-KR" sz="7200" dirty="0">
+                <a:latin typeface="배달의민족 주아" panose="02020603020101020101" pitchFamily="18" charset="-127"/>
+                <a:ea typeface="배달의민족 주아" panose="02020603020101020101" pitchFamily="18" charset="-127"/>
+              </a:rPr>
+              <a:t>;</a:t>
+            </a:r>
+            <a:endParaRPr lang="ko-KR" altLang="en-US" sz="7200" dirty="0">
+              <a:latin typeface="배달의민족 주아" panose="02020603020101020101" pitchFamily="18" charset="-127"/>
+              <a:ea typeface="배달의민족 주아" panose="02020603020101020101" pitchFamily="18" charset="-127"/>
+            </a:endParaRPr>
+          </a:p>
+        </p:txBody>
+      </p:sp>
+      <p:sp>
+        <p:nvSpPr>
+          <p:cNvPr id="9" name="직사각형 8">
+            <a:extLst>
+              <a:ext uri="{FF2B5EF4-FFF2-40B4-BE49-F238E27FC236}">
+                <a16:creationId xmlns:a16="http://schemas.microsoft.com/office/drawing/2014/main" id="{CA6EB879-9563-432C-8951-15B54AE25CDC}"/>
+              </a:ext>
+            </a:extLst>
+          </p:cNvPr>
+          <p:cNvSpPr/>
+          <p:nvPr/>
+        </p:nvSpPr>
+        <p:spPr>
+          <a:xfrm>
+            <a:off x="0" y="4681030"/>
+            <a:ext cx="2614818" cy="2215991"/>
+          </a:xfrm>
+          <a:prstGeom prst="rect">
+            <a:avLst/>
+          </a:prstGeom>
+        </p:spPr>
+        <p:txBody>
+          <a:bodyPr wrap="none">
+            <a:spAutoFit/>
+          </a:bodyPr>
+          <a:lstStyle/>
+          <a:p>
+            <a:r>
+              <a:rPr lang="ko-KR" altLang="en-US" sz="13800" dirty="0">
+                <a:latin typeface="배달의민족 주아" panose="02020603020101020101" pitchFamily="18" charset="-127"/>
+                <a:ea typeface="배달의민족 주아" panose="02020603020101020101" pitchFamily="18" charset="-127"/>
+              </a:rPr>
+              <a:t>😮</a:t>
+            </a:r>
+          </a:p>
+        </p:txBody>
+      </p:sp>
+    </p:spTree>
+    <p:extLst>
+      <p:ext uri="{BB962C8B-B14F-4D97-AF65-F5344CB8AC3E}">
+        <p14:creationId xmlns:p14="http://schemas.microsoft.com/office/powerpoint/2010/main" val="840314306"/>
+      </p:ext>
+    </p:extLst>
+  </p:cSld>
+  <p:clrMapOvr>
+    <a:masterClrMapping/>
+  </p:clrMapOvr>
+</p:sld>
+</file>
+
+<file path=ppt/slides/slide16.xml><?xml version="1.0" encoding="utf-8"?>
+<p:sld xmlns:a="http://schemas.openxmlformats.org/drawingml/2006/main" xmlns:r="http://schemas.openxmlformats.org/officeDocument/2006/relationships" xmlns:p="http://schemas.openxmlformats.org/presentationml/2006/main">
+  <p:cSld>
+    <p:spTree>
+      <p:nvGrpSpPr>
+        <p:cNvPr id="1" name=""/>
+        <p:cNvGrpSpPr/>
+        <p:nvPr/>
+      </p:nvGrpSpPr>
+      <p:grpSpPr>
+        <a:xfrm>
+          <a:off x="0" y="0"/>
+          <a:ext cx="0" cy="0"/>
+          <a:chOff x="0" y="0"/>
+          <a:chExt cx="0" cy="0"/>
+        </a:xfrm>
+      </p:grpSpPr>
+      <p:sp>
+        <p:nvSpPr>
+          <p:cNvPr id="8" name="직사각형 7">
+            <a:extLst>
+              <a:ext uri="{FF2B5EF4-FFF2-40B4-BE49-F238E27FC236}">
+                <a16:creationId xmlns:a16="http://schemas.microsoft.com/office/drawing/2014/main" id="{DFBEAA6E-A32F-42F3-A86F-FB0C5B8608AB}"/>
+              </a:ext>
+            </a:extLst>
+          </p:cNvPr>
+          <p:cNvSpPr/>
+          <p:nvPr/>
+        </p:nvSpPr>
+        <p:spPr>
+          <a:xfrm>
+            <a:off x="0" y="339365"/>
+            <a:ext cx="3619893" cy="1221117"/>
+          </a:xfrm>
+          <a:prstGeom prst="rect">
+            <a:avLst/>
+          </a:prstGeom>
+          <a:solidFill>
+            <a:schemeClr val="tx1"/>
+          </a:solidFill>
+          <a:ln>
+            <a:solidFill>
+              <a:schemeClr val="tx1"/>
+            </a:solidFill>
+          </a:ln>
+        </p:spPr>
+        <p:style>
+          <a:lnRef idx="2">
+            <a:schemeClr val="accent1">
+              <a:shade val="50000"/>
+            </a:schemeClr>
+          </a:lnRef>
+          <a:fillRef idx="1">
+            <a:schemeClr val="accent1"/>
+          </a:fillRef>
+          <a:effectRef idx="0">
+            <a:schemeClr val="accent1"/>
+          </a:effectRef>
+          <a:fontRef idx="minor">
+            <a:schemeClr val="lt1"/>
+          </a:fontRef>
+        </p:style>
+        <p:txBody>
+          <a:bodyPr rtlCol="0" anchor="ctr"/>
+          <a:lstStyle/>
+          <a:p>
+            <a:pPr algn="ctr"/>
+            <a:r>
+              <a:rPr lang="ko-KR" altLang="en-US" sz="4000" dirty="0" err="1">
+                <a:solidFill>
+                  <a:schemeClr val="bg1"/>
+                </a:solidFill>
+                <a:latin typeface="태나다체 " panose="02000000000000000000" pitchFamily="2" charset="-127"/>
+                <a:ea typeface="태나다체 " panose="02000000000000000000" pitchFamily="2" charset="-127"/>
+              </a:rPr>
+              <a:t>응애</a:t>
+            </a:r>
+            <a:r>
+              <a:rPr lang="ko-KR" altLang="en-US" sz="4000" dirty="0">
+                <a:solidFill>
+                  <a:schemeClr val="bg1"/>
+                </a:solidFill>
+                <a:latin typeface="태나다체 " panose="02000000000000000000" pitchFamily="2" charset="-127"/>
+                <a:ea typeface="태나다체 " panose="02000000000000000000" pitchFamily="2" charset="-127"/>
+              </a:rPr>
+              <a:t> 나 소켓</a:t>
+            </a:r>
+          </a:p>
+        </p:txBody>
+      </p:sp>
+      <p:sp>
+        <p:nvSpPr>
+          <p:cNvPr id="5" name="직사각형 4">
+            <a:extLst>
+              <a:ext uri="{FF2B5EF4-FFF2-40B4-BE49-F238E27FC236}">
+                <a16:creationId xmlns:a16="http://schemas.microsoft.com/office/drawing/2014/main" id="{48FBCDDA-055B-441E-8FE9-39F59BA56A01}"/>
+              </a:ext>
+            </a:extLst>
+          </p:cNvPr>
+          <p:cNvSpPr/>
+          <p:nvPr/>
+        </p:nvSpPr>
+        <p:spPr>
+          <a:xfrm rot="19774261">
+            <a:off x="6875313" y="2744512"/>
+            <a:ext cx="2140330" cy="830997"/>
+          </a:xfrm>
+          <a:prstGeom prst="rect">
+            <a:avLst/>
+          </a:prstGeom>
+        </p:spPr>
+        <p:txBody>
+          <a:bodyPr wrap="none">
+            <a:spAutoFit/>
+          </a:bodyPr>
+          <a:lstStyle/>
+          <a:p>
+            <a:r>
+              <a:rPr lang="en-US" altLang="ko-KR" sz="4800" dirty="0">
+                <a:latin typeface="배달의민족 주아" panose="02020603020101020101" pitchFamily="18" charset="-127"/>
+                <a:ea typeface="배달의민족 주아" panose="02020603020101020101" pitchFamily="18" charset="-127"/>
+              </a:rPr>
+              <a:t>&lt;- </a:t>
+            </a:r>
+            <a:r>
+              <a:rPr lang="ko-KR" altLang="en-US" sz="4800" dirty="0">
+                <a:latin typeface="배달의민족 주아" panose="02020603020101020101" pitchFamily="18" charset="-127"/>
+                <a:ea typeface="배달의민족 주아" panose="02020603020101020101" pitchFamily="18" charset="-127"/>
+              </a:rPr>
+              <a:t>요청</a:t>
+            </a:r>
+            <a:r>
+              <a:rPr lang="en-US" altLang="ko-KR" sz="4800" dirty="0">
+                <a:latin typeface="배달의민족 주아" panose="02020603020101020101" pitchFamily="18" charset="-127"/>
+                <a:ea typeface="배달의민족 주아" panose="02020603020101020101" pitchFamily="18" charset="-127"/>
+              </a:rPr>
+              <a:t>!</a:t>
+            </a:r>
+            <a:endParaRPr lang="ko-KR" altLang="en-US" sz="4800" dirty="0">
+              <a:latin typeface="배달의민족 주아" panose="02020603020101020101" pitchFamily="18" charset="-127"/>
+              <a:ea typeface="배달의민족 주아" panose="02020603020101020101" pitchFamily="18" charset="-127"/>
+            </a:endParaRPr>
+          </a:p>
+        </p:txBody>
+      </p:sp>
+      <p:sp>
+        <p:nvSpPr>
+          <p:cNvPr id="2" name="사각형: 둥근 모서리 1">
+            <a:extLst>
+              <a:ext uri="{FF2B5EF4-FFF2-40B4-BE49-F238E27FC236}">
+                <a16:creationId xmlns:a16="http://schemas.microsoft.com/office/drawing/2014/main" id="{839EE860-F60C-4061-8303-337712A04C03}"/>
+              </a:ext>
+            </a:extLst>
+          </p:cNvPr>
+          <p:cNvSpPr/>
+          <p:nvPr/>
+        </p:nvSpPr>
+        <p:spPr>
+          <a:xfrm>
+            <a:off x="3619893" y="3657599"/>
+            <a:ext cx="3040013" cy="2660765"/>
+          </a:xfrm>
+          <a:prstGeom prst="roundRect">
+            <a:avLst/>
+          </a:prstGeom>
+          <a:solidFill>
+            <a:schemeClr val="bg1"/>
+          </a:solidFill>
+          <a:ln w="38100">
+            <a:solidFill>
+              <a:schemeClr val="tx1"/>
+            </a:solidFill>
+          </a:ln>
+        </p:spPr>
+        <p:style>
+          <a:lnRef idx="2">
+            <a:schemeClr val="accent1">
+              <a:shade val="50000"/>
+            </a:schemeClr>
+          </a:lnRef>
+          <a:fillRef idx="1">
+            <a:schemeClr val="accent1"/>
+          </a:fillRef>
+          <a:effectRef idx="0">
+            <a:schemeClr val="accent1"/>
+          </a:effectRef>
+          <a:fontRef idx="minor">
+            <a:schemeClr val="lt1"/>
+          </a:fontRef>
+        </p:style>
+        <p:txBody>
+          <a:bodyPr rtlCol="0" anchor="ctr"/>
+          <a:lstStyle/>
+          <a:p>
+            <a:pPr algn="ctr"/>
+            <a:r>
+              <a:rPr lang="ko-KR" altLang="en-US" sz="4800" dirty="0">
+                <a:solidFill>
+                  <a:schemeClr val="tx1"/>
+                </a:solidFill>
+                <a:latin typeface="배달의민족 주아" panose="02020603020101020101" pitchFamily="18" charset="-127"/>
+                <a:ea typeface="배달의민족 주아" panose="02020603020101020101" pitchFamily="18" charset="-127"/>
+              </a:rPr>
+              <a:t>소켓</a:t>
+            </a:r>
+          </a:p>
+        </p:txBody>
+      </p:sp>
+      <p:sp>
+        <p:nvSpPr>
+          <p:cNvPr id="9" name="직사각형 8">
+            <a:extLst>
+              <a:ext uri="{FF2B5EF4-FFF2-40B4-BE49-F238E27FC236}">
+                <a16:creationId xmlns:a16="http://schemas.microsoft.com/office/drawing/2014/main" id="{96782B69-A5B6-4D9F-A47F-BE72612BE092}"/>
+              </a:ext>
+            </a:extLst>
+          </p:cNvPr>
+          <p:cNvSpPr/>
+          <p:nvPr/>
+        </p:nvSpPr>
+        <p:spPr>
+          <a:xfrm rot="16408163">
+            <a:off x="5152395" y="1939006"/>
+            <a:ext cx="2140330" cy="830997"/>
+          </a:xfrm>
+          <a:prstGeom prst="rect">
+            <a:avLst/>
+          </a:prstGeom>
+        </p:spPr>
+        <p:txBody>
+          <a:bodyPr wrap="none">
+            <a:spAutoFit/>
+          </a:bodyPr>
+          <a:lstStyle/>
+          <a:p>
+            <a:r>
+              <a:rPr lang="en-US" altLang="ko-KR" sz="4800" dirty="0">
+                <a:latin typeface="배달의민족 주아" panose="02020603020101020101" pitchFamily="18" charset="-127"/>
+                <a:ea typeface="배달의민족 주아" panose="02020603020101020101" pitchFamily="18" charset="-127"/>
+              </a:rPr>
+              <a:t>&lt;- </a:t>
+            </a:r>
+            <a:r>
+              <a:rPr lang="ko-KR" altLang="en-US" sz="4800" dirty="0">
+                <a:latin typeface="배달의민족 주아" panose="02020603020101020101" pitchFamily="18" charset="-127"/>
+                <a:ea typeface="배달의민족 주아" panose="02020603020101020101" pitchFamily="18" charset="-127"/>
+              </a:rPr>
+              <a:t>요청</a:t>
+            </a:r>
+            <a:r>
+              <a:rPr lang="en-US" altLang="ko-KR" sz="4800" dirty="0">
+                <a:latin typeface="배달의민족 주아" panose="02020603020101020101" pitchFamily="18" charset="-127"/>
+                <a:ea typeface="배달의민족 주아" panose="02020603020101020101" pitchFamily="18" charset="-127"/>
+              </a:rPr>
+              <a:t>!</a:t>
+            </a:r>
+            <a:endParaRPr lang="ko-KR" altLang="en-US" sz="4800" dirty="0">
+              <a:latin typeface="배달의민족 주아" panose="02020603020101020101" pitchFamily="18" charset="-127"/>
+              <a:ea typeface="배달의민족 주아" panose="02020603020101020101" pitchFamily="18" charset="-127"/>
+            </a:endParaRPr>
+          </a:p>
+        </p:txBody>
+      </p:sp>
+      <p:sp>
+        <p:nvSpPr>
+          <p:cNvPr id="10" name="직사각형 9">
+            <a:extLst>
+              <a:ext uri="{FF2B5EF4-FFF2-40B4-BE49-F238E27FC236}">
+                <a16:creationId xmlns:a16="http://schemas.microsoft.com/office/drawing/2014/main" id="{6000A4F4-057C-4159-AC81-664C8863A949}"/>
+              </a:ext>
+            </a:extLst>
+          </p:cNvPr>
+          <p:cNvSpPr/>
+          <p:nvPr/>
+        </p:nvSpPr>
+        <p:spPr>
+          <a:xfrm rot="17633613">
+            <a:off x="6061965" y="2095355"/>
+            <a:ext cx="2140330" cy="830997"/>
+          </a:xfrm>
+          <a:prstGeom prst="rect">
+            <a:avLst/>
+          </a:prstGeom>
+        </p:spPr>
+        <p:txBody>
+          <a:bodyPr wrap="none">
+            <a:spAutoFit/>
+          </a:bodyPr>
+          <a:lstStyle/>
+          <a:p>
+            <a:r>
+              <a:rPr lang="en-US" altLang="ko-KR" sz="4800" dirty="0">
+                <a:latin typeface="배달의민족 주아" panose="02020603020101020101" pitchFamily="18" charset="-127"/>
+                <a:ea typeface="배달의민족 주아" panose="02020603020101020101" pitchFamily="18" charset="-127"/>
+              </a:rPr>
+              <a:t>&lt;- </a:t>
+            </a:r>
+            <a:r>
+              <a:rPr lang="ko-KR" altLang="en-US" sz="4800" dirty="0">
+                <a:latin typeface="배달의민족 주아" panose="02020603020101020101" pitchFamily="18" charset="-127"/>
+                <a:ea typeface="배달의민족 주아" panose="02020603020101020101" pitchFamily="18" charset="-127"/>
+              </a:rPr>
+              <a:t>요청</a:t>
+            </a:r>
+            <a:r>
+              <a:rPr lang="en-US" altLang="ko-KR" sz="4800" dirty="0">
+                <a:latin typeface="배달의민족 주아" panose="02020603020101020101" pitchFamily="18" charset="-127"/>
+                <a:ea typeface="배달의민족 주아" panose="02020603020101020101" pitchFamily="18" charset="-127"/>
+              </a:rPr>
+              <a:t>!</a:t>
+            </a:r>
+            <a:endParaRPr lang="ko-KR" altLang="en-US" sz="4800" dirty="0">
+              <a:latin typeface="배달의민족 주아" panose="02020603020101020101" pitchFamily="18" charset="-127"/>
+              <a:ea typeface="배달의민족 주아" panose="02020603020101020101" pitchFamily="18" charset="-127"/>
+            </a:endParaRPr>
+          </a:p>
+        </p:txBody>
+      </p:sp>
+      <p:sp>
+        <p:nvSpPr>
+          <p:cNvPr id="12" name="직사각형 11">
+            <a:extLst>
+              <a:ext uri="{FF2B5EF4-FFF2-40B4-BE49-F238E27FC236}">
+                <a16:creationId xmlns:a16="http://schemas.microsoft.com/office/drawing/2014/main" id="{CA6D5812-6F8B-43B2-90BB-A3ACA655481E}"/>
+              </a:ext>
+            </a:extLst>
+          </p:cNvPr>
+          <p:cNvSpPr/>
+          <p:nvPr/>
+        </p:nvSpPr>
+        <p:spPr>
+          <a:xfrm>
+            <a:off x="6996628" y="3840887"/>
+            <a:ext cx="2140330" cy="830997"/>
+          </a:xfrm>
+          <a:prstGeom prst="rect">
+            <a:avLst/>
+          </a:prstGeom>
+        </p:spPr>
+        <p:txBody>
+          <a:bodyPr wrap="none">
+            <a:spAutoFit/>
+          </a:bodyPr>
+          <a:lstStyle/>
+          <a:p>
+            <a:r>
+              <a:rPr lang="en-US" altLang="ko-KR" sz="4800" dirty="0">
+                <a:latin typeface="배달의민족 주아" panose="02020603020101020101" pitchFamily="18" charset="-127"/>
+                <a:ea typeface="배달의민족 주아" panose="02020603020101020101" pitchFamily="18" charset="-127"/>
+              </a:rPr>
+              <a:t>&lt;- </a:t>
+            </a:r>
+            <a:r>
+              <a:rPr lang="ko-KR" altLang="en-US" sz="4800" dirty="0">
+                <a:latin typeface="배달의민족 주아" panose="02020603020101020101" pitchFamily="18" charset="-127"/>
+                <a:ea typeface="배달의민족 주아" panose="02020603020101020101" pitchFamily="18" charset="-127"/>
+              </a:rPr>
+              <a:t>요청</a:t>
+            </a:r>
+            <a:r>
+              <a:rPr lang="en-US" altLang="ko-KR" sz="4800" dirty="0">
+                <a:latin typeface="배달의민족 주아" panose="02020603020101020101" pitchFamily="18" charset="-127"/>
+                <a:ea typeface="배달의민족 주아" panose="02020603020101020101" pitchFamily="18" charset="-127"/>
+              </a:rPr>
+              <a:t>!</a:t>
+            </a:r>
+            <a:endParaRPr lang="ko-KR" altLang="en-US" sz="4800" dirty="0">
+              <a:latin typeface="배달의민족 주아" panose="02020603020101020101" pitchFamily="18" charset="-127"/>
+              <a:ea typeface="배달의민족 주아" panose="02020603020101020101" pitchFamily="18" charset="-127"/>
+            </a:endParaRPr>
+          </a:p>
+        </p:txBody>
+      </p:sp>
+    </p:spTree>
+    <p:extLst>
+      <p:ext uri="{BB962C8B-B14F-4D97-AF65-F5344CB8AC3E}">
+        <p14:creationId xmlns:p14="http://schemas.microsoft.com/office/powerpoint/2010/main" val="973270653"/>
+      </p:ext>
+    </p:extLst>
+  </p:cSld>
+  <p:clrMapOvr>
+    <a:masterClrMapping/>
+  </p:clrMapOvr>
+</p:sld>
+</file>
+
+<file path=ppt/slides/slide17.xml><?xml version="1.0" encoding="utf-8"?>
+<p:sld xmlns:a="http://schemas.openxmlformats.org/drawingml/2006/main" xmlns:r="http://schemas.openxmlformats.org/officeDocument/2006/relationships" xmlns:p="http://schemas.openxmlformats.org/presentationml/2006/main">
+  <p:cSld>
+    <p:spTree>
+      <p:nvGrpSpPr>
+        <p:cNvPr id="1" name=""/>
+        <p:cNvGrpSpPr/>
+        <p:nvPr/>
+      </p:nvGrpSpPr>
+      <p:grpSpPr>
+        <a:xfrm>
+          <a:off x="0" y="0"/>
+          <a:ext cx="0" cy="0"/>
+          <a:chOff x="0" y="0"/>
+          <a:chExt cx="0" cy="0"/>
+        </a:xfrm>
+      </p:grpSpPr>
+      <p:sp>
+        <p:nvSpPr>
+          <p:cNvPr id="5" name="직사각형 4">
+            <a:extLst>
+              <a:ext uri="{FF2B5EF4-FFF2-40B4-BE49-F238E27FC236}">
+                <a16:creationId xmlns:a16="http://schemas.microsoft.com/office/drawing/2014/main" id="{48FBCDDA-055B-441E-8FE9-39F59BA56A01}"/>
+              </a:ext>
+            </a:extLst>
+          </p:cNvPr>
+          <p:cNvSpPr/>
+          <p:nvPr/>
+        </p:nvSpPr>
+        <p:spPr>
+          <a:xfrm rot="19774261">
+            <a:off x="6875313" y="2744512"/>
+            <a:ext cx="2140330" cy="830997"/>
+          </a:xfrm>
+          <a:prstGeom prst="rect">
+            <a:avLst/>
+          </a:prstGeom>
+        </p:spPr>
+        <p:txBody>
+          <a:bodyPr wrap="none">
+            <a:spAutoFit/>
+          </a:bodyPr>
+          <a:lstStyle/>
+          <a:p>
+            <a:r>
+              <a:rPr lang="en-US" altLang="ko-KR" sz="4800" dirty="0">
+                <a:latin typeface="배달의민족 주아" panose="02020603020101020101" pitchFamily="18" charset="-127"/>
+                <a:ea typeface="배달의민족 주아" panose="02020603020101020101" pitchFamily="18" charset="-127"/>
+              </a:rPr>
+              <a:t>&lt;- </a:t>
+            </a:r>
+            <a:r>
+              <a:rPr lang="ko-KR" altLang="en-US" sz="4800" dirty="0">
+                <a:latin typeface="배달의민족 주아" panose="02020603020101020101" pitchFamily="18" charset="-127"/>
+                <a:ea typeface="배달의민족 주아" panose="02020603020101020101" pitchFamily="18" charset="-127"/>
+              </a:rPr>
+              <a:t>요청</a:t>
+            </a:r>
+            <a:r>
+              <a:rPr lang="en-US" altLang="ko-KR" sz="4800" dirty="0">
+                <a:latin typeface="배달의민족 주아" panose="02020603020101020101" pitchFamily="18" charset="-127"/>
+                <a:ea typeface="배달의민족 주아" panose="02020603020101020101" pitchFamily="18" charset="-127"/>
+              </a:rPr>
+              <a:t>!</a:t>
+            </a:r>
+            <a:endParaRPr lang="ko-KR" altLang="en-US" sz="4800" dirty="0">
+              <a:latin typeface="배달의민족 주아" panose="02020603020101020101" pitchFamily="18" charset="-127"/>
+              <a:ea typeface="배달의민족 주아" panose="02020603020101020101" pitchFamily="18" charset="-127"/>
+            </a:endParaRPr>
+          </a:p>
+        </p:txBody>
+      </p:sp>
+      <p:sp>
+        <p:nvSpPr>
+          <p:cNvPr id="2" name="사각형: 둥근 모서리 1">
+            <a:extLst>
+              <a:ext uri="{FF2B5EF4-FFF2-40B4-BE49-F238E27FC236}">
+                <a16:creationId xmlns:a16="http://schemas.microsoft.com/office/drawing/2014/main" id="{839EE860-F60C-4061-8303-337712A04C03}"/>
+              </a:ext>
+            </a:extLst>
+          </p:cNvPr>
+          <p:cNvSpPr/>
+          <p:nvPr/>
+        </p:nvSpPr>
+        <p:spPr>
+          <a:xfrm>
+            <a:off x="3619893" y="3657599"/>
+            <a:ext cx="3040013" cy="2660765"/>
+          </a:xfrm>
+          <a:prstGeom prst="roundRect">
+            <a:avLst/>
+          </a:prstGeom>
+          <a:solidFill>
+            <a:schemeClr val="bg1"/>
+          </a:solidFill>
+          <a:ln w="38100">
+            <a:solidFill>
+              <a:schemeClr val="tx1"/>
+            </a:solidFill>
+          </a:ln>
+        </p:spPr>
+        <p:style>
+          <a:lnRef idx="2">
+            <a:schemeClr val="accent1">
+              <a:shade val="50000"/>
+            </a:schemeClr>
+          </a:lnRef>
+          <a:fillRef idx="1">
+            <a:schemeClr val="accent1"/>
+          </a:fillRef>
+          <a:effectRef idx="0">
+            <a:schemeClr val="accent1"/>
+          </a:effectRef>
+          <a:fontRef idx="minor">
+            <a:schemeClr val="lt1"/>
+          </a:fontRef>
+        </p:style>
+        <p:txBody>
+          <a:bodyPr rtlCol="0" anchor="ctr"/>
+          <a:lstStyle/>
+          <a:p>
+            <a:pPr algn="ctr"/>
+            <a:r>
+              <a:rPr lang="ko-KR" altLang="en-US" sz="4800" dirty="0">
+                <a:solidFill>
+                  <a:schemeClr val="tx1"/>
+                </a:solidFill>
+                <a:latin typeface="배달의민족 주아" panose="02020603020101020101" pitchFamily="18" charset="-127"/>
+                <a:ea typeface="배달의민족 주아" panose="02020603020101020101" pitchFamily="18" charset="-127"/>
+              </a:rPr>
+              <a:t>소켓</a:t>
+            </a:r>
+          </a:p>
+        </p:txBody>
+      </p:sp>
+      <p:sp>
+        <p:nvSpPr>
+          <p:cNvPr id="9" name="직사각형 8">
+            <a:extLst>
+              <a:ext uri="{FF2B5EF4-FFF2-40B4-BE49-F238E27FC236}">
+                <a16:creationId xmlns:a16="http://schemas.microsoft.com/office/drawing/2014/main" id="{96782B69-A5B6-4D9F-A47F-BE72612BE092}"/>
+              </a:ext>
+            </a:extLst>
+          </p:cNvPr>
+          <p:cNvSpPr/>
+          <p:nvPr/>
+        </p:nvSpPr>
+        <p:spPr>
+          <a:xfrm rot="16408163">
+            <a:off x="5152395" y="1939006"/>
+            <a:ext cx="2140330" cy="830997"/>
+          </a:xfrm>
+          <a:prstGeom prst="rect">
+            <a:avLst/>
+          </a:prstGeom>
+        </p:spPr>
+        <p:txBody>
+          <a:bodyPr wrap="none">
+            <a:spAutoFit/>
+          </a:bodyPr>
+          <a:lstStyle/>
+          <a:p>
+            <a:r>
+              <a:rPr lang="en-US" altLang="ko-KR" sz="4800" dirty="0">
+                <a:latin typeface="배달의민족 주아" panose="02020603020101020101" pitchFamily="18" charset="-127"/>
+                <a:ea typeface="배달의민족 주아" panose="02020603020101020101" pitchFamily="18" charset="-127"/>
+              </a:rPr>
+              <a:t>&lt;- </a:t>
+            </a:r>
+            <a:r>
+              <a:rPr lang="ko-KR" altLang="en-US" sz="4800" dirty="0">
+                <a:latin typeface="배달의민족 주아" panose="02020603020101020101" pitchFamily="18" charset="-127"/>
+                <a:ea typeface="배달의민족 주아" panose="02020603020101020101" pitchFamily="18" charset="-127"/>
+              </a:rPr>
+              <a:t>요청</a:t>
+            </a:r>
+            <a:r>
+              <a:rPr lang="en-US" altLang="ko-KR" sz="4800" dirty="0">
+                <a:latin typeface="배달의민족 주아" panose="02020603020101020101" pitchFamily="18" charset="-127"/>
+                <a:ea typeface="배달의민족 주아" panose="02020603020101020101" pitchFamily="18" charset="-127"/>
+              </a:rPr>
+              <a:t>!</a:t>
+            </a:r>
+            <a:endParaRPr lang="ko-KR" altLang="en-US" sz="4800" dirty="0">
+              <a:latin typeface="배달의민족 주아" panose="02020603020101020101" pitchFamily="18" charset="-127"/>
+              <a:ea typeface="배달의민족 주아" panose="02020603020101020101" pitchFamily="18" charset="-127"/>
+            </a:endParaRPr>
+          </a:p>
+        </p:txBody>
+      </p:sp>
+      <p:sp>
+        <p:nvSpPr>
+          <p:cNvPr id="10" name="직사각형 9">
+            <a:extLst>
+              <a:ext uri="{FF2B5EF4-FFF2-40B4-BE49-F238E27FC236}">
+                <a16:creationId xmlns:a16="http://schemas.microsoft.com/office/drawing/2014/main" id="{6000A4F4-057C-4159-AC81-664C8863A949}"/>
+              </a:ext>
+            </a:extLst>
+          </p:cNvPr>
+          <p:cNvSpPr/>
+          <p:nvPr/>
+        </p:nvSpPr>
+        <p:spPr>
+          <a:xfrm rot="17633613">
+            <a:off x="6061965" y="2095355"/>
+            <a:ext cx="2140330" cy="830997"/>
+          </a:xfrm>
+          <a:prstGeom prst="rect">
+            <a:avLst/>
+          </a:prstGeom>
+        </p:spPr>
+        <p:txBody>
+          <a:bodyPr wrap="none">
+            <a:spAutoFit/>
+          </a:bodyPr>
+          <a:lstStyle/>
+          <a:p>
+            <a:r>
+              <a:rPr lang="en-US" altLang="ko-KR" sz="4800" dirty="0">
+                <a:latin typeface="배달의민족 주아" panose="02020603020101020101" pitchFamily="18" charset="-127"/>
+                <a:ea typeface="배달의민족 주아" panose="02020603020101020101" pitchFamily="18" charset="-127"/>
+              </a:rPr>
+              <a:t>&lt;- </a:t>
+            </a:r>
+            <a:r>
+              <a:rPr lang="ko-KR" altLang="en-US" sz="4800" dirty="0">
+                <a:latin typeface="배달의민족 주아" panose="02020603020101020101" pitchFamily="18" charset="-127"/>
+                <a:ea typeface="배달의민족 주아" panose="02020603020101020101" pitchFamily="18" charset="-127"/>
+              </a:rPr>
+              <a:t>요청</a:t>
+            </a:r>
+            <a:r>
+              <a:rPr lang="en-US" altLang="ko-KR" sz="4800" dirty="0">
+                <a:latin typeface="배달의민족 주아" panose="02020603020101020101" pitchFamily="18" charset="-127"/>
+                <a:ea typeface="배달의민족 주아" panose="02020603020101020101" pitchFamily="18" charset="-127"/>
+              </a:rPr>
+              <a:t>!</a:t>
+            </a:r>
+            <a:endParaRPr lang="ko-KR" altLang="en-US" sz="4800" dirty="0">
+              <a:latin typeface="배달의민족 주아" panose="02020603020101020101" pitchFamily="18" charset="-127"/>
+              <a:ea typeface="배달의민족 주아" panose="02020603020101020101" pitchFamily="18" charset="-127"/>
+            </a:endParaRPr>
+          </a:p>
+        </p:txBody>
+      </p:sp>
+      <p:sp>
+        <p:nvSpPr>
+          <p:cNvPr id="12" name="직사각형 11">
+            <a:extLst>
+              <a:ext uri="{FF2B5EF4-FFF2-40B4-BE49-F238E27FC236}">
+                <a16:creationId xmlns:a16="http://schemas.microsoft.com/office/drawing/2014/main" id="{CA6D5812-6F8B-43B2-90BB-A3ACA655481E}"/>
+              </a:ext>
+            </a:extLst>
+          </p:cNvPr>
+          <p:cNvSpPr/>
+          <p:nvPr/>
+        </p:nvSpPr>
+        <p:spPr>
+          <a:xfrm>
+            <a:off x="6996628" y="3840887"/>
+            <a:ext cx="2140330" cy="830997"/>
+          </a:xfrm>
+          <a:prstGeom prst="rect">
+            <a:avLst/>
+          </a:prstGeom>
+        </p:spPr>
+        <p:txBody>
+          <a:bodyPr wrap="none">
+            <a:spAutoFit/>
+          </a:bodyPr>
+          <a:lstStyle/>
+          <a:p>
+            <a:r>
+              <a:rPr lang="en-US" altLang="ko-KR" sz="4800" dirty="0">
+                <a:latin typeface="배달의민족 주아" panose="02020603020101020101" pitchFamily="18" charset="-127"/>
+                <a:ea typeface="배달의민족 주아" panose="02020603020101020101" pitchFamily="18" charset="-127"/>
+              </a:rPr>
+              <a:t>&lt;- </a:t>
+            </a:r>
+            <a:r>
+              <a:rPr lang="ko-KR" altLang="en-US" sz="4800" dirty="0">
+                <a:latin typeface="배달의민족 주아" panose="02020603020101020101" pitchFamily="18" charset="-127"/>
+                <a:ea typeface="배달의민족 주아" panose="02020603020101020101" pitchFamily="18" charset="-127"/>
+              </a:rPr>
+              <a:t>요청</a:t>
+            </a:r>
+            <a:r>
+              <a:rPr lang="en-US" altLang="ko-KR" sz="4800" dirty="0">
+                <a:latin typeface="배달의민족 주아" panose="02020603020101020101" pitchFamily="18" charset="-127"/>
+                <a:ea typeface="배달의민족 주아" panose="02020603020101020101" pitchFamily="18" charset="-127"/>
+              </a:rPr>
+              <a:t>!</a:t>
+            </a:r>
+            <a:endParaRPr lang="ko-KR" altLang="en-US" sz="4800" dirty="0">
+              <a:latin typeface="배달의민족 주아" panose="02020603020101020101" pitchFamily="18" charset="-127"/>
+              <a:ea typeface="배달의민족 주아" panose="02020603020101020101" pitchFamily="18" charset="-127"/>
+            </a:endParaRPr>
+          </a:p>
+        </p:txBody>
+      </p:sp>
+      <p:sp>
+        <p:nvSpPr>
+          <p:cNvPr id="11" name="직사각형 10">
+            <a:extLst>
+              <a:ext uri="{FF2B5EF4-FFF2-40B4-BE49-F238E27FC236}">
+                <a16:creationId xmlns:a16="http://schemas.microsoft.com/office/drawing/2014/main" id="{105E744F-83D7-4B65-A868-CD786B04462F}"/>
+              </a:ext>
+            </a:extLst>
+          </p:cNvPr>
+          <p:cNvSpPr/>
+          <p:nvPr/>
+        </p:nvSpPr>
+        <p:spPr>
+          <a:xfrm>
+            <a:off x="0" y="0"/>
+            <a:ext cx="12192000" cy="6858000"/>
+          </a:xfrm>
+          <a:prstGeom prst="rect">
+            <a:avLst/>
+          </a:prstGeom>
+          <a:solidFill>
+            <a:schemeClr val="tx1">
+              <a:alpha val="65000"/>
+            </a:schemeClr>
+          </a:solidFill>
+          <a:ln>
+            <a:solidFill>
+              <a:schemeClr val="tx1"/>
+            </a:solidFill>
+          </a:ln>
+        </p:spPr>
+        <p:style>
+          <a:lnRef idx="2">
+            <a:schemeClr val="accent1">
+              <a:shade val="50000"/>
+            </a:schemeClr>
+          </a:lnRef>
+          <a:fillRef idx="1">
+            <a:schemeClr val="accent1"/>
+          </a:fillRef>
+          <a:effectRef idx="0">
+            <a:schemeClr val="accent1"/>
+          </a:effectRef>
+          <a:fontRef idx="minor">
+            <a:schemeClr val="lt1"/>
+          </a:fontRef>
+        </p:style>
+        <p:txBody>
+          <a:bodyPr rtlCol="0" anchor="ctr"/>
+          <a:lstStyle/>
+          <a:p>
+            <a:pPr algn="ctr"/>
+            <a:endParaRPr lang="ko-KR" altLang="en-US" sz="1600" dirty="0"/>
+          </a:p>
+        </p:txBody>
+      </p:sp>
+      <p:sp>
+        <p:nvSpPr>
+          <p:cNvPr id="8" name="직사각형 7">
+            <a:extLst>
+              <a:ext uri="{FF2B5EF4-FFF2-40B4-BE49-F238E27FC236}">
+                <a16:creationId xmlns:a16="http://schemas.microsoft.com/office/drawing/2014/main" id="{DFBEAA6E-A32F-42F3-A86F-FB0C5B8608AB}"/>
+              </a:ext>
+            </a:extLst>
+          </p:cNvPr>
+          <p:cNvSpPr/>
+          <p:nvPr/>
+        </p:nvSpPr>
+        <p:spPr>
+          <a:xfrm>
+            <a:off x="0" y="339365"/>
+            <a:ext cx="3619893" cy="1221117"/>
+          </a:xfrm>
+          <a:prstGeom prst="rect">
+            <a:avLst/>
+          </a:prstGeom>
+          <a:solidFill>
+            <a:schemeClr val="tx1"/>
+          </a:solidFill>
+          <a:ln>
+            <a:solidFill>
+              <a:schemeClr val="tx1"/>
+            </a:solidFill>
+          </a:ln>
+        </p:spPr>
+        <p:style>
+          <a:lnRef idx="2">
+            <a:schemeClr val="accent1">
+              <a:shade val="50000"/>
+            </a:schemeClr>
+          </a:lnRef>
+          <a:fillRef idx="1">
+            <a:schemeClr val="accent1"/>
+          </a:fillRef>
+          <a:effectRef idx="0">
+            <a:schemeClr val="accent1"/>
+          </a:effectRef>
+          <a:fontRef idx="minor">
+            <a:schemeClr val="lt1"/>
+          </a:fontRef>
+        </p:style>
+        <p:txBody>
+          <a:bodyPr rtlCol="0" anchor="ctr"/>
+          <a:lstStyle/>
+          <a:p>
+            <a:pPr algn="ctr"/>
+            <a:r>
+              <a:rPr lang="ko-KR" altLang="en-US" sz="4000" dirty="0" err="1">
+                <a:solidFill>
+                  <a:schemeClr val="bg1"/>
+                </a:solidFill>
+                <a:latin typeface="태나다체 " panose="02000000000000000000" pitchFamily="2" charset="-127"/>
+                <a:ea typeface="태나다체 " panose="02000000000000000000" pitchFamily="2" charset="-127"/>
+              </a:rPr>
+              <a:t>응애</a:t>
+            </a:r>
+            <a:r>
+              <a:rPr lang="ko-KR" altLang="en-US" sz="4000" dirty="0">
+                <a:solidFill>
+                  <a:schemeClr val="bg1"/>
+                </a:solidFill>
+                <a:latin typeface="태나다체 " panose="02000000000000000000" pitchFamily="2" charset="-127"/>
+                <a:ea typeface="태나다체 " panose="02000000000000000000" pitchFamily="2" charset="-127"/>
+              </a:rPr>
+              <a:t> 나 소켓</a:t>
+            </a:r>
+          </a:p>
+        </p:txBody>
+      </p:sp>
+      <p:sp>
+        <p:nvSpPr>
+          <p:cNvPr id="13" name="직사각형 12">
+            <a:extLst>
+              <a:ext uri="{FF2B5EF4-FFF2-40B4-BE49-F238E27FC236}">
+                <a16:creationId xmlns:a16="http://schemas.microsoft.com/office/drawing/2014/main" id="{A9EF1379-73A9-4B7A-B920-7B9DD3843BB8}"/>
+              </a:ext>
+            </a:extLst>
+          </p:cNvPr>
+          <p:cNvSpPr/>
+          <p:nvPr/>
+        </p:nvSpPr>
+        <p:spPr>
+          <a:xfrm>
+            <a:off x="4100101" y="3301251"/>
+            <a:ext cx="3991798" cy="1015663"/>
+          </a:xfrm>
+          <a:prstGeom prst="rect">
+            <a:avLst/>
+          </a:prstGeom>
+        </p:spPr>
+        <p:txBody>
+          <a:bodyPr wrap="none">
+            <a:spAutoFit/>
+          </a:bodyPr>
+          <a:lstStyle/>
+          <a:p>
+            <a:r>
+              <a:rPr lang="ko-KR" altLang="en-US" sz="6000" dirty="0">
+                <a:solidFill>
+                  <a:schemeClr val="bg1"/>
+                </a:solidFill>
+                <a:latin typeface="배달의민족 주아" panose="02020603020101020101" pitchFamily="18" charset="-127"/>
+                <a:ea typeface="배달의민족 주아" panose="02020603020101020101" pitchFamily="18" charset="-127"/>
+              </a:rPr>
+              <a:t>제발 그만해</a:t>
+            </a:r>
+            <a:r>
+              <a:rPr lang="en-US" altLang="ko-KR" sz="6000" dirty="0">
+                <a:solidFill>
+                  <a:schemeClr val="bg1"/>
+                </a:solidFill>
+                <a:latin typeface="배달의민족 주아" panose="02020603020101020101" pitchFamily="18" charset="-127"/>
+                <a:ea typeface="배달의민족 주아" panose="02020603020101020101" pitchFamily="18" charset="-127"/>
+              </a:rPr>
+              <a:t>!!</a:t>
+            </a:r>
+            <a:endParaRPr lang="ko-KR" altLang="en-US" sz="6000" dirty="0">
+              <a:solidFill>
+                <a:schemeClr val="bg1"/>
+              </a:solidFill>
+              <a:latin typeface="배달의민족 주아" panose="02020603020101020101" pitchFamily="18" charset="-127"/>
+              <a:ea typeface="배달의민족 주아" panose="02020603020101020101" pitchFamily="18" charset="-127"/>
+            </a:endParaRPr>
+          </a:p>
+        </p:txBody>
+      </p:sp>
+    </p:spTree>
+    <p:extLst>
+      <p:ext uri="{BB962C8B-B14F-4D97-AF65-F5344CB8AC3E}">
+        <p14:creationId xmlns:p14="http://schemas.microsoft.com/office/powerpoint/2010/main" val="1382262946"/>
+      </p:ext>
+    </p:extLst>
+  </p:cSld>
+  <p:clrMapOvr>
+    <a:masterClrMapping/>
+  </p:clrMapOvr>
+</p:sld>
+</file>
+
+<file path=ppt/slides/slide18.xml><?xml version="1.0" encoding="utf-8"?>
+<p:sld xmlns:a="http://schemas.openxmlformats.org/drawingml/2006/main" xmlns:r="http://schemas.openxmlformats.org/officeDocument/2006/relationships" xmlns:p="http://schemas.openxmlformats.org/presentationml/2006/main">
+  <p:cSld>
+    <p:spTree>
+      <p:nvGrpSpPr>
+        <p:cNvPr id="1" name=""/>
+        <p:cNvGrpSpPr/>
+        <p:nvPr/>
+      </p:nvGrpSpPr>
+      <p:grpSpPr>
+        <a:xfrm>
+          <a:off x="0" y="0"/>
+          <a:ext cx="0" cy="0"/>
+          <a:chOff x="0" y="0"/>
+          <a:chExt cx="0" cy="0"/>
+        </a:xfrm>
+      </p:grpSpPr>
+      <p:sp>
+        <p:nvSpPr>
+          <p:cNvPr id="5" name="직사각형 4">
+            <a:extLst>
+              <a:ext uri="{FF2B5EF4-FFF2-40B4-BE49-F238E27FC236}">
+                <a16:creationId xmlns:a16="http://schemas.microsoft.com/office/drawing/2014/main" id="{48FBCDDA-055B-441E-8FE9-39F59BA56A01}"/>
+              </a:ext>
+            </a:extLst>
+          </p:cNvPr>
+          <p:cNvSpPr/>
+          <p:nvPr/>
+        </p:nvSpPr>
+        <p:spPr>
+          <a:xfrm rot="19774261">
+            <a:off x="6875313" y="2744512"/>
+            <a:ext cx="2140330" cy="830997"/>
+          </a:xfrm>
+          <a:prstGeom prst="rect">
+            <a:avLst/>
+          </a:prstGeom>
+        </p:spPr>
+        <p:txBody>
+          <a:bodyPr wrap="none">
+            <a:spAutoFit/>
+          </a:bodyPr>
+          <a:lstStyle/>
+          <a:p>
+            <a:r>
+              <a:rPr lang="en-US" altLang="ko-KR" sz="4800" dirty="0">
+                <a:latin typeface="배달의민족 주아" panose="02020603020101020101" pitchFamily="18" charset="-127"/>
+                <a:ea typeface="배달의민족 주아" panose="02020603020101020101" pitchFamily="18" charset="-127"/>
+              </a:rPr>
+              <a:t>&lt;- </a:t>
+            </a:r>
+            <a:r>
+              <a:rPr lang="ko-KR" altLang="en-US" sz="4800" dirty="0">
+                <a:latin typeface="배달의민족 주아" panose="02020603020101020101" pitchFamily="18" charset="-127"/>
+                <a:ea typeface="배달의민족 주아" panose="02020603020101020101" pitchFamily="18" charset="-127"/>
+              </a:rPr>
+              <a:t>요청</a:t>
+            </a:r>
+            <a:r>
+              <a:rPr lang="en-US" altLang="ko-KR" sz="4800" dirty="0">
+                <a:latin typeface="배달의민족 주아" panose="02020603020101020101" pitchFamily="18" charset="-127"/>
+                <a:ea typeface="배달의민족 주아" panose="02020603020101020101" pitchFamily="18" charset="-127"/>
+              </a:rPr>
+              <a:t>!</a:t>
+            </a:r>
+            <a:endParaRPr lang="ko-KR" altLang="en-US" sz="4800" dirty="0">
+              <a:latin typeface="배달의민족 주아" panose="02020603020101020101" pitchFamily="18" charset="-127"/>
+              <a:ea typeface="배달의민족 주아" panose="02020603020101020101" pitchFamily="18" charset="-127"/>
+            </a:endParaRPr>
+          </a:p>
+        </p:txBody>
+      </p:sp>
+      <p:sp>
+        <p:nvSpPr>
+          <p:cNvPr id="2" name="사각형: 둥근 모서리 1">
+            <a:extLst>
+              <a:ext uri="{FF2B5EF4-FFF2-40B4-BE49-F238E27FC236}">
+                <a16:creationId xmlns:a16="http://schemas.microsoft.com/office/drawing/2014/main" id="{839EE860-F60C-4061-8303-337712A04C03}"/>
+              </a:ext>
+            </a:extLst>
+          </p:cNvPr>
+          <p:cNvSpPr/>
+          <p:nvPr/>
+        </p:nvSpPr>
+        <p:spPr>
+          <a:xfrm>
+            <a:off x="3619893" y="3657599"/>
+            <a:ext cx="3040013" cy="2660765"/>
+          </a:xfrm>
+          <a:prstGeom prst="roundRect">
+            <a:avLst/>
+          </a:prstGeom>
+          <a:solidFill>
+            <a:schemeClr val="bg1"/>
+          </a:solidFill>
+          <a:ln w="38100">
+            <a:solidFill>
+              <a:schemeClr val="tx1"/>
+            </a:solidFill>
+          </a:ln>
+        </p:spPr>
+        <p:style>
+          <a:lnRef idx="2">
+            <a:schemeClr val="accent1">
+              <a:shade val="50000"/>
+            </a:schemeClr>
+          </a:lnRef>
+          <a:fillRef idx="1">
+            <a:schemeClr val="accent1"/>
+          </a:fillRef>
+          <a:effectRef idx="0">
+            <a:schemeClr val="accent1"/>
+          </a:effectRef>
+          <a:fontRef idx="minor">
+            <a:schemeClr val="lt1"/>
+          </a:fontRef>
+        </p:style>
+        <p:txBody>
+          <a:bodyPr rtlCol="0" anchor="ctr"/>
+          <a:lstStyle/>
+          <a:p>
+            <a:pPr algn="ctr"/>
+            <a:r>
+              <a:rPr lang="ko-KR" altLang="en-US" sz="4800" dirty="0">
+                <a:solidFill>
+                  <a:schemeClr val="tx1"/>
+                </a:solidFill>
+                <a:latin typeface="배달의민족 주아" panose="02020603020101020101" pitchFamily="18" charset="-127"/>
+                <a:ea typeface="배달의민족 주아" panose="02020603020101020101" pitchFamily="18" charset="-127"/>
+              </a:rPr>
+              <a:t>소켓</a:t>
+            </a:r>
+          </a:p>
+        </p:txBody>
+      </p:sp>
+      <p:sp>
+        <p:nvSpPr>
+          <p:cNvPr id="9" name="직사각형 8">
+            <a:extLst>
+              <a:ext uri="{FF2B5EF4-FFF2-40B4-BE49-F238E27FC236}">
+                <a16:creationId xmlns:a16="http://schemas.microsoft.com/office/drawing/2014/main" id="{96782B69-A5B6-4D9F-A47F-BE72612BE092}"/>
+              </a:ext>
+            </a:extLst>
+          </p:cNvPr>
+          <p:cNvSpPr/>
+          <p:nvPr/>
+        </p:nvSpPr>
+        <p:spPr>
+          <a:xfrm rot="16408163">
+            <a:off x="5152395" y="1939006"/>
+            <a:ext cx="2140330" cy="830997"/>
+          </a:xfrm>
+          <a:prstGeom prst="rect">
+            <a:avLst/>
+          </a:prstGeom>
+        </p:spPr>
+        <p:txBody>
+          <a:bodyPr wrap="none">
+            <a:spAutoFit/>
+          </a:bodyPr>
+          <a:lstStyle/>
+          <a:p>
+            <a:r>
+              <a:rPr lang="en-US" altLang="ko-KR" sz="4800" dirty="0">
+                <a:latin typeface="배달의민족 주아" panose="02020603020101020101" pitchFamily="18" charset="-127"/>
+                <a:ea typeface="배달의민족 주아" panose="02020603020101020101" pitchFamily="18" charset="-127"/>
+              </a:rPr>
+              <a:t>&lt;- </a:t>
+            </a:r>
+            <a:r>
+              <a:rPr lang="ko-KR" altLang="en-US" sz="4800" dirty="0">
+                <a:latin typeface="배달의민족 주아" panose="02020603020101020101" pitchFamily="18" charset="-127"/>
+                <a:ea typeface="배달의민족 주아" panose="02020603020101020101" pitchFamily="18" charset="-127"/>
+              </a:rPr>
+              <a:t>요청</a:t>
+            </a:r>
+            <a:r>
+              <a:rPr lang="en-US" altLang="ko-KR" sz="4800" dirty="0">
+                <a:latin typeface="배달의민족 주아" panose="02020603020101020101" pitchFamily="18" charset="-127"/>
+                <a:ea typeface="배달의민족 주아" panose="02020603020101020101" pitchFamily="18" charset="-127"/>
+              </a:rPr>
+              <a:t>!</a:t>
+            </a:r>
+            <a:endParaRPr lang="ko-KR" altLang="en-US" sz="4800" dirty="0">
+              <a:latin typeface="배달의민족 주아" panose="02020603020101020101" pitchFamily="18" charset="-127"/>
+              <a:ea typeface="배달의민족 주아" panose="02020603020101020101" pitchFamily="18" charset="-127"/>
+            </a:endParaRPr>
+          </a:p>
+        </p:txBody>
+      </p:sp>
+      <p:sp>
+        <p:nvSpPr>
+          <p:cNvPr id="10" name="직사각형 9">
+            <a:extLst>
+              <a:ext uri="{FF2B5EF4-FFF2-40B4-BE49-F238E27FC236}">
+                <a16:creationId xmlns:a16="http://schemas.microsoft.com/office/drawing/2014/main" id="{6000A4F4-057C-4159-AC81-664C8863A949}"/>
+              </a:ext>
+            </a:extLst>
+          </p:cNvPr>
+          <p:cNvSpPr/>
+          <p:nvPr/>
+        </p:nvSpPr>
+        <p:spPr>
+          <a:xfrm rot="17633613">
+            <a:off x="6061965" y="2095355"/>
+            <a:ext cx="2140330" cy="830997"/>
+          </a:xfrm>
+          <a:prstGeom prst="rect">
+            <a:avLst/>
+          </a:prstGeom>
+        </p:spPr>
+        <p:txBody>
+          <a:bodyPr wrap="none">
+            <a:spAutoFit/>
+          </a:bodyPr>
+          <a:lstStyle/>
+          <a:p>
+            <a:r>
+              <a:rPr lang="en-US" altLang="ko-KR" sz="4800" dirty="0">
+                <a:latin typeface="배달의민족 주아" panose="02020603020101020101" pitchFamily="18" charset="-127"/>
+                <a:ea typeface="배달의민족 주아" panose="02020603020101020101" pitchFamily="18" charset="-127"/>
+              </a:rPr>
+              <a:t>&lt;- </a:t>
+            </a:r>
+            <a:r>
+              <a:rPr lang="ko-KR" altLang="en-US" sz="4800" dirty="0">
+                <a:latin typeface="배달의민족 주아" panose="02020603020101020101" pitchFamily="18" charset="-127"/>
+                <a:ea typeface="배달의민족 주아" panose="02020603020101020101" pitchFamily="18" charset="-127"/>
+              </a:rPr>
+              <a:t>요청</a:t>
+            </a:r>
+            <a:r>
+              <a:rPr lang="en-US" altLang="ko-KR" sz="4800" dirty="0">
+                <a:latin typeface="배달의민족 주아" panose="02020603020101020101" pitchFamily="18" charset="-127"/>
+                <a:ea typeface="배달의민족 주아" panose="02020603020101020101" pitchFamily="18" charset="-127"/>
+              </a:rPr>
+              <a:t>!</a:t>
+            </a:r>
+            <a:endParaRPr lang="ko-KR" altLang="en-US" sz="4800" dirty="0">
+              <a:latin typeface="배달의민족 주아" panose="02020603020101020101" pitchFamily="18" charset="-127"/>
+              <a:ea typeface="배달의민족 주아" panose="02020603020101020101" pitchFamily="18" charset="-127"/>
+            </a:endParaRPr>
+          </a:p>
+        </p:txBody>
+      </p:sp>
+      <p:sp>
+        <p:nvSpPr>
+          <p:cNvPr id="12" name="직사각형 11">
+            <a:extLst>
+              <a:ext uri="{FF2B5EF4-FFF2-40B4-BE49-F238E27FC236}">
+                <a16:creationId xmlns:a16="http://schemas.microsoft.com/office/drawing/2014/main" id="{CA6D5812-6F8B-43B2-90BB-A3ACA655481E}"/>
+              </a:ext>
+            </a:extLst>
+          </p:cNvPr>
+          <p:cNvSpPr/>
+          <p:nvPr/>
+        </p:nvSpPr>
+        <p:spPr>
+          <a:xfrm>
+            <a:off x="6996628" y="3840887"/>
+            <a:ext cx="2140330" cy="830997"/>
+          </a:xfrm>
+          <a:prstGeom prst="rect">
+            <a:avLst/>
+          </a:prstGeom>
+        </p:spPr>
+        <p:txBody>
+          <a:bodyPr wrap="none">
+            <a:spAutoFit/>
+          </a:bodyPr>
+          <a:lstStyle/>
+          <a:p>
+            <a:r>
+              <a:rPr lang="en-US" altLang="ko-KR" sz="4800" dirty="0">
+                <a:latin typeface="배달의민족 주아" panose="02020603020101020101" pitchFamily="18" charset="-127"/>
+                <a:ea typeface="배달의민족 주아" panose="02020603020101020101" pitchFamily="18" charset="-127"/>
+              </a:rPr>
+              <a:t>&lt;- </a:t>
+            </a:r>
+            <a:r>
+              <a:rPr lang="ko-KR" altLang="en-US" sz="4800" dirty="0">
+                <a:latin typeface="배달의민족 주아" panose="02020603020101020101" pitchFamily="18" charset="-127"/>
+                <a:ea typeface="배달의민족 주아" panose="02020603020101020101" pitchFamily="18" charset="-127"/>
+              </a:rPr>
+              <a:t>요청</a:t>
+            </a:r>
+            <a:r>
+              <a:rPr lang="en-US" altLang="ko-KR" sz="4800" dirty="0">
+                <a:latin typeface="배달의민족 주아" panose="02020603020101020101" pitchFamily="18" charset="-127"/>
+                <a:ea typeface="배달의민족 주아" panose="02020603020101020101" pitchFamily="18" charset="-127"/>
+              </a:rPr>
+              <a:t>!</a:t>
+            </a:r>
+            <a:endParaRPr lang="ko-KR" altLang="en-US" sz="4800" dirty="0">
+              <a:latin typeface="배달의민족 주아" panose="02020603020101020101" pitchFamily="18" charset="-127"/>
+              <a:ea typeface="배달의민족 주아" panose="02020603020101020101" pitchFamily="18" charset="-127"/>
+            </a:endParaRPr>
+          </a:p>
+        </p:txBody>
+      </p:sp>
+      <p:sp>
+        <p:nvSpPr>
+          <p:cNvPr id="11" name="직사각형 10">
+            <a:extLst>
+              <a:ext uri="{FF2B5EF4-FFF2-40B4-BE49-F238E27FC236}">
+                <a16:creationId xmlns:a16="http://schemas.microsoft.com/office/drawing/2014/main" id="{105E744F-83D7-4B65-A868-CD786B04462F}"/>
+              </a:ext>
+            </a:extLst>
+          </p:cNvPr>
+          <p:cNvSpPr/>
+          <p:nvPr/>
+        </p:nvSpPr>
+        <p:spPr>
+          <a:xfrm>
+            <a:off x="0" y="0"/>
+            <a:ext cx="12192000" cy="6858000"/>
+          </a:xfrm>
+          <a:prstGeom prst="rect">
+            <a:avLst/>
+          </a:prstGeom>
+          <a:solidFill>
+            <a:schemeClr val="tx1">
+              <a:alpha val="65000"/>
+            </a:schemeClr>
+          </a:solidFill>
+          <a:ln>
+            <a:solidFill>
+              <a:schemeClr val="tx1"/>
+            </a:solidFill>
+          </a:ln>
+        </p:spPr>
+        <p:style>
+          <a:lnRef idx="2">
+            <a:schemeClr val="accent1">
+              <a:shade val="50000"/>
+            </a:schemeClr>
+          </a:lnRef>
+          <a:fillRef idx="1">
+            <a:schemeClr val="accent1"/>
+          </a:fillRef>
+          <a:effectRef idx="0">
+            <a:schemeClr val="accent1"/>
+          </a:effectRef>
+          <a:fontRef idx="minor">
+            <a:schemeClr val="lt1"/>
+          </a:fontRef>
+        </p:style>
+        <p:txBody>
+          <a:bodyPr rtlCol="0" anchor="ctr"/>
+          <a:lstStyle/>
+          <a:p>
+            <a:pPr algn="ctr"/>
+            <a:endParaRPr lang="ko-KR" altLang="en-US" sz="1600" dirty="0"/>
+          </a:p>
+        </p:txBody>
+      </p:sp>
+      <p:sp>
+        <p:nvSpPr>
+          <p:cNvPr id="8" name="직사각형 7">
+            <a:extLst>
+              <a:ext uri="{FF2B5EF4-FFF2-40B4-BE49-F238E27FC236}">
+                <a16:creationId xmlns:a16="http://schemas.microsoft.com/office/drawing/2014/main" id="{DFBEAA6E-A32F-42F3-A86F-FB0C5B8608AB}"/>
+              </a:ext>
+            </a:extLst>
+          </p:cNvPr>
+          <p:cNvSpPr/>
+          <p:nvPr/>
+        </p:nvSpPr>
+        <p:spPr>
+          <a:xfrm>
+            <a:off x="0" y="339365"/>
+            <a:ext cx="3619893" cy="1221117"/>
+          </a:xfrm>
+          <a:prstGeom prst="rect">
+            <a:avLst/>
+          </a:prstGeom>
+          <a:solidFill>
+            <a:schemeClr val="tx1"/>
+          </a:solidFill>
+          <a:ln>
+            <a:solidFill>
+              <a:schemeClr val="tx1"/>
+            </a:solidFill>
+          </a:ln>
+        </p:spPr>
+        <p:style>
+          <a:lnRef idx="2">
+            <a:schemeClr val="accent1">
+              <a:shade val="50000"/>
+            </a:schemeClr>
+          </a:lnRef>
+          <a:fillRef idx="1">
+            <a:schemeClr val="accent1"/>
+          </a:fillRef>
+          <a:effectRef idx="0">
+            <a:schemeClr val="accent1"/>
+          </a:effectRef>
+          <a:fontRef idx="minor">
+            <a:schemeClr val="lt1"/>
+          </a:fontRef>
+        </p:style>
+        <p:txBody>
+          <a:bodyPr rtlCol="0" anchor="ctr"/>
+          <a:lstStyle/>
+          <a:p>
+            <a:pPr algn="ctr"/>
+            <a:r>
+              <a:rPr lang="ko-KR" altLang="en-US" sz="4000" dirty="0" err="1">
+                <a:solidFill>
+                  <a:schemeClr val="bg1"/>
+                </a:solidFill>
+                <a:latin typeface="태나다체 " panose="02000000000000000000" pitchFamily="2" charset="-127"/>
+                <a:ea typeface="태나다체 " panose="02000000000000000000" pitchFamily="2" charset="-127"/>
+              </a:rPr>
+              <a:t>응애</a:t>
+            </a:r>
+            <a:r>
+              <a:rPr lang="ko-KR" altLang="en-US" sz="4000" dirty="0">
+                <a:solidFill>
+                  <a:schemeClr val="bg1"/>
+                </a:solidFill>
+                <a:latin typeface="태나다체 " panose="02000000000000000000" pitchFamily="2" charset="-127"/>
+                <a:ea typeface="태나다체 " panose="02000000000000000000" pitchFamily="2" charset="-127"/>
+              </a:rPr>
+              <a:t> 나 소켓</a:t>
+            </a:r>
+          </a:p>
+        </p:txBody>
+      </p:sp>
+      <p:sp>
+        <p:nvSpPr>
+          <p:cNvPr id="13" name="직사각형 12">
+            <a:extLst>
+              <a:ext uri="{FF2B5EF4-FFF2-40B4-BE49-F238E27FC236}">
+                <a16:creationId xmlns:a16="http://schemas.microsoft.com/office/drawing/2014/main" id="{A9EF1379-73A9-4B7A-B920-7B9DD3843BB8}"/>
+              </a:ext>
+            </a:extLst>
+          </p:cNvPr>
+          <p:cNvSpPr/>
+          <p:nvPr/>
+        </p:nvSpPr>
+        <p:spPr>
+          <a:xfrm>
+            <a:off x="4100101" y="3301251"/>
+            <a:ext cx="3874779" cy="1015663"/>
+          </a:xfrm>
+          <a:prstGeom prst="rect">
+            <a:avLst/>
+          </a:prstGeom>
+        </p:spPr>
+        <p:txBody>
+          <a:bodyPr wrap="none">
+            <a:spAutoFit/>
+          </a:bodyPr>
+          <a:lstStyle/>
+          <a:p>
+            <a:r>
+              <a:rPr lang="ko-KR" altLang="en-US" sz="6000" dirty="0">
+                <a:solidFill>
+                  <a:schemeClr val="bg1"/>
+                </a:solidFill>
+                <a:latin typeface="배달의민족 주아" panose="02020603020101020101" pitchFamily="18" charset="-127"/>
+                <a:ea typeface="배달의민족 주아" panose="02020603020101020101" pitchFamily="18" charset="-127"/>
+              </a:rPr>
+              <a:t>그럼 어떡해</a:t>
+            </a:r>
+            <a:r>
+              <a:rPr lang="en-US" altLang="ko-KR" sz="6000" dirty="0">
+                <a:solidFill>
+                  <a:schemeClr val="bg1"/>
+                </a:solidFill>
+                <a:latin typeface="배달의민족 주아" panose="02020603020101020101" pitchFamily="18" charset="-127"/>
+                <a:ea typeface="배달의민족 주아" panose="02020603020101020101" pitchFamily="18" charset="-127"/>
+              </a:rPr>
+              <a:t>?</a:t>
+            </a:r>
+            <a:endParaRPr lang="ko-KR" altLang="en-US" sz="6000" dirty="0">
+              <a:solidFill>
+                <a:schemeClr val="bg1"/>
+              </a:solidFill>
+              <a:latin typeface="배달의민족 주아" panose="02020603020101020101" pitchFamily="18" charset="-127"/>
+              <a:ea typeface="배달의민족 주아" panose="02020603020101020101" pitchFamily="18" charset="-127"/>
+            </a:endParaRPr>
+          </a:p>
+        </p:txBody>
+      </p:sp>
+    </p:spTree>
+    <p:extLst>
+      <p:ext uri="{BB962C8B-B14F-4D97-AF65-F5344CB8AC3E}">
+        <p14:creationId xmlns:p14="http://schemas.microsoft.com/office/powerpoint/2010/main" val="1398520548"/>
+      </p:ext>
+    </p:extLst>
+  </p:cSld>
+  <p:clrMapOvr>
+    <a:masterClrMapping/>
+  </p:clrMapOvr>
+</p:sld>
+</file>
+
+<file path=ppt/slides/slide19.xml><?xml version="1.0" encoding="utf-8"?>
+<p:sld xmlns:a="http://schemas.openxmlformats.org/drawingml/2006/main" xmlns:r="http://schemas.openxmlformats.org/officeDocument/2006/relationships" xmlns:p="http://schemas.openxmlformats.org/presentationml/2006/main">
+  <p:cSld>
+    <p:spTree>
+      <p:nvGrpSpPr>
+        <p:cNvPr id="1" name=""/>
+        <p:cNvGrpSpPr/>
+        <p:nvPr/>
+      </p:nvGrpSpPr>
+      <p:grpSpPr>
+        <a:xfrm>
+          <a:off x="0" y="0"/>
+          <a:ext cx="0" cy="0"/>
+          <a:chOff x="0" y="0"/>
+          <a:chExt cx="0" cy="0"/>
+        </a:xfrm>
+      </p:grpSpPr>
+      <p:sp>
+        <p:nvSpPr>
+          <p:cNvPr id="2" name="사각형: 둥근 모서리 1">
+            <a:extLst>
+              <a:ext uri="{FF2B5EF4-FFF2-40B4-BE49-F238E27FC236}">
+                <a16:creationId xmlns:a16="http://schemas.microsoft.com/office/drawing/2014/main" id="{839EE860-F60C-4061-8303-337712A04C03}"/>
+              </a:ext>
+            </a:extLst>
+          </p:cNvPr>
+          <p:cNvSpPr/>
+          <p:nvPr/>
+        </p:nvSpPr>
+        <p:spPr>
+          <a:xfrm>
+            <a:off x="697585" y="5203349"/>
+            <a:ext cx="1187776" cy="1039599"/>
+          </a:xfrm>
+          <a:prstGeom prst="roundRect">
+            <a:avLst/>
+          </a:prstGeom>
+          <a:solidFill>
+            <a:schemeClr val="bg1"/>
+          </a:solidFill>
+          <a:ln w="38100">
+            <a:solidFill>
+              <a:schemeClr val="tx1"/>
+            </a:solidFill>
+          </a:ln>
+        </p:spPr>
+        <p:style>
+          <a:lnRef idx="2">
+            <a:schemeClr val="accent1">
+              <a:shade val="50000"/>
+            </a:schemeClr>
+          </a:lnRef>
+          <a:fillRef idx="1">
+            <a:schemeClr val="accent1"/>
+          </a:fillRef>
+          <a:effectRef idx="0">
+            <a:schemeClr val="accent1"/>
+          </a:effectRef>
+          <a:fontRef idx="minor">
+            <a:schemeClr val="lt1"/>
+          </a:fontRef>
+        </p:style>
+        <p:txBody>
+          <a:bodyPr rtlCol="0" anchor="ctr"/>
+          <a:lstStyle/>
+          <a:p>
+            <a:pPr algn="ctr"/>
+            <a:r>
+              <a:rPr lang="ko-KR" altLang="en-US" sz="2800" dirty="0">
+                <a:solidFill>
+                  <a:schemeClr val="tx1"/>
+                </a:solidFill>
+                <a:latin typeface="배달의민족 주아" panose="02020603020101020101" pitchFamily="18" charset="-127"/>
+                <a:ea typeface="배달의민족 주아" panose="02020603020101020101" pitchFamily="18" charset="-127"/>
+              </a:rPr>
+              <a:t>소켓</a:t>
+            </a:r>
+          </a:p>
+        </p:txBody>
+      </p:sp>
+      <p:sp>
+        <p:nvSpPr>
+          <p:cNvPr id="12" name="직사각형 11">
+            <a:extLst>
+              <a:ext uri="{FF2B5EF4-FFF2-40B4-BE49-F238E27FC236}">
+                <a16:creationId xmlns:a16="http://schemas.microsoft.com/office/drawing/2014/main" id="{CA6D5812-6F8B-43B2-90BB-A3ACA655481E}"/>
+              </a:ext>
+            </a:extLst>
+          </p:cNvPr>
+          <p:cNvSpPr/>
+          <p:nvPr/>
+        </p:nvSpPr>
+        <p:spPr>
+          <a:xfrm>
+            <a:off x="5416968" y="3337233"/>
+            <a:ext cx="1358064" cy="830997"/>
+          </a:xfrm>
+          <a:prstGeom prst="rect">
+            <a:avLst/>
+          </a:prstGeom>
+        </p:spPr>
+        <p:txBody>
+          <a:bodyPr wrap="none">
+            <a:spAutoFit/>
+          </a:bodyPr>
+          <a:lstStyle/>
+          <a:p>
+            <a:r>
+              <a:rPr lang="ko-KR" altLang="en-US" sz="4800" dirty="0">
+                <a:latin typeface="배달의민족 주아" panose="02020603020101020101" pitchFamily="18" charset="-127"/>
+                <a:ea typeface="배달의민족 주아" panose="02020603020101020101" pitchFamily="18" charset="-127"/>
+              </a:rPr>
+              <a:t>요청</a:t>
+            </a:r>
+            <a:r>
+              <a:rPr lang="en-US" altLang="ko-KR" sz="4800" dirty="0">
+                <a:latin typeface="배달의민족 주아" panose="02020603020101020101" pitchFamily="18" charset="-127"/>
+                <a:ea typeface="배달의민족 주아" panose="02020603020101020101" pitchFamily="18" charset="-127"/>
+              </a:rPr>
+              <a:t>!</a:t>
+            </a:r>
+            <a:endParaRPr lang="ko-KR" altLang="en-US" sz="4800" dirty="0">
+              <a:latin typeface="배달의민족 주아" panose="02020603020101020101" pitchFamily="18" charset="-127"/>
+              <a:ea typeface="배달의민족 주아" panose="02020603020101020101" pitchFamily="18" charset="-127"/>
+            </a:endParaRPr>
+          </a:p>
+        </p:txBody>
+      </p:sp>
+      <p:sp>
+        <p:nvSpPr>
+          <p:cNvPr id="8" name="직사각형 7">
+            <a:extLst>
+              <a:ext uri="{FF2B5EF4-FFF2-40B4-BE49-F238E27FC236}">
+                <a16:creationId xmlns:a16="http://schemas.microsoft.com/office/drawing/2014/main" id="{DFBEAA6E-A32F-42F3-A86F-FB0C5B8608AB}"/>
+              </a:ext>
+            </a:extLst>
+          </p:cNvPr>
+          <p:cNvSpPr/>
+          <p:nvPr/>
+        </p:nvSpPr>
+        <p:spPr>
+          <a:xfrm>
+            <a:off x="0" y="339365"/>
+            <a:ext cx="3619893" cy="1221117"/>
+          </a:xfrm>
+          <a:prstGeom prst="rect">
+            <a:avLst/>
+          </a:prstGeom>
+          <a:solidFill>
+            <a:schemeClr val="tx1"/>
+          </a:solidFill>
+          <a:ln>
+            <a:solidFill>
+              <a:schemeClr val="tx1"/>
+            </a:solidFill>
+          </a:ln>
+        </p:spPr>
+        <p:style>
+          <a:lnRef idx="2">
+            <a:schemeClr val="accent1">
+              <a:shade val="50000"/>
+            </a:schemeClr>
+          </a:lnRef>
+          <a:fillRef idx="1">
+            <a:schemeClr val="accent1"/>
+          </a:fillRef>
+          <a:effectRef idx="0">
+            <a:schemeClr val="accent1"/>
+          </a:effectRef>
+          <a:fontRef idx="minor">
+            <a:schemeClr val="lt1"/>
+          </a:fontRef>
+        </p:style>
+        <p:txBody>
+          <a:bodyPr rtlCol="0" anchor="ctr"/>
+          <a:lstStyle/>
+          <a:p>
+            <a:pPr algn="ctr"/>
+            <a:r>
+              <a:rPr lang="ko-KR" altLang="en-US" sz="3600" dirty="0" err="1">
+                <a:solidFill>
+                  <a:schemeClr val="bg1"/>
+                </a:solidFill>
+                <a:latin typeface="태나다체 " panose="02000000000000000000" pitchFamily="2" charset="-127"/>
+                <a:ea typeface="태나다체 " panose="02000000000000000000" pitchFamily="2" charset="-127"/>
+              </a:rPr>
+              <a:t>리스너</a:t>
+            </a:r>
+            <a:r>
+              <a:rPr lang="ko-KR" altLang="en-US" sz="3600" dirty="0">
+                <a:solidFill>
+                  <a:schemeClr val="bg1"/>
+                </a:solidFill>
+                <a:latin typeface="태나다체 " panose="02000000000000000000" pitchFamily="2" charset="-127"/>
+                <a:ea typeface="태나다체 " panose="02000000000000000000" pitchFamily="2" charset="-127"/>
+              </a:rPr>
+              <a:t> </a:t>
+            </a:r>
+            <a:r>
+              <a:rPr lang="en-US" altLang="ko-KR" sz="3600" dirty="0">
+                <a:solidFill>
+                  <a:schemeClr val="bg1"/>
+                </a:solidFill>
+                <a:latin typeface="태나다체 " panose="02000000000000000000" pitchFamily="2" charset="-127"/>
+                <a:ea typeface="태나다체 " panose="02000000000000000000" pitchFamily="2" charset="-127"/>
+              </a:rPr>
+              <a:t>&amp; </a:t>
+            </a:r>
+            <a:r>
+              <a:rPr lang="ko-KR" altLang="en-US" sz="3600" dirty="0">
+                <a:solidFill>
+                  <a:schemeClr val="bg1"/>
+                </a:solidFill>
+                <a:latin typeface="태나다체 " panose="02000000000000000000" pitchFamily="2" charset="-127"/>
+                <a:ea typeface="태나다체 " panose="02000000000000000000" pitchFamily="2" charset="-127"/>
+              </a:rPr>
+              <a:t>커넥터</a:t>
+            </a:r>
+          </a:p>
+        </p:txBody>
+      </p:sp>
+      <p:sp>
+        <p:nvSpPr>
+          <p:cNvPr id="13" name="직사각형 12">
+            <a:extLst>
+              <a:ext uri="{FF2B5EF4-FFF2-40B4-BE49-F238E27FC236}">
+                <a16:creationId xmlns:a16="http://schemas.microsoft.com/office/drawing/2014/main" id="{A9EF1379-73A9-4B7A-B920-7B9DD3843BB8}"/>
+              </a:ext>
+            </a:extLst>
+          </p:cNvPr>
+          <p:cNvSpPr/>
+          <p:nvPr/>
+        </p:nvSpPr>
+        <p:spPr>
+          <a:xfrm>
+            <a:off x="502332" y="2529319"/>
+            <a:ext cx="3770584" cy="1015663"/>
+          </a:xfrm>
+          <a:prstGeom prst="rect">
+            <a:avLst/>
+          </a:prstGeom>
+        </p:spPr>
+        <p:txBody>
+          <a:bodyPr wrap="none">
+            <a:spAutoFit/>
+          </a:bodyPr>
+          <a:lstStyle/>
+          <a:p>
+            <a:r>
+              <a:rPr lang="ko-KR" altLang="en-US" sz="6000" dirty="0">
+                <a:latin typeface="배달의민족 주아" panose="02020603020101020101" pitchFamily="18" charset="-127"/>
+                <a:ea typeface="배달의민족 주아" panose="02020603020101020101" pitchFamily="18" charset="-127"/>
+              </a:rPr>
+              <a:t>내가 </a:t>
+            </a:r>
+            <a:r>
+              <a:rPr lang="ko-KR" altLang="en-US" sz="6000" dirty="0" err="1">
+                <a:latin typeface="배달의민족 주아" panose="02020603020101020101" pitchFamily="18" charset="-127"/>
+                <a:ea typeface="배달의민족 주아" panose="02020603020101020101" pitchFamily="18" charset="-127"/>
+              </a:rPr>
+              <a:t>해줄게</a:t>
+            </a:r>
+            <a:r>
+              <a:rPr lang="en-US" altLang="ko-KR" sz="6000" dirty="0">
+                <a:latin typeface="배달의민족 주아" panose="02020603020101020101" pitchFamily="18" charset="-127"/>
+                <a:ea typeface="배달의민족 주아" panose="02020603020101020101" pitchFamily="18" charset="-127"/>
+              </a:rPr>
+              <a:t>!</a:t>
+            </a:r>
+            <a:endParaRPr lang="ko-KR" altLang="en-US" sz="6000" dirty="0">
+              <a:latin typeface="배달의민족 주아" panose="02020603020101020101" pitchFamily="18" charset="-127"/>
+              <a:ea typeface="배달의민족 주아" panose="02020603020101020101" pitchFamily="18" charset="-127"/>
+            </a:endParaRPr>
+          </a:p>
+        </p:txBody>
+      </p:sp>
+      <p:sp>
+        <p:nvSpPr>
+          <p:cNvPr id="14" name="사각형: 둥근 모서리 13">
+            <a:extLst>
+              <a:ext uri="{FF2B5EF4-FFF2-40B4-BE49-F238E27FC236}">
+                <a16:creationId xmlns:a16="http://schemas.microsoft.com/office/drawing/2014/main" id="{1E1A3F18-8DCD-4F88-94BF-77FD8B59FEC9}"/>
+              </a:ext>
+            </a:extLst>
+          </p:cNvPr>
+          <p:cNvSpPr/>
+          <p:nvPr/>
+        </p:nvSpPr>
+        <p:spPr>
+          <a:xfrm>
+            <a:off x="1359032" y="3922601"/>
+            <a:ext cx="2057184" cy="1800547"/>
+          </a:xfrm>
+          <a:prstGeom prst="roundRect">
+            <a:avLst/>
+          </a:prstGeom>
+          <a:solidFill>
+            <a:schemeClr val="bg1"/>
+          </a:solidFill>
+          <a:ln w="38100">
+            <a:solidFill>
+              <a:schemeClr val="tx1"/>
+            </a:solidFill>
+          </a:ln>
+        </p:spPr>
+        <p:style>
+          <a:lnRef idx="2">
+            <a:schemeClr val="accent1">
+              <a:shade val="50000"/>
+            </a:schemeClr>
+          </a:lnRef>
+          <a:fillRef idx="1">
+            <a:schemeClr val="accent1"/>
+          </a:fillRef>
+          <a:effectRef idx="0">
+            <a:schemeClr val="accent1"/>
+          </a:effectRef>
+          <a:fontRef idx="minor">
+            <a:schemeClr val="lt1"/>
+          </a:fontRef>
+        </p:style>
+        <p:txBody>
+          <a:bodyPr rtlCol="0" anchor="ctr"/>
+          <a:lstStyle/>
+          <a:p>
+            <a:pPr algn="ctr"/>
+            <a:r>
+              <a:rPr lang="ko-KR" altLang="en-US" sz="2800" dirty="0" err="1">
+                <a:solidFill>
+                  <a:schemeClr val="tx1"/>
+                </a:solidFill>
+                <a:latin typeface="배달의민족 주아" panose="02020603020101020101" pitchFamily="18" charset="-127"/>
+                <a:ea typeface="배달의민족 주아" panose="02020603020101020101" pitchFamily="18" charset="-127"/>
+              </a:rPr>
+              <a:t>리스너</a:t>
+            </a:r>
+            <a:endParaRPr lang="ko-KR" altLang="en-US" sz="2800" dirty="0">
+              <a:solidFill>
+                <a:schemeClr val="tx1"/>
+              </a:solidFill>
+              <a:latin typeface="배달의민족 주아" panose="02020603020101020101" pitchFamily="18" charset="-127"/>
+              <a:ea typeface="배달의민족 주아" panose="02020603020101020101" pitchFamily="18" charset="-127"/>
+            </a:endParaRPr>
+          </a:p>
+        </p:txBody>
+      </p:sp>
+      <p:sp>
+        <p:nvSpPr>
+          <p:cNvPr id="15" name="사각형: 둥근 모서리 14">
+            <a:extLst>
+              <a:ext uri="{FF2B5EF4-FFF2-40B4-BE49-F238E27FC236}">
+                <a16:creationId xmlns:a16="http://schemas.microsoft.com/office/drawing/2014/main" id="{3337DE07-D3E9-4D7C-A5EC-BFAEB6303F6E}"/>
+              </a:ext>
+            </a:extLst>
+          </p:cNvPr>
+          <p:cNvSpPr/>
+          <p:nvPr/>
+        </p:nvSpPr>
+        <p:spPr>
+          <a:xfrm>
+            <a:off x="10363049" y="5203349"/>
+            <a:ext cx="1187776" cy="1039599"/>
+          </a:xfrm>
+          <a:prstGeom prst="roundRect">
+            <a:avLst/>
+          </a:prstGeom>
+          <a:solidFill>
+            <a:schemeClr val="bg1"/>
+          </a:solidFill>
+          <a:ln w="38100">
+            <a:solidFill>
+              <a:schemeClr val="tx1"/>
+            </a:solidFill>
+          </a:ln>
+        </p:spPr>
+        <p:style>
+          <a:lnRef idx="2">
+            <a:schemeClr val="accent1">
+              <a:shade val="50000"/>
+            </a:schemeClr>
+          </a:lnRef>
+          <a:fillRef idx="1">
+            <a:schemeClr val="accent1"/>
+          </a:fillRef>
+          <a:effectRef idx="0">
+            <a:schemeClr val="accent1"/>
+          </a:effectRef>
+          <a:fontRef idx="minor">
+            <a:schemeClr val="lt1"/>
+          </a:fontRef>
+        </p:style>
+        <p:txBody>
+          <a:bodyPr rtlCol="0" anchor="ctr"/>
+          <a:lstStyle/>
+          <a:p>
+            <a:pPr algn="ctr"/>
+            <a:r>
+              <a:rPr lang="ko-KR" altLang="en-US" sz="2800" dirty="0">
+                <a:solidFill>
+                  <a:schemeClr val="tx1"/>
+                </a:solidFill>
+                <a:latin typeface="배달의민족 주아" panose="02020603020101020101" pitchFamily="18" charset="-127"/>
+                <a:ea typeface="배달의민족 주아" panose="02020603020101020101" pitchFamily="18" charset="-127"/>
+              </a:rPr>
+              <a:t>소켓</a:t>
+            </a:r>
+          </a:p>
+        </p:txBody>
+      </p:sp>
+      <p:sp>
+        <p:nvSpPr>
+          <p:cNvPr id="16" name="사각형: 둥근 모서리 15">
+            <a:extLst>
+              <a:ext uri="{FF2B5EF4-FFF2-40B4-BE49-F238E27FC236}">
+                <a16:creationId xmlns:a16="http://schemas.microsoft.com/office/drawing/2014/main" id="{5801F1BC-B3D3-458A-A726-E755DF170B55}"/>
+              </a:ext>
+            </a:extLst>
+          </p:cNvPr>
+          <p:cNvSpPr/>
+          <p:nvPr/>
+        </p:nvSpPr>
+        <p:spPr>
+          <a:xfrm>
+            <a:off x="9003734" y="3922601"/>
+            <a:ext cx="2057184" cy="1800547"/>
+          </a:xfrm>
+          <a:prstGeom prst="roundRect">
+            <a:avLst/>
+          </a:prstGeom>
+          <a:solidFill>
+            <a:schemeClr val="bg1"/>
+          </a:solidFill>
+          <a:ln w="38100">
+            <a:solidFill>
+              <a:schemeClr val="tx1"/>
+            </a:solidFill>
+          </a:ln>
+        </p:spPr>
+        <p:style>
+          <a:lnRef idx="2">
+            <a:schemeClr val="accent1">
+              <a:shade val="50000"/>
+            </a:schemeClr>
+          </a:lnRef>
+          <a:fillRef idx="1">
+            <a:schemeClr val="accent1"/>
+          </a:fillRef>
+          <a:effectRef idx="0">
+            <a:schemeClr val="accent1"/>
+          </a:effectRef>
+          <a:fontRef idx="minor">
+            <a:schemeClr val="lt1"/>
+          </a:fontRef>
+        </p:style>
+        <p:txBody>
+          <a:bodyPr rtlCol="0" anchor="ctr"/>
+          <a:lstStyle/>
+          <a:p>
+            <a:pPr algn="ctr"/>
+            <a:r>
+              <a:rPr lang="ko-KR" altLang="en-US" sz="2800" dirty="0">
+                <a:solidFill>
+                  <a:schemeClr val="tx1"/>
+                </a:solidFill>
+                <a:latin typeface="배달의민족 주아" panose="02020603020101020101" pitchFamily="18" charset="-127"/>
+                <a:ea typeface="배달의민족 주아" panose="02020603020101020101" pitchFamily="18" charset="-127"/>
+              </a:rPr>
+              <a:t>커넥터</a:t>
+            </a:r>
+          </a:p>
+        </p:txBody>
+      </p:sp>
+      <p:cxnSp>
+        <p:nvCxnSpPr>
+          <p:cNvPr id="28" name="연결선: 구부러짐 27">
+            <a:extLst>
+              <a:ext uri="{FF2B5EF4-FFF2-40B4-BE49-F238E27FC236}">
+                <a16:creationId xmlns:a16="http://schemas.microsoft.com/office/drawing/2014/main" id="{E5A14710-448D-4B15-A64F-5A7A1819E2B4}"/>
+              </a:ext>
+            </a:extLst>
+          </p:cNvPr>
+          <p:cNvCxnSpPr>
+            <a:stCxn id="14" idx="3"/>
+            <a:endCxn id="12" idx="1"/>
+          </p:cNvCxnSpPr>
+          <p:nvPr/>
+        </p:nvCxnSpPr>
+        <p:spPr>
+          <a:xfrm flipV="1">
+            <a:off x="3416216" y="3752732"/>
+            <a:ext cx="2000752" cy="1070143"/>
+          </a:xfrm>
+          <a:prstGeom prst="curvedConnector3">
+            <a:avLst/>
+          </a:prstGeom>
+          <a:ln w="57150">
+            <a:solidFill>
+              <a:schemeClr val="tx1"/>
+            </a:solidFill>
+            <a:headEnd type="triangle"/>
+            <a:tailEnd type="triangle"/>
+          </a:ln>
+        </p:spPr>
+        <p:style>
+          <a:lnRef idx="1">
+            <a:schemeClr val="accent1"/>
+          </a:lnRef>
+          <a:fillRef idx="0">
+            <a:schemeClr val="accent1"/>
+          </a:fillRef>
+          <a:effectRef idx="0">
+            <a:schemeClr val="accent1"/>
+          </a:effectRef>
+          <a:fontRef idx="minor">
+            <a:schemeClr val="tx1"/>
+          </a:fontRef>
+        </p:style>
+      </p:cxnSp>
+      <p:cxnSp>
+        <p:nvCxnSpPr>
+          <p:cNvPr id="30" name="연결선: 구부러짐 29">
+            <a:extLst>
+              <a:ext uri="{FF2B5EF4-FFF2-40B4-BE49-F238E27FC236}">
+                <a16:creationId xmlns:a16="http://schemas.microsoft.com/office/drawing/2014/main" id="{112E5184-3FCF-4921-80DE-A1D78E1474F7}"/>
+              </a:ext>
+            </a:extLst>
+          </p:cNvPr>
+          <p:cNvCxnSpPr>
+            <a:stCxn id="12" idx="3"/>
+            <a:endCxn id="16" idx="1"/>
+          </p:cNvCxnSpPr>
+          <p:nvPr/>
+        </p:nvCxnSpPr>
+        <p:spPr>
+          <a:xfrm>
+            <a:off x="6775032" y="3752732"/>
+            <a:ext cx="2228702" cy="1070143"/>
+          </a:xfrm>
+          <a:prstGeom prst="curvedConnector3">
+            <a:avLst/>
+          </a:prstGeom>
+          <a:ln w="57150">
+            <a:solidFill>
+              <a:schemeClr val="tx1"/>
+            </a:solidFill>
+            <a:headEnd type="triangle"/>
+            <a:tailEnd type="triangle"/>
+          </a:ln>
+        </p:spPr>
+        <p:style>
+          <a:lnRef idx="1">
+            <a:schemeClr val="accent1"/>
+          </a:lnRef>
+          <a:fillRef idx="0">
+            <a:schemeClr val="accent1"/>
+          </a:fillRef>
+          <a:effectRef idx="0">
+            <a:schemeClr val="accent1"/>
+          </a:effectRef>
+          <a:fontRef idx="minor">
+            <a:schemeClr val="tx1"/>
+          </a:fontRef>
+        </p:style>
+      </p:cxnSp>
+    </p:spTree>
+    <p:extLst>
+      <p:ext uri="{BB962C8B-B14F-4D97-AF65-F5344CB8AC3E}">
+        <p14:creationId xmlns:p14="http://schemas.microsoft.com/office/powerpoint/2010/main" val="4279841530"/>
+      </p:ext>
+    </p:extLst>
+  </p:cSld>
+  <p:clrMapOvr>
+    <a:masterClrMapping/>
+  </p:clrMapOvr>
+</p:sld>
+</file>
+
+<file path=ppt/slides/slide2.xml><?xml version="1.0" encoding="utf-8"?>
 <p:sld xmlns:a="http://schemas.openxmlformats.org/drawingml/2006/main" xmlns:r="http://schemas.openxmlformats.org/officeDocument/2006/relationships" xmlns:p="http://schemas.openxmlformats.org/presentationml/2006/main">
   <p:cSld>
     <p:spTree>
@@ -7260,7 +10879,7 @@
                 <a:latin typeface="태나다체 " panose="02000000000000000000" pitchFamily="2" charset="-127"/>
                 <a:ea typeface="태나다체 " panose="02000000000000000000" pitchFamily="2" charset="-127"/>
               </a:rPr>
-              <a:t>서버</a:t>
+              <a:t>문제 해결 방법</a:t>
             </a:r>
           </a:p>
         </p:txBody>
@@ -7268,7 +10887,7 @@
     </p:spTree>
     <p:extLst>
       <p:ext uri="{BB962C8B-B14F-4D97-AF65-F5344CB8AC3E}">
-        <p14:creationId xmlns:p14="http://schemas.microsoft.com/office/powerpoint/2010/main" val="299742476"/>
+        <p14:creationId xmlns:p14="http://schemas.microsoft.com/office/powerpoint/2010/main" val="186974534"/>
       </p:ext>
     </p:extLst>
   </p:cSld>
@@ -7278,7 +10897,7 @@
 </p:sld>
 </file>
 
-<file path=ppt/slides/slide15.xml><?xml version="1.0" encoding="utf-8"?>
+<file path=ppt/slides/slide20.xml><?xml version="1.0" encoding="utf-8"?>
 <p:sld xmlns:a="http://schemas.openxmlformats.org/drawingml/2006/main" xmlns:r="http://schemas.openxmlformats.org/officeDocument/2006/relationships" xmlns:p="http://schemas.openxmlformats.org/presentationml/2006/main">
   <p:cSld>
     <p:spTree>
@@ -7346,6 +10965,26 @@
           <a:p>
             <a:pPr algn="ctr"/>
             <a:r>
+              <a:rPr lang="ko-KR" altLang="en-US" sz="3600" dirty="0" err="1">
+                <a:solidFill>
+                  <a:schemeClr val="bg1"/>
+                </a:solidFill>
+                <a:latin typeface="태나다체 " panose="02000000000000000000" pitchFamily="2" charset="-127"/>
+                <a:ea typeface="태나다체 " panose="02000000000000000000" pitchFamily="2" charset="-127"/>
+              </a:rPr>
+              <a:t>리스너</a:t>
+            </a:r>
+            <a:r>
+              <a:rPr lang="ko-KR" altLang="en-US" sz="3600" dirty="0">
+                <a:solidFill>
+                  <a:schemeClr val="bg1"/>
+                </a:solidFill>
+                <a:latin typeface="태나다체 " panose="02000000000000000000" pitchFamily="2" charset="-127"/>
+                <a:ea typeface="태나다체 " panose="02000000000000000000" pitchFamily="2" charset="-127"/>
+              </a:rPr>
+              <a:t> </a:t>
+            </a:r>
+            <a:r>
               <a:rPr lang="en-US" altLang="ko-KR" sz="3600" dirty="0">
                 <a:solidFill>
                   <a:schemeClr val="bg1"/>
@@ -7353,108 +10992,45 @@
                 <a:latin typeface="태나다체 " panose="02000000000000000000" pitchFamily="2" charset="-127"/>
                 <a:ea typeface="태나다체 " panose="02000000000000000000" pitchFamily="2" charset="-127"/>
               </a:rPr>
-              <a:t>Listener</a:t>
-            </a:r>
-            <a:endParaRPr lang="ko-KR" altLang="en-US" sz="3600" dirty="0">
-              <a:solidFill>
-                <a:schemeClr val="bg1"/>
-              </a:solidFill>
-              <a:latin typeface="태나다체 " panose="02000000000000000000" pitchFamily="2" charset="-127"/>
-              <a:ea typeface="태나다체 " panose="02000000000000000000" pitchFamily="2" charset="-127"/>
-            </a:endParaRPr>
-          </a:p>
-        </p:txBody>
-      </p:sp>
-      <p:pic>
-        <p:nvPicPr>
-          <p:cNvPr id="4" name="그림 3">
-            <a:extLst>
-              <a:ext uri="{FF2B5EF4-FFF2-40B4-BE49-F238E27FC236}">
-                <a16:creationId xmlns:a16="http://schemas.microsoft.com/office/drawing/2014/main" id="{E87A9862-78BD-4938-8033-C521F3109B5E}"/>
-              </a:ext>
-            </a:extLst>
-          </p:cNvPr>
-          <p:cNvPicPr>
-            <a:picLocks noChangeAspect="1"/>
-          </p:cNvPicPr>
+              <a:t>&amp; </a:t>
+            </a:r>
+            <a:r>
+              <a:rPr lang="ko-KR" altLang="en-US" sz="3600" dirty="0">
+                <a:solidFill>
+                  <a:schemeClr val="bg1"/>
+                </a:solidFill>
+                <a:latin typeface="태나다체 " panose="02000000000000000000" pitchFamily="2" charset="-127"/>
+                <a:ea typeface="태나다체 " panose="02000000000000000000" pitchFamily="2" charset="-127"/>
+              </a:rPr>
+              <a:t>커넥터</a:t>
+            </a:r>
+          </a:p>
+        </p:txBody>
+      </p:sp>
+      <p:sp>
+        <p:nvSpPr>
+          <p:cNvPr id="17" name="사각형: 둥근 모서리 16">
+            <a:extLst>
+              <a:ext uri="{FF2B5EF4-FFF2-40B4-BE49-F238E27FC236}">
+                <a16:creationId xmlns:a16="http://schemas.microsoft.com/office/drawing/2014/main" id="{747EF849-A43B-4D55-984E-B2C15F8A3D8A}"/>
+              </a:ext>
+            </a:extLst>
+          </p:cNvPr>
+          <p:cNvSpPr/>
           <p:nvPr/>
-        </p:nvPicPr>
-        <p:blipFill>
-          <a:blip r:embed="rId3">
-            <a:extLst>
-              <a:ext uri="{28A0092B-C50C-407E-A947-70E740481C1C}">
-                <a14:useLocalDpi xmlns:a14="http://schemas.microsoft.com/office/drawing/2010/main" val="0"/>
-              </a:ext>
-            </a:extLst>
-          </a:blip>
-          <a:stretch>
-            <a:fillRect/>
-          </a:stretch>
-        </p:blipFill>
+        </p:nvSpPr>
         <p:spPr>
           <a:xfrm>
-            <a:off x="812276" y="2227739"/>
-            <a:ext cx="10567447" cy="3886051"/>
+            <a:off x="2033027" y="4590607"/>
+            <a:ext cx="1187776" cy="1039599"/>
           </a:xfrm>
-          <a:prstGeom prst="rect">
-            <a:avLst/>
-          </a:prstGeom>
-        </p:spPr>
-      </p:pic>
-    </p:spTree>
-    <p:extLst>
-      <p:ext uri="{BB962C8B-B14F-4D97-AF65-F5344CB8AC3E}">
-        <p14:creationId xmlns:p14="http://schemas.microsoft.com/office/powerpoint/2010/main" val="4019243680"/>
-      </p:ext>
-    </p:extLst>
-  </p:cSld>
-  <p:clrMapOvr>
-    <a:masterClrMapping/>
-  </p:clrMapOvr>
-</p:sld>
-</file>
-
-<file path=ppt/slides/slide16.xml><?xml version="1.0" encoding="utf-8"?>
-<p:sld xmlns:a="http://schemas.openxmlformats.org/drawingml/2006/main" xmlns:r="http://schemas.openxmlformats.org/officeDocument/2006/relationships" xmlns:p="http://schemas.openxmlformats.org/presentationml/2006/main">
-  <p:cSld>
-    <p:spTree>
-      <p:nvGrpSpPr>
-        <p:cNvPr id="1" name=""/>
-        <p:cNvGrpSpPr/>
-        <p:nvPr/>
-      </p:nvGrpSpPr>
-      <p:grpSpPr>
-        <a:xfrm>
-          <a:off x="0" y="0"/>
-          <a:ext cx="0" cy="0"/>
-          <a:chOff x="0" y="0"/>
-          <a:chExt cx="0" cy="0"/>
-        </a:xfrm>
-      </p:grpSpPr>
-      <p:sp>
-        <p:nvSpPr>
-          <p:cNvPr id="8" name="직사각형 7">
-            <a:extLst>
-              <a:ext uri="{FF2B5EF4-FFF2-40B4-BE49-F238E27FC236}">
-                <a16:creationId xmlns:a16="http://schemas.microsoft.com/office/drawing/2014/main" id="{DFBEAA6E-A32F-42F3-A86F-FB0C5B8608AB}"/>
-              </a:ext>
-            </a:extLst>
-          </p:cNvPr>
-          <p:cNvSpPr/>
-          <p:nvPr/>
-        </p:nvSpPr>
-        <p:spPr>
-          <a:xfrm>
-            <a:off x="0" y="339365"/>
-            <a:ext cx="3619893" cy="1221117"/>
-          </a:xfrm>
-          <a:prstGeom prst="rect">
+          <a:prstGeom prst="roundRect">
             <a:avLst/>
           </a:prstGeom>
           <a:solidFill>
-            <a:schemeClr val="tx1"/>
+            <a:schemeClr val="bg1"/>
           </a:solidFill>
-          <a:ln>
+          <a:ln w="38100">
             <a:solidFill>
               <a:schemeClr val="tx1"/>
             </a:solidFill>
@@ -7482,115 +11058,42 @@
           <a:p>
             <a:pPr algn="ctr"/>
             <a:r>
-              <a:rPr lang="en-US" altLang="ko-KR" sz="3600" dirty="0">
+              <a:rPr lang="ko-KR" altLang="en-US" sz="2800" dirty="0">
                 <a:solidFill>
-                  <a:schemeClr val="bg1"/>
+                  <a:schemeClr val="tx1"/>
                 </a:solidFill>
-                <a:latin typeface="태나다체 " panose="02000000000000000000" pitchFamily="2" charset="-127"/>
-                <a:ea typeface="태나다체 " panose="02000000000000000000" pitchFamily="2" charset="-127"/>
-              </a:rPr>
-              <a:t>Accept</a:t>
-            </a:r>
-            <a:endParaRPr lang="ko-KR" altLang="en-US" sz="3600" dirty="0">
-              <a:solidFill>
-                <a:schemeClr val="bg1"/>
-              </a:solidFill>
-              <a:latin typeface="태나다체 " panose="02000000000000000000" pitchFamily="2" charset="-127"/>
-              <a:ea typeface="태나다체 " panose="02000000000000000000" pitchFamily="2" charset="-127"/>
-            </a:endParaRPr>
-          </a:p>
-        </p:txBody>
-      </p:sp>
-      <p:pic>
-        <p:nvPicPr>
-          <p:cNvPr id="5" name="그림 4">
-            <a:extLst>
-              <a:ext uri="{FF2B5EF4-FFF2-40B4-BE49-F238E27FC236}">
-                <a16:creationId xmlns:a16="http://schemas.microsoft.com/office/drawing/2014/main" id="{1B240BF1-50C4-437D-9E43-30963FCAFA92}"/>
-              </a:ext>
-            </a:extLst>
-          </p:cNvPr>
-          <p:cNvPicPr>
-            <a:picLocks noChangeAspect="1"/>
-          </p:cNvPicPr>
+                <a:latin typeface="배달의민족 주아" panose="02020603020101020101" pitchFamily="18" charset="-127"/>
+                <a:ea typeface="배달의민족 주아" panose="02020603020101020101" pitchFamily="18" charset="-127"/>
+              </a:rPr>
+              <a:t>소켓</a:t>
+            </a:r>
+          </a:p>
+        </p:txBody>
+      </p:sp>
+      <p:sp>
+        <p:nvSpPr>
+          <p:cNvPr id="18" name="사각형: 둥근 모서리 17">
+            <a:extLst>
+              <a:ext uri="{FF2B5EF4-FFF2-40B4-BE49-F238E27FC236}">
+                <a16:creationId xmlns:a16="http://schemas.microsoft.com/office/drawing/2014/main" id="{0DB10949-5A8E-434F-8F44-638455D7A70A}"/>
+              </a:ext>
+            </a:extLst>
+          </p:cNvPr>
+          <p:cNvSpPr/>
           <p:nvPr/>
-        </p:nvPicPr>
-        <p:blipFill>
-          <a:blip r:embed="rId3">
-            <a:extLst>
-              <a:ext uri="{28A0092B-C50C-407E-A947-70E740481C1C}">
-                <a14:useLocalDpi xmlns:a14="http://schemas.microsoft.com/office/drawing/2010/main" val="0"/>
-              </a:ext>
-            </a:extLst>
-          </a:blip>
-          <a:stretch>
-            <a:fillRect/>
-          </a:stretch>
-        </p:blipFill>
+        </p:nvSpPr>
         <p:spPr>
           <a:xfrm>
-            <a:off x="4653219" y="339365"/>
-            <a:ext cx="6507150" cy="6179270"/>
+            <a:off x="2694474" y="3309859"/>
+            <a:ext cx="2057184" cy="1800547"/>
           </a:xfrm>
-          <a:prstGeom prst="rect">
-            <a:avLst/>
-          </a:prstGeom>
-        </p:spPr>
-      </p:pic>
-    </p:spTree>
-    <p:extLst>
-      <p:ext uri="{BB962C8B-B14F-4D97-AF65-F5344CB8AC3E}">
-        <p14:creationId xmlns:p14="http://schemas.microsoft.com/office/powerpoint/2010/main" val="336767519"/>
-      </p:ext>
-    </p:extLst>
-  </p:cSld>
-  <p:clrMapOvr>
-    <a:masterClrMapping/>
-  </p:clrMapOvr>
-</p:sld>
-</file>
-
-<file path=ppt/slides/slide17.xml><?xml version="1.0" encoding="utf-8"?>
-<p:sld xmlns:a="http://schemas.openxmlformats.org/drawingml/2006/main" xmlns:r="http://schemas.openxmlformats.org/officeDocument/2006/relationships" xmlns:p="http://schemas.openxmlformats.org/presentationml/2006/main">
-  <p:cSld>
-    <p:spTree>
-      <p:nvGrpSpPr>
-        <p:cNvPr id="1" name=""/>
-        <p:cNvGrpSpPr/>
-        <p:nvPr/>
-      </p:nvGrpSpPr>
-      <p:grpSpPr>
-        <a:xfrm>
-          <a:off x="0" y="0"/>
-          <a:ext cx="0" cy="0"/>
-          <a:chOff x="0" y="0"/>
-          <a:chExt cx="0" cy="0"/>
-        </a:xfrm>
-      </p:grpSpPr>
-      <p:sp>
-        <p:nvSpPr>
-          <p:cNvPr id="8" name="직사각형 7">
-            <a:extLst>
-              <a:ext uri="{FF2B5EF4-FFF2-40B4-BE49-F238E27FC236}">
-                <a16:creationId xmlns:a16="http://schemas.microsoft.com/office/drawing/2014/main" id="{DFBEAA6E-A32F-42F3-A86F-FB0C5B8608AB}"/>
-              </a:ext>
-            </a:extLst>
-          </p:cNvPr>
-          <p:cNvSpPr/>
-          <p:nvPr/>
-        </p:nvSpPr>
-        <p:spPr>
-          <a:xfrm>
-            <a:off x="0" y="339365"/>
-            <a:ext cx="3619893" cy="1221117"/>
-          </a:xfrm>
-          <a:prstGeom prst="rect">
+          <a:prstGeom prst="roundRect">
             <a:avLst/>
           </a:prstGeom>
           <a:solidFill>
-            <a:schemeClr val="tx1"/>
+            <a:schemeClr val="bg1"/>
           </a:solidFill>
-          <a:ln>
+          <a:ln w="38100">
             <a:solidFill>
               <a:schemeClr val="tx1"/>
             </a:solidFill>
@@ -7618,115 +11121,49 @@
           <a:p>
             <a:pPr algn="ctr"/>
             <a:r>
-              <a:rPr lang="en-US" altLang="ko-KR" sz="3600" dirty="0">
+              <a:rPr lang="ko-KR" altLang="en-US" sz="2800" dirty="0" err="1">
                 <a:solidFill>
-                  <a:schemeClr val="bg1"/>
+                  <a:schemeClr val="tx1"/>
                 </a:solidFill>
-                <a:latin typeface="태나다체 " panose="02000000000000000000" pitchFamily="2" charset="-127"/>
-                <a:ea typeface="태나다체 " panose="02000000000000000000" pitchFamily="2" charset="-127"/>
-              </a:rPr>
-              <a:t>Receive</a:t>
-            </a:r>
-            <a:endParaRPr lang="ko-KR" altLang="en-US" sz="3600" dirty="0">
+                <a:latin typeface="배달의민족 주아" panose="02020603020101020101" pitchFamily="18" charset="-127"/>
+                <a:ea typeface="배달의민족 주아" panose="02020603020101020101" pitchFamily="18" charset="-127"/>
+              </a:rPr>
+              <a:t>리스너</a:t>
+            </a:r>
+            <a:endParaRPr lang="ko-KR" altLang="en-US" sz="2800" dirty="0">
               <a:solidFill>
-                <a:schemeClr val="bg1"/>
+                <a:schemeClr val="tx1"/>
               </a:solidFill>
-              <a:latin typeface="태나다체 " panose="02000000000000000000" pitchFamily="2" charset="-127"/>
-              <a:ea typeface="태나다체 " panose="02000000000000000000" pitchFamily="2" charset="-127"/>
+              <a:latin typeface="배달의민족 주아" panose="02020603020101020101" pitchFamily="18" charset="-127"/>
+              <a:ea typeface="배달의민족 주아" panose="02020603020101020101" pitchFamily="18" charset="-127"/>
             </a:endParaRPr>
           </a:p>
         </p:txBody>
       </p:sp>
-      <p:pic>
-        <p:nvPicPr>
-          <p:cNvPr id="3" name="그림 2">
-            <a:extLst>
-              <a:ext uri="{FF2B5EF4-FFF2-40B4-BE49-F238E27FC236}">
-                <a16:creationId xmlns:a16="http://schemas.microsoft.com/office/drawing/2014/main" id="{7637BAF1-E82F-433E-9FE9-DA2CC0197B53}"/>
-              </a:ext>
-            </a:extLst>
-          </p:cNvPr>
-          <p:cNvPicPr>
-            <a:picLocks noChangeAspect="1"/>
-          </p:cNvPicPr>
+      <p:sp>
+        <p:nvSpPr>
+          <p:cNvPr id="19" name="사각형: 둥근 모서리 18">
+            <a:extLst>
+              <a:ext uri="{FF2B5EF4-FFF2-40B4-BE49-F238E27FC236}">
+                <a16:creationId xmlns:a16="http://schemas.microsoft.com/office/drawing/2014/main" id="{054273E1-82D8-4462-91A8-67D922A22FE1}"/>
+              </a:ext>
+            </a:extLst>
+          </p:cNvPr>
+          <p:cNvSpPr/>
           <p:nvPr/>
-        </p:nvPicPr>
-        <p:blipFill>
-          <a:blip r:embed="rId3">
-            <a:extLst>
-              <a:ext uri="{28A0092B-C50C-407E-A947-70E740481C1C}">
-                <a14:useLocalDpi xmlns:a14="http://schemas.microsoft.com/office/drawing/2010/main" val="0"/>
-              </a:ext>
-            </a:extLst>
-          </a:blip>
-          <a:stretch>
-            <a:fillRect/>
-          </a:stretch>
-        </p:blipFill>
+        </p:nvSpPr>
         <p:spPr>
           <a:xfrm>
-            <a:off x="4183326" y="323560"/>
-            <a:ext cx="7289095" cy="6210880"/>
+            <a:off x="8895783" y="4590607"/>
+            <a:ext cx="1187776" cy="1039599"/>
           </a:xfrm>
-          <a:prstGeom prst="rect">
-            <a:avLst/>
-          </a:prstGeom>
-        </p:spPr>
-      </p:pic>
-    </p:spTree>
-    <p:extLst>
-      <p:ext uri="{BB962C8B-B14F-4D97-AF65-F5344CB8AC3E}">
-        <p14:creationId xmlns:p14="http://schemas.microsoft.com/office/powerpoint/2010/main" val="1602413687"/>
-      </p:ext>
-    </p:extLst>
-  </p:cSld>
-  <p:clrMapOvr>
-    <a:masterClrMapping/>
-  </p:clrMapOvr>
-</p:sld>
-</file>
-
-<file path=ppt/slides/slide18.xml><?xml version="1.0" encoding="utf-8"?>
-<p:sld xmlns:a="http://schemas.openxmlformats.org/drawingml/2006/main" xmlns:r="http://schemas.openxmlformats.org/officeDocument/2006/relationships" xmlns:p="http://schemas.openxmlformats.org/presentationml/2006/main">
-  <p:cSld>
-    <p:spTree>
-      <p:nvGrpSpPr>
-        <p:cNvPr id="1" name=""/>
-        <p:cNvGrpSpPr/>
-        <p:nvPr/>
-      </p:nvGrpSpPr>
-      <p:grpSpPr>
-        <a:xfrm>
-          <a:off x="0" y="0"/>
-          <a:ext cx="0" cy="0"/>
-          <a:chOff x="0" y="0"/>
-          <a:chExt cx="0" cy="0"/>
-        </a:xfrm>
-      </p:grpSpPr>
-      <p:sp>
-        <p:nvSpPr>
-          <p:cNvPr id="8" name="직사각형 7">
-            <a:extLst>
-              <a:ext uri="{FF2B5EF4-FFF2-40B4-BE49-F238E27FC236}">
-                <a16:creationId xmlns:a16="http://schemas.microsoft.com/office/drawing/2014/main" id="{DFBEAA6E-A32F-42F3-A86F-FB0C5B8608AB}"/>
-              </a:ext>
-            </a:extLst>
-          </p:cNvPr>
-          <p:cNvSpPr/>
-          <p:nvPr/>
-        </p:nvSpPr>
-        <p:spPr>
-          <a:xfrm>
-            <a:off x="0" y="339365"/>
-            <a:ext cx="3619893" cy="1221117"/>
-          </a:xfrm>
-          <a:prstGeom prst="rect">
+          <a:prstGeom prst="roundRect">
             <a:avLst/>
           </a:prstGeom>
           <a:solidFill>
-            <a:schemeClr val="tx1"/>
+            <a:schemeClr val="bg1"/>
           </a:solidFill>
-          <a:ln>
+          <a:ln w="38100">
             <a:solidFill>
               <a:schemeClr val="tx1"/>
             </a:solidFill>
@@ -7754,108 +11191,42 @@
           <a:p>
             <a:pPr algn="ctr"/>
             <a:r>
-              <a:rPr lang="en-US" altLang="ko-KR" sz="3600" dirty="0">
+              <a:rPr lang="ko-KR" altLang="en-US" sz="2800" dirty="0">
                 <a:solidFill>
-                  <a:schemeClr val="bg1"/>
+                  <a:schemeClr val="tx1"/>
                 </a:solidFill>
-                <a:latin typeface="태나다체 " panose="02000000000000000000" pitchFamily="2" charset="-127"/>
-                <a:ea typeface="태나다체 " panose="02000000000000000000" pitchFamily="2" charset="-127"/>
-              </a:rPr>
-              <a:t>Kick</a:t>
-            </a:r>
-          </a:p>
-        </p:txBody>
-      </p:sp>
-      <p:pic>
-        <p:nvPicPr>
-          <p:cNvPr id="4" name="그림 3">
-            <a:extLst>
-              <a:ext uri="{FF2B5EF4-FFF2-40B4-BE49-F238E27FC236}">
-                <a16:creationId xmlns:a16="http://schemas.microsoft.com/office/drawing/2014/main" id="{18FC15DB-4060-4939-A87B-727D7C98FD59}"/>
-              </a:ext>
-            </a:extLst>
-          </p:cNvPr>
-          <p:cNvPicPr>
-            <a:picLocks noChangeAspect="1"/>
-          </p:cNvPicPr>
+                <a:latin typeface="배달의민족 주아" panose="02020603020101020101" pitchFamily="18" charset="-127"/>
+                <a:ea typeface="배달의민족 주아" panose="02020603020101020101" pitchFamily="18" charset="-127"/>
+              </a:rPr>
+              <a:t>소켓</a:t>
+            </a:r>
+          </a:p>
+        </p:txBody>
+      </p:sp>
+      <p:sp>
+        <p:nvSpPr>
+          <p:cNvPr id="20" name="사각형: 둥근 모서리 19">
+            <a:extLst>
+              <a:ext uri="{FF2B5EF4-FFF2-40B4-BE49-F238E27FC236}">
+                <a16:creationId xmlns:a16="http://schemas.microsoft.com/office/drawing/2014/main" id="{F5F0165D-77E7-4BD7-AFA9-30B6D09B9FE5}"/>
+              </a:ext>
+            </a:extLst>
+          </p:cNvPr>
+          <p:cNvSpPr/>
           <p:nvPr/>
-        </p:nvPicPr>
-        <p:blipFill>
-          <a:blip r:embed="rId3">
-            <a:extLst>
-              <a:ext uri="{28A0092B-C50C-407E-A947-70E740481C1C}">
-                <a14:useLocalDpi xmlns:a14="http://schemas.microsoft.com/office/drawing/2010/main" val="0"/>
-              </a:ext>
-            </a:extLst>
-          </a:blip>
-          <a:stretch>
-            <a:fillRect/>
-          </a:stretch>
-        </p:blipFill>
+        </p:nvSpPr>
         <p:spPr>
           <a:xfrm>
-            <a:off x="978030" y="1871230"/>
-            <a:ext cx="10235939" cy="4722820"/>
+            <a:off x="7536468" y="3309859"/>
+            <a:ext cx="2057184" cy="1800547"/>
           </a:xfrm>
-          <a:prstGeom prst="rect">
-            <a:avLst/>
-          </a:prstGeom>
-        </p:spPr>
-      </p:pic>
-    </p:spTree>
-    <p:extLst>
-      <p:ext uri="{BB962C8B-B14F-4D97-AF65-F5344CB8AC3E}">
-        <p14:creationId xmlns:p14="http://schemas.microsoft.com/office/powerpoint/2010/main" val="3801376098"/>
-      </p:ext>
-    </p:extLst>
-  </p:cSld>
-  <p:clrMapOvr>
-    <a:masterClrMapping/>
-  </p:clrMapOvr>
-</p:sld>
-</file>
-
-<file path=ppt/slides/slide19.xml><?xml version="1.0" encoding="utf-8"?>
-<p:sld xmlns:a="http://schemas.openxmlformats.org/drawingml/2006/main" xmlns:r="http://schemas.openxmlformats.org/officeDocument/2006/relationships" xmlns:p="http://schemas.openxmlformats.org/presentationml/2006/main">
-  <p:cSld>
-    <p:spTree>
-      <p:nvGrpSpPr>
-        <p:cNvPr id="1" name=""/>
-        <p:cNvGrpSpPr/>
-        <p:nvPr/>
-      </p:nvGrpSpPr>
-      <p:grpSpPr>
-        <a:xfrm>
-          <a:off x="0" y="0"/>
-          <a:ext cx="0" cy="0"/>
-          <a:chOff x="0" y="0"/>
-          <a:chExt cx="0" cy="0"/>
-        </a:xfrm>
-      </p:grpSpPr>
-      <p:sp>
-        <p:nvSpPr>
-          <p:cNvPr id="8" name="직사각형 7">
-            <a:extLst>
-              <a:ext uri="{FF2B5EF4-FFF2-40B4-BE49-F238E27FC236}">
-                <a16:creationId xmlns:a16="http://schemas.microsoft.com/office/drawing/2014/main" id="{DFBEAA6E-A32F-42F3-A86F-FB0C5B8608AB}"/>
-              </a:ext>
-            </a:extLst>
-          </p:cNvPr>
-          <p:cNvSpPr/>
-          <p:nvPr/>
-        </p:nvSpPr>
-        <p:spPr>
-          <a:xfrm>
-            <a:off x="0" y="339365"/>
-            <a:ext cx="3619893" cy="1221117"/>
-          </a:xfrm>
-          <a:prstGeom prst="rect">
+          <a:prstGeom prst="roundRect">
             <a:avLst/>
           </a:prstGeom>
           <a:solidFill>
-            <a:schemeClr val="tx1"/>
+            <a:schemeClr val="bg1"/>
           </a:solidFill>
-          <a:ln>
+          <a:ln w="38100">
             <a:solidFill>
               <a:schemeClr val="tx1"/>
             </a:solidFill>
@@ -7883,58 +11254,118 @@
           <a:p>
             <a:pPr algn="ctr"/>
             <a:r>
-              <a:rPr lang="en-US" altLang="ko-KR" sz="3600" dirty="0">
+              <a:rPr lang="ko-KR" altLang="en-US" sz="2800" dirty="0">
                 <a:solidFill>
-                  <a:schemeClr val="bg1"/>
+                  <a:schemeClr val="tx1"/>
                 </a:solidFill>
-                <a:latin typeface="태나다체 " panose="02000000000000000000" pitchFamily="2" charset="-127"/>
-                <a:ea typeface="태나다체 " panose="02000000000000000000" pitchFamily="2" charset="-127"/>
-              </a:rPr>
-              <a:t>Listener</a:t>
-            </a:r>
-          </a:p>
-        </p:txBody>
-      </p:sp>
-      <p:pic>
-        <p:nvPicPr>
-          <p:cNvPr id="9" name="그림 8">
-            <a:extLst>
-              <a:ext uri="{FF2B5EF4-FFF2-40B4-BE49-F238E27FC236}">
-                <a16:creationId xmlns:a16="http://schemas.microsoft.com/office/drawing/2014/main" id="{283EB9EC-9BD2-4CF9-833D-C0627D76B7D7}"/>
-              </a:ext>
-            </a:extLst>
-          </p:cNvPr>
-          <p:cNvPicPr>
-            <a:picLocks noChangeAspect="1"/>
-          </p:cNvPicPr>
+                <a:latin typeface="배달의민족 주아" panose="02020603020101020101" pitchFamily="18" charset="-127"/>
+                <a:ea typeface="배달의민족 주아" panose="02020603020101020101" pitchFamily="18" charset="-127"/>
+              </a:rPr>
+              <a:t>커넥터</a:t>
+            </a:r>
+          </a:p>
+        </p:txBody>
+      </p:sp>
+      <p:sp>
+        <p:nvSpPr>
+          <p:cNvPr id="23" name="직사각형 22">
+            <a:extLst>
+              <a:ext uri="{FF2B5EF4-FFF2-40B4-BE49-F238E27FC236}">
+                <a16:creationId xmlns:a16="http://schemas.microsoft.com/office/drawing/2014/main" id="{8F965397-E26B-4D7E-8E6A-E0F2E4B3B964}"/>
+              </a:ext>
+            </a:extLst>
+          </p:cNvPr>
+          <p:cNvSpPr/>
           <p:nvPr/>
-        </p:nvPicPr>
-        <p:blipFill>
-          <a:blip r:embed="rId3">
-            <a:extLst>
-              <a:ext uri="{28A0092B-C50C-407E-A947-70E740481C1C}">
-                <a14:useLocalDpi xmlns:a14="http://schemas.microsoft.com/office/drawing/2010/main" val="0"/>
-              </a:ext>
-            </a:extLst>
-          </a:blip>
-          <a:stretch>
-            <a:fillRect/>
-          </a:stretch>
-        </p:blipFill>
+        </p:nvSpPr>
         <p:spPr>
           <a:xfrm>
-            <a:off x="1038519" y="1811808"/>
-            <a:ext cx="10114961" cy="4853105"/>
+            <a:off x="2521455" y="2586782"/>
+            <a:ext cx="2403222" cy="707886"/>
           </a:xfrm>
           <a:prstGeom prst="rect">
             <a:avLst/>
           </a:prstGeom>
         </p:spPr>
-      </p:pic>
+        <p:txBody>
+          <a:bodyPr wrap="none">
+            <a:spAutoFit/>
+          </a:bodyPr>
+          <a:lstStyle/>
+          <a:p>
+            <a:r>
+              <a:rPr lang="ko-KR" altLang="en-US" sz="4000" dirty="0">
+                <a:latin typeface="배달의민족 주아" panose="02020603020101020101" pitchFamily="18" charset="-127"/>
+                <a:ea typeface="배달의민족 주아" panose="02020603020101020101" pitchFamily="18" charset="-127"/>
+              </a:rPr>
+              <a:t>서버 </a:t>
+            </a:r>
+            <a:r>
+              <a:rPr lang="ko-KR" altLang="en-US" sz="4000" dirty="0" err="1">
+                <a:latin typeface="배달의민족 주아" panose="02020603020101020101" pitchFamily="18" charset="-127"/>
+                <a:ea typeface="배달의민족 주아" panose="02020603020101020101" pitchFamily="18" charset="-127"/>
+              </a:rPr>
+              <a:t>대행자</a:t>
+            </a:r>
+            <a:endParaRPr lang="ko-KR" altLang="en-US" sz="4000" dirty="0">
+              <a:latin typeface="배달의민족 주아" panose="02020603020101020101" pitchFamily="18" charset="-127"/>
+              <a:ea typeface="배달의민족 주아" panose="02020603020101020101" pitchFamily="18" charset="-127"/>
+            </a:endParaRPr>
+          </a:p>
+        </p:txBody>
+      </p:sp>
+      <p:sp>
+        <p:nvSpPr>
+          <p:cNvPr id="24" name="직사각형 23">
+            <a:extLst>
+              <a:ext uri="{FF2B5EF4-FFF2-40B4-BE49-F238E27FC236}">
+                <a16:creationId xmlns:a16="http://schemas.microsoft.com/office/drawing/2014/main" id="{7D0635C4-CA43-4CE9-9779-54BCA04194A3}"/>
+              </a:ext>
+            </a:extLst>
+          </p:cNvPr>
+          <p:cNvSpPr/>
+          <p:nvPr/>
+        </p:nvSpPr>
+        <p:spPr>
+          <a:xfrm>
+            <a:off x="6743087" y="2586782"/>
+            <a:ext cx="3643946" cy="707886"/>
+          </a:xfrm>
+          <a:prstGeom prst="rect">
+            <a:avLst/>
+          </a:prstGeom>
+        </p:spPr>
+        <p:txBody>
+          <a:bodyPr wrap="none">
+            <a:spAutoFit/>
+          </a:bodyPr>
+          <a:lstStyle/>
+          <a:p>
+            <a:r>
+              <a:rPr lang="ko-KR" altLang="en-US" sz="4000" dirty="0">
+                <a:latin typeface="배달의민족 주아" panose="02020603020101020101" pitchFamily="18" charset="-127"/>
+                <a:ea typeface="배달의민족 주아" panose="02020603020101020101" pitchFamily="18" charset="-127"/>
+              </a:rPr>
+              <a:t>클라이언트 </a:t>
+            </a:r>
+            <a:r>
+              <a:rPr lang="ko-KR" altLang="en-US" sz="4000" dirty="0" err="1">
+                <a:latin typeface="배달의민족 주아" panose="02020603020101020101" pitchFamily="18" charset="-127"/>
+                <a:ea typeface="배달의민족 주아" panose="02020603020101020101" pitchFamily="18" charset="-127"/>
+              </a:rPr>
+              <a:t>대행자</a:t>
+            </a:r>
+            <a:endParaRPr lang="ko-KR" altLang="en-US" sz="4000" dirty="0">
+              <a:latin typeface="배달의민족 주아" panose="02020603020101020101" pitchFamily="18" charset="-127"/>
+              <a:ea typeface="배달의민족 주아" panose="02020603020101020101" pitchFamily="18" charset="-127"/>
+            </a:endParaRPr>
+          </a:p>
+        </p:txBody>
+      </p:sp>
     </p:spTree>
     <p:extLst>
       <p:ext uri="{BB962C8B-B14F-4D97-AF65-F5344CB8AC3E}">
-        <p14:creationId xmlns:p14="http://schemas.microsoft.com/office/powerpoint/2010/main" val="770651352"/>
+        <p14:creationId xmlns:p14="http://schemas.microsoft.com/office/powerpoint/2010/main" val="2581619804"/>
       </p:ext>
     </p:extLst>
   </p:cSld>
@@ -7944,7 +11375,7 @@
 </p:sld>
 </file>
 
-<file path=ppt/slides/slide2.xml><?xml version="1.0" encoding="utf-8"?>
+<file path=ppt/slides/slide21.xml><?xml version="1.0" encoding="utf-8"?>
 <p:sld xmlns:a="http://schemas.openxmlformats.org/drawingml/2006/main" xmlns:r="http://schemas.openxmlformats.org/officeDocument/2006/relationships" xmlns:p="http://schemas.openxmlformats.org/presentationml/2006/main">
   <p:cSld>
     <p:spTree>
@@ -8113,7 +11544,7 @@
                 <a:latin typeface="태나다체 " panose="02000000000000000000" pitchFamily="2" charset="-127"/>
                 <a:ea typeface="태나다체 " panose="02000000000000000000" pitchFamily="2" charset="-127"/>
               </a:rPr>
-              <a:t>해결 방법</a:t>
+              <a:t>프로젝트 생성</a:t>
             </a:r>
           </a:p>
         </p:txBody>
@@ -8121,7 +11552,7 @@
     </p:spTree>
     <p:extLst>
       <p:ext uri="{BB962C8B-B14F-4D97-AF65-F5344CB8AC3E}">
-        <p14:creationId xmlns:p14="http://schemas.microsoft.com/office/powerpoint/2010/main" val="186974534"/>
+        <p14:creationId xmlns:p14="http://schemas.microsoft.com/office/powerpoint/2010/main" val="1903222263"/>
       </p:ext>
     </p:extLst>
   </p:cSld>
@@ -8131,7 +11562,7 @@
 </p:sld>
 </file>
 
-<file path=ppt/slides/slide20.xml><?xml version="1.0" encoding="utf-8"?>
+<file path=ppt/slides/slide22.xml><?xml version="1.0" encoding="utf-8"?>
 <p:sld xmlns:a="http://schemas.openxmlformats.org/drawingml/2006/main" xmlns:r="http://schemas.openxmlformats.org/officeDocument/2006/relationships" xmlns:p="http://schemas.openxmlformats.org/presentationml/2006/main">
   <p:cSld>
     <p:spTree>
@@ -8199,24 +11630,24 @@
           <a:p>
             <a:pPr algn="ctr"/>
             <a:r>
-              <a:rPr lang="en-US" altLang="ko-KR" sz="3600" dirty="0">
+              <a:rPr lang="ko-KR" altLang="en-US" sz="3600" dirty="0">
                 <a:solidFill>
                   <a:schemeClr val="bg1"/>
                 </a:solidFill>
                 <a:latin typeface="태나다체 " panose="02000000000000000000" pitchFamily="2" charset="-127"/>
                 <a:ea typeface="태나다체 " panose="02000000000000000000" pitchFamily="2" charset="-127"/>
               </a:rPr>
-              <a:t>Broadcast</a:t>
+              <a:t>프로젝트 생성</a:t>
             </a:r>
           </a:p>
         </p:txBody>
       </p:sp>
       <p:pic>
         <p:nvPicPr>
-          <p:cNvPr id="4" name="그림 3">
-            <a:extLst>
-              <a:ext uri="{FF2B5EF4-FFF2-40B4-BE49-F238E27FC236}">
-                <a16:creationId xmlns:a16="http://schemas.microsoft.com/office/drawing/2014/main" id="{D0B225E8-6CE3-43FC-B5D7-94013333B2E1}"/>
+          <p:cNvPr id="3" name="그림 2">
+            <a:extLst>
+              <a:ext uri="{FF2B5EF4-FFF2-40B4-BE49-F238E27FC236}">
+                <a16:creationId xmlns:a16="http://schemas.microsoft.com/office/drawing/2014/main" id="{DDED5988-05CC-487C-8807-3C3B80D7BBE9}"/>
               </a:ext>
             </a:extLst>
           </p:cNvPr>
@@ -8239,8 +11670,8 @@
         </p:blipFill>
         <p:spPr>
           <a:xfrm>
-            <a:off x="647307" y="2191743"/>
-            <a:ext cx="10897386" cy="4006259"/>
+            <a:off x="4330591" y="836674"/>
+            <a:ext cx="7358646" cy="5184651"/>
           </a:xfrm>
           <a:prstGeom prst="rect">
             <a:avLst/>
@@ -8250,265 +11681,7 @@
     </p:spTree>
     <p:extLst>
       <p:ext uri="{BB962C8B-B14F-4D97-AF65-F5344CB8AC3E}">
-        <p14:creationId xmlns:p14="http://schemas.microsoft.com/office/powerpoint/2010/main" val="2855754546"/>
-      </p:ext>
-    </p:extLst>
-  </p:cSld>
-  <p:clrMapOvr>
-    <a:masterClrMapping/>
-  </p:clrMapOvr>
-</p:sld>
-</file>
-
-<file path=ppt/slides/slide21.xml><?xml version="1.0" encoding="utf-8"?>
-<p:sld xmlns:a="http://schemas.openxmlformats.org/drawingml/2006/main" xmlns:r="http://schemas.openxmlformats.org/officeDocument/2006/relationships" xmlns:p="http://schemas.openxmlformats.org/presentationml/2006/main">
-  <p:cSld>
-    <p:spTree>
-      <p:nvGrpSpPr>
-        <p:cNvPr id="1" name=""/>
-        <p:cNvGrpSpPr/>
-        <p:nvPr/>
-      </p:nvGrpSpPr>
-      <p:grpSpPr>
-        <a:xfrm>
-          <a:off x="0" y="0"/>
-          <a:ext cx="0" cy="0"/>
-          <a:chOff x="0" y="0"/>
-          <a:chExt cx="0" cy="0"/>
-        </a:xfrm>
-      </p:grpSpPr>
-      <p:sp>
-        <p:nvSpPr>
-          <p:cNvPr id="8" name="직사각형 7">
-            <a:extLst>
-              <a:ext uri="{FF2B5EF4-FFF2-40B4-BE49-F238E27FC236}">
-                <a16:creationId xmlns:a16="http://schemas.microsoft.com/office/drawing/2014/main" id="{DFBEAA6E-A32F-42F3-A86F-FB0C5B8608AB}"/>
-              </a:ext>
-            </a:extLst>
-          </p:cNvPr>
-          <p:cNvSpPr/>
-          <p:nvPr/>
-        </p:nvSpPr>
-        <p:spPr>
-          <a:xfrm>
-            <a:off x="0" y="339365"/>
-            <a:ext cx="3619893" cy="1221117"/>
-          </a:xfrm>
-          <a:prstGeom prst="rect">
-            <a:avLst/>
-          </a:prstGeom>
-          <a:solidFill>
-            <a:schemeClr val="tx1"/>
-          </a:solidFill>
-          <a:ln>
-            <a:solidFill>
-              <a:schemeClr val="tx1"/>
-            </a:solidFill>
-          </a:ln>
-        </p:spPr>
-        <p:style>
-          <a:lnRef idx="2">
-            <a:schemeClr val="accent1">
-              <a:shade val="50000"/>
-            </a:schemeClr>
-          </a:lnRef>
-          <a:fillRef idx="1">
-            <a:schemeClr val="accent1"/>
-          </a:fillRef>
-          <a:effectRef idx="0">
-            <a:schemeClr val="accent1"/>
-          </a:effectRef>
-          <a:fontRef idx="minor">
-            <a:schemeClr val="lt1"/>
-          </a:fontRef>
-        </p:style>
-        <p:txBody>
-          <a:bodyPr rtlCol="0" anchor="ctr"/>
-          <a:lstStyle/>
-          <a:p>
-            <a:pPr algn="ctr"/>
-            <a:r>
-              <a:rPr lang="en-US" altLang="ko-KR" sz="3600" dirty="0">
-                <a:solidFill>
-                  <a:schemeClr val="bg1"/>
-                </a:solidFill>
-                <a:latin typeface="태나다체 " panose="02000000000000000000" pitchFamily="2" charset="-127"/>
-                <a:ea typeface="태나다체 " panose="02000000000000000000" pitchFamily="2" charset="-127"/>
-              </a:rPr>
-              <a:t>Listener</a:t>
-            </a:r>
-          </a:p>
-        </p:txBody>
-      </p:sp>
-      <p:pic>
-        <p:nvPicPr>
-          <p:cNvPr id="3" name="그림 2">
-            <a:extLst>
-              <a:ext uri="{FF2B5EF4-FFF2-40B4-BE49-F238E27FC236}">
-                <a16:creationId xmlns:a16="http://schemas.microsoft.com/office/drawing/2014/main" id="{CC5F1B46-3925-4E70-B0F4-3F30F8D80F26}"/>
-              </a:ext>
-            </a:extLst>
-          </p:cNvPr>
-          <p:cNvPicPr>
-            <a:picLocks noChangeAspect="1"/>
-          </p:cNvPicPr>
-          <p:nvPr/>
-        </p:nvPicPr>
-        <p:blipFill>
-          <a:blip r:embed="rId3">
-            <a:extLst>
-              <a:ext uri="{28A0092B-C50C-407E-A947-70E740481C1C}">
-                <a14:useLocalDpi xmlns:a14="http://schemas.microsoft.com/office/drawing/2010/main" val="0"/>
-              </a:ext>
-            </a:extLst>
-          </a:blip>
-          <a:stretch>
-            <a:fillRect/>
-          </a:stretch>
-        </p:blipFill>
-        <p:spPr>
-          <a:xfrm>
-            <a:off x="1491006" y="1782064"/>
-            <a:ext cx="9209988" cy="4871008"/>
-          </a:xfrm>
-          <a:prstGeom prst="rect">
-            <a:avLst/>
-          </a:prstGeom>
-        </p:spPr>
-      </p:pic>
-    </p:spTree>
-    <p:extLst>
-      <p:ext uri="{BB962C8B-B14F-4D97-AF65-F5344CB8AC3E}">
-        <p14:creationId xmlns:p14="http://schemas.microsoft.com/office/powerpoint/2010/main" val="4254667471"/>
-      </p:ext>
-    </p:extLst>
-  </p:cSld>
-  <p:clrMapOvr>
-    <a:masterClrMapping/>
-  </p:clrMapOvr>
-</p:sld>
-</file>
-
-<file path=ppt/slides/slide22.xml><?xml version="1.0" encoding="utf-8"?>
-<p:sld xmlns:a="http://schemas.openxmlformats.org/drawingml/2006/main" xmlns:r="http://schemas.openxmlformats.org/officeDocument/2006/relationships" xmlns:p="http://schemas.openxmlformats.org/presentationml/2006/main">
-  <p:cSld>
-    <p:spTree>
-      <p:nvGrpSpPr>
-        <p:cNvPr id="1" name=""/>
-        <p:cNvGrpSpPr/>
-        <p:nvPr/>
-      </p:nvGrpSpPr>
-      <p:grpSpPr>
-        <a:xfrm>
-          <a:off x="0" y="0"/>
-          <a:ext cx="0" cy="0"/>
-          <a:chOff x="0" y="0"/>
-          <a:chExt cx="0" cy="0"/>
-        </a:xfrm>
-      </p:grpSpPr>
-      <p:sp>
-        <p:nvSpPr>
-          <p:cNvPr id="8" name="직사각형 7">
-            <a:extLst>
-              <a:ext uri="{FF2B5EF4-FFF2-40B4-BE49-F238E27FC236}">
-                <a16:creationId xmlns:a16="http://schemas.microsoft.com/office/drawing/2014/main" id="{DFBEAA6E-A32F-42F3-A86F-FB0C5B8608AB}"/>
-              </a:ext>
-            </a:extLst>
-          </p:cNvPr>
-          <p:cNvSpPr/>
-          <p:nvPr/>
-        </p:nvSpPr>
-        <p:spPr>
-          <a:xfrm>
-            <a:off x="0" y="339365"/>
-            <a:ext cx="3619893" cy="1221117"/>
-          </a:xfrm>
-          <a:prstGeom prst="rect">
-            <a:avLst/>
-          </a:prstGeom>
-          <a:solidFill>
-            <a:schemeClr val="tx1"/>
-          </a:solidFill>
-          <a:ln>
-            <a:solidFill>
-              <a:schemeClr val="tx1"/>
-            </a:solidFill>
-          </a:ln>
-        </p:spPr>
-        <p:style>
-          <a:lnRef idx="2">
-            <a:schemeClr val="accent1">
-              <a:shade val="50000"/>
-            </a:schemeClr>
-          </a:lnRef>
-          <a:fillRef idx="1">
-            <a:schemeClr val="accent1"/>
-          </a:fillRef>
-          <a:effectRef idx="0">
-            <a:schemeClr val="accent1"/>
-          </a:effectRef>
-          <a:fontRef idx="minor">
-            <a:schemeClr val="lt1"/>
-          </a:fontRef>
-        </p:style>
-        <p:txBody>
-          <a:bodyPr rtlCol="0" anchor="ctr"/>
-          <a:lstStyle/>
-          <a:p>
-            <a:pPr algn="ctr"/>
-            <a:r>
-              <a:rPr lang="en-US" altLang="ko-KR" sz="3600" dirty="0">
-                <a:solidFill>
-                  <a:schemeClr val="bg1"/>
-                </a:solidFill>
-                <a:latin typeface="태나다체 " panose="02000000000000000000" pitchFamily="2" charset="-127"/>
-                <a:ea typeface="태나다체 " panose="02000000000000000000" pitchFamily="2" charset="-127"/>
-              </a:rPr>
-              <a:t>Main</a:t>
-            </a:r>
-          </a:p>
-        </p:txBody>
-      </p:sp>
-      <p:pic>
-        <p:nvPicPr>
-          <p:cNvPr id="4" name="그림 3">
-            <a:extLst>
-              <a:ext uri="{FF2B5EF4-FFF2-40B4-BE49-F238E27FC236}">
-                <a16:creationId xmlns:a16="http://schemas.microsoft.com/office/drawing/2014/main" id="{B8667558-E9F2-45F4-AB22-41A1FDF73212}"/>
-              </a:ext>
-            </a:extLst>
-          </p:cNvPr>
-          <p:cNvPicPr>
-            <a:picLocks noChangeAspect="1"/>
-          </p:cNvPicPr>
-          <p:nvPr/>
-        </p:nvPicPr>
-        <p:blipFill>
-          <a:blip r:embed="rId3">
-            <a:extLst>
-              <a:ext uri="{28A0092B-C50C-407E-A947-70E740481C1C}">
-                <a14:useLocalDpi xmlns:a14="http://schemas.microsoft.com/office/drawing/2010/main" val="0"/>
-              </a:ext>
-            </a:extLst>
-          </a:blip>
-          <a:stretch>
-            <a:fillRect/>
-          </a:stretch>
-        </p:blipFill>
-        <p:spPr>
-          <a:xfrm>
-            <a:off x="4242551" y="593451"/>
-            <a:ext cx="7399552" cy="5671097"/>
-          </a:xfrm>
-          <a:prstGeom prst="rect">
-            <a:avLst/>
-          </a:prstGeom>
-        </p:spPr>
-      </p:pic>
-    </p:spTree>
-    <p:extLst>
-      <p:ext uri="{BB962C8B-B14F-4D97-AF65-F5344CB8AC3E}">
-        <p14:creationId xmlns:p14="http://schemas.microsoft.com/office/powerpoint/2010/main" val="3889440717"/>
+        <p14:creationId xmlns:p14="http://schemas.microsoft.com/office/powerpoint/2010/main" val="575880316"/>
       </p:ext>
     </p:extLst>
   </p:cSld>
@@ -8519,142 +11692,6 @@
 </file>
 
 <file path=ppt/slides/slide23.xml><?xml version="1.0" encoding="utf-8"?>
-<p:sld xmlns:a="http://schemas.openxmlformats.org/drawingml/2006/main" xmlns:r="http://schemas.openxmlformats.org/officeDocument/2006/relationships" xmlns:p="http://schemas.openxmlformats.org/presentationml/2006/main">
-  <p:cSld>
-    <p:spTree>
-      <p:nvGrpSpPr>
-        <p:cNvPr id="1" name=""/>
-        <p:cNvGrpSpPr/>
-        <p:nvPr/>
-      </p:nvGrpSpPr>
-      <p:grpSpPr>
-        <a:xfrm>
-          <a:off x="0" y="0"/>
-          <a:ext cx="0" cy="0"/>
-          <a:chOff x="0" y="0"/>
-          <a:chExt cx="0" cy="0"/>
-        </a:xfrm>
-      </p:grpSpPr>
-      <p:sp>
-        <p:nvSpPr>
-          <p:cNvPr id="8" name="직사각형 7">
-            <a:extLst>
-              <a:ext uri="{FF2B5EF4-FFF2-40B4-BE49-F238E27FC236}">
-                <a16:creationId xmlns:a16="http://schemas.microsoft.com/office/drawing/2014/main" id="{DFBEAA6E-A32F-42F3-A86F-FB0C5B8608AB}"/>
-              </a:ext>
-            </a:extLst>
-          </p:cNvPr>
-          <p:cNvSpPr/>
-          <p:nvPr/>
-        </p:nvSpPr>
-        <p:spPr>
-          <a:xfrm>
-            <a:off x="0" y="339365"/>
-            <a:ext cx="3619893" cy="1221117"/>
-          </a:xfrm>
-          <a:prstGeom prst="rect">
-            <a:avLst/>
-          </a:prstGeom>
-          <a:solidFill>
-            <a:schemeClr val="tx1"/>
-          </a:solidFill>
-          <a:ln>
-            <a:solidFill>
-              <a:schemeClr val="tx1"/>
-            </a:solidFill>
-          </a:ln>
-        </p:spPr>
-        <p:style>
-          <a:lnRef idx="2">
-            <a:schemeClr val="accent1">
-              <a:shade val="50000"/>
-            </a:schemeClr>
-          </a:lnRef>
-          <a:fillRef idx="1">
-            <a:schemeClr val="accent1"/>
-          </a:fillRef>
-          <a:effectRef idx="0">
-            <a:schemeClr val="accent1"/>
-          </a:effectRef>
-          <a:fontRef idx="minor">
-            <a:schemeClr val="lt1"/>
-          </a:fontRef>
-        </p:style>
-        <p:txBody>
-          <a:bodyPr rtlCol="0" anchor="ctr"/>
-          <a:lstStyle/>
-          <a:p>
-            <a:pPr algn="ctr"/>
-            <a:r>
-              <a:rPr lang="en-US" altLang="ko-KR" sz="2400" dirty="0" err="1">
-                <a:solidFill>
-                  <a:schemeClr val="bg1"/>
-                </a:solidFill>
-                <a:latin typeface="태나다체 " panose="02000000000000000000" pitchFamily="2" charset="-127"/>
-                <a:ea typeface="태나다체 " panose="02000000000000000000" pitchFamily="2" charset="-127"/>
-              </a:rPr>
-              <a:t>OnMessageReceived</a:t>
-            </a:r>
-            <a:endParaRPr lang="en-US" altLang="ko-KR" sz="2400" dirty="0">
-              <a:solidFill>
-                <a:schemeClr val="bg1"/>
-              </a:solidFill>
-              <a:latin typeface="태나다체 " panose="02000000000000000000" pitchFamily="2" charset="-127"/>
-              <a:ea typeface="태나다체 " panose="02000000000000000000" pitchFamily="2" charset="-127"/>
-            </a:endParaRPr>
-          </a:p>
-        </p:txBody>
-      </p:sp>
-      <p:pic>
-        <p:nvPicPr>
-          <p:cNvPr id="3" name="그림 2">
-            <a:extLst>
-              <a:ext uri="{FF2B5EF4-FFF2-40B4-BE49-F238E27FC236}">
-                <a16:creationId xmlns:a16="http://schemas.microsoft.com/office/drawing/2014/main" id="{DE1C2BF9-E90D-4ECE-82BF-92EE63388B2B}"/>
-              </a:ext>
-            </a:extLst>
-          </p:cNvPr>
-          <p:cNvPicPr>
-            <a:picLocks noChangeAspect="1"/>
-          </p:cNvPicPr>
-          <p:nvPr/>
-        </p:nvPicPr>
-        <p:blipFill>
-          <a:blip r:embed="rId3">
-            <a:extLst>
-              <a:ext uri="{28A0092B-C50C-407E-A947-70E740481C1C}">
-                <a14:useLocalDpi xmlns:a14="http://schemas.microsoft.com/office/drawing/2010/main" val="0"/>
-              </a:ext>
-            </a:extLst>
-          </a:blip>
-          <a:stretch>
-            <a:fillRect/>
-          </a:stretch>
-        </p:blipFill>
-        <p:spPr>
-          <a:xfrm>
-            <a:off x="854697" y="1847585"/>
-            <a:ext cx="10482606" cy="4671050"/>
-          </a:xfrm>
-          <a:prstGeom prst="rect">
-            <a:avLst/>
-          </a:prstGeom>
-        </p:spPr>
-      </p:pic>
-    </p:spTree>
-    <p:extLst>
-      <p:ext uri="{BB962C8B-B14F-4D97-AF65-F5344CB8AC3E}">
-        <p14:creationId xmlns:p14="http://schemas.microsoft.com/office/powerpoint/2010/main" val="327038867"/>
-      </p:ext>
-    </p:extLst>
-  </p:cSld>
-  <p:clrMapOvr>
-    <a:masterClrMapping/>
-  </p:clrMapOvr>
-</p:sld>
-</file>
-
-<file path=ppt/slides/slide24.xml><?xml version="1.0" encoding="utf-8"?>
 <p:sld xmlns:a="http://schemas.openxmlformats.org/drawingml/2006/main" xmlns:r="http://schemas.openxmlformats.org/officeDocument/2006/relationships" xmlns:p="http://schemas.openxmlformats.org/presentationml/2006/main">
   <p:cSld>
     <p:spTree>
@@ -8823,7 +11860,7 @@
                 <a:latin typeface="태나다체 " panose="02000000000000000000" pitchFamily="2" charset="-127"/>
                 <a:ea typeface="태나다체 " panose="02000000000000000000" pitchFamily="2" charset="-127"/>
               </a:rPr>
-              <a:t>클라이언트</a:t>
+              <a:t>서버</a:t>
             </a:r>
           </a:p>
         </p:txBody>
@@ -8831,7 +11868,7 @@
     </p:spTree>
     <p:extLst>
       <p:ext uri="{BB962C8B-B14F-4D97-AF65-F5344CB8AC3E}">
-        <p14:creationId xmlns:p14="http://schemas.microsoft.com/office/powerpoint/2010/main" val="665183978"/>
+        <p14:creationId xmlns:p14="http://schemas.microsoft.com/office/powerpoint/2010/main" val="299742476"/>
       </p:ext>
     </p:extLst>
   </p:cSld>
@@ -8841,7 +11878,7 @@
 </p:sld>
 </file>
 
-<file path=ppt/slides/slide25.xml><?xml version="1.0" encoding="utf-8"?>
+<file path=ppt/slides/slide24.xml><?xml version="1.0" encoding="utf-8"?>
 <p:sld xmlns:a="http://schemas.openxmlformats.org/drawingml/2006/main" xmlns:r="http://schemas.openxmlformats.org/officeDocument/2006/relationships" xmlns:p="http://schemas.openxmlformats.org/presentationml/2006/main">
   <p:cSld>
     <p:spTree>
@@ -8909,16 +11946,16 @@
           <a:p>
             <a:pPr algn="ctr"/>
             <a:r>
-              <a:rPr lang="ko-KR" altLang="en-US" sz="3600" dirty="0">
+              <a:rPr lang="en-US" altLang="ko-KR" sz="3600" dirty="0">
                 <a:solidFill>
                   <a:schemeClr val="bg1"/>
                 </a:solidFill>
                 <a:latin typeface="태나다체 " panose="02000000000000000000" pitchFamily="2" charset="-127"/>
                 <a:ea typeface="태나다체 " panose="02000000000000000000" pitchFamily="2" charset="-127"/>
               </a:rPr>
-              <a:t>프로젝트 생성</a:t>
-            </a:r>
-            <a:endParaRPr lang="en-US" altLang="ko-KR" sz="3600" dirty="0">
+              <a:t>Listener</a:t>
+            </a:r>
+            <a:endParaRPr lang="ko-KR" altLang="en-US" sz="3600" dirty="0">
               <a:solidFill>
                 <a:schemeClr val="bg1"/>
               </a:solidFill>
@@ -8930,10 +11967,10 @@
       </p:sp>
       <p:pic>
         <p:nvPicPr>
-          <p:cNvPr id="3" name="그림 2">
-            <a:extLst>
-              <a:ext uri="{FF2B5EF4-FFF2-40B4-BE49-F238E27FC236}">
-                <a16:creationId xmlns:a16="http://schemas.microsoft.com/office/drawing/2014/main" id="{5C047085-D194-481E-AEE9-7EC3BB310120}"/>
+          <p:cNvPr id="4" name="그림 3">
+            <a:extLst>
+              <a:ext uri="{FF2B5EF4-FFF2-40B4-BE49-F238E27FC236}">
+                <a16:creationId xmlns:a16="http://schemas.microsoft.com/office/drawing/2014/main" id="{E87A9862-78BD-4938-8033-C521F3109B5E}"/>
               </a:ext>
             </a:extLst>
           </p:cNvPr>
@@ -8956,8 +11993,8 @@
         </p:blipFill>
         <p:spPr>
           <a:xfrm>
-            <a:off x="3988384" y="754145"/>
-            <a:ext cx="7818029" cy="5483870"/>
+            <a:off x="812276" y="2227739"/>
+            <a:ext cx="10567447" cy="3886051"/>
           </a:xfrm>
           <a:prstGeom prst="rect">
             <a:avLst/>
@@ -8967,7 +12004,7 @@
     </p:spTree>
     <p:extLst>
       <p:ext uri="{BB962C8B-B14F-4D97-AF65-F5344CB8AC3E}">
-        <p14:creationId xmlns:p14="http://schemas.microsoft.com/office/powerpoint/2010/main" val="3042404188"/>
+        <p14:creationId xmlns:p14="http://schemas.microsoft.com/office/powerpoint/2010/main" val="4019243680"/>
       </p:ext>
     </p:extLst>
   </p:cSld>
@@ -8977,7 +12014,7 @@
 </p:sld>
 </file>
 
-<file path=ppt/slides/slide26.xml><?xml version="1.0" encoding="utf-8"?>
+<file path=ppt/slides/slide25.xml><?xml version="1.0" encoding="utf-8"?>
 <p:sld xmlns:a="http://schemas.openxmlformats.org/drawingml/2006/main" xmlns:r="http://schemas.openxmlformats.org/officeDocument/2006/relationships" xmlns:p="http://schemas.openxmlformats.org/presentationml/2006/main">
   <p:cSld>
     <p:spTree>
@@ -9052,8 +12089,15 @@
                 <a:latin typeface="태나다체 " panose="02000000000000000000" pitchFamily="2" charset="-127"/>
                 <a:ea typeface="태나다체 " panose="02000000000000000000" pitchFamily="2" charset="-127"/>
               </a:rPr>
-              <a:t>Connector</a:t>
-            </a:r>
+              <a:t>Accept</a:t>
+            </a:r>
+            <a:endParaRPr lang="ko-KR" altLang="en-US" sz="3600" dirty="0">
+              <a:solidFill>
+                <a:schemeClr val="bg1"/>
+              </a:solidFill>
+              <a:latin typeface="태나다체 " panose="02000000000000000000" pitchFamily="2" charset="-127"/>
+              <a:ea typeface="태나다체 " panose="02000000000000000000" pitchFamily="2" charset="-127"/>
+            </a:endParaRPr>
           </a:p>
         </p:txBody>
       </p:sp>
@@ -9062,7 +12106,7 @@
           <p:cNvPr id="5" name="그림 4">
             <a:extLst>
               <a:ext uri="{FF2B5EF4-FFF2-40B4-BE49-F238E27FC236}">
-                <a16:creationId xmlns:a16="http://schemas.microsoft.com/office/drawing/2014/main" id="{2FC02F4D-CB6D-49D4-A556-2D3ECCAD7162}"/>
+                <a16:creationId xmlns:a16="http://schemas.microsoft.com/office/drawing/2014/main" id="{1B240BF1-50C4-437D-9E43-30963FCAFA92}"/>
               </a:ext>
             </a:extLst>
           </p:cNvPr>
@@ -9085,8 +12129,8 @@
         </p:blipFill>
         <p:spPr>
           <a:xfrm>
-            <a:off x="699154" y="2574410"/>
-            <a:ext cx="10793691" cy="3241470"/>
+            <a:off x="4653219" y="339365"/>
+            <a:ext cx="6507150" cy="6179270"/>
           </a:xfrm>
           <a:prstGeom prst="rect">
             <a:avLst/>
@@ -9096,7 +12140,7 @@
     </p:spTree>
     <p:extLst>
       <p:ext uri="{BB962C8B-B14F-4D97-AF65-F5344CB8AC3E}">
-        <p14:creationId xmlns:p14="http://schemas.microsoft.com/office/powerpoint/2010/main" val="2199518871"/>
+        <p14:creationId xmlns:p14="http://schemas.microsoft.com/office/powerpoint/2010/main" val="336767519"/>
       </p:ext>
     </p:extLst>
   </p:cSld>
@@ -9106,7 +12150,7 @@
 </p:sld>
 </file>
 
-<file path=ppt/slides/slide27.xml><?xml version="1.0" encoding="utf-8"?>
+<file path=ppt/slides/slide26.xml><?xml version="1.0" encoding="utf-8"?>
 <p:sld xmlns:a="http://schemas.openxmlformats.org/drawingml/2006/main" xmlns:r="http://schemas.openxmlformats.org/officeDocument/2006/relationships" xmlns:p="http://schemas.openxmlformats.org/presentationml/2006/main">
   <p:cSld>
     <p:spTree>
@@ -9174,37 +12218,31 @@
           <a:p>
             <a:pPr algn="ctr"/>
             <a:r>
-              <a:rPr lang="en-US" altLang="ko-KR" sz="3200" dirty="0">
+              <a:rPr lang="en-US" altLang="ko-KR" sz="3600" dirty="0">
                 <a:solidFill>
                   <a:schemeClr val="bg1"/>
                 </a:solidFill>
                 <a:latin typeface="태나다체 " panose="02000000000000000000" pitchFamily="2" charset="-127"/>
                 <a:ea typeface="태나다체 " panose="02000000000000000000" pitchFamily="2" charset="-127"/>
               </a:rPr>
-              <a:t>Connect</a:t>
-            </a:r>
-          </a:p>
-          <a:p>
-            <a:pPr algn="ctr"/>
-            <a:r>
-              <a:rPr lang="en-US" altLang="ko-KR" sz="3200" dirty="0">
-                <a:solidFill>
-                  <a:schemeClr val="bg1"/>
-                </a:solidFill>
-                <a:latin typeface="태나다체 " panose="02000000000000000000" pitchFamily="2" charset="-127"/>
-                <a:ea typeface="태나다체 " panose="02000000000000000000" pitchFamily="2" charset="-127"/>
-              </a:rPr>
-              <a:t>Disconnect</a:t>
-            </a:r>
+              <a:t>Receive</a:t>
+            </a:r>
+            <a:endParaRPr lang="ko-KR" altLang="en-US" sz="3600" dirty="0">
+              <a:solidFill>
+                <a:schemeClr val="bg1"/>
+              </a:solidFill>
+              <a:latin typeface="태나다체 " panose="02000000000000000000" pitchFamily="2" charset="-127"/>
+              <a:ea typeface="태나다체 " panose="02000000000000000000" pitchFamily="2" charset="-127"/>
+            </a:endParaRPr>
           </a:p>
         </p:txBody>
       </p:sp>
       <p:pic>
         <p:nvPicPr>
-          <p:cNvPr id="6" name="그림 5">
-            <a:extLst>
-              <a:ext uri="{FF2B5EF4-FFF2-40B4-BE49-F238E27FC236}">
-                <a16:creationId xmlns:a16="http://schemas.microsoft.com/office/drawing/2014/main" id="{1C1588EA-65C3-4891-9AA8-9C25043E6E6B}"/>
+          <p:cNvPr id="3" name="그림 2">
+            <a:extLst>
+              <a:ext uri="{FF2B5EF4-FFF2-40B4-BE49-F238E27FC236}">
+                <a16:creationId xmlns:a16="http://schemas.microsoft.com/office/drawing/2014/main" id="{7637BAF1-E82F-433E-9FE9-DA2CC0197B53}"/>
               </a:ext>
             </a:extLst>
           </p:cNvPr>
@@ -9227,8 +12265,8 @@
         </p:blipFill>
         <p:spPr>
           <a:xfrm>
-            <a:off x="4389968" y="780241"/>
-            <a:ext cx="6859128" cy="5297518"/>
+            <a:off x="4183326" y="323560"/>
+            <a:ext cx="7289095" cy="6210880"/>
           </a:xfrm>
           <a:prstGeom prst="rect">
             <a:avLst/>
@@ -9238,7 +12276,7 @@
     </p:spTree>
     <p:extLst>
       <p:ext uri="{BB962C8B-B14F-4D97-AF65-F5344CB8AC3E}">
-        <p14:creationId xmlns:p14="http://schemas.microsoft.com/office/powerpoint/2010/main" val="2773105442"/>
+        <p14:creationId xmlns:p14="http://schemas.microsoft.com/office/powerpoint/2010/main" val="1602413687"/>
       </p:ext>
     </p:extLst>
   </p:cSld>
@@ -9248,7 +12286,7 @@
 </p:sld>
 </file>
 
-<file path=ppt/slides/slide28.xml><?xml version="1.0" encoding="utf-8"?>
+<file path=ppt/slides/slide27.xml><?xml version="1.0" encoding="utf-8"?>
 <p:sld xmlns:a="http://schemas.openxmlformats.org/drawingml/2006/main" xmlns:r="http://schemas.openxmlformats.org/officeDocument/2006/relationships" xmlns:p="http://schemas.openxmlformats.org/presentationml/2006/main">
   <p:cSld>
     <p:spTree>
@@ -9316,24 +12354,24 @@
           <a:p>
             <a:pPr algn="ctr"/>
             <a:r>
-              <a:rPr lang="en-US" altLang="ko-KR" sz="3200" dirty="0">
+              <a:rPr lang="en-US" altLang="ko-KR" sz="3600" dirty="0">
                 <a:solidFill>
                   <a:schemeClr val="bg1"/>
                 </a:solidFill>
                 <a:latin typeface="태나다체 " panose="02000000000000000000" pitchFamily="2" charset="-127"/>
                 <a:ea typeface="태나다체 " panose="02000000000000000000" pitchFamily="2" charset="-127"/>
               </a:rPr>
-              <a:t>Receive</a:t>
+              <a:t>Kick</a:t>
             </a:r>
           </a:p>
         </p:txBody>
       </p:sp>
       <p:pic>
         <p:nvPicPr>
-          <p:cNvPr id="3" name="그림 2">
-            <a:extLst>
-              <a:ext uri="{FF2B5EF4-FFF2-40B4-BE49-F238E27FC236}">
-                <a16:creationId xmlns:a16="http://schemas.microsoft.com/office/drawing/2014/main" id="{ECE4F9D5-F9C5-4F42-A92D-749C294FD2AE}"/>
+          <p:cNvPr id="4" name="그림 3">
+            <a:extLst>
+              <a:ext uri="{FF2B5EF4-FFF2-40B4-BE49-F238E27FC236}">
+                <a16:creationId xmlns:a16="http://schemas.microsoft.com/office/drawing/2014/main" id="{18FC15DB-4060-4939-A87B-727D7C98FD59}"/>
               </a:ext>
             </a:extLst>
           </p:cNvPr>
@@ -9356,8 +12394,8 @@
         </p:blipFill>
         <p:spPr>
           <a:xfrm>
-            <a:off x="4081807" y="892327"/>
-            <a:ext cx="7651669" cy="5073346"/>
+            <a:off x="978030" y="1871230"/>
+            <a:ext cx="10235939" cy="4722820"/>
           </a:xfrm>
           <a:prstGeom prst="rect">
             <a:avLst/>
@@ -9367,7 +12405,7 @@
     </p:spTree>
     <p:extLst>
       <p:ext uri="{BB962C8B-B14F-4D97-AF65-F5344CB8AC3E}">
-        <p14:creationId xmlns:p14="http://schemas.microsoft.com/office/powerpoint/2010/main" val="957042276"/>
+        <p14:creationId xmlns:p14="http://schemas.microsoft.com/office/powerpoint/2010/main" val="3801376098"/>
       </p:ext>
     </p:extLst>
   </p:cSld>
@@ -9377,7 +12415,7 @@
 </p:sld>
 </file>
 
-<file path=ppt/slides/slide29.xml><?xml version="1.0" encoding="utf-8"?>
+<file path=ppt/slides/slide28.xml><?xml version="1.0" encoding="utf-8"?>
 <p:sld xmlns:a="http://schemas.openxmlformats.org/drawingml/2006/main" xmlns:r="http://schemas.openxmlformats.org/officeDocument/2006/relationships" xmlns:p="http://schemas.openxmlformats.org/presentationml/2006/main">
   <p:cSld>
     <p:spTree>
@@ -9445,24 +12483,24 @@
           <a:p>
             <a:pPr algn="ctr"/>
             <a:r>
-              <a:rPr lang="en-US" altLang="ko-KR" sz="3200" dirty="0">
+              <a:rPr lang="en-US" altLang="ko-KR" sz="3600" dirty="0">
                 <a:solidFill>
                   <a:schemeClr val="bg1"/>
                 </a:solidFill>
                 <a:latin typeface="태나다체 " panose="02000000000000000000" pitchFamily="2" charset="-127"/>
                 <a:ea typeface="태나다체 " panose="02000000000000000000" pitchFamily="2" charset="-127"/>
               </a:rPr>
-              <a:t>Connector</a:t>
+              <a:t>Listener</a:t>
             </a:r>
           </a:p>
         </p:txBody>
       </p:sp>
       <p:pic>
         <p:nvPicPr>
-          <p:cNvPr id="4" name="그림 3">
-            <a:extLst>
-              <a:ext uri="{FF2B5EF4-FFF2-40B4-BE49-F238E27FC236}">
-                <a16:creationId xmlns:a16="http://schemas.microsoft.com/office/drawing/2014/main" id="{E33C22C3-43CD-424A-89E2-C51E9921AEC9}"/>
+          <p:cNvPr id="9" name="그림 8">
+            <a:extLst>
+              <a:ext uri="{FF2B5EF4-FFF2-40B4-BE49-F238E27FC236}">
+                <a16:creationId xmlns:a16="http://schemas.microsoft.com/office/drawing/2014/main" id="{283EB9EC-9BD2-4CF9-833D-C0627D76B7D7}"/>
               </a:ext>
             </a:extLst>
           </p:cNvPr>
@@ -9485,8 +12523,8 @@
         </p:blipFill>
         <p:spPr>
           <a:xfrm>
-            <a:off x="491765" y="2599856"/>
-            <a:ext cx="11208470" cy="3223161"/>
+            <a:off x="1038519" y="1811808"/>
+            <a:ext cx="10114961" cy="4853105"/>
           </a:xfrm>
           <a:prstGeom prst="rect">
             <a:avLst/>
@@ -9496,7 +12534,7 @@
     </p:spTree>
     <p:extLst>
       <p:ext uri="{BB962C8B-B14F-4D97-AF65-F5344CB8AC3E}">
-        <p14:creationId xmlns:p14="http://schemas.microsoft.com/office/powerpoint/2010/main" val="2153526519"/>
+        <p14:creationId xmlns:p14="http://schemas.microsoft.com/office/powerpoint/2010/main" val="770651352"/>
       </p:ext>
     </p:extLst>
   </p:cSld>
@@ -9506,7 +12544,7 @@
 </p:sld>
 </file>
 
-<file path=ppt/slides/slide3.xml><?xml version="1.0" encoding="utf-8"?>
+<file path=ppt/slides/slide29.xml><?xml version="1.0" encoding="utf-8"?>
 <p:sld xmlns:a="http://schemas.openxmlformats.org/drawingml/2006/main" xmlns:r="http://schemas.openxmlformats.org/officeDocument/2006/relationships" xmlns:p="http://schemas.openxmlformats.org/presentationml/2006/main">
   <p:cSld>
     <p:spTree>
@@ -9523,47 +12561,6 @@
           <a:chExt cx="0" cy="0"/>
         </a:xfrm>
       </p:grpSpPr>
-      <p:pic>
-        <p:nvPicPr>
-          <p:cNvPr id="3" name="그림 2">
-            <a:extLst>
-              <a:ext uri="{FF2B5EF4-FFF2-40B4-BE49-F238E27FC236}">
-                <a16:creationId xmlns:a16="http://schemas.microsoft.com/office/drawing/2014/main" id="{6CB4292C-E04F-4884-8ED1-0C96A0D7DB36}"/>
-              </a:ext>
-            </a:extLst>
-          </p:cNvPr>
-          <p:cNvPicPr>
-            <a:picLocks noChangeAspect="1"/>
-          </p:cNvPicPr>
-          <p:nvPr/>
-        </p:nvPicPr>
-        <p:blipFill>
-          <a:blip r:embed="rId3">
-            <a:extLst>
-              <a:ext uri="{28A0092B-C50C-407E-A947-70E740481C1C}">
-                <a14:useLocalDpi xmlns:a14="http://schemas.microsoft.com/office/drawing/2010/main" val="0"/>
-              </a:ext>
-            </a:extLst>
-          </a:blip>
-          <a:stretch>
-            <a:fillRect/>
-          </a:stretch>
-        </p:blipFill>
-        <p:spPr>
-          <a:xfrm>
-            <a:off x="3619893" y="1931167"/>
-            <a:ext cx="8155498" cy="4587468"/>
-          </a:xfrm>
-          <a:prstGeom prst="rect">
-            <a:avLst/>
-          </a:prstGeom>
-          <a:ln>
-            <a:solidFill>
-              <a:schemeClr val="tx1"/>
-            </a:solidFill>
-          </a:ln>
-        </p:spPr>
-      </p:pic>
       <p:sp>
         <p:nvSpPr>
           <p:cNvPr id="8" name="직사각형 7">
@@ -9615,22 +12612,58 @@
           <a:p>
             <a:pPr algn="ctr"/>
             <a:r>
-              <a:rPr lang="ko-KR" altLang="en-US" sz="4800" dirty="0">
+              <a:rPr lang="en-US" altLang="ko-KR" sz="3600" dirty="0">
                 <a:solidFill>
                   <a:schemeClr val="bg1"/>
                 </a:solidFill>
                 <a:latin typeface="태나다체 " panose="02000000000000000000" pitchFamily="2" charset="-127"/>
                 <a:ea typeface="태나다체 " panose="02000000000000000000" pitchFamily="2" charset="-127"/>
               </a:rPr>
-              <a:t>뭘 했더라</a:t>
-            </a:r>
-          </a:p>
-        </p:txBody>
-      </p:sp>
+              <a:t>Broadcast</a:t>
+            </a:r>
+          </a:p>
+        </p:txBody>
+      </p:sp>
+      <p:pic>
+        <p:nvPicPr>
+          <p:cNvPr id="4" name="그림 3">
+            <a:extLst>
+              <a:ext uri="{FF2B5EF4-FFF2-40B4-BE49-F238E27FC236}">
+                <a16:creationId xmlns:a16="http://schemas.microsoft.com/office/drawing/2014/main" id="{D0B225E8-6CE3-43FC-B5D7-94013333B2E1}"/>
+              </a:ext>
+            </a:extLst>
+          </p:cNvPr>
+          <p:cNvPicPr>
+            <a:picLocks noChangeAspect="1"/>
+          </p:cNvPicPr>
+          <p:nvPr/>
+        </p:nvPicPr>
+        <p:blipFill>
+          <a:blip r:embed="rId3">
+            <a:extLst>
+              <a:ext uri="{28A0092B-C50C-407E-A947-70E740481C1C}">
+                <a14:useLocalDpi xmlns:a14="http://schemas.microsoft.com/office/drawing/2010/main" val="0"/>
+              </a:ext>
+            </a:extLst>
+          </a:blip>
+          <a:stretch>
+            <a:fillRect/>
+          </a:stretch>
+        </p:blipFill>
+        <p:spPr>
+          <a:xfrm>
+            <a:off x="647307" y="2191743"/>
+            <a:ext cx="10897386" cy="4006259"/>
+          </a:xfrm>
+          <a:prstGeom prst="rect">
+            <a:avLst/>
+          </a:prstGeom>
+        </p:spPr>
+      </p:pic>
     </p:spTree>
     <p:extLst>
       <p:ext uri="{BB962C8B-B14F-4D97-AF65-F5344CB8AC3E}">
-        <p14:creationId xmlns:p14="http://schemas.microsoft.com/office/powerpoint/2010/main" val="923285379"/>
+        <p14:creationId xmlns:p14="http://schemas.microsoft.com/office/powerpoint/2010/main" val="2855754546"/>
       </p:ext>
     </p:extLst>
   </p:cSld>
@@ -9640,7 +12673,7 @@
 </p:sld>
 </file>
 
-<file path=ppt/slides/slide30.xml><?xml version="1.0" encoding="utf-8"?>
+<file path=ppt/slides/slide3.xml><?xml version="1.0" encoding="utf-8"?>
 <p:sld xmlns:a="http://schemas.openxmlformats.org/drawingml/2006/main" xmlns:r="http://schemas.openxmlformats.org/officeDocument/2006/relationships" xmlns:p="http://schemas.openxmlformats.org/presentationml/2006/main">
   <p:cSld>
     <p:spTree>
@@ -9657,6 +12690,47 @@
           <a:chExt cx="0" cy="0"/>
         </a:xfrm>
       </p:grpSpPr>
+      <p:pic>
+        <p:nvPicPr>
+          <p:cNvPr id="3" name="그림 2">
+            <a:extLst>
+              <a:ext uri="{FF2B5EF4-FFF2-40B4-BE49-F238E27FC236}">
+                <a16:creationId xmlns:a16="http://schemas.microsoft.com/office/drawing/2014/main" id="{6CB4292C-E04F-4884-8ED1-0C96A0D7DB36}"/>
+              </a:ext>
+            </a:extLst>
+          </p:cNvPr>
+          <p:cNvPicPr>
+            <a:picLocks noChangeAspect="1"/>
+          </p:cNvPicPr>
+          <p:nvPr/>
+        </p:nvPicPr>
+        <p:blipFill>
+          <a:blip r:embed="rId3">
+            <a:extLst>
+              <a:ext uri="{28A0092B-C50C-407E-A947-70E740481C1C}">
+                <a14:useLocalDpi xmlns:a14="http://schemas.microsoft.com/office/drawing/2010/main" val="0"/>
+              </a:ext>
+            </a:extLst>
+          </a:blip>
+          <a:stretch>
+            <a:fillRect/>
+          </a:stretch>
+        </p:blipFill>
+        <p:spPr>
+          <a:xfrm>
+            <a:off x="3619893" y="1931167"/>
+            <a:ext cx="8155498" cy="4587468"/>
+          </a:xfrm>
+          <a:prstGeom prst="rect">
+            <a:avLst/>
+          </a:prstGeom>
+          <a:ln>
+            <a:solidFill>
+              <a:schemeClr val="tx1"/>
+            </a:solidFill>
+          </a:ln>
+        </p:spPr>
+      </p:pic>
       <p:sp>
         <p:nvSpPr>
           <p:cNvPr id="8" name="직사각형 7">
@@ -9708,58 +12782,22 @@
           <a:p>
             <a:pPr algn="ctr"/>
             <a:r>
-              <a:rPr lang="en-US" altLang="ko-KR" sz="3200" dirty="0">
+              <a:rPr lang="ko-KR" altLang="en-US" sz="4800" dirty="0">
                 <a:solidFill>
                   <a:schemeClr val="bg1"/>
                 </a:solidFill>
                 <a:latin typeface="태나다체 " panose="02000000000000000000" pitchFamily="2" charset="-127"/>
                 <a:ea typeface="태나다체 " panose="02000000000000000000" pitchFamily="2" charset="-127"/>
               </a:rPr>
-              <a:t>Send</a:t>
-            </a:r>
-          </a:p>
-        </p:txBody>
-      </p:sp>
-      <p:pic>
-        <p:nvPicPr>
-          <p:cNvPr id="3" name="그림 2">
-            <a:extLst>
-              <a:ext uri="{FF2B5EF4-FFF2-40B4-BE49-F238E27FC236}">
-                <a16:creationId xmlns:a16="http://schemas.microsoft.com/office/drawing/2014/main" id="{CB80580E-837F-4268-A381-906E22B9662F}"/>
-              </a:ext>
-            </a:extLst>
-          </p:cNvPr>
-          <p:cNvPicPr>
-            <a:picLocks noChangeAspect="1"/>
-          </p:cNvPicPr>
-          <p:nvPr/>
-        </p:nvPicPr>
-        <p:blipFill>
-          <a:blip r:embed="rId3">
-            <a:extLst>
-              <a:ext uri="{28A0092B-C50C-407E-A947-70E740481C1C}">
-                <a14:useLocalDpi xmlns:a14="http://schemas.microsoft.com/office/drawing/2010/main" val="0"/>
-              </a:ext>
-            </a:extLst>
-          </a:blip>
-          <a:stretch>
-            <a:fillRect/>
-          </a:stretch>
-        </p:blipFill>
-        <p:spPr>
-          <a:xfrm>
-            <a:off x="670874" y="1956956"/>
-            <a:ext cx="10850252" cy="4456746"/>
-          </a:xfrm>
-          <a:prstGeom prst="rect">
-            <a:avLst/>
-          </a:prstGeom>
-        </p:spPr>
-      </p:pic>
+              <a:t>뭘 했더라</a:t>
+            </a:r>
+          </a:p>
+        </p:txBody>
+      </p:sp>
     </p:spTree>
     <p:extLst>
       <p:ext uri="{BB962C8B-B14F-4D97-AF65-F5344CB8AC3E}">
-        <p14:creationId xmlns:p14="http://schemas.microsoft.com/office/powerpoint/2010/main" val="118490324"/>
+        <p14:creationId xmlns:p14="http://schemas.microsoft.com/office/powerpoint/2010/main" val="923285379"/>
       </p:ext>
     </p:extLst>
   </p:cSld>
@@ -9769,7 +12807,7 @@
 </p:sld>
 </file>
 
-<file path=ppt/slides/slide31.xml><?xml version="1.0" encoding="utf-8"?>
+<file path=ppt/slides/slide30.xml><?xml version="1.0" encoding="utf-8"?>
 <p:sld xmlns:a="http://schemas.openxmlformats.org/drawingml/2006/main" xmlns:r="http://schemas.openxmlformats.org/officeDocument/2006/relationships" xmlns:p="http://schemas.openxmlformats.org/presentationml/2006/main">
   <p:cSld>
     <p:spTree>
@@ -9837,14 +12875,14 @@
           <a:p>
             <a:pPr algn="ctr"/>
             <a:r>
-              <a:rPr lang="en-US" altLang="ko-KR" sz="3200" dirty="0">
+              <a:rPr lang="en-US" altLang="ko-KR" sz="3600" dirty="0">
                 <a:solidFill>
                   <a:schemeClr val="bg1"/>
                 </a:solidFill>
                 <a:latin typeface="태나다체 " panose="02000000000000000000" pitchFamily="2" charset="-127"/>
                 <a:ea typeface="태나다체 " panose="02000000000000000000" pitchFamily="2" charset="-127"/>
               </a:rPr>
-              <a:t>Connector</a:t>
+              <a:t>Listener</a:t>
             </a:r>
           </a:p>
         </p:txBody>
@@ -9854,7 +12892,7 @@
           <p:cNvPr id="3" name="그림 2">
             <a:extLst>
               <a:ext uri="{FF2B5EF4-FFF2-40B4-BE49-F238E27FC236}">
-                <a16:creationId xmlns:a16="http://schemas.microsoft.com/office/drawing/2014/main" id="{8B478601-F95B-496F-970E-F3485D3E05A2}"/>
+                <a16:creationId xmlns:a16="http://schemas.microsoft.com/office/drawing/2014/main" id="{CC5F1B46-3925-4E70-B0F4-3F30F8D80F26}"/>
               </a:ext>
             </a:extLst>
           </p:cNvPr>
@@ -9877,8 +12915,8 @@
         </p:blipFill>
         <p:spPr>
           <a:xfrm>
-            <a:off x="690083" y="2135261"/>
-            <a:ext cx="10811833" cy="4135978"/>
+            <a:off x="1491006" y="1782064"/>
+            <a:ext cx="9209988" cy="4871008"/>
           </a:xfrm>
           <a:prstGeom prst="rect">
             <a:avLst/>
@@ -9888,7 +12926,7 @@
     </p:spTree>
     <p:extLst>
       <p:ext uri="{BB962C8B-B14F-4D97-AF65-F5344CB8AC3E}">
-        <p14:creationId xmlns:p14="http://schemas.microsoft.com/office/powerpoint/2010/main" val="462859360"/>
+        <p14:creationId xmlns:p14="http://schemas.microsoft.com/office/powerpoint/2010/main" val="4254667471"/>
       </p:ext>
     </p:extLst>
   </p:cSld>
@@ -9898,7 +12936,7 @@
 </p:sld>
 </file>
 
-<file path=ppt/slides/slide32.xml><?xml version="1.0" encoding="utf-8"?>
+<file path=ppt/slides/slide31.xml><?xml version="1.0" encoding="utf-8"?>
 <p:sld xmlns:a="http://schemas.openxmlformats.org/drawingml/2006/main" xmlns:r="http://schemas.openxmlformats.org/officeDocument/2006/relationships" xmlns:p="http://schemas.openxmlformats.org/presentationml/2006/main">
   <p:cSld>
     <p:spTree>
@@ -9966,7 +13004,7 @@
           <a:p>
             <a:pPr algn="ctr"/>
             <a:r>
-              <a:rPr lang="en-US" altLang="ko-KR" sz="3200" dirty="0">
+              <a:rPr lang="en-US" altLang="ko-KR" sz="3600" dirty="0">
                 <a:solidFill>
                   <a:schemeClr val="bg1"/>
                 </a:solidFill>
@@ -9978,49 +13016,46 @@
           </a:p>
         </p:txBody>
       </p:sp>
-      <p:sp>
-        <p:nvSpPr>
-          <p:cNvPr id="2" name="TextBox 1">
-            <a:extLst>
-              <a:ext uri="{FF2B5EF4-FFF2-40B4-BE49-F238E27FC236}">
-                <a16:creationId xmlns:a16="http://schemas.microsoft.com/office/drawing/2014/main" id="{F198970A-C856-4B60-A960-15B3D41B0ED5}"/>
-              </a:ext>
-            </a:extLst>
-          </p:cNvPr>
-          <p:cNvSpPr txBox="1"/>
+      <p:pic>
+        <p:nvPicPr>
+          <p:cNvPr id="4" name="그림 3">
+            <a:extLst>
+              <a:ext uri="{FF2B5EF4-FFF2-40B4-BE49-F238E27FC236}">
+                <a16:creationId xmlns:a16="http://schemas.microsoft.com/office/drawing/2014/main" id="{B8667558-E9F2-45F4-AB22-41A1FDF73212}"/>
+              </a:ext>
+            </a:extLst>
+          </p:cNvPr>
+          <p:cNvPicPr>
+            <a:picLocks noChangeAspect="1"/>
+          </p:cNvPicPr>
           <p:nvPr/>
-        </p:nvSpPr>
+        </p:nvPicPr>
+        <p:blipFill>
+          <a:blip r:embed="rId3">
+            <a:extLst>
+              <a:ext uri="{28A0092B-C50C-407E-A947-70E740481C1C}">
+                <a14:useLocalDpi xmlns:a14="http://schemas.microsoft.com/office/drawing/2010/main" val="0"/>
+              </a:ext>
+            </a:extLst>
+          </a:blip>
+          <a:stretch>
+            <a:fillRect/>
+          </a:stretch>
+        </p:blipFill>
         <p:spPr>
           <a:xfrm>
-            <a:off x="3459637" y="3327662"/>
-            <a:ext cx="5656083" cy="369332"/>
+            <a:off x="4242551" y="593451"/>
+            <a:ext cx="7399552" cy="5671097"/>
           </a:xfrm>
           <a:prstGeom prst="rect">
             <a:avLst/>
           </a:prstGeom>
-          <a:noFill/>
         </p:spPr>
-        <p:txBody>
-          <a:bodyPr wrap="square" rtlCol="0">
-            <a:spAutoFit/>
-          </a:bodyPr>
-          <a:lstStyle/>
-          <a:p>
-            <a:r>
-              <a:rPr lang="en-US" altLang="ko-KR" dirty="0"/>
-              <a:t>Client Main </a:t>
-            </a:r>
-            <a:r>
-              <a:rPr lang="ko-KR" altLang="en-US" dirty="0"/>
-              <a:t>찍어라</a:t>
-            </a:r>
-          </a:p>
-        </p:txBody>
-      </p:sp>
+      </p:pic>
     </p:spTree>
     <p:extLst>
       <p:ext uri="{BB962C8B-B14F-4D97-AF65-F5344CB8AC3E}">
-        <p14:creationId xmlns:p14="http://schemas.microsoft.com/office/powerpoint/2010/main" val="753383700"/>
+        <p14:creationId xmlns:p14="http://schemas.microsoft.com/office/powerpoint/2010/main" val="3889440717"/>
       </p:ext>
     </p:extLst>
   </p:cSld>
@@ -10030,7 +13065,7 @@
 </p:sld>
 </file>
 
-<file path=ppt/slides/slide33.xml><?xml version="1.0" encoding="utf-8"?>
+<file path=ppt/slides/slide32.xml><?xml version="1.0" encoding="utf-8"?>
 <p:sld xmlns:a="http://schemas.openxmlformats.org/drawingml/2006/main" xmlns:r="http://schemas.openxmlformats.org/officeDocument/2006/relationships" xmlns:p="http://schemas.openxmlformats.org/presentationml/2006/main">
   <p:cSld>
     <p:spTree>
@@ -10049,66 +13084,10 @@
       </p:grpSpPr>
       <p:sp>
         <p:nvSpPr>
-          <p:cNvPr id="16" name="직사각형 15">
-            <a:extLst>
-              <a:ext uri="{FF2B5EF4-FFF2-40B4-BE49-F238E27FC236}">
-                <a16:creationId xmlns:a16="http://schemas.microsoft.com/office/drawing/2014/main" id="{B89DD7D4-9ED1-4D39-BC0C-EA5A5B8B6EF9}"/>
-              </a:ext>
-            </a:extLst>
-          </p:cNvPr>
-          <p:cNvSpPr/>
-          <p:nvPr/>
-        </p:nvSpPr>
-        <p:spPr>
-          <a:xfrm>
-            <a:off x="188540" y="197967"/>
-            <a:ext cx="12192000" cy="6858000"/>
-          </a:xfrm>
-          <a:prstGeom prst="rect">
-            <a:avLst/>
-          </a:prstGeom>
-          <a:solidFill>
-            <a:schemeClr val="tx1">
-              <a:alpha val="65000"/>
-            </a:schemeClr>
-          </a:solidFill>
-          <a:ln>
-            <a:solidFill>
-              <a:schemeClr val="tx1"/>
-            </a:solidFill>
-          </a:ln>
-        </p:spPr>
-        <p:style>
-          <a:lnRef idx="2">
-            <a:schemeClr val="accent1">
-              <a:shade val="50000"/>
-            </a:schemeClr>
-          </a:lnRef>
-          <a:fillRef idx="1">
-            <a:schemeClr val="accent1"/>
-          </a:fillRef>
-          <a:effectRef idx="0">
-            <a:schemeClr val="accent1"/>
-          </a:effectRef>
-          <a:fontRef idx="minor">
-            <a:schemeClr val="lt1"/>
-          </a:fontRef>
-        </p:style>
-        <p:txBody>
-          <a:bodyPr rtlCol="0" anchor="ctr"/>
-          <a:lstStyle/>
-          <a:p>
-            <a:pPr algn="ctr"/>
-            <a:endParaRPr lang="ko-KR" altLang="en-US" sz="1600" dirty="0"/>
-          </a:p>
-        </p:txBody>
-      </p:sp>
-      <p:sp>
-        <p:nvSpPr>
-          <p:cNvPr id="4" name="직사각형 3">
-            <a:extLst>
-              <a:ext uri="{FF2B5EF4-FFF2-40B4-BE49-F238E27FC236}">
-                <a16:creationId xmlns:a16="http://schemas.microsoft.com/office/drawing/2014/main" id="{CA35C8A5-4B03-43E5-B493-90F4E795A7AE}"/>
+          <p:cNvPr id="8" name="직사각형 7">
+            <a:extLst>
+              <a:ext uri="{FF2B5EF4-FFF2-40B4-BE49-F238E27FC236}">
+                <a16:creationId xmlns:a16="http://schemas.microsoft.com/office/drawing/2014/main" id="{DFBEAA6E-A32F-42F3-A86F-FB0C5B8608AB}"/>
               </a:ext>
             </a:extLst>
           </p:cNvPr>
@@ -10154,16 +13133,16 @@
           <a:p>
             <a:pPr algn="ctr"/>
             <a:r>
-              <a:rPr lang="en-US" altLang="ko-KR" sz="4400" dirty="0">
+              <a:rPr lang="en-US" altLang="ko-KR" sz="2400" dirty="0" err="1">
                 <a:solidFill>
                   <a:schemeClr val="bg1"/>
                 </a:solidFill>
                 <a:latin typeface="태나다체 " panose="02000000000000000000" pitchFamily="2" charset="-127"/>
                 <a:ea typeface="태나다체 " panose="02000000000000000000" pitchFamily="2" charset="-127"/>
               </a:rPr>
-              <a:t>title</a:t>
-            </a:r>
-            <a:endParaRPr lang="ko-KR" altLang="en-US" sz="4400" dirty="0">
+              <a:t>OnMessageReceived</a:t>
+            </a:r>
+            <a:endParaRPr lang="en-US" altLang="ko-KR" sz="2400" dirty="0">
               <a:solidFill>
                 <a:schemeClr val="bg1"/>
               </a:solidFill>
@@ -10173,12 +13152,78 @@
           </a:p>
         </p:txBody>
       </p:sp>
-      <p:sp>
-        <p:nvSpPr>
-          <p:cNvPr id="11" name="직사각형 10">
-            <a:extLst>
-              <a:ext uri="{FF2B5EF4-FFF2-40B4-BE49-F238E27FC236}">
-                <a16:creationId xmlns:a16="http://schemas.microsoft.com/office/drawing/2014/main" id="{6C22D0AA-FCE8-49A4-888D-F1CCB0BBB1BD}"/>
+      <p:pic>
+        <p:nvPicPr>
+          <p:cNvPr id="3" name="그림 2">
+            <a:extLst>
+              <a:ext uri="{FF2B5EF4-FFF2-40B4-BE49-F238E27FC236}">
+                <a16:creationId xmlns:a16="http://schemas.microsoft.com/office/drawing/2014/main" id="{DE1C2BF9-E90D-4ECE-82BF-92EE63388B2B}"/>
+              </a:ext>
+            </a:extLst>
+          </p:cNvPr>
+          <p:cNvPicPr>
+            <a:picLocks noChangeAspect="1"/>
+          </p:cNvPicPr>
+          <p:nvPr/>
+        </p:nvPicPr>
+        <p:blipFill>
+          <a:blip r:embed="rId3">
+            <a:extLst>
+              <a:ext uri="{28A0092B-C50C-407E-A947-70E740481C1C}">
+                <a14:useLocalDpi xmlns:a14="http://schemas.microsoft.com/office/drawing/2010/main" val="0"/>
+              </a:ext>
+            </a:extLst>
+          </a:blip>
+          <a:stretch>
+            <a:fillRect/>
+          </a:stretch>
+        </p:blipFill>
+        <p:spPr>
+          <a:xfrm>
+            <a:off x="854697" y="1847585"/>
+            <a:ext cx="10482606" cy="4671050"/>
+          </a:xfrm>
+          <a:prstGeom prst="rect">
+            <a:avLst/>
+          </a:prstGeom>
+        </p:spPr>
+      </p:pic>
+    </p:spTree>
+    <p:extLst>
+      <p:ext uri="{BB962C8B-B14F-4D97-AF65-F5344CB8AC3E}">
+        <p14:creationId xmlns:p14="http://schemas.microsoft.com/office/powerpoint/2010/main" val="327038867"/>
+      </p:ext>
+    </p:extLst>
+  </p:cSld>
+  <p:clrMapOvr>
+    <a:masterClrMapping/>
+  </p:clrMapOvr>
+</p:sld>
+</file>
+
+<file path=ppt/slides/slide33.xml><?xml version="1.0" encoding="utf-8"?>
+<p:sld xmlns:a="http://schemas.openxmlformats.org/drawingml/2006/main" xmlns:r="http://schemas.openxmlformats.org/officeDocument/2006/relationships" xmlns:p="http://schemas.openxmlformats.org/presentationml/2006/main">
+  <p:cSld>
+    <p:spTree>
+      <p:nvGrpSpPr>
+        <p:cNvPr id="1" name=""/>
+        <p:cNvGrpSpPr/>
+        <p:nvPr/>
+      </p:nvGrpSpPr>
+      <p:grpSpPr>
+        <a:xfrm>
+          <a:off x="0" y="0"/>
+          <a:ext cx="0" cy="0"/>
+          <a:chOff x="0" y="0"/>
+          <a:chExt cx="0" cy="0"/>
+        </a:xfrm>
+      </p:grpSpPr>
+      <p:sp>
+        <p:nvSpPr>
+          <p:cNvPr id="6" name="직사각형 5">
+            <a:extLst>
+              <a:ext uri="{FF2B5EF4-FFF2-40B4-BE49-F238E27FC236}">
+                <a16:creationId xmlns:a16="http://schemas.microsoft.com/office/drawing/2014/main" id="{DA006071-3E30-4389-93E9-B833A281A5E5}"/>
               </a:ext>
             </a:extLst>
           </p:cNvPr>
@@ -10318,76 +13363,22 @@
           <a:p>
             <a:pPr algn="ctr"/>
             <a:r>
-              <a:rPr lang="en-US" altLang="ko-KR" sz="4800" dirty="0">
+              <a:rPr lang="ko-KR" altLang="en-US" sz="4800" dirty="0">
                 <a:solidFill>
                   <a:schemeClr val="bg1"/>
                 </a:solidFill>
                 <a:latin typeface="태나다체 " panose="02000000000000000000" pitchFamily="2" charset="-127"/>
                 <a:ea typeface="태나다체 " panose="02000000000000000000" pitchFamily="2" charset="-127"/>
               </a:rPr>
-              <a:t>embed</a:t>
-            </a:r>
-            <a:endParaRPr lang="ko-KR" altLang="en-US" sz="4800" dirty="0">
-              <a:solidFill>
-                <a:schemeClr val="bg1"/>
-              </a:solidFill>
-              <a:latin typeface="태나다체 " panose="02000000000000000000" pitchFamily="2" charset="-127"/>
-              <a:ea typeface="태나다체 " panose="02000000000000000000" pitchFamily="2" charset="-127"/>
-            </a:endParaRPr>
-          </a:p>
-        </p:txBody>
-      </p:sp>
-      <p:sp>
-        <p:nvSpPr>
-          <p:cNvPr id="17" name="직사각형 16">
-            <a:extLst>
-              <a:ext uri="{FF2B5EF4-FFF2-40B4-BE49-F238E27FC236}">
-                <a16:creationId xmlns:a16="http://schemas.microsoft.com/office/drawing/2014/main" id="{6421B016-1033-4C6F-947D-8DF71B6D0E2F}"/>
-              </a:ext>
-            </a:extLst>
-          </p:cNvPr>
-          <p:cNvSpPr/>
-          <p:nvPr/>
-        </p:nvSpPr>
-        <p:spPr>
-          <a:xfrm>
-            <a:off x="4822927" y="1098817"/>
-            <a:ext cx="2546146" cy="923330"/>
-          </a:xfrm>
-          <a:prstGeom prst="rect">
-            <a:avLst/>
-          </a:prstGeom>
-        </p:spPr>
-        <p:txBody>
-          <a:bodyPr wrap="none">
-            <a:spAutoFit/>
-          </a:bodyPr>
-          <a:lstStyle/>
-          <a:p>
-            <a:r>
-              <a:rPr lang="en-US" altLang="ko-KR" sz="5400" dirty="0">
-                <a:solidFill>
-                  <a:schemeClr val="bg1"/>
-                </a:solidFill>
-                <a:latin typeface="배달의민족 주아" panose="02020603020101020101" pitchFamily="18" charset="-127"/>
-                <a:ea typeface="배달의민족 주아" panose="02020603020101020101" pitchFamily="18" charset="-127"/>
-              </a:rPr>
-              <a:t>content</a:t>
-            </a:r>
-            <a:endParaRPr lang="ko-KR" altLang="en-US" sz="5400" dirty="0">
-              <a:solidFill>
-                <a:schemeClr val="bg1"/>
-              </a:solidFill>
-              <a:latin typeface="배달의민족 주아" panose="02020603020101020101" pitchFamily="18" charset="-127"/>
-              <a:ea typeface="배달의민족 주아" panose="02020603020101020101" pitchFamily="18" charset="-127"/>
-            </a:endParaRPr>
+              <a:t>클라이언트</a:t>
+            </a:r>
           </a:p>
         </p:txBody>
       </p:sp>
     </p:spTree>
     <p:extLst>
       <p:ext uri="{BB962C8B-B14F-4D97-AF65-F5344CB8AC3E}">
-        <p14:creationId xmlns:p14="http://schemas.microsoft.com/office/powerpoint/2010/main" val="1672426001"/>
+        <p14:creationId xmlns:p14="http://schemas.microsoft.com/office/powerpoint/2010/main" val="665183978"/>
       </p:ext>
     </p:extLst>
   </p:cSld>
@@ -10397,7 +13388,7 @@
 </p:sld>
 </file>
 
-<file path=ppt/slides/slide4.xml><?xml version="1.0" encoding="utf-8"?>
+<file path=ppt/slides/slide34.xml><?xml version="1.0" encoding="utf-8"?>
 <p:sld xmlns:a="http://schemas.openxmlformats.org/drawingml/2006/main" xmlns:r="http://schemas.openxmlformats.org/officeDocument/2006/relationships" xmlns:p="http://schemas.openxmlformats.org/presentationml/2006/main">
   <p:cSld>
     <p:spTree>
@@ -10472,63 +13463,58 @@
                 <a:latin typeface="태나다체 " panose="02000000000000000000" pitchFamily="2" charset="-127"/>
                 <a:ea typeface="태나다체 " panose="02000000000000000000" pitchFamily="2" charset="-127"/>
               </a:rPr>
-              <a:t>해결방법</a:t>
-            </a:r>
-          </a:p>
-        </p:txBody>
-      </p:sp>
-      <p:sp>
-        <p:nvSpPr>
-          <p:cNvPr id="4" name="직사각형 3">
-            <a:extLst>
-              <a:ext uri="{FF2B5EF4-FFF2-40B4-BE49-F238E27FC236}">
-                <a16:creationId xmlns:a16="http://schemas.microsoft.com/office/drawing/2014/main" id="{0608AA6E-976D-4BE9-9B8B-3AADAEF05644}"/>
-              </a:ext>
-            </a:extLst>
-          </p:cNvPr>
-          <p:cNvSpPr/>
+              <a:t>프로젝트 생성</a:t>
+            </a:r>
+            <a:endParaRPr lang="en-US" altLang="ko-KR" sz="4400" dirty="0">
+              <a:solidFill>
+                <a:schemeClr val="bg1"/>
+              </a:solidFill>
+              <a:latin typeface="태나다체 " panose="02000000000000000000" pitchFamily="2" charset="-127"/>
+              <a:ea typeface="태나다체 " panose="02000000000000000000" pitchFamily="2" charset="-127"/>
+            </a:endParaRPr>
+          </a:p>
+        </p:txBody>
+      </p:sp>
+      <p:pic>
+        <p:nvPicPr>
+          <p:cNvPr id="3" name="그림 2">
+            <a:extLst>
+              <a:ext uri="{FF2B5EF4-FFF2-40B4-BE49-F238E27FC236}">
+                <a16:creationId xmlns:a16="http://schemas.microsoft.com/office/drawing/2014/main" id="{5C047085-D194-481E-AEE9-7EC3BB310120}"/>
+              </a:ext>
+            </a:extLst>
+          </p:cNvPr>
+          <p:cNvPicPr>
+            <a:picLocks noChangeAspect="1"/>
+          </p:cNvPicPr>
           <p:nvPr/>
-        </p:nvSpPr>
+        </p:nvPicPr>
+        <p:blipFill>
+          <a:blip r:embed="rId3">
+            <a:extLst>
+              <a:ext uri="{28A0092B-C50C-407E-A947-70E740481C1C}">
+                <a14:useLocalDpi xmlns:a14="http://schemas.microsoft.com/office/drawing/2010/main" val="0"/>
+              </a:ext>
+            </a:extLst>
+          </a:blip>
+          <a:stretch>
+            <a:fillRect/>
+          </a:stretch>
+        </p:blipFill>
         <p:spPr>
           <a:xfrm>
-            <a:off x="2638288" y="3257555"/>
-            <a:ext cx="7406195" cy="1107996"/>
+            <a:off x="3988384" y="754145"/>
+            <a:ext cx="7818029" cy="5483870"/>
           </a:xfrm>
           <a:prstGeom prst="rect">
             <a:avLst/>
           </a:prstGeom>
         </p:spPr>
-        <p:txBody>
-          <a:bodyPr wrap="none">
-            <a:spAutoFit/>
-          </a:bodyPr>
-          <a:lstStyle/>
-          <a:p>
-            <a:r>
-              <a:rPr lang="ko-KR" altLang="en-US" sz="6600" dirty="0">
-                <a:latin typeface="배달의민족 주아" panose="02020603020101020101" pitchFamily="18" charset="-127"/>
-                <a:ea typeface="배달의민족 주아" panose="02020603020101020101" pitchFamily="18" charset="-127"/>
-              </a:rPr>
-              <a:t>멈추는 게 문제였으니</a:t>
-            </a:r>
-            <a:r>
-              <a:rPr lang="en-US" altLang="ko-KR" sz="6600" dirty="0">
-                <a:latin typeface="배달의민족 주아" panose="02020603020101020101" pitchFamily="18" charset="-127"/>
-                <a:ea typeface="배달의민족 주아" panose="02020603020101020101" pitchFamily="18" charset="-127"/>
-              </a:rPr>
-              <a:t>…</a:t>
-            </a:r>
-            <a:endParaRPr lang="ko-KR" altLang="en-US" sz="6600" dirty="0">
-              <a:latin typeface="배달의민족 주아" panose="02020603020101020101" pitchFamily="18" charset="-127"/>
-              <a:ea typeface="배달의민족 주아" panose="02020603020101020101" pitchFamily="18" charset="-127"/>
-            </a:endParaRPr>
-          </a:p>
-        </p:txBody>
-      </p:sp>
+      </p:pic>
     </p:spTree>
     <p:extLst>
       <p:ext uri="{BB962C8B-B14F-4D97-AF65-F5344CB8AC3E}">
-        <p14:creationId xmlns:p14="http://schemas.microsoft.com/office/powerpoint/2010/main" val="1339350375"/>
+        <p14:creationId xmlns:p14="http://schemas.microsoft.com/office/powerpoint/2010/main" val="3042404188"/>
       </p:ext>
     </p:extLst>
   </p:cSld>
@@ -10538,7 +13524,7 @@
 </p:sld>
 </file>
 
-<file path=ppt/slides/slide5.xml><?xml version="1.0" encoding="utf-8"?>
+<file path=ppt/slides/slide35.xml><?xml version="1.0" encoding="utf-8"?>
 <p:sld xmlns:a="http://schemas.openxmlformats.org/drawingml/2006/main" xmlns:r="http://schemas.openxmlformats.org/officeDocument/2006/relationships" xmlns:p="http://schemas.openxmlformats.org/presentationml/2006/main">
   <p:cSld>
     <p:spTree>
@@ -10606,70 +13592,58 @@
           <a:p>
             <a:pPr algn="ctr"/>
             <a:r>
-              <a:rPr lang="ko-KR" altLang="en-US" sz="4400" dirty="0">
+              <a:rPr lang="en-US" altLang="ko-KR" sz="4400" dirty="0">
                 <a:solidFill>
                   <a:schemeClr val="bg1"/>
                 </a:solidFill>
                 <a:latin typeface="태나다체 " panose="02000000000000000000" pitchFamily="2" charset="-127"/>
                 <a:ea typeface="태나다체 " panose="02000000000000000000" pitchFamily="2" charset="-127"/>
               </a:rPr>
-              <a:t>해결방법</a:t>
-            </a:r>
-          </a:p>
-        </p:txBody>
-      </p:sp>
-      <p:sp>
-        <p:nvSpPr>
-          <p:cNvPr id="4" name="직사각형 3">
-            <a:extLst>
-              <a:ext uri="{FF2B5EF4-FFF2-40B4-BE49-F238E27FC236}">
-                <a16:creationId xmlns:a16="http://schemas.microsoft.com/office/drawing/2014/main" id="{0608AA6E-976D-4BE9-9B8B-3AADAEF05644}"/>
-              </a:ext>
-            </a:extLst>
-          </p:cNvPr>
-          <p:cNvSpPr/>
+              <a:t>Connector</a:t>
+            </a:r>
+          </a:p>
+        </p:txBody>
+      </p:sp>
+      <p:pic>
+        <p:nvPicPr>
+          <p:cNvPr id="5" name="그림 4">
+            <a:extLst>
+              <a:ext uri="{FF2B5EF4-FFF2-40B4-BE49-F238E27FC236}">
+                <a16:creationId xmlns:a16="http://schemas.microsoft.com/office/drawing/2014/main" id="{2FC02F4D-CB6D-49D4-A556-2D3ECCAD7162}"/>
+              </a:ext>
+            </a:extLst>
+          </p:cNvPr>
+          <p:cNvPicPr>
+            <a:picLocks noChangeAspect="1"/>
+          </p:cNvPicPr>
           <p:nvPr/>
-        </p:nvSpPr>
+        </p:nvPicPr>
+        <p:blipFill>
+          <a:blip r:embed="rId3">
+            <a:extLst>
+              <a:ext uri="{28A0092B-C50C-407E-A947-70E740481C1C}">
+                <a14:useLocalDpi xmlns:a14="http://schemas.microsoft.com/office/drawing/2010/main" val="0"/>
+              </a:ext>
+            </a:extLst>
+          </a:blip>
+          <a:stretch>
+            <a:fillRect/>
+          </a:stretch>
+        </p:blipFill>
         <p:spPr>
           <a:xfrm>
-            <a:off x="2969182" y="3304689"/>
-            <a:ext cx="6253635" cy="1107996"/>
+            <a:off x="699154" y="2574410"/>
+            <a:ext cx="10793691" cy="3241470"/>
           </a:xfrm>
           <a:prstGeom prst="rect">
             <a:avLst/>
           </a:prstGeom>
         </p:spPr>
-        <p:txBody>
-          <a:bodyPr wrap="none">
-            <a:spAutoFit/>
-          </a:bodyPr>
-          <a:lstStyle/>
-          <a:p>
-            <a:r>
-              <a:rPr lang="ko-KR" altLang="en-US" sz="6600" dirty="0">
-                <a:latin typeface="배달의민족 주아" panose="02020603020101020101" pitchFamily="18" charset="-127"/>
-                <a:ea typeface="배달의민족 주아" panose="02020603020101020101" pitchFamily="18" charset="-127"/>
-              </a:rPr>
-              <a:t>안 멈추게 하려면</a:t>
-            </a:r>
-            <a:r>
-              <a:rPr lang="en-US" altLang="ko-KR" sz="6600" dirty="0">
-                <a:latin typeface="배달의민족 주아" panose="02020603020101020101" pitchFamily="18" charset="-127"/>
-                <a:ea typeface="배달의민족 주아" panose="02020603020101020101" pitchFamily="18" charset="-127"/>
-              </a:rPr>
-              <a:t>….</a:t>
-            </a:r>
-            <a:endParaRPr lang="ko-KR" altLang="en-US" sz="6600" dirty="0">
-              <a:latin typeface="배달의민족 주아" panose="02020603020101020101" pitchFamily="18" charset="-127"/>
-              <a:ea typeface="배달의민족 주아" panose="02020603020101020101" pitchFamily="18" charset="-127"/>
-            </a:endParaRPr>
-          </a:p>
-        </p:txBody>
-      </p:sp>
+      </p:pic>
     </p:spTree>
     <p:extLst>
       <p:ext uri="{BB962C8B-B14F-4D97-AF65-F5344CB8AC3E}">
-        <p14:creationId xmlns:p14="http://schemas.microsoft.com/office/powerpoint/2010/main" val="3294900897"/>
+        <p14:creationId xmlns:p14="http://schemas.microsoft.com/office/powerpoint/2010/main" val="2199518871"/>
       </p:ext>
     </p:extLst>
   </p:cSld>
@@ -10679,7 +13653,7 @@
 </p:sld>
 </file>
 
-<file path=ppt/slides/slide6.xml><?xml version="1.0" encoding="utf-8"?>
+<file path=ppt/slides/slide36.xml><?xml version="1.0" encoding="utf-8"?>
 <p:sld xmlns:a="http://schemas.openxmlformats.org/drawingml/2006/main" xmlns:r="http://schemas.openxmlformats.org/officeDocument/2006/relationships" xmlns:p="http://schemas.openxmlformats.org/presentationml/2006/main">
   <p:cSld>
     <p:spTree>
@@ -10747,70 +13721,71 @@
           <a:p>
             <a:pPr algn="ctr"/>
             <a:r>
-              <a:rPr lang="ko-KR" altLang="en-US" sz="4400" dirty="0">
+              <a:rPr lang="en-US" altLang="ko-KR" sz="3200" dirty="0">
                 <a:solidFill>
                   <a:schemeClr val="bg1"/>
                 </a:solidFill>
                 <a:latin typeface="태나다체 " panose="02000000000000000000" pitchFamily="2" charset="-127"/>
                 <a:ea typeface="태나다체 " panose="02000000000000000000" pitchFamily="2" charset="-127"/>
               </a:rPr>
-              <a:t>해결방법</a:t>
-            </a:r>
-          </a:p>
-        </p:txBody>
-      </p:sp>
-      <p:sp>
-        <p:nvSpPr>
-          <p:cNvPr id="4" name="직사각형 3">
-            <a:extLst>
-              <a:ext uri="{FF2B5EF4-FFF2-40B4-BE49-F238E27FC236}">
-                <a16:creationId xmlns:a16="http://schemas.microsoft.com/office/drawing/2014/main" id="{0608AA6E-976D-4BE9-9B8B-3AADAEF05644}"/>
-              </a:ext>
-            </a:extLst>
-          </p:cNvPr>
-          <p:cNvSpPr/>
+              <a:t>Connect</a:t>
+            </a:r>
+          </a:p>
+          <a:p>
+            <a:pPr algn="ctr"/>
+            <a:r>
+              <a:rPr lang="en-US" altLang="ko-KR" sz="3200" dirty="0">
+                <a:solidFill>
+                  <a:schemeClr val="bg1"/>
+                </a:solidFill>
+                <a:latin typeface="태나다체 " panose="02000000000000000000" pitchFamily="2" charset="-127"/>
+                <a:ea typeface="태나다체 " panose="02000000000000000000" pitchFamily="2" charset="-127"/>
+              </a:rPr>
+              <a:t>Disconnect</a:t>
+            </a:r>
+          </a:p>
+        </p:txBody>
+      </p:sp>
+      <p:pic>
+        <p:nvPicPr>
+          <p:cNvPr id="6" name="그림 5">
+            <a:extLst>
+              <a:ext uri="{FF2B5EF4-FFF2-40B4-BE49-F238E27FC236}">
+                <a16:creationId xmlns:a16="http://schemas.microsoft.com/office/drawing/2014/main" id="{1C1588EA-65C3-4891-9AA8-9C25043E6E6B}"/>
+              </a:ext>
+            </a:extLst>
+          </p:cNvPr>
+          <p:cNvPicPr>
+            <a:picLocks noChangeAspect="1"/>
+          </p:cNvPicPr>
           <p:nvPr/>
-        </p:nvSpPr>
+        </p:nvPicPr>
+        <p:blipFill>
+          <a:blip r:embed="rId3">
+            <a:extLst>
+              <a:ext uri="{28A0092B-C50C-407E-A947-70E740481C1C}">
+                <a14:useLocalDpi xmlns:a14="http://schemas.microsoft.com/office/drawing/2010/main" val="0"/>
+              </a:ext>
+            </a:extLst>
+          </a:blip>
+          <a:stretch>
+            <a:fillRect/>
+          </a:stretch>
+        </p:blipFill>
         <p:spPr>
           <a:xfrm>
-            <a:off x="2921092" y="3266982"/>
-            <a:ext cx="6349815" cy="1107996"/>
+            <a:off x="4389968" y="780241"/>
+            <a:ext cx="6859128" cy="5297518"/>
           </a:xfrm>
           <a:prstGeom prst="rect">
             <a:avLst/>
           </a:prstGeom>
         </p:spPr>
-        <p:txBody>
-          <a:bodyPr wrap="none">
-            <a:spAutoFit/>
-          </a:bodyPr>
-          <a:lstStyle/>
-          <a:p>
-            <a:r>
-              <a:rPr lang="ko-KR" altLang="en-US" sz="6600" dirty="0">
-                <a:latin typeface="배달의민족 주아" panose="02020603020101020101" pitchFamily="18" charset="-127"/>
-                <a:ea typeface="배달의민족 주아" panose="02020603020101020101" pitchFamily="18" charset="-127"/>
-              </a:rPr>
-              <a:t>비동기 함수를 쓰자</a:t>
-            </a:r>
-            <a:r>
-              <a:rPr lang="en-US" altLang="ko-KR" sz="6600" dirty="0">
-                <a:latin typeface="배달의민족 주아" panose="02020603020101020101" pitchFamily="18" charset="-127"/>
-                <a:ea typeface="배달의민족 주아" panose="02020603020101020101" pitchFamily="18" charset="-127"/>
-              </a:rPr>
-              <a:t>!</a:t>
-            </a:r>
-            <a:endParaRPr lang="ko-KR" altLang="en-US" sz="6600" dirty="0">
-              <a:latin typeface="배달의민족 주아" panose="02020603020101020101" pitchFamily="18" charset="-127"/>
-              <a:ea typeface="배달의민족 주아" panose="02020603020101020101" pitchFamily="18" charset="-127"/>
-            </a:endParaRPr>
-          </a:p>
-        </p:txBody>
-      </p:sp>
+      </p:pic>
     </p:spTree>
     <p:extLst>
       <p:ext uri="{BB962C8B-B14F-4D97-AF65-F5344CB8AC3E}">
-        <p14:creationId xmlns:p14="http://schemas.microsoft.com/office/powerpoint/2010/main" val="739212485"/>
+        <p14:creationId xmlns:p14="http://schemas.microsoft.com/office/powerpoint/2010/main" val="2773105442"/>
       </p:ext>
     </p:extLst>
   </p:cSld>
@@ -10820,7 +13795,7 @@
 </p:sld>
 </file>
 
-<file path=ppt/slides/slide7.xml><?xml version="1.0" encoding="utf-8"?>
+<file path=ppt/slides/slide37.xml><?xml version="1.0" encoding="utf-8"?>
 <p:sld xmlns:a="http://schemas.openxmlformats.org/drawingml/2006/main" xmlns:r="http://schemas.openxmlformats.org/officeDocument/2006/relationships" xmlns:p="http://schemas.openxmlformats.org/presentationml/2006/main">
   <p:cSld>
     <p:spTree>
@@ -10888,6 +13863,2482 @@
           <a:p>
             <a:pPr algn="ctr"/>
             <a:r>
+              <a:rPr lang="en-US" altLang="ko-KR" sz="4400" dirty="0">
+                <a:solidFill>
+                  <a:schemeClr val="bg1"/>
+                </a:solidFill>
+                <a:latin typeface="태나다체 " panose="02000000000000000000" pitchFamily="2" charset="-127"/>
+                <a:ea typeface="태나다체 " panose="02000000000000000000" pitchFamily="2" charset="-127"/>
+              </a:rPr>
+              <a:t>Receive</a:t>
+            </a:r>
+          </a:p>
+        </p:txBody>
+      </p:sp>
+      <p:pic>
+        <p:nvPicPr>
+          <p:cNvPr id="3" name="그림 2">
+            <a:extLst>
+              <a:ext uri="{FF2B5EF4-FFF2-40B4-BE49-F238E27FC236}">
+                <a16:creationId xmlns:a16="http://schemas.microsoft.com/office/drawing/2014/main" id="{ECE4F9D5-F9C5-4F42-A92D-749C294FD2AE}"/>
+              </a:ext>
+            </a:extLst>
+          </p:cNvPr>
+          <p:cNvPicPr>
+            <a:picLocks noChangeAspect="1"/>
+          </p:cNvPicPr>
+          <p:nvPr/>
+        </p:nvPicPr>
+        <p:blipFill>
+          <a:blip r:embed="rId3">
+            <a:extLst>
+              <a:ext uri="{28A0092B-C50C-407E-A947-70E740481C1C}">
+                <a14:useLocalDpi xmlns:a14="http://schemas.microsoft.com/office/drawing/2010/main" val="0"/>
+              </a:ext>
+            </a:extLst>
+          </a:blip>
+          <a:stretch>
+            <a:fillRect/>
+          </a:stretch>
+        </p:blipFill>
+        <p:spPr>
+          <a:xfrm>
+            <a:off x="4081807" y="892327"/>
+            <a:ext cx="7651669" cy="5073346"/>
+          </a:xfrm>
+          <a:prstGeom prst="rect">
+            <a:avLst/>
+          </a:prstGeom>
+        </p:spPr>
+      </p:pic>
+    </p:spTree>
+    <p:extLst>
+      <p:ext uri="{BB962C8B-B14F-4D97-AF65-F5344CB8AC3E}">
+        <p14:creationId xmlns:p14="http://schemas.microsoft.com/office/powerpoint/2010/main" val="957042276"/>
+      </p:ext>
+    </p:extLst>
+  </p:cSld>
+  <p:clrMapOvr>
+    <a:masterClrMapping/>
+  </p:clrMapOvr>
+</p:sld>
+</file>
+
+<file path=ppt/slides/slide38.xml><?xml version="1.0" encoding="utf-8"?>
+<p:sld xmlns:a="http://schemas.openxmlformats.org/drawingml/2006/main" xmlns:r="http://schemas.openxmlformats.org/officeDocument/2006/relationships" xmlns:p="http://schemas.openxmlformats.org/presentationml/2006/main">
+  <p:cSld>
+    <p:spTree>
+      <p:nvGrpSpPr>
+        <p:cNvPr id="1" name=""/>
+        <p:cNvGrpSpPr/>
+        <p:nvPr/>
+      </p:nvGrpSpPr>
+      <p:grpSpPr>
+        <a:xfrm>
+          <a:off x="0" y="0"/>
+          <a:ext cx="0" cy="0"/>
+          <a:chOff x="0" y="0"/>
+          <a:chExt cx="0" cy="0"/>
+        </a:xfrm>
+      </p:grpSpPr>
+      <p:sp>
+        <p:nvSpPr>
+          <p:cNvPr id="8" name="직사각형 7">
+            <a:extLst>
+              <a:ext uri="{FF2B5EF4-FFF2-40B4-BE49-F238E27FC236}">
+                <a16:creationId xmlns:a16="http://schemas.microsoft.com/office/drawing/2014/main" id="{DFBEAA6E-A32F-42F3-A86F-FB0C5B8608AB}"/>
+              </a:ext>
+            </a:extLst>
+          </p:cNvPr>
+          <p:cNvSpPr/>
+          <p:nvPr/>
+        </p:nvSpPr>
+        <p:spPr>
+          <a:xfrm>
+            <a:off x="0" y="339365"/>
+            <a:ext cx="3619893" cy="1221117"/>
+          </a:xfrm>
+          <a:prstGeom prst="rect">
+            <a:avLst/>
+          </a:prstGeom>
+          <a:solidFill>
+            <a:schemeClr val="tx1"/>
+          </a:solidFill>
+          <a:ln>
+            <a:solidFill>
+              <a:schemeClr val="tx1"/>
+            </a:solidFill>
+          </a:ln>
+        </p:spPr>
+        <p:style>
+          <a:lnRef idx="2">
+            <a:schemeClr val="accent1">
+              <a:shade val="50000"/>
+            </a:schemeClr>
+          </a:lnRef>
+          <a:fillRef idx="1">
+            <a:schemeClr val="accent1"/>
+          </a:fillRef>
+          <a:effectRef idx="0">
+            <a:schemeClr val="accent1"/>
+          </a:effectRef>
+          <a:fontRef idx="minor">
+            <a:schemeClr val="lt1"/>
+          </a:fontRef>
+        </p:style>
+        <p:txBody>
+          <a:bodyPr rtlCol="0" anchor="ctr"/>
+          <a:lstStyle/>
+          <a:p>
+            <a:pPr algn="ctr"/>
+            <a:r>
+              <a:rPr lang="en-US" altLang="ko-KR" sz="4400" dirty="0">
+                <a:solidFill>
+                  <a:schemeClr val="bg1"/>
+                </a:solidFill>
+                <a:latin typeface="태나다체 " panose="02000000000000000000" pitchFamily="2" charset="-127"/>
+                <a:ea typeface="태나다체 " panose="02000000000000000000" pitchFamily="2" charset="-127"/>
+              </a:rPr>
+              <a:t>Connector</a:t>
+            </a:r>
+          </a:p>
+        </p:txBody>
+      </p:sp>
+      <p:pic>
+        <p:nvPicPr>
+          <p:cNvPr id="4" name="그림 3">
+            <a:extLst>
+              <a:ext uri="{FF2B5EF4-FFF2-40B4-BE49-F238E27FC236}">
+                <a16:creationId xmlns:a16="http://schemas.microsoft.com/office/drawing/2014/main" id="{E33C22C3-43CD-424A-89E2-C51E9921AEC9}"/>
+              </a:ext>
+            </a:extLst>
+          </p:cNvPr>
+          <p:cNvPicPr>
+            <a:picLocks noChangeAspect="1"/>
+          </p:cNvPicPr>
+          <p:nvPr/>
+        </p:nvPicPr>
+        <p:blipFill>
+          <a:blip r:embed="rId3">
+            <a:extLst>
+              <a:ext uri="{28A0092B-C50C-407E-A947-70E740481C1C}">
+                <a14:useLocalDpi xmlns:a14="http://schemas.microsoft.com/office/drawing/2010/main" val="0"/>
+              </a:ext>
+            </a:extLst>
+          </a:blip>
+          <a:stretch>
+            <a:fillRect/>
+          </a:stretch>
+        </p:blipFill>
+        <p:spPr>
+          <a:xfrm>
+            <a:off x="491765" y="2599856"/>
+            <a:ext cx="11208470" cy="3223161"/>
+          </a:xfrm>
+          <a:prstGeom prst="rect">
+            <a:avLst/>
+          </a:prstGeom>
+        </p:spPr>
+      </p:pic>
+    </p:spTree>
+    <p:extLst>
+      <p:ext uri="{BB962C8B-B14F-4D97-AF65-F5344CB8AC3E}">
+        <p14:creationId xmlns:p14="http://schemas.microsoft.com/office/powerpoint/2010/main" val="2153526519"/>
+      </p:ext>
+    </p:extLst>
+  </p:cSld>
+  <p:clrMapOvr>
+    <a:masterClrMapping/>
+  </p:clrMapOvr>
+</p:sld>
+</file>
+
+<file path=ppt/slides/slide39.xml><?xml version="1.0" encoding="utf-8"?>
+<p:sld xmlns:a="http://schemas.openxmlformats.org/drawingml/2006/main" xmlns:r="http://schemas.openxmlformats.org/officeDocument/2006/relationships" xmlns:p="http://schemas.openxmlformats.org/presentationml/2006/main">
+  <p:cSld>
+    <p:spTree>
+      <p:nvGrpSpPr>
+        <p:cNvPr id="1" name=""/>
+        <p:cNvGrpSpPr/>
+        <p:nvPr/>
+      </p:nvGrpSpPr>
+      <p:grpSpPr>
+        <a:xfrm>
+          <a:off x="0" y="0"/>
+          <a:ext cx="0" cy="0"/>
+          <a:chOff x="0" y="0"/>
+          <a:chExt cx="0" cy="0"/>
+        </a:xfrm>
+      </p:grpSpPr>
+      <p:sp>
+        <p:nvSpPr>
+          <p:cNvPr id="8" name="직사각형 7">
+            <a:extLst>
+              <a:ext uri="{FF2B5EF4-FFF2-40B4-BE49-F238E27FC236}">
+                <a16:creationId xmlns:a16="http://schemas.microsoft.com/office/drawing/2014/main" id="{DFBEAA6E-A32F-42F3-A86F-FB0C5B8608AB}"/>
+              </a:ext>
+            </a:extLst>
+          </p:cNvPr>
+          <p:cNvSpPr/>
+          <p:nvPr/>
+        </p:nvSpPr>
+        <p:spPr>
+          <a:xfrm>
+            <a:off x="0" y="339365"/>
+            <a:ext cx="3619893" cy="1221117"/>
+          </a:xfrm>
+          <a:prstGeom prst="rect">
+            <a:avLst/>
+          </a:prstGeom>
+          <a:solidFill>
+            <a:schemeClr val="tx1"/>
+          </a:solidFill>
+          <a:ln>
+            <a:solidFill>
+              <a:schemeClr val="tx1"/>
+            </a:solidFill>
+          </a:ln>
+        </p:spPr>
+        <p:style>
+          <a:lnRef idx="2">
+            <a:schemeClr val="accent1">
+              <a:shade val="50000"/>
+            </a:schemeClr>
+          </a:lnRef>
+          <a:fillRef idx="1">
+            <a:schemeClr val="accent1"/>
+          </a:fillRef>
+          <a:effectRef idx="0">
+            <a:schemeClr val="accent1"/>
+          </a:effectRef>
+          <a:fontRef idx="minor">
+            <a:schemeClr val="lt1"/>
+          </a:fontRef>
+        </p:style>
+        <p:txBody>
+          <a:bodyPr rtlCol="0" anchor="ctr"/>
+          <a:lstStyle/>
+          <a:p>
+            <a:pPr algn="ctr"/>
+            <a:r>
+              <a:rPr lang="en-US" altLang="ko-KR" sz="4400" dirty="0">
+                <a:solidFill>
+                  <a:schemeClr val="bg1"/>
+                </a:solidFill>
+                <a:latin typeface="태나다체 " panose="02000000000000000000" pitchFamily="2" charset="-127"/>
+                <a:ea typeface="태나다체 " panose="02000000000000000000" pitchFamily="2" charset="-127"/>
+              </a:rPr>
+              <a:t>Send</a:t>
+            </a:r>
+          </a:p>
+        </p:txBody>
+      </p:sp>
+      <p:pic>
+        <p:nvPicPr>
+          <p:cNvPr id="3" name="그림 2">
+            <a:extLst>
+              <a:ext uri="{FF2B5EF4-FFF2-40B4-BE49-F238E27FC236}">
+                <a16:creationId xmlns:a16="http://schemas.microsoft.com/office/drawing/2014/main" id="{CB80580E-837F-4268-A381-906E22B9662F}"/>
+              </a:ext>
+            </a:extLst>
+          </p:cNvPr>
+          <p:cNvPicPr>
+            <a:picLocks noChangeAspect="1"/>
+          </p:cNvPicPr>
+          <p:nvPr/>
+        </p:nvPicPr>
+        <p:blipFill>
+          <a:blip r:embed="rId3">
+            <a:extLst>
+              <a:ext uri="{28A0092B-C50C-407E-A947-70E740481C1C}">
+                <a14:useLocalDpi xmlns:a14="http://schemas.microsoft.com/office/drawing/2010/main" val="0"/>
+              </a:ext>
+            </a:extLst>
+          </a:blip>
+          <a:stretch>
+            <a:fillRect/>
+          </a:stretch>
+        </p:blipFill>
+        <p:spPr>
+          <a:xfrm>
+            <a:off x="670874" y="1956956"/>
+            <a:ext cx="10850252" cy="4456746"/>
+          </a:xfrm>
+          <a:prstGeom prst="rect">
+            <a:avLst/>
+          </a:prstGeom>
+        </p:spPr>
+      </p:pic>
+    </p:spTree>
+    <p:extLst>
+      <p:ext uri="{BB962C8B-B14F-4D97-AF65-F5344CB8AC3E}">
+        <p14:creationId xmlns:p14="http://schemas.microsoft.com/office/powerpoint/2010/main" val="118490324"/>
+      </p:ext>
+    </p:extLst>
+  </p:cSld>
+  <p:clrMapOvr>
+    <a:masterClrMapping/>
+  </p:clrMapOvr>
+</p:sld>
+</file>
+
+<file path=ppt/slides/slide4.xml><?xml version="1.0" encoding="utf-8"?>
+<p:sld xmlns:a="http://schemas.openxmlformats.org/drawingml/2006/main" xmlns:r="http://schemas.openxmlformats.org/officeDocument/2006/relationships" xmlns:p="http://schemas.openxmlformats.org/presentationml/2006/main">
+  <p:cSld>
+    <p:spTree>
+      <p:nvGrpSpPr>
+        <p:cNvPr id="1" name=""/>
+        <p:cNvGrpSpPr/>
+        <p:nvPr/>
+      </p:nvGrpSpPr>
+      <p:grpSpPr>
+        <a:xfrm>
+          <a:off x="0" y="0"/>
+          <a:ext cx="0" cy="0"/>
+          <a:chOff x="0" y="0"/>
+          <a:chExt cx="0" cy="0"/>
+        </a:xfrm>
+      </p:grpSpPr>
+      <p:sp>
+        <p:nvSpPr>
+          <p:cNvPr id="8" name="직사각형 7">
+            <a:extLst>
+              <a:ext uri="{FF2B5EF4-FFF2-40B4-BE49-F238E27FC236}">
+                <a16:creationId xmlns:a16="http://schemas.microsoft.com/office/drawing/2014/main" id="{DFBEAA6E-A32F-42F3-A86F-FB0C5B8608AB}"/>
+              </a:ext>
+            </a:extLst>
+          </p:cNvPr>
+          <p:cNvSpPr/>
+          <p:nvPr/>
+        </p:nvSpPr>
+        <p:spPr>
+          <a:xfrm>
+            <a:off x="0" y="339365"/>
+            <a:ext cx="3619893" cy="1221117"/>
+          </a:xfrm>
+          <a:prstGeom prst="rect">
+            <a:avLst/>
+          </a:prstGeom>
+          <a:solidFill>
+            <a:schemeClr val="tx1"/>
+          </a:solidFill>
+          <a:ln>
+            <a:solidFill>
+              <a:schemeClr val="tx1"/>
+            </a:solidFill>
+          </a:ln>
+        </p:spPr>
+        <p:style>
+          <a:lnRef idx="2">
+            <a:schemeClr val="accent1">
+              <a:shade val="50000"/>
+            </a:schemeClr>
+          </a:lnRef>
+          <a:fillRef idx="1">
+            <a:schemeClr val="accent1"/>
+          </a:fillRef>
+          <a:effectRef idx="0">
+            <a:schemeClr val="accent1"/>
+          </a:effectRef>
+          <a:fontRef idx="minor">
+            <a:schemeClr val="lt1"/>
+          </a:fontRef>
+        </p:style>
+        <p:txBody>
+          <a:bodyPr rtlCol="0" anchor="ctr"/>
+          <a:lstStyle/>
+          <a:p>
+            <a:pPr algn="ctr"/>
+            <a:r>
+              <a:rPr lang="ko-KR" altLang="en-US" sz="4400" dirty="0">
+                <a:solidFill>
+                  <a:schemeClr val="bg1"/>
+                </a:solidFill>
+                <a:latin typeface="태나다체 " panose="02000000000000000000" pitchFamily="2" charset="-127"/>
+                <a:ea typeface="태나다체 " panose="02000000000000000000" pitchFamily="2" charset="-127"/>
+              </a:rPr>
+              <a:t>해결방법</a:t>
+            </a:r>
+          </a:p>
+        </p:txBody>
+      </p:sp>
+      <p:sp>
+        <p:nvSpPr>
+          <p:cNvPr id="4" name="직사각형 3">
+            <a:extLst>
+              <a:ext uri="{FF2B5EF4-FFF2-40B4-BE49-F238E27FC236}">
+                <a16:creationId xmlns:a16="http://schemas.microsoft.com/office/drawing/2014/main" id="{0608AA6E-976D-4BE9-9B8B-3AADAEF05644}"/>
+              </a:ext>
+            </a:extLst>
+          </p:cNvPr>
+          <p:cNvSpPr/>
+          <p:nvPr/>
+        </p:nvSpPr>
+        <p:spPr>
+          <a:xfrm>
+            <a:off x="2638288" y="3257555"/>
+            <a:ext cx="7406195" cy="1107996"/>
+          </a:xfrm>
+          <a:prstGeom prst="rect">
+            <a:avLst/>
+          </a:prstGeom>
+        </p:spPr>
+        <p:txBody>
+          <a:bodyPr wrap="none">
+            <a:spAutoFit/>
+          </a:bodyPr>
+          <a:lstStyle/>
+          <a:p>
+            <a:r>
+              <a:rPr lang="ko-KR" altLang="en-US" sz="6600" dirty="0">
+                <a:latin typeface="배달의민족 주아" panose="02020603020101020101" pitchFamily="18" charset="-127"/>
+                <a:ea typeface="배달의민족 주아" panose="02020603020101020101" pitchFamily="18" charset="-127"/>
+              </a:rPr>
+              <a:t>멈추는 게 문제였으니</a:t>
+            </a:r>
+            <a:r>
+              <a:rPr lang="en-US" altLang="ko-KR" sz="6600" dirty="0">
+                <a:latin typeface="배달의민족 주아" panose="02020603020101020101" pitchFamily="18" charset="-127"/>
+                <a:ea typeface="배달의민족 주아" panose="02020603020101020101" pitchFamily="18" charset="-127"/>
+              </a:rPr>
+              <a:t>…</a:t>
+            </a:r>
+            <a:endParaRPr lang="ko-KR" altLang="en-US" sz="6600" dirty="0">
+              <a:latin typeface="배달의민족 주아" panose="02020603020101020101" pitchFamily="18" charset="-127"/>
+              <a:ea typeface="배달의민족 주아" panose="02020603020101020101" pitchFamily="18" charset="-127"/>
+            </a:endParaRPr>
+          </a:p>
+        </p:txBody>
+      </p:sp>
+    </p:spTree>
+    <p:extLst>
+      <p:ext uri="{BB962C8B-B14F-4D97-AF65-F5344CB8AC3E}">
+        <p14:creationId xmlns:p14="http://schemas.microsoft.com/office/powerpoint/2010/main" val="1339350375"/>
+      </p:ext>
+    </p:extLst>
+  </p:cSld>
+  <p:clrMapOvr>
+    <a:masterClrMapping/>
+  </p:clrMapOvr>
+</p:sld>
+</file>
+
+<file path=ppt/slides/slide40.xml><?xml version="1.0" encoding="utf-8"?>
+<p:sld xmlns:a="http://schemas.openxmlformats.org/drawingml/2006/main" xmlns:r="http://schemas.openxmlformats.org/officeDocument/2006/relationships" xmlns:p="http://schemas.openxmlformats.org/presentationml/2006/main">
+  <p:cSld>
+    <p:spTree>
+      <p:nvGrpSpPr>
+        <p:cNvPr id="1" name=""/>
+        <p:cNvGrpSpPr/>
+        <p:nvPr/>
+      </p:nvGrpSpPr>
+      <p:grpSpPr>
+        <a:xfrm>
+          <a:off x="0" y="0"/>
+          <a:ext cx="0" cy="0"/>
+          <a:chOff x="0" y="0"/>
+          <a:chExt cx="0" cy="0"/>
+        </a:xfrm>
+      </p:grpSpPr>
+      <p:sp>
+        <p:nvSpPr>
+          <p:cNvPr id="8" name="직사각형 7">
+            <a:extLst>
+              <a:ext uri="{FF2B5EF4-FFF2-40B4-BE49-F238E27FC236}">
+                <a16:creationId xmlns:a16="http://schemas.microsoft.com/office/drawing/2014/main" id="{DFBEAA6E-A32F-42F3-A86F-FB0C5B8608AB}"/>
+              </a:ext>
+            </a:extLst>
+          </p:cNvPr>
+          <p:cNvSpPr/>
+          <p:nvPr/>
+        </p:nvSpPr>
+        <p:spPr>
+          <a:xfrm>
+            <a:off x="0" y="339365"/>
+            <a:ext cx="3619893" cy="1221117"/>
+          </a:xfrm>
+          <a:prstGeom prst="rect">
+            <a:avLst/>
+          </a:prstGeom>
+          <a:solidFill>
+            <a:schemeClr val="tx1"/>
+          </a:solidFill>
+          <a:ln>
+            <a:solidFill>
+              <a:schemeClr val="tx1"/>
+            </a:solidFill>
+          </a:ln>
+        </p:spPr>
+        <p:style>
+          <a:lnRef idx="2">
+            <a:schemeClr val="accent1">
+              <a:shade val="50000"/>
+            </a:schemeClr>
+          </a:lnRef>
+          <a:fillRef idx="1">
+            <a:schemeClr val="accent1"/>
+          </a:fillRef>
+          <a:effectRef idx="0">
+            <a:schemeClr val="accent1"/>
+          </a:effectRef>
+          <a:fontRef idx="minor">
+            <a:schemeClr val="lt1"/>
+          </a:fontRef>
+        </p:style>
+        <p:txBody>
+          <a:bodyPr rtlCol="0" anchor="ctr"/>
+          <a:lstStyle/>
+          <a:p>
+            <a:pPr algn="ctr"/>
+            <a:r>
+              <a:rPr lang="en-US" altLang="ko-KR" sz="4400" dirty="0">
+                <a:solidFill>
+                  <a:schemeClr val="bg1"/>
+                </a:solidFill>
+                <a:latin typeface="태나다체 " panose="02000000000000000000" pitchFamily="2" charset="-127"/>
+                <a:ea typeface="태나다체 " panose="02000000000000000000" pitchFamily="2" charset="-127"/>
+              </a:rPr>
+              <a:t>Connector</a:t>
+            </a:r>
+          </a:p>
+        </p:txBody>
+      </p:sp>
+      <p:pic>
+        <p:nvPicPr>
+          <p:cNvPr id="3" name="그림 2">
+            <a:extLst>
+              <a:ext uri="{FF2B5EF4-FFF2-40B4-BE49-F238E27FC236}">
+                <a16:creationId xmlns:a16="http://schemas.microsoft.com/office/drawing/2014/main" id="{8B478601-F95B-496F-970E-F3485D3E05A2}"/>
+              </a:ext>
+            </a:extLst>
+          </p:cNvPr>
+          <p:cNvPicPr>
+            <a:picLocks noChangeAspect="1"/>
+          </p:cNvPicPr>
+          <p:nvPr/>
+        </p:nvPicPr>
+        <p:blipFill>
+          <a:blip r:embed="rId3">
+            <a:extLst>
+              <a:ext uri="{28A0092B-C50C-407E-A947-70E740481C1C}">
+                <a14:useLocalDpi xmlns:a14="http://schemas.microsoft.com/office/drawing/2010/main" val="0"/>
+              </a:ext>
+            </a:extLst>
+          </a:blip>
+          <a:stretch>
+            <a:fillRect/>
+          </a:stretch>
+        </p:blipFill>
+        <p:spPr>
+          <a:xfrm>
+            <a:off x="690083" y="2135261"/>
+            <a:ext cx="10811833" cy="4135978"/>
+          </a:xfrm>
+          <a:prstGeom prst="rect">
+            <a:avLst/>
+          </a:prstGeom>
+        </p:spPr>
+      </p:pic>
+    </p:spTree>
+    <p:extLst>
+      <p:ext uri="{BB962C8B-B14F-4D97-AF65-F5344CB8AC3E}">
+        <p14:creationId xmlns:p14="http://schemas.microsoft.com/office/powerpoint/2010/main" val="462859360"/>
+      </p:ext>
+    </p:extLst>
+  </p:cSld>
+  <p:clrMapOvr>
+    <a:masterClrMapping/>
+  </p:clrMapOvr>
+</p:sld>
+</file>
+
+<file path=ppt/slides/slide41.xml><?xml version="1.0" encoding="utf-8"?>
+<p:sld xmlns:a="http://schemas.openxmlformats.org/drawingml/2006/main" xmlns:r="http://schemas.openxmlformats.org/officeDocument/2006/relationships" xmlns:p="http://schemas.openxmlformats.org/presentationml/2006/main">
+  <p:cSld>
+    <p:spTree>
+      <p:nvGrpSpPr>
+        <p:cNvPr id="1" name=""/>
+        <p:cNvGrpSpPr/>
+        <p:nvPr/>
+      </p:nvGrpSpPr>
+      <p:grpSpPr>
+        <a:xfrm>
+          <a:off x="0" y="0"/>
+          <a:ext cx="0" cy="0"/>
+          <a:chOff x="0" y="0"/>
+          <a:chExt cx="0" cy="0"/>
+        </a:xfrm>
+      </p:grpSpPr>
+      <p:sp>
+        <p:nvSpPr>
+          <p:cNvPr id="8" name="직사각형 7">
+            <a:extLst>
+              <a:ext uri="{FF2B5EF4-FFF2-40B4-BE49-F238E27FC236}">
+                <a16:creationId xmlns:a16="http://schemas.microsoft.com/office/drawing/2014/main" id="{DFBEAA6E-A32F-42F3-A86F-FB0C5B8608AB}"/>
+              </a:ext>
+            </a:extLst>
+          </p:cNvPr>
+          <p:cNvSpPr/>
+          <p:nvPr/>
+        </p:nvSpPr>
+        <p:spPr>
+          <a:xfrm>
+            <a:off x="0" y="339365"/>
+            <a:ext cx="3619893" cy="1221117"/>
+          </a:xfrm>
+          <a:prstGeom prst="rect">
+            <a:avLst/>
+          </a:prstGeom>
+          <a:solidFill>
+            <a:schemeClr val="tx1"/>
+          </a:solidFill>
+          <a:ln>
+            <a:solidFill>
+              <a:schemeClr val="tx1"/>
+            </a:solidFill>
+          </a:ln>
+        </p:spPr>
+        <p:style>
+          <a:lnRef idx="2">
+            <a:schemeClr val="accent1">
+              <a:shade val="50000"/>
+            </a:schemeClr>
+          </a:lnRef>
+          <a:fillRef idx="1">
+            <a:schemeClr val="accent1"/>
+          </a:fillRef>
+          <a:effectRef idx="0">
+            <a:schemeClr val="accent1"/>
+          </a:effectRef>
+          <a:fontRef idx="minor">
+            <a:schemeClr val="lt1"/>
+          </a:fontRef>
+        </p:style>
+        <p:txBody>
+          <a:bodyPr rtlCol="0" anchor="ctr"/>
+          <a:lstStyle/>
+          <a:p>
+            <a:pPr algn="ctr"/>
+            <a:r>
+              <a:rPr lang="en-US" altLang="ko-KR" sz="4400" dirty="0">
+                <a:solidFill>
+                  <a:schemeClr val="bg1"/>
+                </a:solidFill>
+                <a:latin typeface="태나다체 " panose="02000000000000000000" pitchFamily="2" charset="-127"/>
+                <a:ea typeface="태나다체 " panose="02000000000000000000" pitchFamily="2" charset="-127"/>
+              </a:rPr>
+              <a:t>Main</a:t>
+            </a:r>
+          </a:p>
+        </p:txBody>
+      </p:sp>
+      <p:pic>
+        <p:nvPicPr>
+          <p:cNvPr id="4" name="그림 3">
+            <a:extLst>
+              <a:ext uri="{FF2B5EF4-FFF2-40B4-BE49-F238E27FC236}">
+                <a16:creationId xmlns:a16="http://schemas.microsoft.com/office/drawing/2014/main" id="{C68B14F8-8693-4216-B72B-B5F9CA455E9F}"/>
+              </a:ext>
+            </a:extLst>
+          </p:cNvPr>
+          <p:cNvPicPr>
+            <a:picLocks noChangeAspect="1"/>
+          </p:cNvPicPr>
+          <p:nvPr/>
+        </p:nvPicPr>
+        <p:blipFill>
+          <a:blip r:embed="rId3">
+            <a:extLst>
+              <a:ext uri="{28A0092B-C50C-407E-A947-70E740481C1C}">
+                <a14:useLocalDpi xmlns:a14="http://schemas.microsoft.com/office/drawing/2010/main" val="0"/>
+              </a:ext>
+            </a:extLst>
+          </a:blip>
+          <a:stretch>
+            <a:fillRect/>
+          </a:stretch>
+        </p:blipFill>
+        <p:spPr>
+          <a:xfrm>
+            <a:off x="4896379" y="399070"/>
+            <a:ext cx="5935020" cy="6059859"/>
+          </a:xfrm>
+          <a:prstGeom prst="rect">
+            <a:avLst/>
+          </a:prstGeom>
+        </p:spPr>
+      </p:pic>
+    </p:spTree>
+    <p:extLst>
+      <p:ext uri="{BB962C8B-B14F-4D97-AF65-F5344CB8AC3E}">
+        <p14:creationId xmlns:p14="http://schemas.microsoft.com/office/powerpoint/2010/main" val="753383700"/>
+      </p:ext>
+    </p:extLst>
+  </p:cSld>
+  <p:clrMapOvr>
+    <a:masterClrMapping/>
+  </p:clrMapOvr>
+</p:sld>
+</file>
+
+<file path=ppt/slides/slide42.xml><?xml version="1.0" encoding="utf-8"?>
+<p:sld xmlns:a="http://schemas.openxmlformats.org/drawingml/2006/main" xmlns:r="http://schemas.openxmlformats.org/officeDocument/2006/relationships" xmlns:p="http://schemas.openxmlformats.org/presentationml/2006/main">
+  <p:cSld>
+    <p:spTree>
+      <p:nvGrpSpPr>
+        <p:cNvPr id="1" name=""/>
+        <p:cNvGrpSpPr/>
+        <p:nvPr/>
+      </p:nvGrpSpPr>
+      <p:grpSpPr>
+        <a:xfrm>
+          <a:off x="0" y="0"/>
+          <a:ext cx="0" cy="0"/>
+          <a:chOff x="0" y="0"/>
+          <a:chExt cx="0" cy="0"/>
+        </a:xfrm>
+      </p:grpSpPr>
+      <p:sp>
+        <p:nvSpPr>
+          <p:cNvPr id="8" name="직사각형 7">
+            <a:extLst>
+              <a:ext uri="{FF2B5EF4-FFF2-40B4-BE49-F238E27FC236}">
+                <a16:creationId xmlns:a16="http://schemas.microsoft.com/office/drawing/2014/main" id="{DFBEAA6E-A32F-42F3-A86F-FB0C5B8608AB}"/>
+              </a:ext>
+            </a:extLst>
+          </p:cNvPr>
+          <p:cNvSpPr/>
+          <p:nvPr/>
+        </p:nvSpPr>
+        <p:spPr>
+          <a:xfrm>
+            <a:off x="0" y="339365"/>
+            <a:ext cx="3619893" cy="1221117"/>
+          </a:xfrm>
+          <a:prstGeom prst="rect">
+            <a:avLst/>
+          </a:prstGeom>
+          <a:solidFill>
+            <a:schemeClr val="tx1"/>
+          </a:solidFill>
+          <a:ln>
+            <a:solidFill>
+              <a:schemeClr val="tx1"/>
+            </a:solidFill>
+          </a:ln>
+        </p:spPr>
+        <p:style>
+          <a:lnRef idx="2">
+            <a:schemeClr val="accent1">
+              <a:shade val="50000"/>
+            </a:schemeClr>
+          </a:lnRef>
+          <a:fillRef idx="1">
+            <a:schemeClr val="accent1"/>
+          </a:fillRef>
+          <a:effectRef idx="0">
+            <a:schemeClr val="accent1"/>
+          </a:effectRef>
+          <a:fontRef idx="minor">
+            <a:schemeClr val="lt1"/>
+          </a:fontRef>
+        </p:style>
+        <p:txBody>
+          <a:bodyPr rtlCol="0" anchor="ctr"/>
+          <a:lstStyle/>
+          <a:p>
+            <a:pPr algn="ctr"/>
+            <a:r>
+              <a:rPr lang="en-US" altLang="ko-KR" sz="2400" dirty="0" err="1">
+                <a:solidFill>
+                  <a:schemeClr val="bg1"/>
+                </a:solidFill>
+                <a:latin typeface="태나다체 " panose="02000000000000000000" pitchFamily="2" charset="-127"/>
+                <a:ea typeface="태나다체 " panose="02000000000000000000" pitchFamily="2" charset="-127"/>
+              </a:rPr>
+              <a:t>OnMessageReceived</a:t>
+            </a:r>
+            <a:endParaRPr lang="en-US" altLang="ko-KR" sz="2400" dirty="0">
+              <a:solidFill>
+                <a:schemeClr val="bg1"/>
+              </a:solidFill>
+              <a:latin typeface="태나다체 " panose="02000000000000000000" pitchFamily="2" charset="-127"/>
+              <a:ea typeface="태나다체 " panose="02000000000000000000" pitchFamily="2" charset="-127"/>
+            </a:endParaRPr>
+          </a:p>
+        </p:txBody>
+      </p:sp>
+      <p:pic>
+        <p:nvPicPr>
+          <p:cNvPr id="3" name="그림 2">
+            <a:extLst>
+              <a:ext uri="{FF2B5EF4-FFF2-40B4-BE49-F238E27FC236}">
+                <a16:creationId xmlns:a16="http://schemas.microsoft.com/office/drawing/2014/main" id="{4420F8C5-18DB-4D5F-8942-CCC09383E9B7}"/>
+              </a:ext>
+            </a:extLst>
+          </p:cNvPr>
+          <p:cNvPicPr>
+            <a:picLocks noChangeAspect="1"/>
+          </p:cNvPicPr>
+          <p:nvPr/>
+        </p:nvPicPr>
+        <p:blipFill>
+          <a:blip r:embed="rId3">
+            <a:extLst>
+              <a:ext uri="{28A0092B-C50C-407E-A947-70E740481C1C}">
+                <a14:useLocalDpi xmlns:a14="http://schemas.microsoft.com/office/drawing/2010/main" val="0"/>
+              </a:ext>
+            </a:extLst>
+          </a:blip>
+          <a:stretch>
+            <a:fillRect/>
+          </a:stretch>
+        </p:blipFill>
+        <p:spPr>
+          <a:xfrm>
+            <a:off x="1204368" y="2702557"/>
+            <a:ext cx="9783264" cy="3177377"/>
+          </a:xfrm>
+          <a:prstGeom prst="rect">
+            <a:avLst/>
+          </a:prstGeom>
+        </p:spPr>
+      </p:pic>
+    </p:spTree>
+    <p:extLst>
+      <p:ext uri="{BB962C8B-B14F-4D97-AF65-F5344CB8AC3E}">
+        <p14:creationId xmlns:p14="http://schemas.microsoft.com/office/powerpoint/2010/main" val="2353344359"/>
+      </p:ext>
+    </p:extLst>
+  </p:cSld>
+  <p:clrMapOvr>
+    <a:masterClrMapping/>
+  </p:clrMapOvr>
+</p:sld>
+</file>
+
+<file path=ppt/slides/slide43.xml><?xml version="1.0" encoding="utf-8"?>
+<p:sld xmlns:a="http://schemas.openxmlformats.org/drawingml/2006/main" xmlns:r="http://schemas.openxmlformats.org/officeDocument/2006/relationships" xmlns:p="http://schemas.openxmlformats.org/presentationml/2006/main">
+  <p:cSld>
+    <p:spTree>
+      <p:nvGrpSpPr>
+        <p:cNvPr id="1" name=""/>
+        <p:cNvGrpSpPr/>
+        <p:nvPr/>
+      </p:nvGrpSpPr>
+      <p:grpSpPr>
+        <a:xfrm>
+          <a:off x="0" y="0"/>
+          <a:ext cx="0" cy="0"/>
+          <a:chOff x="0" y="0"/>
+          <a:chExt cx="0" cy="0"/>
+        </a:xfrm>
+      </p:grpSpPr>
+      <p:sp>
+        <p:nvSpPr>
+          <p:cNvPr id="6" name="직사각형 5">
+            <a:extLst>
+              <a:ext uri="{FF2B5EF4-FFF2-40B4-BE49-F238E27FC236}">
+                <a16:creationId xmlns:a16="http://schemas.microsoft.com/office/drawing/2014/main" id="{DA006071-3E30-4389-93E9-B833A281A5E5}"/>
+              </a:ext>
+            </a:extLst>
+          </p:cNvPr>
+          <p:cNvSpPr/>
+          <p:nvPr/>
+        </p:nvSpPr>
+        <p:spPr>
+          <a:xfrm>
+            <a:off x="0" y="2582771"/>
+            <a:ext cx="12192000" cy="1692458"/>
+          </a:xfrm>
+          <a:prstGeom prst="rect">
+            <a:avLst/>
+          </a:prstGeom>
+          <a:solidFill>
+            <a:schemeClr val="tx1"/>
+          </a:solidFill>
+          <a:ln>
+            <a:solidFill>
+              <a:schemeClr val="tx1"/>
+            </a:solidFill>
+          </a:ln>
+        </p:spPr>
+        <p:style>
+          <a:lnRef idx="2">
+            <a:schemeClr val="accent1">
+              <a:shade val="50000"/>
+            </a:schemeClr>
+          </a:lnRef>
+          <a:fillRef idx="1">
+            <a:schemeClr val="accent1"/>
+          </a:fillRef>
+          <a:effectRef idx="0">
+            <a:schemeClr val="accent1"/>
+          </a:effectRef>
+          <a:fontRef idx="minor">
+            <a:schemeClr val="lt1"/>
+          </a:fontRef>
+        </p:style>
+        <p:txBody>
+          <a:bodyPr rtlCol="0" anchor="ctr"/>
+          <a:lstStyle>
+            <a:defPPr>
+              <a:defRPr lang="ko-KR"/>
+            </a:defPPr>
+            <a:lvl1pPr marL="0" algn="l" defTabSz="914400" rtl="0" eaLnBrk="1" latinLnBrk="1" hangingPunct="1">
+              <a:defRPr sz="1800" kern="1200">
+                <a:solidFill>
+                  <a:schemeClr val="lt1"/>
+                </a:solidFill>
+                <a:latin typeface="+mn-lt"/>
+                <a:ea typeface="+mn-ea"/>
+                <a:cs typeface="+mn-cs"/>
+              </a:defRPr>
+            </a:lvl1pPr>
+            <a:lvl2pPr marL="457200" algn="l" defTabSz="914400" rtl="0" eaLnBrk="1" latinLnBrk="1" hangingPunct="1">
+              <a:defRPr sz="1800" kern="1200">
+                <a:solidFill>
+                  <a:schemeClr val="lt1"/>
+                </a:solidFill>
+                <a:latin typeface="+mn-lt"/>
+                <a:ea typeface="+mn-ea"/>
+                <a:cs typeface="+mn-cs"/>
+              </a:defRPr>
+            </a:lvl2pPr>
+            <a:lvl3pPr marL="914400" algn="l" defTabSz="914400" rtl="0" eaLnBrk="1" latinLnBrk="1" hangingPunct="1">
+              <a:defRPr sz="1800" kern="1200">
+                <a:solidFill>
+                  <a:schemeClr val="lt1"/>
+                </a:solidFill>
+                <a:latin typeface="+mn-lt"/>
+                <a:ea typeface="+mn-ea"/>
+                <a:cs typeface="+mn-cs"/>
+              </a:defRPr>
+            </a:lvl3pPr>
+            <a:lvl4pPr marL="1371600" algn="l" defTabSz="914400" rtl="0" eaLnBrk="1" latinLnBrk="1" hangingPunct="1">
+              <a:defRPr sz="1800" kern="1200">
+                <a:solidFill>
+                  <a:schemeClr val="lt1"/>
+                </a:solidFill>
+                <a:latin typeface="+mn-lt"/>
+                <a:ea typeface="+mn-ea"/>
+                <a:cs typeface="+mn-cs"/>
+              </a:defRPr>
+            </a:lvl4pPr>
+            <a:lvl5pPr marL="1828800" algn="l" defTabSz="914400" rtl="0" eaLnBrk="1" latinLnBrk="1" hangingPunct="1">
+              <a:defRPr sz="1800" kern="1200">
+                <a:solidFill>
+                  <a:schemeClr val="lt1"/>
+                </a:solidFill>
+                <a:latin typeface="+mn-lt"/>
+                <a:ea typeface="+mn-ea"/>
+                <a:cs typeface="+mn-cs"/>
+              </a:defRPr>
+            </a:lvl5pPr>
+            <a:lvl6pPr marL="2286000" algn="l" defTabSz="914400" rtl="0" eaLnBrk="1" latinLnBrk="1" hangingPunct="1">
+              <a:defRPr sz="1800" kern="1200">
+                <a:solidFill>
+                  <a:schemeClr val="lt1"/>
+                </a:solidFill>
+                <a:latin typeface="+mn-lt"/>
+                <a:ea typeface="+mn-ea"/>
+                <a:cs typeface="+mn-cs"/>
+              </a:defRPr>
+            </a:lvl6pPr>
+            <a:lvl7pPr marL="2743200" algn="l" defTabSz="914400" rtl="0" eaLnBrk="1" latinLnBrk="1" hangingPunct="1">
+              <a:defRPr sz="1800" kern="1200">
+                <a:solidFill>
+                  <a:schemeClr val="lt1"/>
+                </a:solidFill>
+                <a:latin typeface="+mn-lt"/>
+                <a:ea typeface="+mn-ea"/>
+                <a:cs typeface="+mn-cs"/>
+              </a:defRPr>
+            </a:lvl7pPr>
+            <a:lvl8pPr marL="3200400" algn="l" defTabSz="914400" rtl="0" eaLnBrk="1" latinLnBrk="1" hangingPunct="1">
+              <a:defRPr sz="1800" kern="1200">
+                <a:solidFill>
+                  <a:schemeClr val="lt1"/>
+                </a:solidFill>
+                <a:latin typeface="+mn-lt"/>
+                <a:ea typeface="+mn-ea"/>
+                <a:cs typeface="+mn-cs"/>
+              </a:defRPr>
+            </a:lvl8pPr>
+            <a:lvl9pPr marL="3657600" algn="l" defTabSz="914400" rtl="0" eaLnBrk="1" latinLnBrk="1" hangingPunct="1">
+              <a:defRPr sz="1800" kern="1200">
+                <a:solidFill>
+                  <a:schemeClr val="lt1"/>
+                </a:solidFill>
+                <a:latin typeface="+mn-lt"/>
+                <a:ea typeface="+mn-ea"/>
+                <a:cs typeface="+mn-cs"/>
+              </a:defRPr>
+            </a:lvl9pPr>
+          </a:lstStyle>
+          <a:p>
+            <a:pPr algn="ctr"/>
+            <a:r>
+              <a:rPr lang="ko-KR" altLang="en-US" sz="4800" dirty="0">
+                <a:solidFill>
+                  <a:schemeClr val="bg1"/>
+                </a:solidFill>
+                <a:latin typeface="태나다체 " panose="02000000000000000000" pitchFamily="2" charset="-127"/>
+                <a:ea typeface="태나다체 " panose="02000000000000000000" pitchFamily="2" charset="-127"/>
+              </a:rPr>
+              <a:t>디버깅</a:t>
+            </a:r>
+          </a:p>
+        </p:txBody>
+      </p:sp>
+    </p:spTree>
+    <p:extLst>
+      <p:ext uri="{BB962C8B-B14F-4D97-AF65-F5344CB8AC3E}">
+        <p14:creationId xmlns:p14="http://schemas.microsoft.com/office/powerpoint/2010/main" val="1622696140"/>
+      </p:ext>
+    </p:extLst>
+  </p:cSld>
+  <p:clrMapOvr>
+    <a:masterClrMapping/>
+  </p:clrMapOvr>
+</p:sld>
+</file>
+
+<file path=ppt/slides/slide44.xml><?xml version="1.0" encoding="utf-8"?>
+<p:sld xmlns:a="http://schemas.openxmlformats.org/drawingml/2006/main" xmlns:r="http://schemas.openxmlformats.org/officeDocument/2006/relationships" xmlns:p="http://schemas.openxmlformats.org/presentationml/2006/main">
+  <p:cSld>
+    <p:spTree>
+      <p:nvGrpSpPr>
+        <p:cNvPr id="1" name=""/>
+        <p:cNvGrpSpPr/>
+        <p:nvPr/>
+      </p:nvGrpSpPr>
+      <p:grpSpPr>
+        <a:xfrm>
+          <a:off x="0" y="0"/>
+          <a:ext cx="0" cy="0"/>
+          <a:chOff x="0" y="0"/>
+          <a:chExt cx="0" cy="0"/>
+        </a:xfrm>
+      </p:grpSpPr>
+      <p:sp>
+        <p:nvSpPr>
+          <p:cNvPr id="8" name="직사각형 7">
+            <a:extLst>
+              <a:ext uri="{FF2B5EF4-FFF2-40B4-BE49-F238E27FC236}">
+                <a16:creationId xmlns:a16="http://schemas.microsoft.com/office/drawing/2014/main" id="{DFBEAA6E-A32F-42F3-A86F-FB0C5B8608AB}"/>
+              </a:ext>
+            </a:extLst>
+          </p:cNvPr>
+          <p:cNvSpPr/>
+          <p:nvPr/>
+        </p:nvSpPr>
+        <p:spPr>
+          <a:xfrm>
+            <a:off x="0" y="339365"/>
+            <a:ext cx="3619893" cy="1221117"/>
+          </a:xfrm>
+          <a:prstGeom prst="rect">
+            <a:avLst/>
+          </a:prstGeom>
+          <a:solidFill>
+            <a:schemeClr val="tx1"/>
+          </a:solidFill>
+          <a:ln>
+            <a:solidFill>
+              <a:schemeClr val="tx1"/>
+            </a:solidFill>
+          </a:ln>
+        </p:spPr>
+        <p:style>
+          <a:lnRef idx="2">
+            <a:schemeClr val="accent1">
+              <a:shade val="50000"/>
+            </a:schemeClr>
+          </a:lnRef>
+          <a:fillRef idx="1">
+            <a:schemeClr val="accent1"/>
+          </a:fillRef>
+          <a:effectRef idx="0">
+            <a:schemeClr val="accent1"/>
+          </a:effectRef>
+          <a:fontRef idx="minor">
+            <a:schemeClr val="lt1"/>
+          </a:fontRef>
+        </p:style>
+        <p:txBody>
+          <a:bodyPr rtlCol="0" anchor="ctr"/>
+          <a:lstStyle/>
+          <a:p>
+            <a:pPr algn="ctr"/>
+            <a:r>
+              <a:rPr lang="ko-KR" altLang="en-US" sz="4400" dirty="0">
+                <a:solidFill>
+                  <a:schemeClr val="bg1"/>
+                </a:solidFill>
+                <a:latin typeface="태나다체 " panose="02000000000000000000" pitchFamily="2" charset="-127"/>
+                <a:ea typeface="태나다체 " panose="02000000000000000000" pitchFamily="2" charset="-127"/>
+              </a:rPr>
+              <a:t>시작 프로그램</a:t>
+            </a:r>
+            <a:endParaRPr lang="en-US" altLang="ko-KR" sz="4400" dirty="0">
+              <a:solidFill>
+                <a:schemeClr val="bg1"/>
+              </a:solidFill>
+              <a:latin typeface="태나다체 " panose="02000000000000000000" pitchFamily="2" charset="-127"/>
+              <a:ea typeface="태나다체 " panose="02000000000000000000" pitchFamily="2" charset="-127"/>
+            </a:endParaRPr>
+          </a:p>
+        </p:txBody>
+      </p:sp>
+      <p:pic>
+        <p:nvPicPr>
+          <p:cNvPr id="5" name="그림 4">
+            <a:extLst>
+              <a:ext uri="{FF2B5EF4-FFF2-40B4-BE49-F238E27FC236}">
+                <a16:creationId xmlns:a16="http://schemas.microsoft.com/office/drawing/2014/main" id="{314EF431-C8F5-4E43-9A1B-6203CD8018B0}"/>
+              </a:ext>
+            </a:extLst>
+          </p:cNvPr>
+          <p:cNvPicPr>
+            <a:picLocks noChangeAspect="1"/>
+          </p:cNvPicPr>
+          <p:nvPr/>
+        </p:nvPicPr>
+        <p:blipFill rotWithShape="1">
+          <a:blip r:embed="rId3">
+            <a:extLst>
+              <a:ext uri="{28A0092B-C50C-407E-A947-70E740481C1C}">
+                <a14:useLocalDpi xmlns:a14="http://schemas.microsoft.com/office/drawing/2010/main" val="0"/>
+              </a:ext>
+            </a:extLst>
+          </a:blip>
+          <a:srcRect r="857"/>
+          <a:stretch/>
+        </p:blipFill>
+        <p:spPr>
+          <a:xfrm>
+            <a:off x="4145739" y="780241"/>
+            <a:ext cx="7564326" cy="5297518"/>
+          </a:xfrm>
+          <a:prstGeom prst="rect">
+            <a:avLst/>
+          </a:prstGeom>
+        </p:spPr>
+      </p:pic>
+    </p:spTree>
+    <p:extLst>
+      <p:ext uri="{BB962C8B-B14F-4D97-AF65-F5344CB8AC3E}">
+        <p14:creationId xmlns:p14="http://schemas.microsoft.com/office/powerpoint/2010/main" val="17674596"/>
+      </p:ext>
+    </p:extLst>
+  </p:cSld>
+  <p:clrMapOvr>
+    <a:masterClrMapping/>
+  </p:clrMapOvr>
+</p:sld>
+</file>
+
+<file path=ppt/slides/slide45.xml><?xml version="1.0" encoding="utf-8"?>
+<p:sld xmlns:a="http://schemas.openxmlformats.org/drawingml/2006/main" xmlns:r="http://schemas.openxmlformats.org/officeDocument/2006/relationships" xmlns:p="http://schemas.openxmlformats.org/presentationml/2006/main">
+  <p:cSld>
+    <p:spTree>
+      <p:nvGrpSpPr>
+        <p:cNvPr id="1" name=""/>
+        <p:cNvGrpSpPr/>
+        <p:nvPr/>
+      </p:nvGrpSpPr>
+      <p:grpSpPr>
+        <a:xfrm>
+          <a:off x="0" y="0"/>
+          <a:ext cx="0" cy="0"/>
+          <a:chOff x="0" y="0"/>
+          <a:chExt cx="0" cy="0"/>
+        </a:xfrm>
+      </p:grpSpPr>
+      <p:sp>
+        <p:nvSpPr>
+          <p:cNvPr id="8" name="직사각형 7">
+            <a:extLst>
+              <a:ext uri="{FF2B5EF4-FFF2-40B4-BE49-F238E27FC236}">
+                <a16:creationId xmlns:a16="http://schemas.microsoft.com/office/drawing/2014/main" id="{DFBEAA6E-A32F-42F3-A86F-FB0C5B8608AB}"/>
+              </a:ext>
+            </a:extLst>
+          </p:cNvPr>
+          <p:cNvSpPr/>
+          <p:nvPr/>
+        </p:nvSpPr>
+        <p:spPr>
+          <a:xfrm>
+            <a:off x="0" y="339365"/>
+            <a:ext cx="3619893" cy="1221117"/>
+          </a:xfrm>
+          <a:prstGeom prst="rect">
+            <a:avLst/>
+          </a:prstGeom>
+          <a:solidFill>
+            <a:schemeClr val="tx1"/>
+          </a:solidFill>
+          <a:ln>
+            <a:solidFill>
+              <a:schemeClr val="tx1"/>
+            </a:solidFill>
+          </a:ln>
+        </p:spPr>
+        <p:style>
+          <a:lnRef idx="2">
+            <a:schemeClr val="accent1">
+              <a:shade val="50000"/>
+            </a:schemeClr>
+          </a:lnRef>
+          <a:fillRef idx="1">
+            <a:schemeClr val="accent1"/>
+          </a:fillRef>
+          <a:effectRef idx="0">
+            <a:schemeClr val="accent1"/>
+          </a:effectRef>
+          <a:fontRef idx="minor">
+            <a:schemeClr val="lt1"/>
+          </a:fontRef>
+        </p:style>
+        <p:txBody>
+          <a:bodyPr rtlCol="0" anchor="ctr"/>
+          <a:lstStyle/>
+          <a:p>
+            <a:pPr algn="ctr"/>
+            <a:r>
+              <a:rPr lang="ko-KR" altLang="en-US" sz="4400" dirty="0">
+                <a:solidFill>
+                  <a:schemeClr val="bg1"/>
+                </a:solidFill>
+                <a:latin typeface="태나다체 " panose="02000000000000000000" pitchFamily="2" charset="-127"/>
+                <a:ea typeface="태나다체 " panose="02000000000000000000" pitchFamily="2" charset="-127"/>
+              </a:rPr>
+              <a:t>빌드</a:t>
+            </a:r>
+            <a:endParaRPr lang="en-US" altLang="ko-KR" sz="4400" dirty="0">
+              <a:solidFill>
+                <a:schemeClr val="bg1"/>
+              </a:solidFill>
+              <a:latin typeface="태나다체 " panose="02000000000000000000" pitchFamily="2" charset="-127"/>
+              <a:ea typeface="태나다체 " panose="02000000000000000000" pitchFamily="2" charset="-127"/>
+            </a:endParaRPr>
+          </a:p>
+        </p:txBody>
+      </p:sp>
+      <p:pic>
+        <p:nvPicPr>
+          <p:cNvPr id="3" name="그림 2">
+            <a:extLst>
+              <a:ext uri="{FF2B5EF4-FFF2-40B4-BE49-F238E27FC236}">
+                <a16:creationId xmlns:a16="http://schemas.microsoft.com/office/drawing/2014/main" id="{93698814-4469-4B3B-814A-5E1A19E030AC}"/>
+              </a:ext>
+            </a:extLst>
+          </p:cNvPr>
+          <p:cNvPicPr>
+            <a:picLocks noChangeAspect="1"/>
+          </p:cNvPicPr>
+          <p:nvPr/>
+        </p:nvPicPr>
+        <p:blipFill>
+          <a:blip r:embed="rId3">
+            <a:extLst>
+              <a:ext uri="{28A0092B-C50C-407E-A947-70E740481C1C}">
+                <a14:useLocalDpi xmlns:a14="http://schemas.microsoft.com/office/drawing/2010/main" val="0"/>
+              </a:ext>
+            </a:extLst>
+          </a:blip>
+          <a:stretch>
+            <a:fillRect/>
+          </a:stretch>
+        </p:blipFill>
+        <p:spPr>
+          <a:xfrm>
+            <a:off x="4845944" y="216661"/>
+            <a:ext cx="5768637" cy="6424678"/>
+          </a:xfrm>
+          <a:prstGeom prst="rect">
+            <a:avLst/>
+          </a:prstGeom>
+        </p:spPr>
+      </p:pic>
+    </p:spTree>
+    <p:extLst>
+      <p:ext uri="{BB962C8B-B14F-4D97-AF65-F5344CB8AC3E}">
+        <p14:creationId xmlns:p14="http://schemas.microsoft.com/office/powerpoint/2010/main" val="2856851314"/>
+      </p:ext>
+    </p:extLst>
+  </p:cSld>
+  <p:clrMapOvr>
+    <a:masterClrMapping/>
+  </p:clrMapOvr>
+</p:sld>
+</file>
+
+<file path=ppt/slides/slide46.xml><?xml version="1.0" encoding="utf-8"?>
+<p:sld xmlns:a="http://schemas.openxmlformats.org/drawingml/2006/main" xmlns:r="http://schemas.openxmlformats.org/officeDocument/2006/relationships" xmlns:p="http://schemas.openxmlformats.org/presentationml/2006/main">
+  <p:cSld>
+    <p:spTree>
+      <p:nvGrpSpPr>
+        <p:cNvPr id="1" name=""/>
+        <p:cNvGrpSpPr/>
+        <p:nvPr/>
+      </p:nvGrpSpPr>
+      <p:grpSpPr>
+        <a:xfrm>
+          <a:off x="0" y="0"/>
+          <a:ext cx="0" cy="0"/>
+          <a:chOff x="0" y="0"/>
+          <a:chExt cx="0" cy="0"/>
+        </a:xfrm>
+      </p:grpSpPr>
+      <p:sp>
+        <p:nvSpPr>
+          <p:cNvPr id="8" name="직사각형 7">
+            <a:extLst>
+              <a:ext uri="{FF2B5EF4-FFF2-40B4-BE49-F238E27FC236}">
+                <a16:creationId xmlns:a16="http://schemas.microsoft.com/office/drawing/2014/main" id="{DFBEAA6E-A32F-42F3-A86F-FB0C5B8608AB}"/>
+              </a:ext>
+            </a:extLst>
+          </p:cNvPr>
+          <p:cNvSpPr/>
+          <p:nvPr/>
+        </p:nvSpPr>
+        <p:spPr>
+          <a:xfrm>
+            <a:off x="0" y="339365"/>
+            <a:ext cx="3619893" cy="1221117"/>
+          </a:xfrm>
+          <a:prstGeom prst="rect">
+            <a:avLst/>
+          </a:prstGeom>
+          <a:solidFill>
+            <a:schemeClr val="tx1"/>
+          </a:solidFill>
+          <a:ln>
+            <a:solidFill>
+              <a:schemeClr val="tx1"/>
+            </a:solidFill>
+          </a:ln>
+        </p:spPr>
+        <p:style>
+          <a:lnRef idx="2">
+            <a:schemeClr val="accent1">
+              <a:shade val="50000"/>
+            </a:schemeClr>
+          </a:lnRef>
+          <a:fillRef idx="1">
+            <a:schemeClr val="accent1"/>
+          </a:fillRef>
+          <a:effectRef idx="0">
+            <a:schemeClr val="accent1"/>
+          </a:effectRef>
+          <a:fontRef idx="minor">
+            <a:schemeClr val="lt1"/>
+          </a:fontRef>
+        </p:style>
+        <p:txBody>
+          <a:bodyPr rtlCol="0" anchor="ctr"/>
+          <a:lstStyle/>
+          <a:p>
+            <a:pPr algn="ctr"/>
+            <a:r>
+              <a:rPr lang="ko-KR" altLang="en-US" sz="4400" dirty="0">
+                <a:solidFill>
+                  <a:schemeClr val="bg1"/>
+                </a:solidFill>
+                <a:latin typeface="태나다체 " panose="02000000000000000000" pitchFamily="2" charset="-127"/>
+                <a:ea typeface="태나다체 " panose="02000000000000000000" pitchFamily="2" charset="-127"/>
+              </a:rPr>
+              <a:t>실행</a:t>
+            </a:r>
+            <a:endParaRPr lang="en-US" altLang="ko-KR" sz="4400" dirty="0">
+              <a:solidFill>
+                <a:schemeClr val="bg1"/>
+              </a:solidFill>
+              <a:latin typeface="태나다체 " panose="02000000000000000000" pitchFamily="2" charset="-127"/>
+              <a:ea typeface="태나다체 " panose="02000000000000000000" pitchFamily="2" charset="-127"/>
+            </a:endParaRPr>
+          </a:p>
+        </p:txBody>
+      </p:sp>
+      <p:pic>
+        <p:nvPicPr>
+          <p:cNvPr id="2" name="그림 1">
+            <a:extLst>
+              <a:ext uri="{FF2B5EF4-FFF2-40B4-BE49-F238E27FC236}">
+                <a16:creationId xmlns:a16="http://schemas.microsoft.com/office/drawing/2014/main" id="{0CB5835A-561B-4523-97AA-7F21ADFAD52C}"/>
+              </a:ext>
+            </a:extLst>
+          </p:cNvPr>
+          <p:cNvPicPr>
+            <a:picLocks noChangeAspect="1"/>
+          </p:cNvPicPr>
+          <p:nvPr/>
+        </p:nvPicPr>
+        <p:blipFill>
+          <a:blip r:embed="rId3"/>
+          <a:stretch>
+            <a:fillRect/>
+          </a:stretch>
+        </p:blipFill>
+        <p:spPr>
+          <a:xfrm>
+            <a:off x="1386538" y="3429000"/>
+            <a:ext cx="9418923" cy="1110722"/>
+          </a:xfrm>
+          <a:prstGeom prst="rect">
+            <a:avLst/>
+          </a:prstGeom>
+        </p:spPr>
+      </p:pic>
+    </p:spTree>
+    <p:extLst>
+      <p:ext uri="{BB962C8B-B14F-4D97-AF65-F5344CB8AC3E}">
+        <p14:creationId xmlns:p14="http://schemas.microsoft.com/office/powerpoint/2010/main" val="1261399883"/>
+      </p:ext>
+    </p:extLst>
+  </p:cSld>
+  <p:clrMapOvr>
+    <a:masterClrMapping/>
+  </p:clrMapOvr>
+</p:sld>
+</file>
+
+<file path=ppt/slides/slide47.xml><?xml version="1.0" encoding="utf-8"?>
+<p:sld xmlns:a="http://schemas.openxmlformats.org/drawingml/2006/main" xmlns:r="http://schemas.openxmlformats.org/officeDocument/2006/relationships" xmlns:p="http://schemas.openxmlformats.org/presentationml/2006/main">
+  <p:cSld>
+    <p:spTree>
+      <p:nvGrpSpPr>
+        <p:cNvPr id="1" name=""/>
+        <p:cNvGrpSpPr/>
+        <p:nvPr/>
+      </p:nvGrpSpPr>
+      <p:grpSpPr>
+        <a:xfrm>
+          <a:off x="0" y="0"/>
+          <a:ext cx="0" cy="0"/>
+          <a:chOff x="0" y="0"/>
+          <a:chExt cx="0" cy="0"/>
+        </a:xfrm>
+      </p:grpSpPr>
+      <p:sp>
+        <p:nvSpPr>
+          <p:cNvPr id="8" name="직사각형 7">
+            <a:extLst>
+              <a:ext uri="{FF2B5EF4-FFF2-40B4-BE49-F238E27FC236}">
+                <a16:creationId xmlns:a16="http://schemas.microsoft.com/office/drawing/2014/main" id="{DFBEAA6E-A32F-42F3-A86F-FB0C5B8608AB}"/>
+              </a:ext>
+            </a:extLst>
+          </p:cNvPr>
+          <p:cNvSpPr/>
+          <p:nvPr/>
+        </p:nvSpPr>
+        <p:spPr>
+          <a:xfrm>
+            <a:off x="0" y="339365"/>
+            <a:ext cx="3619893" cy="1221117"/>
+          </a:xfrm>
+          <a:prstGeom prst="rect">
+            <a:avLst/>
+          </a:prstGeom>
+          <a:solidFill>
+            <a:schemeClr val="tx1"/>
+          </a:solidFill>
+          <a:ln>
+            <a:solidFill>
+              <a:schemeClr val="tx1"/>
+            </a:solidFill>
+          </a:ln>
+        </p:spPr>
+        <p:style>
+          <a:lnRef idx="2">
+            <a:schemeClr val="accent1">
+              <a:shade val="50000"/>
+            </a:schemeClr>
+          </a:lnRef>
+          <a:fillRef idx="1">
+            <a:schemeClr val="accent1"/>
+          </a:fillRef>
+          <a:effectRef idx="0">
+            <a:schemeClr val="accent1"/>
+          </a:effectRef>
+          <a:fontRef idx="minor">
+            <a:schemeClr val="lt1"/>
+          </a:fontRef>
+        </p:style>
+        <p:txBody>
+          <a:bodyPr rtlCol="0" anchor="ctr"/>
+          <a:lstStyle/>
+          <a:p>
+            <a:pPr algn="ctr"/>
+            <a:r>
+              <a:rPr lang="ko-KR" altLang="en-US" sz="4400" dirty="0">
+                <a:solidFill>
+                  <a:schemeClr val="bg1"/>
+                </a:solidFill>
+                <a:latin typeface="태나다체 " panose="02000000000000000000" pitchFamily="2" charset="-127"/>
+                <a:ea typeface="태나다체 " panose="02000000000000000000" pitchFamily="2" charset="-127"/>
+              </a:rPr>
+              <a:t>실행</a:t>
+            </a:r>
+            <a:endParaRPr lang="en-US" altLang="ko-KR" sz="4400" dirty="0">
+              <a:solidFill>
+                <a:schemeClr val="bg1"/>
+              </a:solidFill>
+              <a:latin typeface="태나다체 " panose="02000000000000000000" pitchFamily="2" charset="-127"/>
+              <a:ea typeface="태나다체 " panose="02000000000000000000" pitchFamily="2" charset="-127"/>
+            </a:endParaRPr>
+          </a:p>
+        </p:txBody>
+      </p:sp>
+      <p:pic>
+        <p:nvPicPr>
+          <p:cNvPr id="4" name="그림 3">
+            <a:extLst>
+              <a:ext uri="{FF2B5EF4-FFF2-40B4-BE49-F238E27FC236}">
+                <a16:creationId xmlns:a16="http://schemas.microsoft.com/office/drawing/2014/main" id="{33A95C1F-B0D7-4CB5-8319-996384101B1E}"/>
+              </a:ext>
+            </a:extLst>
+          </p:cNvPr>
+          <p:cNvPicPr>
+            <a:picLocks noChangeAspect="1"/>
+          </p:cNvPicPr>
+          <p:nvPr/>
+        </p:nvPicPr>
+        <p:blipFill rotWithShape="1">
+          <a:blip r:embed="rId3">
+            <a:extLst>
+              <a:ext uri="{28A0092B-C50C-407E-A947-70E740481C1C}">
+                <a14:useLocalDpi xmlns:a14="http://schemas.microsoft.com/office/drawing/2010/main" val="0"/>
+              </a:ext>
+            </a:extLst>
+          </a:blip>
+          <a:srcRect l="-1" r="768"/>
+          <a:stretch/>
+        </p:blipFill>
+        <p:spPr>
+          <a:xfrm>
+            <a:off x="1121787" y="2177593"/>
+            <a:ext cx="7269625" cy="4159155"/>
+          </a:xfrm>
+          <a:prstGeom prst="rect">
+            <a:avLst/>
+          </a:prstGeom>
+          <a:ln>
+            <a:solidFill>
+              <a:schemeClr val="tx1"/>
+            </a:solidFill>
+          </a:ln>
+        </p:spPr>
+      </p:pic>
+      <p:sp>
+        <p:nvSpPr>
+          <p:cNvPr id="5" name="직사각형 4">
+            <a:extLst>
+              <a:ext uri="{FF2B5EF4-FFF2-40B4-BE49-F238E27FC236}">
+                <a16:creationId xmlns:a16="http://schemas.microsoft.com/office/drawing/2014/main" id="{32BC34C7-FBC1-4F23-A15B-BA03F3FC8CEC}"/>
+              </a:ext>
+            </a:extLst>
+          </p:cNvPr>
+          <p:cNvSpPr/>
+          <p:nvPr/>
+        </p:nvSpPr>
+        <p:spPr>
+          <a:xfrm>
+            <a:off x="8942439" y="3476135"/>
+            <a:ext cx="1986441" cy="1569660"/>
+          </a:xfrm>
+          <a:prstGeom prst="rect">
+            <a:avLst/>
+          </a:prstGeom>
+        </p:spPr>
+        <p:txBody>
+          <a:bodyPr wrap="none">
+            <a:spAutoFit/>
+          </a:bodyPr>
+          <a:lstStyle/>
+          <a:p>
+            <a:r>
+              <a:rPr lang="en-US" altLang="ko-KR" sz="9600" dirty="0">
+                <a:latin typeface="배달의민족 주아" panose="02020603020101020101" pitchFamily="18" charset="-127"/>
+                <a:ea typeface="배달의민족 주아" panose="02020603020101020101" pitchFamily="18" charset="-127"/>
+              </a:rPr>
+              <a:t>X 2</a:t>
+            </a:r>
+            <a:endParaRPr lang="ko-KR" altLang="en-US" sz="9600" dirty="0">
+              <a:latin typeface="배달의민족 주아" panose="02020603020101020101" pitchFamily="18" charset="-127"/>
+              <a:ea typeface="배달의민족 주아" panose="02020603020101020101" pitchFamily="18" charset="-127"/>
+            </a:endParaRPr>
+          </a:p>
+        </p:txBody>
+      </p:sp>
+    </p:spTree>
+    <p:extLst>
+      <p:ext uri="{BB962C8B-B14F-4D97-AF65-F5344CB8AC3E}">
+        <p14:creationId xmlns:p14="http://schemas.microsoft.com/office/powerpoint/2010/main" val="281304287"/>
+      </p:ext>
+    </p:extLst>
+  </p:cSld>
+  <p:clrMapOvr>
+    <a:masterClrMapping/>
+  </p:clrMapOvr>
+</p:sld>
+</file>
+
+<file path=ppt/slides/slide48.xml><?xml version="1.0" encoding="utf-8"?>
+<p:sld xmlns:a="http://schemas.openxmlformats.org/drawingml/2006/main" xmlns:r="http://schemas.openxmlformats.org/officeDocument/2006/relationships" xmlns:p="http://schemas.openxmlformats.org/presentationml/2006/main">
+  <p:cSld>
+    <p:spTree>
+      <p:nvGrpSpPr>
+        <p:cNvPr id="1" name=""/>
+        <p:cNvGrpSpPr/>
+        <p:nvPr/>
+      </p:nvGrpSpPr>
+      <p:grpSpPr>
+        <a:xfrm>
+          <a:off x="0" y="0"/>
+          <a:ext cx="0" cy="0"/>
+          <a:chOff x="0" y="0"/>
+          <a:chExt cx="0" cy="0"/>
+        </a:xfrm>
+      </p:grpSpPr>
+      <p:sp>
+        <p:nvSpPr>
+          <p:cNvPr id="8" name="직사각형 7">
+            <a:extLst>
+              <a:ext uri="{FF2B5EF4-FFF2-40B4-BE49-F238E27FC236}">
+                <a16:creationId xmlns:a16="http://schemas.microsoft.com/office/drawing/2014/main" id="{DFBEAA6E-A32F-42F3-A86F-FB0C5B8608AB}"/>
+              </a:ext>
+            </a:extLst>
+          </p:cNvPr>
+          <p:cNvSpPr/>
+          <p:nvPr/>
+        </p:nvSpPr>
+        <p:spPr>
+          <a:xfrm>
+            <a:off x="0" y="339365"/>
+            <a:ext cx="3619893" cy="1221117"/>
+          </a:xfrm>
+          <a:prstGeom prst="rect">
+            <a:avLst/>
+          </a:prstGeom>
+          <a:solidFill>
+            <a:schemeClr val="tx1"/>
+          </a:solidFill>
+          <a:ln>
+            <a:solidFill>
+              <a:schemeClr val="tx1"/>
+            </a:solidFill>
+          </a:ln>
+        </p:spPr>
+        <p:style>
+          <a:lnRef idx="2">
+            <a:schemeClr val="accent1">
+              <a:shade val="50000"/>
+            </a:schemeClr>
+          </a:lnRef>
+          <a:fillRef idx="1">
+            <a:schemeClr val="accent1"/>
+          </a:fillRef>
+          <a:effectRef idx="0">
+            <a:schemeClr val="accent1"/>
+          </a:effectRef>
+          <a:fontRef idx="minor">
+            <a:schemeClr val="lt1"/>
+          </a:fontRef>
+        </p:style>
+        <p:txBody>
+          <a:bodyPr rtlCol="0" anchor="ctr"/>
+          <a:lstStyle/>
+          <a:p>
+            <a:pPr algn="ctr"/>
+            <a:r>
+              <a:rPr lang="ko-KR" altLang="en-US" sz="4400" dirty="0">
+                <a:solidFill>
+                  <a:schemeClr val="bg1"/>
+                </a:solidFill>
+                <a:latin typeface="태나다체 " panose="02000000000000000000" pitchFamily="2" charset="-127"/>
+                <a:ea typeface="태나다체 " panose="02000000000000000000" pitchFamily="2" charset="-127"/>
+              </a:rPr>
+              <a:t>디버깅</a:t>
+            </a:r>
+            <a:endParaRPr lang="en-US" altLang="ko-KR" sz="4400" dirty="0">
+              <a:solidFill>
+                <a:schemeClr val="bg1"/>
+              </a:solidFill>
+              <a:latin typeface="태나다체 " panose="02000000000000000000" pitchFamily="2" charset="-127"/>
+              <a:ea typeface="태나다체 " panose="02000000000000000000" pitchFamily="2" charset="-127"/>
+            </a:endParaRPr>
+          </a:p>
+        </p:txBody>
+      </p:sp>
+      <p:pic>
+        <p:nvPicPr>
+          <p:cNvPr id="3" name="그림 2">
+            <a:extLst>
+              <a:ext uri="{FF2B5EF4-FFF2-40B4-BE49-F238E27FC236}">
+                <a16:creationId xmlns:a16="http://schemas.microsoft.com/office/drawing/2014/main" id="{A3B88EEE-CFA5-439E-9B10-ADDF8D9EDECF}"/>
+              </a:ext>
+            </a:extLst>
+          </p:cNvPr>
+          <p:cNvPicPr>
+            <a:picLocks noChangeAspect="1"/>
+          </p:cNvPicPr>
+          <p:nvPr/>
+        </p:nvPicPr>
+        <p:blipFill>
+          <a:blip r:embed="rId3">
+            <a:extLst>
+              <a:ext uri="{28A0092B-C50C-407E-A947-70E740481C1C}">
+                <a14:useLocalDpi xmlns:a14="http://schemas.microsoft.com/office/drawing/2010/main" val="0"/>
+              </a:ext>
+            </a:extLst>
+          </a:blip>
+          <a:stretch>
+            <a:fillRect/>
+          </a:stretch>
+        </p:blipFill>
+        <p:spPr>
+          <a:xfrm>
+            <a:off x="3916689" y="940707"/>
+            <a:ext cx="7857389" cy="4976586"/>
+          </a:xfrm>
+          <a:prstGeom prst="rect">
+            <a:avLst/>
+          </a:prstGeom>
+        </p:spPr>
+      </p:pic>
+    </p:spTree>
+    <p:extLst>
+      <p:ext uri="{BB962C8B-B14F-4D97-AF65-F5344CB8AC3E}">
+        <p14:creationId xmlns:p14="http://schemas.microsoft.com/office/powerpoint/2010/main" val="113951670"/>
+      </p:ext>
+    </p:extLst>
+  </p:cSld>
+  <p:clrMapOvr>
+    <a:masterClrMapping/>
+  </p:clrMapOvr>
+</p:sld>
+</file>
+
+<file path=ppt/slides/slide49.xml><?xml version="1.0" encoding="utf-8"?>
+<p:sld xmlns:a="http://schemas.openxmlformats.org/drawingml/2006/main" xmlns:r="http://schemas.openxmlformats.org/officeDocument/2006/relationships" xmlns:p="http://schemas.openxmlformats.org/presentationml/2006/main">
+  <p:cSld>
+    <p:spTree>
+      <p:nvGrpSpPr>
+        <p:cNvPr id="1" name=""/>
+        <p:cNvGrpSpPr/>
+        <p:nvPr/>
+      </p:nvGrpSpPr>
+      <p:grpSpPr>
+        <a:xfrm>
+          <a:off x="0" y="0"/>
+          <a:ext cx="0" cy="0"/>
+          <a:chOff x="0" y="0"/>
+          <a:chExt cx="0" cy="0"/>
+        </a:xfrm>
+      </p:grpSpPr>
+      <p:sp>
+        <p:nvSpPr>
+          <p:cNvPr id="16" name="직사각형 15">
+            <a:extLst>
+              <a:ext uri="{FF2B5EF4-FFF2-40B4-BE49-F238E27FC236}">
+                <a16:creationId xmlns:a16="http://schemas.microsoft.com/office/drawing/2014/main" id="{B89DD7D4-9ED1-4D39-BC0C-EA5A5B8B6EF9}"/>
+              </a:ext>
+            </a:extLst>
+          </p:cNvPr>
+          <p:cNvSpPr/>
+          <p:nvPr/>
+        </p:nvSpPr>
+        <p:spPr>
+          <a:xfrm>
+            <a:off x="188540" y="197967"/>
+            <a:ext cx="12192000" cy="6858000"/>
+          </a:xfrm>
+          <a:prstGeom prst="rect">
+            <a:avLst/>
+          </a:prstGeom>
+          <a:solidFill>
+            <a:schemeClr val="tx1">
+              <a:alpha val="65000"/>
+            </a:schemeClr>
+          </a:solidFill>
+          <a:ln>
+            <a:solidFill>
+              <a:schemeClr val="tx1"/>
+            </a:solidFill>
+          </a:ln>
+        </p:spPr>
+        <p:style>
+          <a:lnRef idx="2">
+            <a:schemeClr val="accent1">
+              <a:shade val="50000"/>
+            </a:schemeClr>
+          </a:lnRef>
+          <a:fillRef idx="1">
+            <a:schemeClr val="accent1"/>
+          </a:fillRef>
+          <a:effectRef idx="0">
+            <a:schemeClr val="accent1"/>
+          </a:effectRef>
+          <a:fontRef idx="minor">
+            <a:schemeClr val="lt1"/>
+          </a:fontRef>
+        </p:style>
+        <p:txBody>
+          <a:bodyPr rtlCol="0" anchor="ctr"/>
+          <a:lstStyle/>
+          <a:p>
+            <a:pPr algn="ctr"/>
+            <a:endParaRPr lang="ko-KR" altLang="en-US" sz="1600" dirty="0"/>
+          </a:p>
+        </p:txBody>
+      </p:sp>
+      <p:sp>
+        <p:nvSpPr>
+          <p:cNvPr id="4" name="직사각형 3">
+            <a:extLst>
+              <a:ext uri="{FF2B5EF4-FFF2-40B4-BE49-F238E27FC236}">
+                <a16:creationId xmlns:a16="http://schemas.microsoft.com/office/drawing/2014/main" id="{CA35C8A5-4B03-43E5-B493-90F4E795A7AE}"/>
+              </a:ext>
+            </a:extLst>
+          </p:cNvPr>
+          <p:cNvSpPr/>
+          <p:nvPr/>
+        </p:nvSpPr>
+        <p:spPr>
+          <a:xfrm>
+            <a:off x="0" y="339365"/>
+            <a:ext cx="3619893" cy="1221117"/>
+          </a:xfrm>
+          <a:prstGeom prst="rect">
+            <a:avLst/>
+          </a:prstGeom>
+          <a:solidFill>
+            <a:schemeClr val="tx1"/>
+          </a:solidFill>
+          <a:ln>
+            <a:solidFill>
+              <a:schemeClr val="tx1"/>
+            </a:solidFill>
+          </a:ln>
+        </p:spPr>
+        <p:style>
+          <a:lnRef idx="2">
+            <a:schemeClr val="accent1">
+              <a:shade val="50000"/>
+            </a:schemeClr>
+          </a:lnRef>
+          <a:fillRef idx="1">
+            <a:schemeClr val="accent1"/>
+          </a:fillRef>
+          <a:effectRef idx="0">
+            <a:schemeClr val="accent1"/>
+          </a:effectRef>
+          <a:fontRef idx="minor">
+            <a:schemeClr val="lt1"/>
+          </a:fontRef>
+        </p:style>
+        <p:txBody>
+          <a:bodyPr rtlCol="0" anchor="ctr"/>
+          <a:lstStyle/>
+          <a:p>
+            <a:pPr algn="ctr"/>
+            <a:r>
+              <a:rPr lang="en-US" altLang="ko-KR" sz="4400" dirty="0">
+                <a:solidFill>
+                  <a:schemeClr val="bg1"/>
+                </a:solidFill>
+                <a:latin typeface="태나다체 " panose="02000000000000000000" pitchFamily="2" charset="-127"/>
+                <a:ea typeface="태나다체 " panose="02000000000000000000" pitchFamily="2" charset="-127"/>
+              </a:rPr>
+              <a:t>title</a:t>
+            </a:r>
+            <a:endParaRPr lang="ko-KR" altLang="en-US" sz="4400" dirty="0">
+              <a:solidFill>
+                <a:schemeClr val="bg1"/>
+              </a:solidFill>
+              <a:latin typeface="태나다체 " panose="02000000000000000000" pitchFamily="2" charset="-127"/>
+              <a:ea typeface="태나다체 " panose="02000000000000000000" pitchFamily="2" charset="-127"/>
+            </a:endParaRPr>
+          </a:p>
+        </p:txBody>
+      </p:sp>
+      <p:sp>
+        <p:nvSpPr>
+          <p:cNvPr id="11" name="직사각형 10">
+            <a:extLst>
+              <a:ext uri="{FF2B5EF4-FFF2-40B4-BE49-F238E27FC236}">
+                <a16:creationId xmlns:a16="http://schemas.microsoft.com/office/drawing/2014/main" id="{6C22D0AA-FCE8-49A4-888D-F1CCB0BBB1BD}"/>
+              </a:ext>
+            </a:extLst>
+          </p:cNvPr>
+          <p:cNvSpPr/>
+          <p:nvPr/>
+        </p:nvSpPr>
+        <p:spPr>
+          <a:xfrm>
+            <a:off x="0" y="2582771"/>
+            <a:ext cx="12192000" cy="1692458"/>
+          </a:xfrm>
+          <a:prstGeom prst="rect">
+            <a:avLst/>
+          </a:prstGeom>
+          <a:solidFill>
+            <a:schemeClr val="tx1"/>
+          </a:solidFill>
+          <a:ln>
+            <a:solidFill>
+              <a:schemeClr val="tx1"/>
+            </a:solidFill>
+          </a:ln>
+        </p:spPr>
+        <p:style>
+          <a:lnRef idx="2">
+            <a:schemeClr val="accent1">
+              <a:shade val="50000"/>
+            </a:schemeClr>
+          </a:lnRef>
+          <a:fillRef idx="1">
+            <a:schemeClr val="accent1"/>
+          </a:fillRef>
+          <a:effectRef idx="0">
+            <a:schemeClr val="accent1"/>
+          </a:effectRef>
+          <a:fontRef idx="minor">
+            <a:schemeClr val="lt1"/>
+          </a:fontRef>
+        </p:style>
+        <p:txBody>
+          <a:bodyPr rtlCol="0" anchor="ctr"/>
+          <a:lstStyle>
+            <a:defPPr>
+              <a:defRPr lang="ko-KR"/>
+            </a:defPPr>
+            <a:lvl1pPr marL="0" algn="l" defTabSz="914400" rtl="0" eaLnBrk="1" latinLnBrk="1" hangingPunct="1">
+              <a:defRPr sz="1800" kern="1200">
+                <a:solidFill>
+                  <a:schemeClr val="lt1"/>
+                </a:solidFill>
+                <a:latin typeface="+mn-lt"/>
+                <a:ea typeface="+mn-ea"/>
+                <a:cs typeface="+mn-cs"/>
+              </a:defRPr>
+            </a:lvl1pPr>
+            <a:lvl2pPr marL="457200" algn="l" defTabSz="914400" rtl="0" eaLnBrk="1" latinLnBrk="1" hangingPunct="1">
+              <a:defRPr sz="1800" kern="1200">
+                <a:solidFill>
+                  <a:schemeClr val="lt1"/>
+                </a:solidFill>
+                <a:latin typeface="+mn-lt"/>
+                <a:ea typeface="+mn-ea"/>
+                <a:cs typeface="+mn-cs"/>
+              </a:defRPr>
+            </a:lvl2pPr>
+            <a:lvl3pPr marL="914400" algn="l" defTabSz="914400" rtl="0" eaLnBrk="1" latinLnBrk="1" hangingPunct="1">
+              <a:defRPr sz="1800" kern="1200">
+                <a:solidFill>
+                  <a:schemeClr val="lt1"/>
+                </a:solidFill>
+                <a:latin typeface="+mn-lt"/>
+                <a:ea typeface="+mn-ea"/>
+                <a:cs typeface="+mn-cs"/>
+              </a:defRPr>
+            </a:lvl3pPr>
+            <a:lvl4pPr marL="1371600" algn="l" defTabSz="914400" rtl="0" eaLnBrk="1" latinLnBrk="1" hangingPunct="1">
+              <a:defRPr sz="1800" kern="1200">
+                <a:solidFill>
+                  <a:schemeClr val="lt1"/>
+                </a:solidFill>
+                <a:latin typeface="+mn-lt"/>
+                <a:ea typeface="+mn-ea"/>
+                <a:cs typeface="+mn-cs"/>
+              </a:defRPr>
+            </a:lvl4pPr>
+            <a:lvl5pPr marL="1828800" algn="l" defTabSz="914400" rtl="0" eaLnBrk="1" latinLnBrk="1" hangingPunct="1">
+              <a:defRPr sz="1800" kern="1200">
+                <a:solidFill>
+                  <a:schemeClr val="lt1"/>
+                </a:solidFill>
+                <a:latin typeface="+mn-lt"/>
+                <a:ea typeface="+mn-ea"/>
+                <a:cs typeface="+mn-cs"/>
+              </a:defRPr>
+            </a:lvl5pPr>
+            <a:lvl6pPr marL="2286000" algn="l" defTabSz="914400" rtl="0" eaLnBrk="1" latinLnBrk="1" hangingPunct="1">
+              <a:defRPr sz="1800" kern="1200">
+                <a:solidFill>
+                  <a:schemeClr val="lt1"/>
+                </a:solidFill>
+                <a:latin typeface="+mn-lt"/>
+                <a:ea typeface="+mn-ea"/>
+                <a:cs typeface="+mn-cs"/>
+              </a:defRPr>
+            </a:lvl6pPr>
+            <a:lvl7pPr marL="2743200" algn="l" defTabSz="914400" rtl="0" eaLnBrk="1" latinLnBrk="1" hangingPunct="1">
+              <a:defRPr sz="1800" kern="1200">
+                <a:solidFill>
+                  <a:schemeClr val="lt1"/>
+                </a:solidFill>
+                <a:latin typeface="+mn-lt"/>
+                <a:ea typeface="+mn-ea"/>
+                <a:cs typeface="+mn-cs"/>
+              </a:defRPr>
+            </a:lvl7pPr>
+            <a:lvl8pPr marL="3200400" algn="l" defTabSz="914400" rtl="0" eaLnBrk="1" latinLnBrk="1" hangingPunct="1">
+              <a:defRPr sz="1800" kern="1200">
+                <a:solidFill>
+                  <a:schemeClr val="lt1"/>
+                </a:solidFill>
+                <a:latin typeface="+mn-lt"/>
+                <a:ea typeface="+mn-ea"/>
+                <a:cs typeface="+mn-cs"/>
+              </a:defRPr>
+            </a:lvl8pPr>
+            <a:lvl9pPr marL="3657600" algn="l" defTabSz="914400" rtl="0" eaLnBrk="1" latinLnBrk="1" hangingPunct="1">
+              <a:defRPr sz="1800" kern="1200">
+                <a:solidFill>
+                  <a:schemeClr val="lt1"/>
+                </a:solidFill>
+                <a:latin typeface="+mn-lt"/>
+                <a:ea typeface="+mn-ea"/>
+                <a:cs typeface="+mn-cs"/>
+              </a:defRPr>
+            </a:lvl9pPr>
+          </a:lstStyle>
+          <a:p>
+            <a:pPr algn="ctr"/>
+            <a:r>
+              <a:rPr lang="en-US" altLang="ko-KR" sz="4800" dirty="0">
+                <a:solidFill>
+                  <a:schemeClr val="bg1"/>
+                </a:solidFill>
+                <a:latin typeface="태나다체 " panose="02000000000000000000" pitchFamily="2" charset="-127"/>
+                <a:ea typeface="태나다체 " panose="02000000000000000000" pitchFamily="2" charset="-127"/>
+              </a:rPr>
+              <a:t>embed</a:t>
+            </a:r>
+            <a:endParaRPr lang="ko-KR" altLang="en-US" sz="4800" dirty="0">
+              <a:solidFill>
+                <a:schemeClr val="bg1"/>
+              </a:solidFill>
+              <a:latin typeface="태나다체 " panose="02000000000000000000" pitchFamily="2" charset="-127"/>
+              <a:ea typeface="태나다체 " panose="02000000000000000000" pitchFamily="2" charset="-127"/>
+            </a:endParaRPr>
+          </a:p>
+        </p:txBody>
+      </p:sp>
+      <p:sp>
+        <p:nvSpPr>
+          <p:cNvPr id="17" name="직사각형 16">
+            <a:extLst>
+              <a:ext uri="{FF2B5EF4-FFF2-40B4-BE49-F238E27FC236}">
+                <a16:creationId xmlns:a16="http://schemas.microsoft.com/office/drawing/2014/main" id="{6421B016-1033-4C6F-947D-8DF71B6D0E2F}"/>
+              </a:ext>
+            </a:extLst>
+          </p:cNvPr>
+          <p:cNvSpPr/>
+          <p:nvPr/>
+        </p:nvSpPr>
+        <p:spPr>
+          <a:xfrm>
+            <a:off x="4822927" y="1098817"/>
+            <a:ext cx="2546146" cy="923330"/>
+          </a:xfrm>
+          <a:prstGeom prst="rect">
+            <a:avLst/>
+          </a:prstGeom>
+        </p:spPr>
+        <p:txBody>
+          <a:bodyPr wrap="none">
+            <a:spAutoFit/>
+          </a:bodyPr>
+          <a:lstStyle/>
+          <a:p>
+            <a:r>
+              <a:rPr lang="en-US" altLang="ko-KR" sz="5400" dirty="0">
+                <a:solidFill>
+                  <a:schemeClr val="bg1"/>
+                </a:solidFill>
+                <a:latin typeface="배달의민족 주아" panose="02020603020101020101" pitchFamily="18" charset="-127"/>
+                <a:ea typeface="배달의민족 주아" panose="02020603020101020101" pitchFamily="18" charset="-127"/>
+              </a:rPr>
+              <a:t>content</a:t>
+            </a:r>
+            <a:endParaRPr lang="ko-KR" altLang="en-US" sz="5400" dirty="0">
+              <a:solidFill>
+                <a:schemeClr val="bg1"/>
+              </a:solidFill>
+              <a:latin typeface="배달의민족 주아" panose="02020603020101020101" pitchFamily="18" charset="-127"/>
+              <a:ea typeface="배달의민족 주아" panose="02020603020101020101" pitchFamily="18" charset="-127"/>
+            </a:endParaRPr>
+          </a:p>
+        </p:txBody>
+      </p:sp>
+    </p:spTree>
+    <p:extLst>
+      <p:ext uri="{BB962C8B-B14F-4D97-AF65-F5344CB8AC3E}">
+        <p14:creationId xmlns:p14="http://schemas.microsoft.com/office/powerpoint/2010/main" val="1672426001"/>
+      </p:ext>
+    </p:extLst>
+  </p:cSld>
+  <p:clrMapOvr>
+    <a:masterClrMapping/>
+  </p:clrMapOvr>
+</p:sld>
+</file>
+
+<file path=ppt/slides/slide5.xml><?xml version="1.0" encoding="utf-8"?>
+<p:sld xmlns:a="http://schemas.openxmlformats.org/drawingml/2006/main" xmlns:r="http://schemas.openxmlformats.org/officeDocument/2006/relationships" xmlns:p="http://schemas.openxmlformats.org/presentationml/2006/main">
+  <p:cSld>
+    <p:spTree>
+      <p:nvGrpSpPr>
+        <p:cNvPr id="1" name=""/>
+        <p:cNvGrpSpPr/>
+        <p:nvPr/>
+      </p:nvGrpSpPr>
+      <p:grpSpPr>
+        <a:xfrm>
+          <a:off x="0" y="0"/>
+          <a:ext cx="0" cy="0"/>
+          <a:chOff x="0" y="0"/>
+          <a:chExt cx="0" cy="0"/>
+        </a:xfrm>
+      </p:grpSpPr>
+      <p:sp>
+        <p:nvSpPr>
+          <p:cNvPr id="8" name="직사각형 7">
+            <a:extLst>
+              <a:ext uri="{FF2B5EF4-FFF2-40B4-BE49-F238E27FC236}">
+                <a16:creationId xmlns:a16="http://schemas.microsoft.com/office/drawing/2014/main" id="{DFBEAA6E-A32F-42F3-A86F-FB0C5B8608AB}"/>
+              </a:ext>
+            </a:extLst>
+          </p:cNvPr>
+          <p:cNvSpPr/>
+          <p:nvPr/>
+        </p:nvSpPr>
+        <p:spPr>
+          <a:xfrm>
+            <a:off x="0" y="339365"/>
+            <a:ext cx="3619893" cy="1221117"/>
+          </a:xfrm>
+          <a:prstGeom prst="rect">
+            <a:avLst/>
+          </a:prstGeom>
+          <a:solidFill>
+            <a:schemeClr val="tx1"/>
+          </a:solidFill>
+          <a:ln>
+            <a:solidFill>
+              <a:schemeClr val="tx1"/>
+            </a:solidFill>
+          </a:ln>
+        </p:spPr>
+        <p:style>
+          <a:lnRef idx="2">
+            <a:schemeClr val="accent1">
+              <a:shade val="50000"/>
+            </a:schemeClr>
+          </a:lnRef>
+          <a:fillRef idx="1">
+            <a:schemeClr val="accent1"/>
+          </a:fillRef>
+          <a:effectRef idx="0">
+            <a:schemeClr val="accent1"/>
+          </a:effectRef>
+          <a:fontRef idx="minor">
+            <a:schemeClr val="lt1"/>
+          </a:fontRef>
+        </p:style>
+        <p:txBody>
+          <a:bodyPr rtlCol="0" anchor="ctr"/>
+          <a:lstStyle/>
+          <a:p>
+            <a:pPr algn="ctr"/>
+            <a:r>
+              <a:rPr lang="ko-KR" altLang="en-US" sz="4400" dirty="0">
+                <a:solidFill>
+                  <a:schemeClr val="bg1"/>
+                </a:solidFill>
+                <a:latin typeface="태나다체 " panose="02000000000000000000" pitchFamily="2" charset="-127"/>
+                <a:ea typeface="태나다체 " panose="02000000000000000000" pitchFamily="2" charset="-127"/>
+              </a:rPr>
+              <a:t>해결방법</a:t>
+            </a:r>
+          </a:p>
+        </p:txBody>
+      </p:sp>
+      <p:sp>
+        <p:nvSpPr>
+          <p:cNvPr id="4" name="직사각형 3">
+            <a:extLst>
+              <a:ext uri="{FF2B5EF4-FFF2-40B4-BE49-F238E27FC236}">
+                <a16:creationId xmlns:a16="http://schemas.microsoft.com/office/drawing/2014/main" id="{0608AA6E-976D-4BE9-9B8B-3AADAEF05644}"/>
+              </a:ext>
+            </a:extLst>
+          </p:cNvPr>
+          <p:cNvSpPr/>
+          <p:nvPr/>
+        </p:nvSpPr>
+        <p:spPr>
+          <a:xfrm>
+            <a:off x="2969182" y="3304689"/>
+            <a:ext cx="6253635" cy="1107996"/>
+          </a:xfrm>
+          <a:prstGeom prst="rect">
+            <a:avLst/>
+          </a:prstGeom>
+        </p:spPr>
+        <p:txBody>
+          <a:bodyPr wrap="none">
+            <a:spAutoFit/>
+          </a:bodyPr>
+          <a:lstStyle/>
+          <a:p>
+            <a:r>
+              <a:rPr lang="ko-KR" altLang="en-US" sz="6600" dirty="0">
+                <a:latin typeface="배달의민족 주아" panose="02020603020101020101" pitchFamily="18" charset="-127"/>
+                <a:ea typeface="배달의민족 주아" panose="02020603020101020101" pitchFamily="18" charset="-127"/>
+              </a:rPr>
+              <a:t>안 멈추게 하려면</a:t>
+            </a:r>
+            <a:r>
+              <a:rPr lang="en-US" altLang="ko-KR" sz="6600" dirty="0">
+                <a:latin typeface="배달의민족 주아" panose="02020603020101020101" pitchFamily="18" charset="-127"/>
+                <a:ea typeface="배달의민족 주아" panose="02020603020101020101" pitchFamily="18" charset="-127"/>
+              </a:rPr>
+              <a:t>….</a:t>
+            </a:r>
+            <a:endParaRPr lang="ko-KR" altLang="en-US" sz="6600" dirty="0">
+              <a:latin typeface="배달의민족 주아" panose="02020603020101020101" pitchFamily="18" charset="-127"/>
+              <a:ea typeface="배달의민족 주아" panose="02020603020101020101" pitchFamily="18" charset="-127"/>
+            </a:endParaRPr>
+          </a:p>
+        </p:txBody>
+      </p:sp>
+    </p:spTree>
+    <p:extLst>
+      <p:ext uri="{BB962C8B-B14F-4D97-AF65-F5344CB8AC3E}">
+        <p14:creationId xmlns:p14="http://schemas.microsoft.com/office/powerpoint/2010/main" val="3294900897"/>
+      </p:ext>
+    </p:extLst>
+  </p:cSld>
+  <p:clrMapOvr>
+    <a:masterClrMapping/>
+  </p:clrMapOvr>
+</p:sld>
+</file>
+
+<file path=ppt/slides/slide6.xml><?xml version="1.0" encoding="utf-8"?>
+<p:sld xmlns:a="http://schemas.openxmlformats.org/drawingml/2006/main" xmlns:r="http://schemas.openxmlformats.org/officeDocument/2006/relationships" xmlns:p="http://schemas.openxmlformats.org/presentationml/2006/main">
+  <p:cSld>
+    <p:spTree>
+      <p:nvGrpSpPr>
+        <p:cNvPr id="1" name=""/>
+        <p:cNvGrpSpPr/>
+        <p:nvPr/>
+      </p:nvGrpSpPr>
+      <p:grpSpPr>
+        <a:xfrm>
+          <a:off x="0" y="0"/>
+          <a:ext cx="0" cy="0"/>
+          <a:chOff x="0" y="0"/>
+          <a:chExt cx="0" cy="0"/>
+        </a:xfrm>
+      </p:grpSpPr>
+      <p:sp>
+        <p:nvSpPr>
+          <p:cNvPr id="8" name="직사각형 7">
+            <a:extLst>
+              <a:ext uri="{FF2B5EF4-FFF2-40B4-BE49-F238E27FC236}">
+                <a16:creationId xmlns:a16="http://schemas.microsoft.com/office/drawing/2014/main" id="{DFBEAA6E-A32F-42F3-A86F-FB0C5B8608AB}"/>
+              </a:ext>
+            </a:extLst>
+          </p:cNvPr>
+          <p:cNvSpPr/>
+          <p:nvPr/>
+        </p:nvSpPr>
+        <p:spPr>
+          <a:xfrm>
+            <a:off x="0" y="339365"/>
+            <a:ext cx="3619893" cy="1221117"/>
+          </a:xfrm>
+          <a:prstGeom prst="rect">
+            <a:avLst/>
+          </a:prstGeom>
+          <a:solidFill>
+            <a:schemeClr val="tx1"/>
+          </a:solidFill>
+          <a:ln>
+            <a:solidFill>
+              <a:schemeClr val="tx1"/>
+            </a:solidFill>
+          </a:ln>
+        </p:spPr>
+        <p:style>
+          <a:lnRef idx="2">
+            <a:schemeClr val="accent1">
+              <a:shade val="50000"/>
+            </a:schemeClr>
+          </a:lnRef>
+          <a:fillRef idx="1">
+            <a:schemeClr val="accent1"/>
+          </a:fillRef>
+          <a:effectRef idx="0">
+            <a:schemeClr val="accent1"/>
+          </a:effectRef>
+          <a:fontRef idx="minor">
+            <a:schemeClr val="lt1"/>
+          </a:fontRef>
+        </p:style>
+        <p:txBody>
+          <a:bodyPr rtlCol="0" anchor="ctr"/>
+          <a:lstStyle/>
+          <a:p>
+            <a:pPr algn="ctr"/>
+            <a:r>
+              <a:rPr lang="ko-KR" altLang="en-US" sz="4400" dirty="0">
+                <a:solidFill>
+                  <a:schemeClr val="bg1"/>
+                </a:solidFill>
+                <a:latin typeface="태나다체 " panose="02000000000000000000" pitchFamily="2" charset="-127"/>
+                <a:ea typeface="태나다체 " panose="02000000000000000000" pitchFamily="2" charset="-127"/>
+              </a:rPr>
+              <a:t>해결방법</a:t>
+            </a:r>
+          </a:p>
+        </p:txBody>
+      </p:sp>
+      <p:sp>
+        <p:nvSpPr>
+          <p:cNvPr id="4" name="직사각형 3">
+            <a:extLst>
+              <a:ext uri="{FF2B5EF4-FFF2-40B4-BE49-F238E27FC236}">
+                <a16:creationId xmlns:a16="http://schemas.microsoft.com/office/drawing/2014/main" id="{0608AA6E-976D-4BE9-9B8B-3AADAEF05644}"/>
+              </a:ext>
+            </a:extLst>
+          </p:cNvPr>
+          <p:cNvSpPr/>
+          <p:nvPr/>
+        </p:nvSpPr>
+        <p:spPr>
+          <a:xfrm>
+            <a:off x="2921092" y="3266982"/>
+            <a:ext cx="6349815" cy="1107996"/>
+          </a:xfrm>
+          <a:prstGeom prst="rect">
+            <a:avLst/>
+          </a:prstGeom>
+        </p:spPr>
+        <p:txBody>
+          <a:bodyPr wrap="none">
+            <a:spAutoFit/>
+          </a:bodyPr>
+          <a:lstStyle/>
+          <a:p>
+            <a:r>
+              <a:rPr lang="ko-KR" altLang="en-US" sz="6600" dirty="0">
+                <a:latin typeface="배달의민족 주아" panose="02020603020101020101" pitchFamily="18" charset="-127"/>
+                <a:ea typeface="배달의민족 주아" panose="02020603020101020101" pitchFamily="18" charset="-127"/>
+              </a:rPr>
+              <a:t>비동기 함수를 쓰자</a:t>
+            </a:r>
+            <a:r>
+              <a:rPr lang="en-US" altLang="ko-KR" sz="6600" dirty="0">
+                <a:latin typeface="배달의민족 주아" panose="02020603020101020101" pitchFamily="18" charset="-127"/>
+                <a:ea typeface="배달의민족 주아" panose="02020603020101020101" pitchFamily="18" charset="-127"/>
+              </a:rPr>
+              <a:t>!</a:t>
+            </a:r>
+            <a:endParaRPr lang="ko-KR" altLang="en-US" sz="6600" dirty="0">
+              <a:latin typeface="배달의민족 주아" panose="02020603020101020101" pitchFamily="18" charset="-127"/>
+              <a:ea typeface="배달의민족 주아" panose="02020603020101020101" pitchFamily="18" charset="-127"/>
+            </a:endParaRPr>
+          </a:p>
+        </p:txBody>
+      </p:sp>
+    </p:spTree>
+    <p:extLst>
+      <p:ext uri="{BB962C8B-B14F-4D97-AF65-F5344CB8AC3E}">
+        <p14:creationId xmlns:p14="http://schemas.microsoft.com/office/powerpoint/2010/main" val="739212485"/>
+      </p:ext>
+    </p:extLst>
+  </p:cSld>
+  <p:clrMapOvr>
+    <a:masterClrMapping/>
+  </p:clrMapOvr>
+</p:sld>
+</file>
+
+<file path=ppt/slides/slide7.xml><?xml version="1.0" encoding="utf-8"?>
+<p:sld xmlns:a="http://schemas.openxmlformats.org/drawingml/2006/main" xmlns:r="http://schemas.openxmlformats.org/officeDocument/2006/relationships" xmlns:p="http://schemas.openxmlformats.org/presentationml/2006/main">
+  <p:cSld>
+    <p:spTree>
+      <p:nvGrpSpPr>
+        <p:cNvPr id="1" name=""/>
+        <p:cNvGrpSpPr/>
+        <p:nvPr/>
+      </p:nvGrpSpPr>
+      <p:grpSpPr>
+        <a:xfrm>
+          <a:off x="0" y="0"/>
+          <a:ext cx="0" cy="0"/>
+          <a:chOff x="0" y="0"/>
+          <a:chExt cx="0" cy="0"/>
+        </a:xfrm>
+      </p:grpSpPr>
+      <p:sp>
+        <p:nvSpPr>
+          <p:cNvPr id="8" name="직사각형 7">
+            <a:extLst>
+              <a:ext uri="{FF2B5EF4-FFF2-40B4-BE49-F238E27FC236}">
+                <a16:creationId xmlns:a16="http://schemas.microsoft.com/office/drawing/2014/main" id="{DFBEAA6E-A32F-42F3-A86F-FB0C5B8608AB}"/>
+              </a:ext>
+            </a:extLst>
+          </p:cNvPr>
+          <p:cNvSpPr/>
+          <p:nvPr/>
+        </p:nvSpPr>
+        <p:spPr>
+          <a:xfrm>
+            <a:off x="0" y="339365"/>
+            <a:ext cx="3619893" cy="1221117"/>
+          </a:xfrm>
+          <a:prstGeom prst="rect">
+            <a:avLst/>
+          </a:prstGeom>
+          <a:solidFill>
+            <a:schemeClr val="tx1"/>
+          </a:solidFill>
+          <a:ln>
+            <a:solidFill>
+              <a:schemeClr val="tx1"/>
+            </a:solidFill>
+          </a:ln>
+        </p:spPr>
+        <p:style>
+          <a:lnRef idx="2">
+            <a:schemeClr val="accent1">
+              <a:shade val="50000"/>
+            </a:schemeClr>
+          </a:lnRef>
+          <a:fillRef idx="1">
+            <a:schemeClr val="accent1"/>
+          </a:fillRef>
+          <a:effectRef idx="0">
+            <a:schemeClr val="accent1"/>
+          </a:effectRef>
+          <a:fontRef idx="minor">
+            <a:schemeClr val="lt1"/>
+          </a:fontRef>
+        </p:style>
+        <p:txBody>
+          <a:bodyPr rtlCol="0" anchor="ctr"/>
+          <a:lstStyle/>
+          <a:p>
+            <a:pPr algn="ctr"/>
+            <a:r>
               <a:rPr lang="ko-KR" altLang="en-US" sz="4400" dirty="0">
                 <a:solidFill>
                   <a:schemeClr val="bg1"/>
@@ -11010,8 +16461,8 @@
         </p:nvSpPr>
         <p:spPr>
           <a:xfrm>
-            <a:off x="2677530" y="3575551"/>
-            <a:ext cx="6836936" cy="769441"/>
+            <a:off x="3356401" y="3575551"/>
+            <a:ext cx="5479192" cy="769441"/>
           </a:xfrm>
           <a:prstGeom prst="rect">
             <a:avLst/>
@@ -11028,7 +16479,7 @@
                 <a:latin typeface="배달의민족 주아" panose="02020603020101020101" pitchFamily="18" charset="-127"/>
                 <a:ea typeface="배달의민족 주아" panose="02020603020101020101" pitchFamily="18" charset="-127"/>
               </a:rPr>
-              <a:t>Socket.SendAsync</a:t>
+              <a:t>Socket.Send</a:t>
             </a:r>
             <a:r>
               <a:rPr lang="en-US" altLang="ko-KR" sz="4400" dirty="0">

--- a/ServerLecture/PT/5강 비동기 소켓 프로그래밍.pptx
+++ b/ServerLecture/PT/5강 비동기 소켓 프로그래밍.pptx
@@ -245,7 +245,7 @@
           <a:p>
             <a:fld id="{C59D1008-A497-4655-820B-B486E3042A4D}" type="datetimeFigureOut">
               <a:rPr lang="ko-KR" altLang="en-US" smtClean="0"/>
-              <a:t>2023-09-05</a:t>
+              <a:t>2023-09-07</a:t>
             </a:fld>
             <a:endParaRPr lang="ko-KR" altLang="en-US"/>
           </a:p>
@@ -4187,7 +4187,7 @@
           <a:p>
             <a:fld id="{6CA98622-3661-4256-8D13-E3531EC52D61}" type="datetimeFigureOut">
               <a:rPr lang="ko-KR" altLang="en-US" smtClean="0"/>
-              <a:t>2023-09-05</a:t>
+              <a:t>2023-09-07</a:t>
             </a:fld>
             <a:endParaRPr lang="ko-KR" altLang="en-US"/>
           </a:p>
@@ -4385,7 +4385,7 @@
           <a:p>
             <a:fld id="{6CA98622-3661-4256-8D13-E3531EC52D61}" type="datetimeFigureOut">
               <a:rPr lang="ko-KR" altLang="en-US" smtClean="0"/>
-              <a:t>2023-09-05</a:t>
+              <a:t>2023-09-07</a:t>
             </a:fld>
             <a:endParaRPr lang="ko-KR" altLang="en-US"/>
           </a:p>
@@ -4593,7 +4593,7 @@
           <a:p>
             <a:fld id="{6CA98622-3661-4256-8D13-E3531EC52D61}" type="datetimeFigureOut">
               <a:rPr lang="ko-KR" altLang="en-US" smtClean="0"/>
-              <a:t>2023-09-05</a:t>
+              <a:t>2023-09-07</a:t>
             </a:fld>
             <a:endParaRPr lang="ko-KR" altLang="en-US"/>
           </a:p>
@@ -4791,7 +4791,7 @@
           <a:p>
             <a:fld id="{6CA98622-3661-4256-8D13-E3531EC52D61}" type="datetimeFigureOut">
               <a:rPr lang="ko-KR" altLang="en-US" smtClean="0"/>
-              <a:t>2023-09-05</a:t>
+              <a:t>2023-09-07</a:t>
             </a:fld>
             <a:endParaRPr lang="ko-KR" altLang="en-US"/>
           </a:p>
@@ -5066,7 +5066,7 @@
           <a:p>
             <a:fld id="{6CA98622-3661-4256-8D13-E3531EC52D61}" type="datetimeFigureOut">
               <a:rPr lang="ko-KR" altLang="en-US" smtClean="0"/>
-              <a:t>2023-09-05</a:t>
+              <a:t>2023-09-07</a:t>
             </a:fld>
             <a:endParaRPr lang="ko-KR" altLang="en-US"/>
           </a:p>
@@ -5331,7 +5331,7 @@
           <a:p>
             <a:fld id="{6CA98622-3661-4256-8D13-E3531EC52D61}" type="datetimeFigureOut">
               <a:rPr lang="ko-KR" altLang="en-US" smtClean="0"/>
-              <a:t>2023-09-05</a:t>
+              <a:t>2023-09-07</a:t>
             </a:fld>
             <a:endParaRPr lang="ko-KR" altLang="en-US"/>
           </a:p>
@@ -5743,7 +5743,7 @@
           <a:p>
             <a:fld id="{6CA98622-3661-4256-8D13-E3531EC52D61}" type="datetimeFigureOut">
               <a:rPr lang="ko-KR" altLang="en-US" smtClean="0"/>
-              <a:t>2023-09-05</a:t>
+              <a:t>2023-09-07</a:t>
             </a:fld>
             <a:endParaRPr lang="ko-KR" altLang="en-US"/>
           </a:p>
@@ -5884,7 +5884,7 @@
           <a:p>
             <a:fld id="{6CA98622-3661-4256-8D13-E3531EC52D61}" type="datetimeFigureOut">
               <a:rPr lang="ko-KR" altLang="en-US" smtClean="0"/>
-              <a:t>2023-09-05</a:t>
+              <a:t>2023-09-07</a:t>
             </a:fld>
             <a:endParaRPr lang="ko-KR" altLang="en-US"/>
           </a:p>
@@ -5997,7 +5997,7 @@
           <a:p>
             <a:fld id="{6CA98622-3661-4256-8D13-E3531EC52D61}" type="datetimeFigureOut">
               <a:rPr lang="ko-KR" altLang="en-US" smtClean="0"/>
-              <a:t>2023-09-05</a:t>
+              <a:t>2023-09-07</a:t>
             </a:fld>
             <a:endParaRPr lang="ko-KR" altLang="en-US"/>
           </a:p>
@@ -6308,7 +6308,7 @@
           <a:p>
             <a:fld id="{6CA98622-3661-4256-8D13-E3531EC52D61}" type="datetimeFigureOut">
               <a:rPr lang="ko-KR" altLang="en-US" smtClean="0"/>
-              <a:t>2023-09-05</a:t>
+              <a:t>2023-09-07</a:t>
             </a:fld>
             <a:endParaRPr lang="ko-KR" altLang="en-US"/>
           </a:p>
@@ -6596,7 +6596,7 @@
           <a:p>
             <a:fld id="{6CA98622-3661-4256-8D13-E3531EC52D61}" type="datetimeFigureOut">
               <a:rPr lang="ko-KR" altLang="en-US" smtClean="0"/>
-              <a:t>2023-09-05</a:t>
+              <a:t>2023-09-07</a:t>
             </a:fld>
             <a:endParaRPr lang="ko-KR" altLang="en-US"/>
           </a:p>
@@ -6837,7 +6837,7 @@
           <a:p>
             <a:fld id="{6CA98622-3661-4256-8D13-E3531EC52D61}" type="datetimeFigureOut">
               <a:rPr lang="ko-KR" altLang="en-US" smtClean="0"/>
-              <a:t>2023-09-05</a:t>
+              <a:t>2023-09-07</a:t>
             </a:fld>
             <a:endParaRPr lang="ko-KR" altLang="en-US"/>
           </a:p>

--- a/ServerLecture/PT/5강 비동기 소켓 프로그래밍.pptx
+++ b/ServerLecture/PT/5강 비동기 소켓 프로그래밍.pptx
@@ -15517,7 +15517,7 @@
         </p:nvSpPr>
         <p:spPr>
           <a:xfrm>
-            <a:off x="0" y="339365"/>
+            <a:off x="0" y="348792"/>
             <a:ext cx="3619893" cy="1221117"/>
           </a:xfrm>
           <a:prstGeom prst="rect">

--- a/ServerLecture/PT/5강 비동기 소켓 프로그래밍.pptx
+++ b/ServerLecture/PT/5강 비동기 소켓 프로그래밍.pptx
@@ -5,7 +5,7 @@
     <p:sldMasterId id="2147483648" r:id="rId1"/>
   </p:sldMasterIdLst>
   <p:notesMasterIdLst>
-    <p:notesMasterId r:id="rId51"/>
+    <p:notesMasterId r:id="rId50"/>
   </p:notesMasterIdLst>
   <p:sldIdLst>
     <p:sldId id="257" r:id="rId2"/>
@@ -56,7 +56,6 @@
     <p:sldId id="342" r:id="rId47"/>
     <p:sldId id="343" r:id="rId48"/>
     <p:sldId id="344" r:id="rId49"/>
-    <p:sldId id="305" r:id="rId50"/>
   </p:sldIdLst>
   <p:sldSz cx="12192000" cy="6858000"/>
   <p:notesSz cx="6858000" cy="9144000"/>
@@ -3527,90 +3526,6 @@
     <p:extLst>
       <p:ext uri="{BB962C8B-B14F-4D97-AF65-F5344CB8AC3E}">
         <p14:creationId xmlns:p14="http://schemas.microsoft.com/office/powerpoint/2010/main" val="959400072"/>
-      </p:ext>
-    </p:extLst>
-  </p:cSld>
-  <p:clrMapOvr>
-    <a:masterClrMapping/>
-  </p:clrMapOvr>
-</p:notes>
-</file>
-
-<file path=ppt/notesSlides/notesSlide42.xml><?xml version="1.0" encoding="utf-8"?>
-<p:notes xmlns:a="http://schemas.openxmlformats.org/drawingml/2006/main" xmlns:r="http://schemas.openxmlformats.org/officeDocument/2006/relationships" xmlns:p="http://schemas.openxmlformats.org/presentationml/2006/main">
-  <p:cSld>
-    <p:spTree>
-      <p:nvGrpSpPr>
-        <p:cNvPr id="1" name=""/>
-        <p:cNvGrpSpPr/>
-        <p:nvPr/>
-      </p:nvGrpSpPr>
-      <p:grpSpPr>
-        <a:xfrm>
-          <a:off x="0" y="0"/>
-          <a:ext cx="0" cy="0"/>
-          <a:chOff x="0" y="0"/>
-          <a:chExt cx="0" cy="0"/>
-        </a:xfrm>
-      </p:grpSpPr>
-      <p:sp>
-        <p:nvSpPr>
-          <p:cNvPr id="2" name="슬라이드 이미지 개체 틀 1"/>
-          <p:cNvSpPr>
-            <a:spLocks noGrp="1" noRot="1" noChangeAspect="1"/>
-          </p:cNvSpPr>
-          <p:nvPr>
-            <p:ph type="sldImg"/>
-          </p:nvPr>
-        </p:nvSpPr>
-        <p:spPr/>
-      </p:sp>
-      <p:sp>
-        <p:nvSpPr>
-          <p:cNvPr id="3" name="슬라이드 노트 개체 틀 2"/>
-          <p:cNvSpPr>
-            <a:spLocks noGrp="1"/>
-          </p:cNvSpPr>
-          <p:nvPr>
-            <p:ph type="body" idx="1"/>
-          </p:nvPr>
-        </p:nvSpPr>
-        <p:spPr/>
-        <p:txBody>
-          <a:bodyPr/>
-          <a:lstStyle/>
-          <a:p>
-            <a:endParaRPr lang="ko-KR" altLang="en-US" dirty="0"/>
-          </a:p>
-        </p:txBody>
-      </p:sp>
-      <p:sp>
-        <p:nvSpPr>
-          <p:cNvPr id="4" name="슬라이드 번호 개체 틀 3"/>
-          <p:cNvSpPr>
-            <a:spLocks noGrp="1"/>
-          </p:cNvSpPr>
-          <p:nvPr>
-            <p:ph type="sldNum" sz="quarter" idx="5"/>
-          </p:nvPr>
-        </p:nvSpPr>
-        <p:spPr/>
-        <p:txBody>
-          <a:bodyPr/>
-          <a:lstStyle/>
-          <a:p>
-            <a:fld id="{D8DCC404-E41A-4BC0-921C-BBFB3AB1AB4E}" type="slidenum">
-              <a:rPr lang="ko-KR" altLang="en-US" smtClean="0"/>
-              <a:t>49</a:t>
-            </a:fld>
-            <a:endParaRPr lang="ko-KR" altLang="en-US"/>
-          </a:p>
-        </p:txBody>
-      </p:sp>
-    </p:spTree>
-    <p:extLst>
-      <p:ext uri="{BB962C8B-B14F-4D97-AF65-F5344CB8AC3E}">
-        <p14:creationId xmlns:p14="http://schemas.microsoft.com/office/powerpoint/2010/main" val="260172559"/>
       </p:ext>
     </p:extLst>
   </p:cSld>
@@ -15613,373 +15528,6 @@
     <p:extLst>
       <p:ext uri="{BB962C8B-B14F-4D97-AF65-F5344CB8AC3E}">
         <p14:creationId xmlns:p14="http://schemas.microsoft.com/office/powerpoint/2010/main" val="113951670"/>
-      </p:ext>
-    </p:extLst>
-  </p:cSld>
-  <p:clrMapOvr>
-    <a:masterClrMapping/>
-  </p:clrMapOvr>
-</p:sld>
-</file>
-
-<file path=ppt/slides/slide49.xml><?xml version="1.0" encoding="utf-8"?>
-<p:sld xmlns:a="http://schemas.openxmlformats.org/drawingml/2006/main" xmlns:r="http://schemas.openxmlformats.org/officeDocument/2006/relationships" xmlns:p="http://schemas.openxmlformats.org/presentationml/2006/main">
-  <p:cSld>
-    <p:spTree>
-      <p:nvGrpSpPr>
-        <p:cNvPr id="1" name=""/>
-        <p:cNvGrpSpPr/>
-        <p:nvPr/>
-      </p:nvGrpSpPr>
-      <p:grpSpPr>
-        <a:xfrm>
-          <a:off x="0" y="0"/>
-          <a:ext cx="0" cy="0"/>
-          <a:chOff x="0" y="0"/>
-          <a:chExt cx="0" cy="0"/>
-        </a:xfrm>
-      </p:grpSpPr>
-      <p:sp>
-        <p:nvSpPr>
-          <p:cNvPr id="16" name="직사각형 15">
-            <a:extLst>
-              <a:ext uri="{FF2B5EF4-FFF2-40B4-BE49-F238E27FC236}">
-                <a16:creationId xmlns:a16="http://schemas.microsoft.com/office/drawing/2014/main" id="{B89DD7D4-9ED1-4D39-BC0C-EA5A5B8B6EF9}"/>
-              </a:ext>
-            </a:extLst>
-          </p:cNvPr>
-          <p:cNvSpPr/>
-          <p:nvPr/>
-        </p:nvSpPr>
-        <p:spPr>
-          <a:xfrm>
-            <a:off x="188540" y="197967"/>
-            <a:ext cx="12192000" cy="6858000"/>
-          </a:xfrm>
-          <a:prstGeom prst="rect">
-            <a:avLst/>
-          </a:prstGeom>
-          <a:solidFill>
-            <a:schemeClr val="tx1">
-              <a:alpha val="65000"/>
-            </a:schemeClr>
-          </a:solidFill>
-          <a:ln>
-            <a:solidFill>
-              <a:schemeClr val="tx1"/>
-            </a:solidFill>
-          </a:ln>
-        </p:spPr>
-        <p:style>
-          <a:lnRef idx="2">
-            <a:schemeClr val="accent1">
-              <a:shade val="50000"/>
-            </a:schemeClr>
-          </a:lnRef>
-          <a:fillRef idx="1">
-            <a:schemeClr val="accent1"/>
-          </a:fillRef>
-          <a:effectRef idx="0">
-            <a:schemeClr val="accent1"/>
-          </a:effectRef>
-          <a:fontRef idx="minor">
-            <a:schemeClr val="lt1"/>
-          </a:fontRef>
-        </p:style>
-        <p:txBody>
-          <a:bodyPr rtlCol="0" anchor="ctr"/>
-          <a:lstStyle/>
-          <a:p>
-            <a:pPr algn="ctr"/>
-            <a:endParaRPr lang="ko-KR" altLang="en-US" sz="1600" dirty="0"/>
-          </a:p>
-        </p:txBody>
-      </p:sp>
-      <p:sp>
-        <p:nvSpPr>
-          <p:cNvPr id="4" name="직사각형 3">
-            <a:extLst>
-              <a:ext uri="{FF2B5EF4-FFF2-40B4-BE49-F238E27FC236}">
-                <a16:creationId xmlns:a16="http://schemas.microsoft.com/office/drawing/2014/main" id="{CA35C8A5-4B03-43E5-B493-90F4E795A7AE}"/>
-              </a:ext>
-            </a:extLst>
-          </p:cNvPr>
-          <p:cNvSpPr/>
-          <p:nvPr/>
-        </p:nvSpPr>
-        <p:spPr>
-          <a:xfrm>
-            <a:off x="0" y="339365"/>
-            <a:ext cx="3619893" cy="1221117"/>
-          </a:xfrm>
-          <a:prstGeom prst="rect">
-            <a:avLst/>
-          </a:prstGeom>
-          <a:solidFill>
-            <a:schemeClr val="tx1"/>
-          </a:solidFill>
-          <a:ln>
-            <a:solidFill>
-              <a:schemeClr val="tx1"/>
-            </a:solidFill>
-          </a:ln>
-        </p:spPr>
-        <p:style>
-          <a:lnRef idx="2">
-            <a:schemeClr val="accent1">
-              <a:shade val="50000"/>
-            </a:schemeClr>
-          </a:lnRef>
-          <a:fillRef idx="1">
-            <a:schemeClr val="accent1"/>
-          </a:fillRef>
-          <a:effectRef idx="0">
-            <a:schemeClr val="accent1"/>
-          </a:effectRef>
-          <a:fontRef idx="minor">
-            <a:schemeClr val="lt1"/>
-          </a:fontRef>
-        </p:style>
-        <p:txBody>
-          <a:bodyPr rtlCol="0" anchor="ctr"/>
-          <a:lstStyle/>
-          <a:p>
-            <a:pPr algn="ctr"/>
-            <a:r>
-              <a:rPr lang="en-US" altLang="ko-KR" sz="4400" dirty="0">
-                <a:solidFill>
-                  <a:schemeClr val="bg1"/>
-                </a:solidFill>
-                <a:latin typeface="태나다체 " panose="02000000000000000000" pitchFamily="2" charset="-127"/>
-                <a:ea typeface="태나다체 " panose="02000000000000000000" pitchFamily="2" charset="-127"/>
-              </a:rPr>
-              <a:t>title</a:t>
-            </a:r>
-            <a:endParaRPr lang="ko-KR" altLang="en-US" sz="4400" dirty="0">
-              <a:solidFill>
-                <a:schemeClr val="bg1"/>
-              </a:solidFill>
-              <a:latin typeface="태나다체 " panose="02000000000000000000" pitchFamily="2" charset="-127"/>
-              <a:ea typeface="태나다체 " panose="02000000000000000000" pitchFamily="2" charset="-127"/>
-            </a:endParaRPr>
-          </a:p>
-        </p:txBody>
-      </p:sp>
-      <p:sp>
-        <p:nvSpPr>
-          <p:cNvPr id="11" name="직사각형 10">
-            <a:extLst>
-              <a:ext uri="{FF2B5EF4-FFF2-40B4-BE49-F238E27FC236}">
-                <a16:creationId xmlns:a16="http://schemas.microsoft.com/office/drawing/2014/main" id="{6C22D0AA-FCE8-49A4-888D-F1CCB0BBB1BD}"/>
-              </a:ext>
-            </a:extLst>
-          </p:cNvPr>
-          <p:cNvSpPr/>
-          <p:nvPr/>
-        </p:nvSpPr>
-        <p:spPr>
-          <a:xfrm>
-            <a:off x="0" y="2582771"/>
-            <a:ext cx="12192000" cy="1692458"/>
-          </a:xfrm>
-          <a:prstGeom prst="rect">
-            <a:avLst/>
-          </a:prstGeom>
-          <a:solidFill>
-            <a:schemeClr val="tx1"/>
-          </a:solidFill>
-          <a:ln>
-            <a:solidFill>
-              <a:schemeClr val="tx1"/>
-            </a:solidFill>
-          </a:ln>
-        </p:spPr>
-        <p:style>
-          <a:lnRef idx="2">
-            <a:schemeClr val="accent1">
-              <a:shade val="50000"/>
-            </a:schemeClr>
-          </a:lnRef>
-          <a:fillRef idx="1">
-            <a:schemeClr val="accent1"/>
-          </a:fillRef>
-          <a:effectRef idx="0">
-            <a:schemeClr val="accent1"/>
-          </a:effectRef>
-          <a:fontRef idx="minor">
-            <a:schemeClr val="lt1"/>
-          </a:fontRef>
-        </p:style>
-        <p:txBody>
-          <a:bodyPr rtlCol="0" anchor="ctr"/>
-          <a:lstStyle>
-            <a:defPPr>
-              <a:defRPr lang="ko-KR"/>
-            </a:defPPr>
-            <a:lvl1pPr marL="0" algn="l" defTabSz="914400" rtl="0" eaLnBrk="1" latinLnBrk="1" hangingPunct="1">
-              <a:defRPr sz="1800" kern="1200">
-                <a:solidFill>
-                  <a:schemeClr val="lt1"/>
-                </a:solidFill>
-                <a:latin typeface="+mn-lt"/>
-                <a:ea typeface="+mn-ea"/>
-                <a:cs typeface="+mn-cs"/>
-              </a:defRPr>
-            </a:lvl1pPr>
-            <a:lvl2pPr marL="457200" algn="l" defTabSz="914400" rtl="0" eaLnBrk="1" latinLnBrk="1" hangingPunct="1">
-              <a:defRPr sz="1800" kern="1200">
-                <a:solidFill>
-                  <a:schemeClr val="lt1"/>
-                </a:solidFill>
-                <a:latin typeface="+mn-lt"/>
-                <a:ea typeface="+mn-ea"/>
-                <a:cs typeface="+mn-cs"/>
-              </a:defRPr>
-            </a:lvl2pPr>
-            <a:lvl3pPr marL="914400" algn="l" defTabSz="914400" rtl="0" eaLnBrk="1" latinLnBrk="1" hangingPunct="1">
-              <a:defRPr sz="1800" kern="1200">
-                <a:solidFill>
-                  <a:schemeClr val="lt1"/>
-                </a:solidFill>
-                <a:latin typeface="+mn-lt"/>
-                <a:ea typeface="+mn-ea"/>
-                <a:cs typeface="+mn-cs"/>
-              </a:defRPr>
-            </a:lvl3pPr>
-            <a:lvl4pPr marL="1371600" algn="l" defTabSz="914400" rtl="0" eaLnBrk="1" latinLnBrk="1" hangingPunct="1">
-              <a:defRPr sz="1800" kern="1200">
-                <a:solidFill>
-                  <a:schemeClr val="lt1"/>
-                </a:solidFill>
-                <a:latin typeface="+mn-lt"/>
-                <a:ea typeface="+mn-ea"/>
-                <a:cs typeface="+mn-cs"/>
-              </a:defRPr>
-            </a:lvl4pPr>
-            <a:lvl5pPr marL="1828800" algn="l" defTabSz="914400" rtl="0" eaLnBrk="1" latinLnBrk="1" hangingPunct="1">
-              <a:defRPr sz="1800" kern="1200">
-                <a:solidFill>
-                  <a:schemeClr val="lt1"/>
-                </a:solidFill>
-                <a:latin typeface="+mn-lt"/>
-                <a:ea typeface="+mn-ea"/>
-                <a:cs typeface="+mn-cs"/>
-              </a:defRPr>
-            </a:lvl5pPr>
-            <a:lvl6pPr marL="2286000" algn="l" defTabSz="914400" rtl="0" eaLnBrk="1" latinLnBrk="1" hangingPunct="1">
-              <a:defRPr sz="1800" kern="1200">
-                <a:solidFill>
-                  <a:schemeClr val="lt1"/>
-                </a:solidFill>
-                <a:latin typeface="+mn-lt"/>
-                <a:ea typeface="+mn-ea"/>
-                <a:cs typeface="+mn-cs"/>
-              </a:defRPr>
-            </a:lvl6pPr>
-            <a:lvl7pPr marL="2743200" algn="l" defTabSz="914400" rtl="0" eaLnBrk="1" latinLnBrk="1" hangingPunct="1">
-              <a:defRPr sz="1800" kern="1200">
-                <a:solidFill>
-                  <a:schemeClr val="lt1"/>
-                </a:solidFill>
-                <a:latin typeface="+mn-lt"/>
-                <a:ea typeface="+mn-ea"/>
-                <a:cs typeface="+mn-cs"/>
-              </a:defRPr>
-            </a:lvl7pPr>
-            <a:lvl8pPr marL="3200400" algn="l" defTabSz="914400" rtl="0" eaLnBrk="1" latinLnBrk="1" hangingPunct="1">
-              <a:defRPr sz="1800" kern="1200">
-                <a:solidFill>
-                  <a:schemeClr val="lt1"/>
-                </a:solidFill>
-                <a:latin typeface="+mn-lt"/>
-                <a:ea typeface="+mn-ea"/>
-                <a:cs typeface="+mn-cs"/>
-              </a:defRPr>
-            </a:lvl8pPr>
-            <a:lvl9pPr marL="3657600" algn="l" defTabSz="914400" rtl="0" eaLnBrk="1" latinLnBrk="1" hangingPunct="1">
-              <a:defRPr sz="1800" kern="1200">
-                <a:solidFill>
-                  <a:schemeClr val="lt1"/>
-                </a:solidFill>
-                <a:latin typeface="+mn-lt"/>
-                <a:ea typeface="+mn-ea"/>
-                <a:cs typeface="+mn-cs"/>
-              </a:defRPr>
-            </a:lvl9pPr>
-          </a:lstStyle>
-          <a:p>
-            <a:pPr algn="ctr"/>
-            <a:r>
-              <a:rPr lang="en-US" altLang="ko-KR" sz="4800" dirty="0">
-                <a:solidFill>
-                  <a:schemeClr val="bg1"/>
-                </a:solidFill>
-                <a:latin typeface="태나다체 " panose="02000000000000000000" pitchFamily="2" charset="-127"/>
-                <a:ea typeface="태나다체 " panose="02000000000000000000" pitchFamily="2" charset="-127"/>
-              </a:rPr>
-              <a:t>embed</a:t>
-            </a:r>
-            <a:endParaRPr lang="ko-KR" altLang="en-US" sz="4800" dirty="0">
-              <a:solidFill>
-                <a:schemeClr val="bg1"/>
-              </a:solidFill>
-              <a:latin typeface="태나다체 " panose="02000000000000000000" pitchFamily="2" charset="-127"/>
-              <a:ea typeface="태나다체 " panose="02000000000000000000" pitchFamily="2" charset="-127"/>
-            </a:endParaRPr>
-          </a:p>
-        </p:txBody>
-      </p:sp>
-      <p:sp>
-        <p:nvSpPr>
-          <p:cNvPr id="17" name="직사각형 16">
-            <a:extLst>
-              <a:ext uri="{FF2B5EF4-FFF2-40B4-BE49-F238E27FC236}">
-                <a16:creationId xmlns:a16="http://schemas.microsoft.com/office/drawing/2014/main" id="{6421B016-1033-4C6F-947D-8DF71B6D0E2F}"/>
-              </a:ext>
-            </a:extLst>
-          </p:cNvPr>
-          <p:cNvSpPr/>
-          <p:nvPr/>
-        </p:nvSpPr>
-        <p:spPr>
-          <a:xfrm>
-            <a:off x="4822927" y="1098817"/>
-            <a:ext cx="2546146" cy="923330"/>
-          </a:xfrm>
-          <a:prstGeom prst="rect">
-            <a:avLst/>
-          </a:prstGeom>
-        </p:spPr>
-        <p:txBody>
-          <a:bodyPr wrap="none">
-            <a:spAutoFit/>
-          </a:bodyPr>
-          <a:lstStyle/>
-          <a:p>
-            <a:r>
-              <a:rPr lang="en-US" altLang="ko-KR" sz="5400" dirty="0">
-                <a:solidFill>
-                  <a:schemeClr val="bg1"/>
-                </a:solidFill>
-                <a:latin typeface="배달의민족 주아" panose="02020603020101020101" pitchFamily="18" charset="-127"/>
-                <a:ea typeface="배달의민족 주아" panose="02020603020101020101" pitchFamily="18" charset="-127"/>
-              </a:rPr>
-              <a:t>content</a:t>
-            </a:r>
-            <a:endParaRPr lang="ko-KR" altLang="en-US" sz="5400" dirty="0">
-              <a:solidFill>
-                <a:schemeClr val="bg1"/>
-              </a:solidFill>
-              <a:latin typeface="배달의민족 주아" panose="02020603020101020101" pitchFamily="18" charset="-127"/>
-              <a:ea typeface="배달의민족 주아" panose="02020603020101020101" pitchFamily="18" charset="-127"/>
-            </a:endParaRPr>
-          </a:p>
-        </p:txBody>
-      </p:sp>
-    </p:spTree>
-    <p:extLst>
-      <p:ext uri="{BB962C8B-B14F-4D97-AF65-F5344CB8AC3E}">
-        <p14:creationId xmlns:p14="http://schemas.microsoft.com/office/powerpoint/2010/main" val="1672426001"/>
       </p:ext>
     </p:extLst>
   </p:cSld>
